--- a/Donita/CouchDB.pptx
+++ b/Donita/CouchDB.pptx
@@ -5,10 +5,10 @@
     <p:sldMasterId id="2147483648" r:id="rId2"/>
   </p:sldMasterIdLst>
   <p:notesMasterIdLst>
-    <p:notesMasterId r:id="rId14"/>
+    <p:notesMasterId r:id="rId23"/>
   </p:notesMasterIdLst>
   <p:handoutMasterIdLst>
-    <p:handoutMasterId r:id="rId15"/>
+    <p:handoutMasterId r:id="rId24"/>
   </p:handoutMasterIdLst>
   <p:sldIdLst>
     <p:sldId id="256" r:id="rId3"/>
@@ -22,6 +22,15 @@
     <p:sldId id="263" r:id="rId11"/>
     <p:sldId id="264" r:id="rId12"/>
     <p:sldId id="267" r:id="rId13"/>
+    <p:sldId id="268" r:id="rId14"/>
+    <p:sldId id="271" r:id="rId15"/>
+    <p:sldId id="273" r:id="rId16"/>
+    <p:sldId id="274" r:id="rId17"/>
+    <p:sldId id="275" r:id="rId18"/>
+    <p:sldId id="276" r:id="rId19"/>
+    <p:sldId id="277" r:id="rId20"/>
+    <p:sldId id="272" r:id="rId21"/>
+    <p:sldId id="278" r:id="rId22"/>
   </p:sldIdLst>
   <p:sldSz cx="9144000" cy="6858000" type="screen4x3"/>
   <p:notesSz cx="6858000" cy="9144000"/>
@@ -169,6 +178,32 @@
 </p:presentation>
 </file>
 
+<file path=ppt/commentAuthors.xml><?xml version="1.0" encoding="utf-8"?>
+<p:cmAuthorLst xmlns:a="http://schemas.openxmlformats.org/drawingml/2006/main" xmlns:r="http://schemas.openxmlformats.org/officeDocument/2006/relationships" xmlns:p="http://schemas.openxmlformats.org/presentationml/2006/main">
+  <p:cmAuthor id="1" name="Donita Almeida" initials="DA" lastIdx="1" clrIdx="0">
+    <p:extLst>
+      <p:ext uri="{19B8F6BF-5375-455C-9EA6-DF929625EA0E}">
+        <p15:presenceInfo xmlns:p15="http://schemas.microsoft.com/office/powerpoint/2012/main" userId="b9e02739a4763f89" providerId="Windows Live"/>
+      </p:ext>
+    </p:extLst>
+  </p:cmAuthor>
+</p:cmAuthorLst>
+</file>
+
+<file path=ppt/comments/comment1.xml><?xml version="1.0" encoding="utf-8"?>
+<p:cmLst xmlns:a="http://schemas.openxmlformats.org/drawingml/2006/main" xmlns:r="http://schemas.openxmlformats.org/officeDocument/2006/relationships" xmlns:p="http://schemas.openxmlformats.org/presentationml/2006/main">
+  <p:cm authorId="1" dt="2016-04-15T19:00:21.793" idx="1">
+    <p:pos x="10" y="10"/>
+    <p:text>When you replicate two databases in CouchDB and you have conflicting changes, CouchDB will detect this and will flag the affected document with the special attribute "_conflicts":true. Next, CouchDB determines which of the changes will be stored as the latest revision (remember, documents in CouchDB are versioned). The version that gets picked to be the latest revision is the winning revision. The losing revision gets stored as the previous revision.</p:text>
+    <p:extLst>
+      <p:ext uri="{C676402C-5697-4E1C-873F-D02D1690AC5C}">
+        <p15:threadingInfo xmlns:p15="http://schemas.microsoft.com/office/powerpoint/2012/main" timeZoneBias="420"/>
+      </p:ext>
+    </p:extLst>
+  </p:cm>
+</p:cmLst>
+</file>
+
 <file path=ppt/handoutMasters/handoutMaster1.xml><?xml version="1.0" encoding="utf-8"?>
 <p:handoutMaster xmlns:a="http://schemas.openxmlformats.org/drawingml/2006/main" xmlns:r="http://schemas.openxmlformats.org/officeDocument/2006/relationships" xmlns:p="http://schemas.openxmlformats.org/presentationml/2006/main">
   <p:cSld>
@@ -1052,6 +1087,91 @@
     </a:lvl9pPr>
   </p:notesStyle>
 </p:notesMaster>
+</file>
+
+<file path=ppt/notesSlides/notesSlide1.xml><?xml version="1.0" encoding="utf-8"?>
+<p:notes xmlns:a="http://schemas.openxmlformats.org/drawingml/2006/main" xmlns:r="http://schemas.openxmlformats.org/officeDocument/2006/relationships" xmlns:p="http://schemas.openxmlformats.org/presentationml/2006/main">
+  <p:cSld>
+    <p:spTree>
+      <p:nvGrpSpPr>
+        <p:cNvPr id="1" name=""/>
+        <p:cNvGrpSpPr/>
+        <p:nvPr/>
+      </p:nvGrpSpPr>
+      <p:grpSpPr>
+        <a:xfrm>
+          <a:off x="0" y="0"/>
+          <a:ext cx="0" cy="0"/>
+          <a:chOff x="0" y="0"/>
+          <a:chExt cx="0" cy="0"/>
+        </a:xfrm>
+      </p:grpSpPr>
+      <p:sp>
+        <p:nvSpPr>
+          <p:cNvPr id="2" name="Slide Image Placeholder 1"/>
+          <p:cNvSpPr>
+            <a:spLocks noGrp="1" noRot="1" noChangeAspect="1"/>
+          </p:cNvSpPr>
+          <p:nvPr>
+            <p:ph type="sldImg"/>
+          </p:nvPr>
+        </p:nvSpPr>
+        <p:spPr/>
+      </p:sp>
+      <p:sp>
+        <p:nvSpPr>
+          <p:cNvPr id="3" name="Notes Placeholder 2"/>
+          <p:cNvSpPr>
+            <a:spLocks noGrp="1"/>
+          </p:cNvSpPr>
+          <p:nvPr>
+            <p:ph type="body" idx="1"/>
+          </p:nvPr>
+        </p:nvSpPr>
+        <p:spPr/>
+        <p:txBody>
+          <a:bodyPr/>
+          <a:lstStyle/>
+          <a:p>
+            <a:endParaRPr lang="en-IN"/>
+          </a:p>
+        </p:txBody>
+      </p:sp>
+      <p:sp>
+        <p:nvSpPr>
+          <p:cNvPr id="4" name="Slide Number Placeholder 3"/>
+          <p:cNvSpPr>
+            <a:spLocks noGrp="1"/>
+          </p:cNvSpPr>
+          <p:nvPr>
+            <p:ph type="sldNum" sz="quarter" idx="10"/>
+          </p:nvPr>
+        </p:nvSpPr>
+        <p:spPr/>
+        <p:txBody>
+          <a:bodyPr/>
+          <a:lstStyle/>
+          <a:p>
+            <a:fld id="{CEC76FE6-18FF-4904-A79F-D11B604C1BF0}" type="slidenum">
+              <a:rPr lang="en-US" smtClean="0"/>
+              <a:pPr/>
+              <a:t>12</a:t>
+            </a:fld>
+            <a:endParaRPr lang="en-US"/>
+          </a:p>
+        </p:txBody>
+      </p:sp>
+    </p:spTree>
+    <p:extLst>
+      <p:ext uri="{BB962C8B-B14F-4D97-AF65-F5344CB8AC3E}">
+        <p14:creationId xmlns:p14="http://schemas.microsoft.com/office/powerpoint/2010/main" val="625493372"/>
+      </p:ext>
+    </p:extLst>
+  </p:cSld>
+  <p:clrMapOvr>
+    <a:masterClrMapping/>
+  </p:clrMapOvr>
+</p:notes>
 </file>
 
 <file path=ppt/slideLayouts/slideLayout1.xml><?xml version="1.0" encoding="utf-8"?>
@@ -4383,21 +4503,13 @@
           <a:p>
             <a:r>
               <a:rPr lang="en-US" sz="2000" dirty="0"/>
-              <a:t>Presented </a:t>
-            </a:r>
+              <a:t>Presented By</a:t>
+            </a:r>
+          </a:p>
+          <a:p>
             <a:r>
               <a:rPr lang="en-US" sz="2000" dirty="0"/>
-              <a:t>By</a:t>
-            </a:r>
-          </a:p>
-          <a:p>
-            <a:r>
-              <a:rPr lang="en-US" sz="2000" dirty="0"/>
-              <a:t>Team </a:t>
-            </a:r>
-            <a:r>
-              <a:rPr lang="en-US" sz="2000" dirty="0"/>
-              <a:t>9:</a:t>
+              <a:t>Team 9:</a:t>
             </a:r>
           </a:p>
           <a:p>
@@ -4710,16 +4822,20 @@
               <a:t>curl </a:t>
             </a:r>
             <a:r>
+              <a:rPr lang="en-IN" sz="2000" dirty="0" smtClean="0"/>
+              <a:t>–</a:t>
+            </a:r>
+            <a:r>
+              <a:rPr lang="en-IN" sz="2000" dirty="0" err="1" smtClean="0"/>
+              <a:t>vX</a:t>
+            </a:r>
+            <a:r>
+              <a:rPr lang="en-IN" sz="2000" dirty="0" smtClean="0"/>
+              <a:t> </a:t>
+            </a:r>
+            <a:r>
               <a:rPr lang="en-IN" sz="2000" dirty="0"/>
-              <a:t>-</a:t>
-            </a:r>
-            <a:r>
-              <a:rPr lang="en-IN" sz="2000" dirty="0" err="1"/>
-              <a:t>vX</a:t>
-            </a:r>
-            <a:r>
-              <a:rPr lang="en-IN" sz="2000" dirty="0"/>
-              <a:t> POST http://127.0.0.1:5984</a:t>
+              <a:t>POST http://127.0.0.1:5984</a:t>
             </a:r>
             <a:r>
               <a:rPr lang="en-IN" sz="2000" dirty="0" smtClean="0"/>
@@ -4762,6 +4878,1234 @@
     <p:extLst>
       <p:ext uri="{BB962C8B-B14F-4D97-AF65-F5344CB8AC3E}">
         <p14:creationId xmlns:p14="http://schemas.microsoft.com/office/powerpoint/2010/main" val="3616935363"/>
+      </p:ext>
+    </p:extLst>
+  </p:cSld>
+  <p:clrMapOvr>
+    <a:masterClrMapping/>
+  </p:clrMapOvr>
+</p:sld>
+</file>
+
+<file path=ppt/slides/slide12.xml><?xml version="1.0" encoding="utf-8"?>
+<p:sld xmlns:a="http://schemas.openxmlformats.org/drawingml/2006/main" xmlns:r="http://schemas.openxmlformats.org/officeDocument/2006/relationships" xmlns:p="http://schemas.openxmlformats.org/presentationml/2006/main">
+  <p:cSld>
+    <p:spTree>
+      <p:nvGrpSpPr>
+        <p:cNvPr id="1" name=""/>
+        <p:cNvGrpSpPr/>
+        <p:nvPr/>
+      </p:nvGrpSpPr>
+      <p:grpSpPr>
+        <a:xfrm>
+          <a:off x="0" y="0"/>
+          <a:ext cx="0" cy="0"/>
+          <a:chOff x="0" y="0"/>
+          <a:chExt cx="0" cy="0"/>
+        </a:xfrm>
+      </p:grpSpPr>
+      <p:sp>
+        <p:nvSpPr>
+          <p:cNvPr id="2" name="Title 1"/>
+          <p:cNvSpPr>
+            <a:spLocks noGrp="1"/>
+          </p:cNvSpPr>
+          <p:nvPr>
+            <p:ph type="title"/>
+          </p:nvPr>
+        </p:nvSpPr>
+        <p:spPr>
+          <a:xfrm>
+            <a:off x="1619672" y="228600"/>
+            <a:ext cx="6914728" cy="1040160"/>
+          </a:xfrm>
+        </p:spPr>
+        <p:txBody>
+          <a:bodyPr/>
+          <a:lstStyle/>
+          <a:p>
+            <a:r>
+              <a:rPr lang="en-IN" dirty="0" err="1" smtClean="0"/>
+              <a:t>CouchDB</a:t>
+            </a:r>
+            <a:r>
+              <a:rPr lang="en-IN" dirty="0" smtClean="0"/>
+              <a:t> Conflict Resolution</a:t>
+            </a:r>
+            <a:endParaRPr lang="en-IN" dirty="0"/>
+          </a:p>
+        </p:txBody>
+      </p:sp>
+      <p:sp>
+        <p:nvSpPr>
+          <p:cNvPr id="3" name="Content Placeholder 2"/>
+          <p:cNvSpPr>
+            <a:spLocks noGrp="1"/>
+          </p:cNvSpPr>
+          <p:nvPr>
+            <p:ph idx="1"/>
+          </p:nvPr>
+        </p:nvSpPr>
+        <p:spPr>
+          <a:xfrm>
+            <a:off x="1187624" y="1556792"/>
+            <a:ext cx="7704856" cy="4968552"/>
+          </a:xfrm>
+        </p:spPr>
+        <p:txBody>
+          <a:bodyPr/>
+          <a:lstStyle/>
+          <a:p>
+            <a:r>
+              <a:rPr lang="en-IN" dirty="0"/>
+              <a:t>How does </a:t>
+            </a:r>
+            <a:r>
+              <a:rPr lang="en-IN" dirty="0" err="1"/>
+              <a:t>CouchDB’s</a:t>
+            </a:r>
+            <a:r>
+              <a:rPr lang="en-IN" dirty="0"/>
+              <a:t> replication system deal with conflicts</a:t>
+            </a:r>
+            <a:r>
+              <a:rPr lang="en-IN" dirty="0" smtClean="0"/>
+              <a:t>?</a:t>
+            </a:r>
+          </a:p>
+          <a:p>
+            <a:pPr marL="0" indent="0">
+              <a:buNone/>
+            </a:pPr>
+            <a:endParaRPr lang="en-IN" dirty="0" smtClean="0"/>
+          </a:p>
+          <a:p>
+            <a:pPr marL="914400" lvl="1" indent="-457200">
+              <a:buFont typeface="+mj-lt"/>
+              <a:buAutoNum type="arabicPeriod"/>
+            </a:pPr>
+            <a:r>
+              <a:rPr lang="en-IN" dirty="0" smtClean="0"/>
+              <a:t>Flags </a:t>
+            </a:r>
+            <a:r>
+              <a:rPr lang="en-IN" dirty="0"/>
+              <a:t>the affected document with </a:t>
+            </a:r>
+            <a:r>
+              <a:rPr lang="en-IN" dirty="0" smtClean="0"/>
+              <a:t>a special </a:t>
+            </a:r>
+            <a:r>
+              <a:rPr lang="en-IN" dirty="0"/>
+              <a:t>attribute "_conflicts</a:t>
+            </a:r>
+            <a:r>
+              <a:rPr lang="en-IN" dirty="0" smtClean="0"/>
+              <a:t>": true</a:t>
+            </a:r>
+          </a:p>
+          <a:p>
+            <a:pPr marL="914400" lvl="1" indent="-457200">
+              <a:buFont typeface="+mj-lt"/>
+              <a:buAutoNum type="arabicPeriod"/>
+            </a:pPr>
+            <a:endParaRPr lang="en-IN" dirty="0" smtClean="0"/>
+          </a:p>
+          <a:p>
+            <a:pPr marL="914400" lvl="1" indent="-457200">
+              <a:buFont typeface="+mj-lt"/>
+              <a:buAutoNum type="arabicPeriod"/>
+            </a:pPr>
+            <a:r>
+              <a:rPr lang="en-IN" dirty="0" smtClean="0"/>
+              <a:t>Determines </a:t>
+            </a:r>
+            <a:r>
+              <a:rPr lang="en-IN" dirty="0"/>
+              <a:t>which of the changes will be stored as the latest </a:t>
+            </a:r>
+            <a:r>
+              <a:rPr lang="en-IN" dirty="0" smtClean="0"/>
+              <a:t>revision (winning revision).</a:t>
+            </a:r>
+          </a:p>
+          <a:p>
+            <a:pPr marL="914400" lvl="1" indent="-457200">
+              <a:buFont typeface="+mj-lt"/>
+              <a:buAutoNum type="arabicPeriod"/>
+            </a:pPr>
+            <a:endParaRPr lang="en-IN" dirty="0" smtClean="0"/>
+          </a:p>
+          <a:p>
+            <a:pPr marL="914400" lvl="1" indent="-457200">
+              <a:buFont typeface="+mj-lt"/>
+              <a:buAutoNum type="arabicPeriod"/>
+            </a:pPr>
+            <a:r>
+              <a:rPr lang="en-IN" dirty="0" smtClean="0"/>
+              <a:t>The loosing revision gets stored as the previous revision</a:t>
+            </a:r>
+          </a:p>
+          <a:p>
+            <a:endParaRPr lang="en-IN" dirty="0"/>
+          </a:p>
+        </p:txBody>
+      </p:sp>
+    </p:spTree>
+    <p:extLst>
+      <p:ext uri="{BB962C8B-B14F-4D97-AF65-F5344CB8AC3E}">
+        <p14:creationId xmlns:p14="http://schemas.microsoft.com/office/powerpoint/2010/main" val="1057474780"/>
+      </p:ext>
+    </p:extLst>
+  </p:cSld>
+  <p:clrMapOvr>
+    <a:masterClrMapping/>
+  </p:clrMapOvr>
+</p:sld>
+</file>
+
+<file path=ppt/slides/slide13.xml><?xml version="1.0" encoding="utf-8"?>
+<p:sld xmlns:a="http://schemas.openxmlformats.org/drawingml/2006/main" xmlns:r="http://schemas.openxmlformats.org/officeDocument/2006/relationships" xmlns:p="http://schemas.openxmlformats.org/presentationml/2006/main">
+  <p:cSld>
+    <p:spTree>
+      <p:nvGrpSpPr>
+        <p:cNvPr id="1" name=""/>
+        <p:cNvGrpSpPr/>
+        <p:nvPr/>
+      </p:nvGrpSpPr>
+      <p:grpSpPr>
+        <a:xfrm>
+          <a:off x="0" y="0"/>
+          <a:ext cx="0" cy="0"/>
+          <a:chOff x="0" y="0"/>
+          <a:chExt cx="0" cy="0"/>
+        </a:xfrm>
+      </p:grpSpPr>
+      <p:pic>
+        <p:nvPicPr>
+          <p:cNvPr id="9" name="Picture 8"/>
+          <p:cNvPicPr>
+            <a:picLocks noChangeAspect="1"/>
+          </p:cNvPicPr>
+          <p:nvPr/>
+        </p:nvPicPr>
+        <p:blipFill>
+          <a:blip r:embed="rId2">
+            <a:extLst>
+              <a:ext uri="{28A0092B-C50C-407E-A947-70E740481C1C}">
+                <a14:useLocalDpi xmlns:a14="http://schemas.microsoft.com/office/drawing/2010/main" val="0"/>
+              </a:ext>
+            </a:extLst>
+          </a:blip>
+          <a:stretch>
+            <a:fillRect/>
+          </a:stretch>
+        </p:blipFill>
+        <p:spPr>
+          <a:xfrm>
+            <a:off x="1907704" y="3140968"/>
+            <a:ext cx="6250297" cy="2016224"/>
+          </a:xfrm>
+          <a:prstGeom prst="rect">
+            <a:avLst/>
+          </a:prstGeom>
+        </p:spPr>
+      </p:pic>
+      <p:sp>
+        <p:nvSpPr>
+          <p:cNvPr id="11" name="Rectangle 10"/>
+          <p:cNvSpPr/>
+          <p:nvPr/>
+        </p:nvSpPr>
+        <p:spPr>
+          <a:xfrm>
+            <a:off x="1583160" y="1628800"/>
+            <a:ext cx="7560840" cy="830997"/>
+          </a:xfrm>
+          <a:prstGeom prst="rect">
+            <a:avLst/>
+          </a:prstGeom>
+        </p:spPr>
+        <p:txBody>
+          <a:bodyPr wrap="square">
+            <a:spAutoFit/>
+          </a:bodyPr>
+          <a:lstStyle/>
+          <a:p>
+            <a:r>
+              <a:rPr lang="en-IN" dirty="0" smtClean="0">
+                <a:solidFill>
+                  <a:srgbClr val="000000"/>
+                </a:solidFill>
+                <a:latin typeface="Palatino"/>
+              </a:rPr>
+              <a:t>1. We </a:t>
+            </a:r>
+            <a:r>
+              <a:rPr lang="en-IN" dirty="0">
+                <a:solidFill>
+                  <a:srgbClr val="000000"/>
+                </a:solidFill>
+                <a:latin typeface="Palatino"/>
+              </a:rPr>
+              <a:t>have two </a:t>
+            </a:r>
+            <a:r>
+              <a:rPr lang="en-IN" dirty="0" err="1">
+                <a:solidFill>
+                  <a:srgbClr val="000000"/>
+                </a:solidFill>
+                <a:latin typeface="Palatino"/>
+              </a:rPr>
+              <a:t>CouchDB</a:t>
+            </a:r>
+            <a:r>
+              <a:rPr lang="en-IN" dirty="0">
+                <a:solidFill>
+                  <a:srgbClr val="000000"/>
+                </a:solidFill>
+                <a:latin typeface="Palatino"/>
+              </a:rPr>
+              <a:t> </a:t>
+            </a:r>
+            <a:r>
+              <a:rPr lang="en-IN" dirty="0" smtClean="0">
+                <a:solidFill>
+                  <a:srgbClr val="000000"/>
+                </a:solidFill>
+                <a:latin typeface="Palatino"/>
+              </a:rPr>
+              <a:t>databases A and B, </a:t>
+            </a:r>
+            <a:r>
+              <a:rPr lang="en-IN" dirty="0">
+                <a:solidFill>
+                  <a:srgbClr val="000000"/>
+                </a:solidFill>
+                <a:latin typeface="Palatino"/>
+              </a:rPr>
+              <a:t>and we are replicating </a:t>
+            </a:r>
+            <a:r>
+              <a:rPr lang="en-IN" dirty="0" smtClean="0">
+                <a:solidFill>
+                  <a:srgbClr val="000000"/>
+                </a:solidFill>
+                <a:latin typeface="Palatino"/>
+              </a:rPr>
+              <a:t>from </a:t>
+            </a:r>
+            <a:r>
+              <a:rPr lang="en-IN" dirty="0">
+                <a:solidFill>
+                  <a:srgbClr val="000000"/>
+                </a:solidFill>
+                <a:latin typeface="Palatino"/>
+              </a:rPr>
+              <a:t>A </a:t>
+            </a:r>
+            <a:r>
+              <a:rPr lang="en-IN" dirty="0" smtClean="0">
+                <a:solidFill>
+                  <a:srgbClr val="000000"/>
+                </a:solidFill>
+                <a:latin typeface="Palatino"/>
+              </a:rPr>
+              <a:t>to B</a:t>
+            </a:r>
+            <a:r>
+              <a:rPr lang="en-IN" dirty="0">
+                <a:solidFill>
+                  <a:srgbClr val="000000"/>
+                </a:solidFill>
+                <a:latin typeface="Palatino"/>
+              </a:rPr>
+              <a:t>.</a:t>
+            </a:r>
+            <a:endParaRPr lang="en-IN" dirty="0"/>
+          </a:p>
+        </p:txBody>
+      </p:sp>
+      <p:sp>
+        <p:nvSpPr>
+          <p:cNvPr id="12" name="Title 1"/>
+          <p:cNvSpPr txBox="1">
+            <a:spLocks/>
+          </p:cNvSpPr>
+          <p:nvPr/>
+        </p:nvSpPr>
+        <p:spPr>
+          <a:xfrm>
+            <a:off x="1619672" y="228600"/>
+            <a:ext cx="6914728" cy="1040160"/>
+          </a:xfrm>
+          <a:prstGeom prst="rect">
+            <a:avLst/>
+          </a:prstGeom>
+        </p:spPr>
+        <p:txBody>
+          <a:bodyPr/>
+          <a:lstStyle>
+            <a:lvl1pPr algn="l" rtl="0" eaLnBrk="1" fontAlgn="base" hangingPunct="1">
+              <a:spcBef>
+                <a:spcPct val="0"/>
+              </a:spcBef>
+              <a:spcAft>
+                <a:spcPct val="0"/>
+              </a:spcAft>
+              <a:defRPr sz="3200" b="1">
+                <a:solidFill>
+                  <a:schemeClr val="tx2"/>
+                </a:solidFill>
+                <a:latin typeface="+mj-lt"/>
+                <a:ea typeface="+mj-ea"/>
+                <a:cs typeface="+mj-cs"/>
+              </a:defRPr>
+            </a:lvl1pPr>
+            <a:lvl2pPr algn="l" rtl="0" eaLnBrk="1" fontAlgn="base" hangingPunct="1">
+              <a:spcBef>
+                <a:spcPct val="0"/>
+              </a:spcBef>
+              <a:spcAft>
+                <a:spcPct val="0"/>
+              </a:spcAft>
+              <a:defRPr sz="3200" b="1">
+                <a:solidFill>
+                  <a:schemeClr val="tx2"/>
+                </a:solidFill>
+                <a:latin typeface="Verdana" pitchFamily="34" charset="0"/>
+              </a:defRPr>
+            </a:lvl2pPr>
+            <a:lvl3pPr algn="l" rtl="0" eaLnBrk="1" fontAlgn="base" hangingPunct="1">
+              <a:spcBef>
+                <a:spcPct val="0"/>
+              </a:spcBef>
+              <a:spcAft>
+                <a:spcPct val="0"/>
+              </a:spcAft>
+              <a:defRPr sz="3200" b="1">
+                <a:solidFill>
+                  <a:schemeClr val="tx2"/>
+                </a:solidFill>
+                <a:latin typeface="Verdana" pitchFamily="34" charset="0"/>
+              </a:defRPr>
+            </a:lvl3pPr>
+            <a:lvl4pPr algn="l" rtl="0" eaLnBrk="1" fontAlgn="base" hangingPunct="1">
+              <a:spcBef>
+                <a:spcPct val="0"/>
+              </a:spcBef>
+              <a:spcAft>
+                <a:spcPct val="0"/>
+              </a:spcAft>
+              <a:defRPr sz="3200" b="1">
+                <a:solidFill>
+                  <a:schemeClr val="tx2"/>
+                </a:solidFill>
+                <a:latin typeface="Verdana" pitchFamily="34" charset="0"/>
+              </a:defRPr>
+            </a:lvl4pPr>
+            <a:lvl5pPr algn="l" rtl="0" eaLnBrk="1" fontAlgn="base" hangingPunct="1">
+              <a:spcBef>
+                <a:spcPct val="0"/>
+              </a:spcBef>
+              <a:spcAft>
+                <a:spcPct val="0"/>
+              </a:spcAft>
+              <a:defRPr sz="3200" b="1">
+                <a:solidFill>
+                  <a:schemeClr val="tx2"/>
+                </a:solidFill>
+                <a:latin typeface="Verdana" pitchFamily="34" charset="0"/>
+              </a:defRPr>
+            </a:lvl5pPr>
+            <a:lvl6pPr marL="457200" algn="l" rtl="0" eaLnBrk="1" fontAlgn="base" hangingPunct="1">
+              <a:spcBef>
+                <a:spcPct val="0"/>
+              </a:spcBef>
+              <a:spcAft>
+                <a:spcPct val="0"/>
+              </a:spcAft>
+              <a:defRPr sz="3200" b="1">
+                <a:solidFill>
+                  <a:schemeClr val="tx2"/>
+                </a:solidFill>
+                <a:latin typeface="Verdana" pitchFamily="34" charset="0"/>
+              </a:defRPr>
+            </a:lvl6pPr>
+            <a:lvl7pPr marL="914400" algn="l" rtl="0" eaLnBrk="1" fontAlgn="base" hangingPunct="1">
+              <a:spcBef>
+                <a:spcPct val="0"/>
+              </a:spcBef>
+              <a:spcAft>
+                <a:spcPct val="0"/>
+              </a:spcAft>
+              <a:defRPr sz="3200" b="1">
+                <a:solidFill>
+                  <a:schemeClr val="tx2"/>
+                </a:solidFill>
+                <a:latin typeface="Verdana" pitchFamily="34" charset="0"/>
+              </a:defRPr>
+            </a:lvl7pPr>
+            <a:lvl8pPr marL="1371600" algn="l" rtl="0" eaLnBrk="1" fontAlgn="base" hangingPunct="1">
+              <a:spcBef>
+                <a:spcPct val="0"/>
+              </a:spcBef>
+              <a:spcAft>
+                <a:spcPct val="0"/>
+              </a:spcAft>
+              <a:defRPr sz="3200" b="1">
+                <a:solidFill>
+                  <a:schemeClr val="tx2"/>
+                </a:solidFill>
+                <a:latin typeface="Verdana" pitchFamily="34" charset="0"/>
+              </a:defRPr>
+            </a:lvl8pPr>
+            <a:lvl9pPr marL="1828800" algn="l" rtl="0" eaLnBrk="1" fontAlgn="base" hangingPunct="1">
+              <a:spcBef>
+                <a:spcPct val="0"/>
+              </a:spcBef>
+              <a:spcAft>
+                <a:spcPct val="0"/>
+              </a:spcAft>
+              <a:defRPr sz="3200" b="1">
+                <a:solidFill>
+                  <a:schemeClr val="tx2"/>
+                </a:solidFill>
+                <a:latin typeface="Verdana" pitchFamily="34" charset="0"/>
+              </a:defRPr>
+            </a:lvl9pPr>
+          </a:lstStyle>
+          <a:p>
+            <a:r>
+              <a:rPr lang="en-IN" kern="0" dirty="0" err="1" smtClean="0"/>
+              <a:t>CouchDB</a:t>
+            </a:r>
+            <a:r>
+              <a:rPr lang="en-IN" kern="0" dirty="0" smtClean="0"/>
+              <a:t> Conflict Resolution</a:t>
+            </a:r>
+            <a:endParaRPr lang="en-IN" kern="0" dirty="0"/>
+          </a:p>
+        </p:txBody>
+      </p:sp>
+    </p:spTree>
+    <p:extLst>
+      <p:ext uri="{BB962C8B-B14F-4D97-AF65-F5344CB8AC3E}">
+        <p14:creationId xmlns:p14="http://schemas.microsoft.com/office/powerpoint/2010/main" val="1052597887"/>
+      </p:ext>
+    </p:extLst>
+  </p:cSld>
+  <p:clrMapOvr>
+    <a:masterClrMapping/>
+  </p:clrMapOvr>
+</p:sld>
+</file>
+
+<file path=ppt/slides/slide14.xml><?xml version="1.0" encoding="utf-8"?>
+<p:sld xmlns:a="http://schemas.openxmlformats.org/drawingml/2006/main" xmlns:r="http://schemas.openxmlformats.org/officeDocument/2006/relationships" xmlns:p="http://schemas.openxmlformats.org/presentationml/2006/main">
+  <p:cSld>
+    <p:spTree>
+      <p:nvGrpSpPr>
+        <p:cNvPr id="1" name=""/>
+        <p:cNvGrpSpPr/>
+        <p:nvPr/>
+      </p:nvGrpSpPr>
+      <p:grpSpPr>
+        <a:xfrm>
+          <a:off x="0" y="0"/>
+          <a:ext cx="0" cy="0"/>
+          <a:chOff x="0" y="0"/>
+          <a:chExt cx="0" cy="0"/>
+        </a:xfrm>
+      </p:grpSpPr>
+      <p:pic>
+        <p:nvPicPr>
+          <p:cNvPr id="2" name="Picture 1"/>
+          <p:cNvPicPr>
+            <a:picLocks noChangeAspect="1"/>
+          </p:cNvPicPr>
+          <p:nvPr/>
+        </p:nvPicPr>
+        <p:blipFill>
+          <a:blip r:embed="rId2">
+            <a:extLst>
+              <a:ext uri="{28A0092B-C50C-407E-A947-70E740481C1C}">
+                <a14:useLocalDpi xmlns:a14="http://schemas.microsoft.com/office/drawing/2010/main" val="0"/>
+              </a:ext>
+            </a:extLst>
+          </a:blip>
+          <a:stretch>
+            <a:fillRect/>
+          </a:stretch>
+        </p:blipFill>
+        <p:spPr>
+          <a:xfrm>
+            <a:off x="2051720" y="3356992"/>
+            <a:ext cx="5147676" cy="2592288"/>
+          </a:xfrm>
+          <a:prstGeom prst="rect">
+            <a:avLst/>
+          </a:prstGeom>
+        </p:spPr>
+      </p:pic>
+      <p:sp>
+        <p:nvSpPr>
+          <p:cNvPr id="5" name="Rectangle 4"/>
+          <p:cNvSpPr/>
+          <p:nvPr/>
+        </p:nvSpPr>
+        <p:spPr>
+          <a:xfrm>
+            <a:off x="1547664" y="548680"/>
+            <a:ext cx="5796136" cy="1200329"/>
+          </a:xfrm>
+          <a:prstGeom prst="rect">
+            <a:avLst/>
+          </a:prstGeom>
+        </p:spPr>
+        <p:txBody>
+          <a:bodyPr wrap="square">
+            <a:spAutoFit/>
+          </a:bodyPr>
+          <a:lstStyle/>
+          <a:p>
+            <a:r>
+              <a:rPr lang="en-IN" dirty="0">
+                <a:solidFill>
+                  <a:srgbClr val="000000"/>
+                </a:solidFill>
+                <a:latin typeface="Palatino"/>
+              </a:rPr>
+              <a:t>2. </a:t>
+            </a:r>
+            <a:r>
+              <a:rPr lang="en-IN" dirty="0">
+                <a:solidFill>
+                  <a:srgbClr val="000000"/>
+                </a:solidFill>
+                <a:latin typeface="Palatino"/>
+              </a:rPr>
+              <a:t>We </a:t>
+            </a:r>
+            <a:r>
+              <a:rPr lang="en-IN" dirty="0" smtClean="0">
+                <a:solidFill>
+                  <a:srgbClr val="000000"/>
+                </a:solidFill>
+                <a:latin typeface="Palatino"/>
+              </a:rPr>
+              <a:t>create </a:t>
+            </a:r>
+            <a:r>
+              <a:rPr lang="en-IN" dirty="0">
+                <a:solidFill>
+                  <a:srgbClr val="000000"/>
+                </a:solidFill>
+                <a:latin typeface="Palatino"/>
+              </a:rPr>
+              <a:t>a document in database </a:t>
+            </a:r>
+            <a:r>
+              <a:rPr lang="en-IN" dirty="0" smtClean="0">
+                <a:solidFill>
+                  <a:srgbClr val="000000"/>
+                </a:solidFill>
+                <a:latin typeface="Palatino"/>
+              </a:rPr>
+              <a:t>A. Database </a:t>
+            </a:r>
+            <a:r>
+              <a:rPr lang="en-IN" dirty="0">
+                <a:solidFill>
+                  <a:srgbClr val="000000"/>
+                </a:solidFill>
+                <a:latin typeface="Palatino"/>
+              </a:rPr>
+              <a:t>B won’t know about the new document for now.</a:t>
+            </a:r>
+          </a:p>
+        </p:txBody>
+      </p:sp>
+    </p:spTree>
+    <p:extLst>
+      <p:ext uri="{BB962C8B-B14F-4D97-AF65-F5344CB8AC3E}">
+        <p14:creationId xmlns:p14="http://schemas.microsoft.com/office/powerpoint/2010/main" val="3791596300"/>
+      </p:ext>
+    </p:extLst>
+  </p:cSld>
+  <p:clrMapOvr>
+    <a:masterClrMapping/>
+  </p:clrMapOvr>
+</p:sld>
+</file>
+
+<file path=ppt/slides/slide15.xml><?xml version="1.0" encoding="utf-8"?>
+<p:sld xmlns:a="http://schemas.openxmlformats.org/drawingml/2006/main" xmlns:r="http://schemas.openxmlformats.org/officeDocument/2006/relationships" xmlns:p="http://schemas.openxmlformats.org/presentationml/2006/main">
+  <p:cSld>
+    <p:spTree>
+      <p:nvGrpSpPr>
+        <p:cNvPr id="1" name=""/>
+        <p:cNvGrpSpPr/>
+        <p:nvPr/>
+      </p:nvGrpSpPr>
+      <p:grpSpPr>
+        <a:xfrm>
+          <a:off x="0" y="0"/>
+          <a:ext cx="0" cy="0"/>
+          <a:chOff x="0" y="0"/>
+          <a:chExt cx="0" cy="0"/>
+        </a:xfrm>
+      </p:grpSpPr>
+      <p:pic>
+        <p:nvPicPr>
+          <p:cNvPr id="2" name="Picture 1"/>
+          <p:cNvPicPr>
+            <a:picLocks noChangeAspect="1"/>
+          </p:cNvPicPr>
+          <p:nvPr/>
+        </p:nvPicPr>
+        <p:blipFill>
+          <a:blip r:embed="rId2">
+            <a:extLst>
+              <a:ext uri="{28A0092B-C50C-407E-A947-70E740481C1C}">
+                <a14:useLocalDpi xmlns:a14="http://schemas.microsoft.com/office/drawing/2010/main" val="0"/>
+              </a:ext>
+            </a:extLst>
+          </a:blip>
+          <a:stretch>
+            <a:fillRect/>
+          </a:stretch>
+        </p:blipFill>
+        <p:spPr>
+          <a:xfrm>
+            <a:off x="2339752" y="2492896"/>
+            <a:ext cx="5201185" cy="2619234"/>
+          </a:xfrm>
+          <a:prstGeom prst="rect">
+            <a:avLst/>
+          </a:prstGeom>
+        </p:spPr>
+      </p:pic>
+      <p:sp>
+        <p:nvSpPr>
+          <p:cNvPr id="4" name="Rectangle 3"/>
+          <p:cNvSpPr/>
+          <p:nvPr/>
+        </p:nvSpPr>
+        <p:spPr>
+          <a:xfrm>
+            <a:off x="1303940" y="332656"/>
+            <a:ext cx="7272808" cy="1200329"/>
+          </a:xfrm>
+          <a:prstGeom prst="rect">
+            <a:avLst/>
+          </a:prstGeom>
+        </p:spPr>
+        <p:txBody>
+          <a:bodyPr wrap="square">
+            <a:spAutoFit/>
+          </a:bodyPr>
+          <a:lstStyle/>
+          <a:p>
+            <a:r>
+              <a:rPr lang="en-IN" dirty="0" smtClean="0">
+                <a:solidFill>
+                  <a:srgbClr val="000000"/>
+                </a:solidFill>
+                <a:latin typeface="Palatino"/>
+              </a:rPr>
+              <a:t>3. We </a:t>
+            </a:r>
+            <a:r>
+              <a:rPr lang="en-IN" dirty="0">
+                <a:solidFill>
+                  <a:srgbClr val="000000"/>
+                </a:solidFill>
+                <a:latin typeface="Palatino"/>
+              </a:rPr>
+              <a:t>now trigger replication and tell it to use database A as the source and database B as the target</a:t>
+            </a:r>
+            <a:endParaRPr lang="en-IN" dirty="0"/>
+          </a:p>
+        </p:txBody>
+      </p:sp>
+    </p:spTree>
+    <p:extLst>
+      <p:ext uri="{BB962C8B-B14F-4D97-AF65-F5344CB8AC3E}">
+        <p14:creationId xmlns:p14="http://schemas.microsoft.com/office/powerpoint/2010/main" val="1430641758"/>
+      </p:ext>
+    </p:extLst>
+  </p:cSld>
+  <p:clrMapOvr>
+    <a:masterClrMapping/>
+  </p:clrMapOvr>
+</p:sld>
+</file>
+
+<file path=ppt/slides/slide16.xml><?xml version="1.0" encoding="utf-8"?>
+<p:sld xmlns:a="http://schemas.openxmlformats.org/drawingml/2006/main" xmlns:r="http://schemas.openxmlformats.org/officeDocument/2006/relationships" xmlns:p="http://schemas.openxmlformats.org/presentationml/2006/main">
+  <p:cSld>
+    <p:spTree>
+      <p:nvGrpSpPr>
+        <p:cNvPr id="1" name=""/>
+        <p:cNvGrpSpPr/>
+        <p:nvPr/>
+      </p:nvGrpSpPr>
+      <p:grpSpPr>
+        <a:xfrm>
+          <a:off x="0" y="0"/>
+          <a:ext cx="0" cy="0"/>
+          <a:chOff x="0" y="0"/>
+          <a:chExt cx="0" cy="0"/>
+        </a:xfrm>
+      </p:grpSpPr>
+      <p:pic>
+        <p:nvPicPr>
+          <p:cNvPr id="2" name="Picture 1"/>
+          <p:cNvPicPr>
+            <a:picLocks noChangeAspect="1"/>
+          </p:cNvPicPr>
+          <p:nvPr/>
+        </p:nvPicPr>
+        <p:blipFill>
+          <a:blip r:embed="rId2">
+            <a:extLst>
+              <a:ext uri="{28A0092B-C50C-407E-A947-70E740481C1C}">
+                <a14:useLocalDpi xmlns:a14="http://schemas.microsoft.com/office/drawing/2010/main" val="0"/>
+              </a:ext>
+            </a:extLst>
+          </a:blip>
+          <a:stretch>
+            <a:fillRect/>
+          </a:stretch>
+        </p:blipFill>
+        <p:spPr>
+          <a:xfrm>
+            <a:off x="2051720" y="1916832"/>
+            <a:ext cx="5345503" cy="2691911"/>
+          </a:xfrm>
+          <a:prstGeom prst="rect">
+            <a:avLst/>
+          </a:prstGeom>
+        </p:spPr>
+      </p:pic>
+      <p:sp>
+        <p:nvSpPr>
+          <p:cNvPr id="3" name="Rectangle 2"/>
+          <p:cNvSpPr/>
+          <p:nvPr/>
+        </p:nvSpPr>
+        <p:spPr>
+          <a:xfrm>
+            <a:off x="1187624" y="380325"/>
+            <a:ext cx="7560840" cy="1200329"/>
+          </a:xfrm>
+          <a:prstGeom prst="rect">
+            <a:avLst/>
+          </a:prstGeom>
+        </p:spPr>
+        <p:txBody>
+          <a:bodyPr wrap="square">
+            <a:spAutoFit/>
+          </a:bodyPr>
+          <a:lstStyle/>
+          <a:p>
+            <a:r>
+              <a:rPr lang="en-IN" dirty="0" smtClean="0">
+                <a:solidFill>
+                  <a:srgbClr val="000000"/>
+                </a:solidFill>
+                <a:latin typeface="Palatino"/>
+              </a:rPr>
+              <a:t>4. Now </a:t>
+            </a:r>
+            <a:r>
+              <a:rPr lang="en-IN" dirty="0">
+                <a:solidFill>
+                  <a:srgbClr val="000000"/>
+                </a:solidFill>
+                <a:latin typeface="Palatino"/>
+              </a:rPr>
+              <a:t>we go to database B and update the </a:t>
+            </a:r>
+            <a:r>
+              <a:rPr lang="en-IN" dirty="0" smtClean="0">
+                <a:solidFill>
+                  <a:srgbClr val="000000"/>
+                </a:solidFill>
+                <a:latin typeface="Palatino"/>
+              </a:rPr>
+              <a:t>document. </a:t>
+            </a:r>
+            <a:r>
+              <a:rPr lang="en-IN" dirty="0"/>
+              <a:t>upon change, </a:t>
+            </a:r>
+            <a:r>
+              <a:rPr lang="en-IN" dirty="0" err="1"/>
+              <a:t>CouchDB</a:t>
+            </a:r>
+            <a:r>
+              <a:rPr lang="en-IN" dirty="0"/>
+              <a:t> generates a new revision for us.</a:t>
+            </a:r>
+            <a:endParaRPr lang="en-IN" dirty="0"/>
+          </a:p>
+        </p:txBody>
+      </p:sp>
+    </p:spTree>
+    <p:extLst>
+      <p:ext uri="{BB962C8B-B14F-4D97-AF65-F5344CB8AC3E}">
+        <p14:creationId xmlns:p14="http://schemas.microsoft.com/office/powerpoint/2010/main" val="375088433"/>
+      </p:ext>
+    </p:extLst>
+  </p:cSld>
+  <p:clrMapOvr>
+    <a:masterClrMapping/>
+  </p:clrMapOvr>
+</p:sld>
+</file>
+
+<file path=ppt/slides/slide17.xml><?xml version="1.0" encoding="utf-8"?>
+<p:sld xmlns:a="http://schemas.openxmlformats.org/drawingml/2006/main" xmlns:r="http://schemas.openxmlformats.org/officeDocument/2006/relationships" xmlns:p="http://schemas.openxmlformats.org/presentationml/2006/main">
+  <p:cSld>
+    <p:spTree>
+      <p:nvGrpSpPr>
+        <p:cNvPr id="1" name=""/>
+        <p:cNvGrpSpPr/>
+        <p:nvPr/>
+      </p:nvGrpSpPr>
+      <p:grpSpPr>
+        <a:xfrm>
+          <a:off x="0" y="0"/>
+          <a:ext cx="0" cy="0"/>
+          <a:chOff x="0" y="0"/>
+          <a:chExt cx="0" cy="0"/>
+        </a:xfrm>
+      </p:grpSpPr>
+      <p:pic>
+        <p:nvPicPr>
+          <p:cNvPr id="2" name="Picture 1"/>
+          <p:cNvPicPr>
+            <a:picLocks noChangeAspect="1"/>
+          </p:cNvPicPr>
+          <p:nvPr/>
+        </p:nvPicPr>
+        <p:blipFill>
+          <a:blip r:embed="rId2">
+            <a:extLst>
+              <a:ext uri="{28A0092B-C50C-407E-A947-70E740481C1C}">
+                <a14:useLocalDpi xmlns:a14="http://schemas.microsoft.com/office/drawing/2010/main" val="0"/>
+              </a:ext>
+            </a:extLst>
+          </a:blip>
+          <a:stretch>
+            <a:fillRect/>
+          </a:stretch>
+        </p:blipFill>
+        <p:spPr>
+          <a:xfrm>
+            <a:off x="2195736" y="2276872"/>
+            <a:ext cx="5057471" cy="2546862"/>
+          </a:xfrm>
+          <a:prstGeom prst="rect">
+            <a:avLst/>
+          </a:prstGeom>
+        </p:spPr>
+      </p:pic>
+      <p:sp>
+        <p:nvSpPr>
+          <p:cNvPr id="3" name="Rectangle 2"/>
+          <p:cNvSpPr/>
+          <p:nvPr/>
+        </p:nvSpPr>
+        <p:spPr>
+          <a:xfrm>
+            <a:off x="1691680" y="260648"/>
+            <a:ext cx="6372200" cy="1569660"/>
+          </a:xfrm>
+          <a:prstGeom prst="rect">
+            <a:avLst/>
+          </a:prstGeom>
+        </p:spPr>
+        <p:txBody>
+          <a:bodyPr wrap="square">
+            <a:spAutoFit/>
+          </a:bodyPr>
+          <a:lstStyle/>
+          <a:p>
+            <a:r>
+              <a:rPr lang="en-IN" dirty="0" smtClean="0">
+                <a:solidFill>
+                  <a:srgbClr val="000000"/>
+                </a:solidFill>
+                <a:latin typeface="Palatino"/>
+              </a:rPr>
+              <a:t>5. Now </a:t>
+            </a:r>
+            <a:r>
+              <a:rPr lang="en-IN" dirty="0">
+                <a:solidFill>
+                  <a:srgbClr val="000000"/>
+                </a:solidFill>
+                <a:latin typeface="Palatino"/>
+              </a:rPr>
+              <a:t>we make a change to our document in database A by changing some other </a:t>
+            </a:r>
+            <a:r>
+              <a:rPr lang="en-IN" dirty="0" smtClean="0">
+                <a:solidFill>
+                  <a:srgbClr val="000000"/>
+                </a:solidFill>
+                <a:latin typeface="Palatino"/>
+              </a:rPr>
+              <a:t>values. </a:t>
+            </a:r>
+            <a:r>
+              <a:rPr lang="en-IN" dirty="0"/>
+              <a:t>there are two different revisions of that same document in each database.</a:t>
+            </a:r>
+            <a:endParaRPr lang="en-IN" dirty="0"/>
+          </a:p>
+        </p:txBody>
+      </p:sp>
+    </p:spTree>
+    <p:extLst>
+      <p:ext uri="{BB962C8B-B14F-4D97-AF65-F5344CB8AC3E}">
+        <p14:creationId xmlns:p14="http://schemas.microsoft.com/office/powerpoint/2010/main" val="3881170088"/>
+      </p:ext>
+    </p:extLst>
+  </p:cSld>
+  <p:clrMapOvr>
+    <a:masterClrMapping/>
+  </p:clrMapOvr>
+</p:sld>
+</file>
+
+<file path=ppt/slides/slide18.xml><?xml version="1.0" encoding="utf-8"?>
+<p:sld xmlns:a="http://schemas.openxmlformats.org/drawingml/2006/main" xmlns:r="http://schemas.openxmlformats.org/officeDocument/2006/relationships" xmlns:p="http://schemas.openxmlformats.org/presentationml/2006/main">
+  <p:cSld>
+    <p:spTree>
+      <p:nvGrpSpPr>
+        <p:cNvPr id="1" name=""/>
+        <p:cNvGrpSpPr/>
+        <p:nvPr/>
+      </p:nvGrpSpPr>
+      <p:grpSpPr>
+        <a:xfrm>
+          <a:off x="0" y="0"/>
+          <a:ext cx="0" cy="0"/>
+          <a:chOff x="0" y="0"/>
+          <a:chExt cx="0" cy="0"/>
+        </a:xfrm>
+      </p:grpSpPr>
+      <p:pic>
+        <p:nvPicPr>
+          <p:cNvPr id="2" name="Picture 1"/>
+          <p:cNvPicPr>
+            <a:picLocks noChangeAspect="1"/>
+          </p:cNvPicPr>
+          <p:nvPr/>
+        </p:nvPicPr>
+        <p:blipFill>
+          <a:blip r:embed="rId2">
+            <a:extLst>
+              <a:ext uri="{28A0092B-C50C-407E-A947-70E740481C1C}">
+                <a14:useLocalDpi xmlns:a14="http://schemas.microsoft.com/office/drawing/2010/main" val="0"/>
+              </a:ext>
+            </a:extLst>
+          </a:blip>
+          <a:stretch>
+            <a:fillRect/>
+          </a:stretch>
+        </p:blipFill>
+        <p:spPr>
+          <a:xfrm>
+            <a:off x="2195736" y="1988840"/>
+            <a:ext cx="5055861" cy="2546051"/>
+          </a:xfrm>
+          <a:prstGeom prst="rect">
+            <a:avLst/>
+          </a:prstGeom>
+        </p:spPr>
+      </p:pic>
+      <p:sp>
+        <p:nvSpPr>
+          <p:cNvPr id="3" name="Rectangle 2"/>
+          <p:cNvSpPr/>
+          <p:nvPr/>
+        </p:nvSpPr>
+        <p:spPr>
+          <a:xfrm>
+            <a:off x="1403648" y="188640"/>
+            <a:ext cx="7992888" cy="830997"/>
+          </a:xfrm>
+          <a:prstGeom prst="rect">
+            <a:avLst/>
+          </a:prstGeom>
+        </p:spPr>
+        <p:txBody>
+          <a:bodyPr wrap="square">
+            <a:spAutoFit/>
+          </a:bodyPr>
+          <a:lstStyle/>
+          <a:p>
+            <a:r>
+              <a:rPr lang="en-IN" dirty="0" smtClean="0">
+                <a:solidFill>
+                  <a:srgbClr val="000000"/>
+                </a:solidFill>
+                <a:latin typeface="Palatino"/>
+              </a:rPr>
+              <a:t>6. Now </a:t>
+            </a:r>
+            <a:r>
+              <a:rPr lang="en-IN" dirty="0">
+                <a:solidFill>
+                  <a:srgbClr val="000000"/>
+                </a:solidFill>
+                <a:latin typeface="Palatino"/>
+              </a:rPr>
+              <a:t>we trigger replication again from database A to database B as before</a:t>
+            </a:r>
+            <a:endParaRPr lang="en-IN" dirty="0"/>
+          </a:p>
+        </p:txBody>
+      </p:sp>
+    </p:spTree>
+    <p:extLst>
+      <p:ext uri="{BB962C8B-B14F-4D97-AF65-F5344CB8AC3E}">
+        <p14:creationId xmlns:p14="http://schemas.microsoft.com/office/powerpoint/2010/main" val="3133900449"/>
+      </p:ext>
+    </p:extLst>
+  </p:cSld>
+  <p:clrMapOvr>
+    <a:masterClrMapping/>
+  </p:clrMapOvr>
+</p:sld>
+</file>
+
+<file path=ppt/slides/slide19.xml><?xml version="1.0" encoding="utf-8"?>
+<p:sld xmlns:a="http://schemas.openxmlformats.org/drawingml/2006/main" xmlns:r="http://schemas.openxmlformats.org/officeDocument/2006/relationships" xmlns:p="http://schemas.openxmlformats.org/presentationml/2006/main">
+  <p:cSld>
+    <p:spTree>
+      <p:nvGrpSpPr>
+        <p:cNvPr id="1" name=""/>
+        <p:cNvGrpSpPr/>
+        <p:nvPr/>
+      </p:nvGrpSpPr>
+      <p:grpSpPr>
+        <a:xfrm>
+          <a:off x="0" y="0"/>
+          <a:ext cx="0" cy="0"/>
+          <a:chOff x="0" y="0"/>
+          <a:chExt cx="0" cy="0"/>
+        </a:xfrm>
+      </p:grpSpPr>
+      <p:pic>
+        <p:nvPicPr>
+          <p:cNvPr id="4" name="Picture 3"/>
+          <p:cNvPicPr>
+            <a:picLocks noChangeAspect="1"/>
+          </p:cNvPicPr>
+          <p:nvPr/>
+        </p:nvPicPr>
+        <p:blipFill>
+          <a:blip r:embed="rId2">
+            <a:extLst>
+              <a:ext uri="{28A0092B-C50C-407E-A947-70E740481C1C}">
+                <a14:useLocalDpi xmlns:a14="http://schemas.microsoft.com/office/drawing/2010/main" val="0"/>
+              </a:ext>
+            </a:extLst>
+          </a:blip>
+          <a:stretch>
+            <a:fillRect/>
+          </a:stretch>
+        </p:blipFill>
+        <p:spPr>
+          <a:xfrm>
+            <a:off x="2123728" y="1916832"/>
+            <a:ext cx="5290668" cy="2664296"/>
+          </a:xfrm>
+          <a:prstGeom prst="rect">
+            <a:avLst/>
+          </a:prstGeom>
+        </p:spPr>
+      </p:pic>
+      <p:sp>
+        <p:nvSpPr>
+          <p:cNvPr id="6" name="Rectangle 5"/>
+          <p:cNvSpPr/>
+          <p:nvPr/>
+        </p:nvSpPr>
+        <p:spPr>
+          <a:xfrm>
+            <a:off x="755576" y="260648"/>
+            <a:ext cx="8748464" cy="2308324"/>
+          </a:xfrm>
+          <a:prstGeom prst="rect">
+            <a:avLst/>
+          </a:prstGeom>
+        </p:spPr>
+        <p:txBody>
+          <a:bodyPr wrap="square">
+            <a:spAutoFit/>
+          </a:bodyPr>
+          <a:lstStyle/>
+          <a:p>
+            <a:r>
+              <a:rPr lang="en-IN" dirty="0">
+                <a:solidFill>
+                  <a:srgbClr val="000000"/>
+                </a:solidFill>
+                <a:latin typeface="Palatino"/>
+              </a:rPr>
+              <a:t>When replicating, </a:t>
+            </a:r>
+            <a:r>
+              <a:rPr lang="en-IN" dirty="0" err="1">
+                <a:solidFill>
+                  <a:srgbClr val="000000"/>
+                </a:solidFill>
+                <a:latin typeface="Palatino"/>
+              </a:rPr>
+              <a:t>CouchDB</a:t>
+            </a:r>
+            <a:r>
+              <a:rPr lang="en-IN" dirty="0">
+                <a:solidFill>
+                  <a:srgbClr val="000000"/>
+                </a:solidFill>
+                <a:latin typeface="Palatino"/>
+              </a:rPr>
+              <a:t> detects that there are two different revisions for the same document, and it creates a conflict </a:t>
+            </a:r>
+            <a:r>
+              <a:rPr lang="en-IN" dirty="0"/>
+              <a:t> A document conflict means that there are now two latest revisions for this document.</a:t>
+            </a:r>
+          </a:p>
+          <a:p>
+            <a:r>
+              <a:rPr lang="en-IN" dirty="0">
+                <a:hlinkClick r:id="rId3"/>
+              </a:rPr>
+              <a:t/>
+            </a:r>
+            <a:br>
+              <a:rPr lang="en-IN" dirty="0">
+                <a:hlinkClick r:id="rId3"/>
+              </a:rPr>
+            </a:br>
+            <a:endParaRPr lang="en-IN" dirty="0"/>
+          </a:p>
+        </p:txBody>
+      </p:sp>
+    </p:spTree>
+    <p:extLst>
+      <p:ext uri="{BB962C8B-B14F-4D97-AF65-F5344CB8AC3E}">
+        <p14:creationId xmlns:p14="http://schemas.microsoft.com/office/powerpoint/2010/main" val="364788309"/>
       </p:ext>
     </p:extLst>
   </p:cSld>
@@ -4847,11 +6191,11 @@
             <a:pPr lvl="1"/>
             <a:r>
               <a:rPr lang="en-IN" dirty="0"/>
-              <a:t>Powerful data processing using the built-in query </a:t>
+              <a:t>High availability is </a:t>
             </a:r>
             <a:r>
               <a:rPr lang="en-IN" dirty="0" smtClean="0"/>
-              <a:t>engine</a:t>
+              <a:t>important</a:t>
             </a:r>
           </a:p>
           <a:p>
@@ -4864,11 +6208,11 @@
             <a:pPr lvl="1"/>
             <a:r>
               <a:rPr lang="en-US" dirty="0"/>
-              <a:t>Modular &amp; Scalable </a:t>
+              <a:t>Eventually </a:t>
             </a:r>
             <a:r>
               <a:rPr lang="en-US" dirty="0" smtClean="0"/>
-              <a:t>design</a:t>
+              <a:t>consistent</a:t>
             </a:r>
           </a:p>
           <a:p>
@@ -4880,12 +6224,44 @@
           <a:p>
             <a:pPr lvl="1"/>
             <a:r>
+              <a:rPr lang="en-IN" dirty="0" smtClean="0"/>
+              <a:t>Powerful data processing using the built-in query engine</a:t>
+            </a:r>
+          </a:p>
+          <a:p>
+            <a:pPr marL="457200" lvl="1" indent="0">
+              <a:buNone/>
+            </a:pPr>
+            <a:endParaRPr lang="en-IN" dirty="0"/>
+          </a:p>
+          <a:p>
+            <a:pPr lvl="1"/>
+            <a:r>
               <a:rPr lang="en-US" dirty="0"/>
-              <a:t>User friendly</a:t>
-            </a:r>
-          </a:p>
-          <a:p>
-            <a:endParaRPr lang="en-IN" dirty="0"/>
+              <a:t>Modular &amp; Scalable </a:t>
+            </a:r>
+            <a:r>
+              <a:rPr lang="en-US" dirty="0" smtClean="0"/>
+              <a:t>design</a:t>
+            </a:r>
+          </a:p>
+          <a:p>
+            <a:pPr marL="457200" lvl="1" indent="0">
+              <a:buNone/>
+            </a:pPr>
+            <a:endParaRPr lang="en-US" dirty="0"/>
+          </a:p>
+          <a:p>
+            <a:pPr lvl="1"/>
+            <a:r>
+              <a:rPr lang="en-US" dirty="0"/>
+              <a:t>User </a:t>
+            </a:r>
+            <a:r>
+              <a:rPr lang="en-US" dirty="0" smtClean="0"/>
+              <a:t>friendly</a:t>
+            </a:r>
+            <a:endParaRPr lang="en-US" dirty="0"/>
           </a:p>
         </p:txBody>
       </p:sp>
@@ -4893,6 +6269,135 @@
     <p:extLst>
       <p:ext uri="{BB962C8B-B14F-4D97-AF65-F5344CB8AC3E}">
         <p14:creationId xmlns:p14="http://schemas.microsoft.com/office/powerpoint/2010/main" val="160906904"/>
+      </p:ext>
+    </p:extLst>
+  </p:cSld>
+  <p:clrMapOvr>
+    <a:masterClrMapping/>
+  </p:clrMapOvr>
+</p:sld>
+</file>
+
+<file path=ppt/slides/slide20.xml><?xml version="1.0" encoding="utf-8"?>
+<p:sld xmlns:a="http://schemas.openxmlformats.org/drawingml/2006/main" xmlns:r="http://schemas.openxmlformats.org/officeDocument/2006/relationships" xmlns:p="http://schemas.openxmlformats.org/presentationml/2006/main">
+  <p:cSld>
+    <p:spTree>
+      <p:nvGrpSpPr>
+        <p:cNvPr id="1" name=""/>
+        <p:cNvGrpSpPr/>
+        <p:nvPr/>
+      </p:nvGrpSpPr>
+      <p:grpSpPr>
+        <a:xfrm>
+          <a:off x="0" y="0"/>
+          <a:ext cx="0" cy="0"/>
+          <a:chOff x="0" y="0"/>
+          <a:chExt cx="0" cy="0"/>
+        </a:xfrm>
+      </p:grpSpPr>
+      <p:pic>
+        <p:nvPicPr>
+          <p:cNvPr id="2" name="Picture 1"/>
+          <p:cNvPicPr>
+            <a:picLocks noChangeAspect="1"/>
+          </p:cNvPicPr>
+          <p:nvPr/>
+        </p:nvPicPr>
+        <p:blipFill>
+          <a:blip r:embed="rId2">
+            <a:extLst>
+              <a:ext uri="{28A0092B-C50C-407E-A947-70E740481C1C}">
+                <a14:useLocalDpi xmlns:a14="http://schemas.microsoft.com/office/drawing/2010/main" val="0"/>
+              </a:ext>
+            </a:extLst>
+          </a:blip>
+          <a:stretch>
+            <a:fillRect/>
+          </a:stretch>
+        </p:blipFill>
+        <p:spPr>
+          <a:xfrm>
+            <a:off x="1907704" y="3140968"/>
+            <a:ext cx="6250297" cy="2016224"/>
+          </a:xfrm>
+          <a:prstGeom prst="rect">
+            <a:avLst/>
+          </a:prstGeom>
+        </p:spPr>
+      </p:pic>
+      <p:sp>
+        <p:nvSpPr>
+          <p:cNvPr id="3" name="Rectangle 2"/>
+          <p:cNvSpPr/>
+          <p:nvPr/>
+        </p:nvSpPr>
+        <p:spPr>
+          <a:xfrm>
+            <a:off x="1691679" y="332656"/>
+            <a:ext cx="6466321" cy="1569660"/>
+          </a:xfrm>
+          <a:prstGeom prst="rect">
+            <a:avLst/>
+          </a:prstGeom>
+        </p:spPr>
+        <p:txBody>
+          <a:bodyPr wrap="square">
+            <a:spAutoFit/>
+          </a:bodyPr>
+          <a:lstStyle/>
+          <a:p>
+            <a:r>
+              <a:rPr lang="en-IN" dirty="0">
+                <a:solidFill>
+                  <a:srgbClr val="000000"/>
+                </a:solidFill>
+                <a:latin typeface="Palatino"/>
+              </a:rPr>
+              <a:t>Finally, we tell </a:t>
+            </a:r>
+            <a:r>
+              <a:rPr lang="en-IN" dirty="0" err="1">
+                <a:solidFill>
+                  <a:srgbClr val="000000"/>
+                </a:solidFill>
+                <a:latin typeface="Palatino"/>
+              </a:rPr>
+              <a:t>CouchDB</a:t>
+            </a:r>
+            <a:r>
+              <a:rPr lang="en-IN" dirty="0">
+                <a:solidFill>
+                  <a:srgbClr val="000000"/>
+                </a:solidFill>
+                <a:latin typeface="Palatino"/>
+              </a:rPr>
+              <a:t> which version we would like to be the latest revision by resolving the </a:t>
+            </a:r>
+            <a:r>
+              <a:rPr lang="en-IN" dirty="0" err="1" smtClean="0">
+                <a:solidFill>
+                  <a:srgbClr val="000000"/>
+                </a:solidFill>
+                <a:latin typeface="Palatino"/>
+              </a:rPr>
+              <a:t>conflict</a:t>
+            </a:r>
+            <a:r>
+              <a:rPr lang="en-IN" dirty="0" err="1"/>
+              <a:t>Now</a:t>
+            </a:r>
+            <a:r>
+              <a:rPr lang="en-IN" dirty="0"/>
+              <a:t> both databases have the same data.</a:t>
+            </a:r>
+            <a:endParaRPr lang="en-IN" dirty="0"/>
+          </a:p>
+        </p:txBody>
+      </p:sp>
+    </p:spTree>
+    <p:extLst>
+      <p:ext uri="{BB962C8B-B14F-4D97-AF65-F5344CB8AC3E}">
+        <p14:creationId xmlns:p14="http://schemas.microsoft.com/office/powerpoint/2010/main" val="2867955927"/>
       </p:ext>
     </p:extLst>
   </p:cSld>
@@ -4992,17 +6497,23 @@
           <a:p>
             <a:r>
               <a:rPr lang="en-IN" dirty="0" smtClean="0"/>
-              <a:t>Uses HTTP for it’s </a:t>
-            </a:r>
+              <a:t>Uses HTTP for it’s API</a:t>
+            </a:r>
+          </a:p>
+          <a:p>
             <a:r>
               <a:rPr lang="en-IN" dirty="0" smtClean="0"/>
-              <a:t>API</a:t>
-            </a:r>
-          </a:p>
-          <a:p>
+              <a:t>Documents can have </a:t>
+            </a:r>
             <a:r>
               <a:rPr lang="en-IN" dirty="0" smtClean="0"/>
-              <a:t>Documents can have attachments</a:t>
+              <a:t>attachments</a:t>
+            </a:r>
+          </a:p>
+          <a:p>
+            <a:r>
+              <a:rPr lang="en-IN" dirty="0" smtClean="0"/>
+              <a:t>Incremental peer-peer replication</a:t>
             </a:r>
             <a:endParaRPr lang="en-IN" dirty="0" smtClean="0"/>
           </a:p>
@@ -5469,11 +6980,7 @@
           <a:p>
             <a:r>
               <a:rPr lang="en-US" altLang="en-US" sz="2000" dirty="0"/>
-              <a:t>curl </a:t>
-            </a:r>
-            <a:r>
-              <a:rPr lang="en-US" altLang="en-US" sz="2000" dirty="0"/>
-              <a:t>-X GET http://127.0.0.1:5984/demo </a:t>
+              <a:t>curl -X GET http://127.0.0.1:5984/demo </a:t>
             </a:r>
             <a:r>
               <a:rPr lang="en-IN" sz="2000" dirty="0" smtClean="0"/>

--- a/Donita/CouchDB.pptx
+++ b/Donita/CouchDB.pptx
@@ -5,10 +5,10 @@
     <p:sldMasterId id="2147483648" r:id="rId2"/>
   </p:sldMasterIdLst>
   <p:notesMasterIdLst>
-    <p:notesMasterId r:id="rId23"/>
+    <p:notesMasterId r:id="rId27"/>
   </p:notesMasterIdLst>
   <p:handoutMasterIdLst>
-    <p:handoutMasterId r:id="rId24"/>
+    <p:handoutMasterId r:id="rId28"/>
   </p:handoutMasterIdLst>
   <p:sldIdLst>
     <p:sldId id="256" r:id="rId3"/>
@@ -21,16 +21,20 @@
     <p:sldId id="265" r:id="rId10"/>
     <p:sldId id="263" r:id="rId11"/>
     <p:sldId id="264" r:id="rId12"/>
-    <p:sldId id="267" r:id="rId13"/>
-    <p:sldId id="268" r:id="rId14"/>
-    <p:sldId id="271" r:id="rId15"/>
-    <p:sldId id="273" r:id="rId16"/>
-    <p:sldId id="274" r:id="rId17"/>
-    <p:sldId id="275" r:id="rId18"/>
-    <p:sldId id="276" r:id="rId19"/>
-    <p:sldId id="277" r:id="rId20"/>
-    <p:sldId id="272" r:id="rId21"/>
-    <p:sldId id="278" r:id="rId22"/>
+    <p:sldId id="279" r:id="rId13"/>
+    <p:sldId id="267" r:id="rId14"/>
+    <p:sldId id="268" r:id="rId15"/>
+    <p:sldId id="271" r:id="rId16"/>
+    <p:sldId id="273" r:id="rId17"/>
+    <p:sldId id="274" r:id="rId18"/>
+    <p:sldId id="275" r:id="rId19"/>
+    <p:sldId id="276" r:id="rId20"/>
+    <p:sldId id="277" r:id="rId21"/>
+    <p:sldId id="272" r:id="rId22"/>
+    <p:sldId id="278" r:id="rId23"/>
+    <p:sldId id="282" r:id="rId24"/>
+    <p:sldId id="281" r:id="rId25"/>
+    <p:sldId id="280" r:id="rId26"/>
   </p:sldIdLst>
   <p:sldSz cx="9144000" cy="6858000" type="screen4x3"/>
   <p:notesSz cx="6858000" cy="9144000"/>
@@ -1155,7 +1159,7 @@
             <a:fld id="{CEC76FE6-18FF-4904-A79F-D11B604C1BF0}" type="slidenum">
               <a:rPr lang="en-US" smtClean="0"/>
               <a:pPr/>
-              <a:t>12</a:t>
+              <a:t>13</a:t>
             </a:fld>
             <a:endParaRPr lang="en-US"/>
           </a:p>
@@ -4684,23 +4688,27 @@
           <a:p>
             <a:pPr>
               <a:lnSpc>
-                <a:spcPct val="90000"/>
+                <a:spcPct val="150000"/>
               </a:lnSpc>
             </a:pPr>
             <a:r>
               <a:rPr lang="en-US" altLang="en-US" sz="1600" dirty="0"/>
-              <a:t>_rev - If you want to update or delete a document, </a:t>
-            </a:r>
-            <a:r>
-              <a:rPr lang="en-US" altLang="en-US" sz="1600" dirty="0" err="1"/>
+              <a:t>_</a:t>
+            </a:r>
+            <a:r>
+              <a:rPr lang="en-US" altLang="en-US" sz="2000" dirty="0"/>
+              <a:t>rev - If you want to update or delete a document, </a:t>
+            </a:r>
+            <a:r>
+              <a:rPr lang="en-US" altLang="en-US" sz="2000" dirty="0" err="1"/>
               <a:t>CouchDB</a:t>
             </a:r>
             <a:r>
-              <a:rPr lang="en-US" altLang="en-US" sz="1600" dirty="0"/>
+              <a:rPr lang="en-US" altLang="en-US" sz="2000" dirty="0"/>
               <a:t> expects you to include the _rev field of the revision you wish to </a:t>
             </a:r>
             <a:r>
-              <a:rPr lang="en-US" altLang="en-US" sz="1600" dirty="0" smtClean="0"/>
+              <a:rPr lang="en-US" altLang="en-US" sz="2000" dirty="0"/>
               <a:t>change</a:t>
             </a:r>
           </a:p>
@@ -4710,24 +4718,24 @@
                 <a:spcPct val="90000"/>
               </a:lnSpc>
             </a:pPr>
-            <a:endParaRPr lang="en-US" altLang="en-US" sz="1600" dirty="0"/>
+            <a:endParaRPr lang="en-US" altLang="en-US" sz="2000" dirty="0"/>
           </a:p>
           <a:p>
             <a:pPr>
               <a:lnSpc>
-                <a:spcPct val="90000"/>
+                <a:spcPct val="150000"/>
               </a:lnSpc>
             </a:pPr>
             <a:r>
-              <a:rPr lang="en-US" altLang="en-US" sz="1600" dirty="0"/>
+              <a:rPr lang="en-US" altLang="en-US" sz="2000" dirty="0"/>
               <a:t>curl -X PUT http://127.0.0.1:5984/albums/1000 -d '{"_rev":"1-42c7396a84eaf1728cdbf08415a09a41","title":"Abbey Road", "</a:t>
             </a:r>
             <a:r>
-              <a:rPr lang="en-US" altLang="en-US" sz="1600" dirty="0" err="1"/>
+              <a:rPr lang="en-US" altLang="en-US" sz="2000" dirty="0" err="1"/>
               <a:t>artist":"The</a:t>
             </a:r>
             <a:r>
-              <a:rPr lang="en-US" altLang="en-US" sz="1600" dirty="0"/>
+              <a:rPr lang="en-US" altLang="en-US" sz="2000" dirty="0"/>
               <a:t> Beatles","year":"1969"}'</a:t>
             </a:r>
           </a:p>
@@ -4749,6 +4757,13 @@
   <p:clrMapOvr>
     <a:masterClrMapping/>
   </p:clrMapOvr>
+  <p:timing>
+    <p:tnLst>
+      <p:par>
+        <p:cTn id="1" dur="indefinite" restart="never" nodeType="tmRoot"/>
+      </p:par>
+    </p:tnLst>
+  </p:timing>
 </p:sld>
 </file>
 
@@ -4784,15 +4799,7 @@
           <a:bodyPr/>
           <a:lstStyle/>
           <a:p>
-            <a:r>
-              <a:rPr lang="en-IN" dirty="0"/>
-              <a:t>Replication </a:t>
-            </a:r>
-            <a:r>
-              <a:rPr lang="en-IN" dirty="0" smtClean="0"/>
-              <a:t>API via curl</a:t>
-            </a:r>
-            <a:endParaRPr lang="en-IN" dirty="0"/>
+            <a:endParaRPr lang="en-IN"/>
           </a:p>
         </p:txBody>
       </p:sp>
@@ -4811,79 +4818,27 @@
           <a:bodyPr/>
           <a:lstStyle/>
           <a:p>
-            <a:r>
-              <a:rPr lang="en-IN" sz="2000" dirty="0"/>
-              <a:t>Command to replicate a Database :</a:t>
-            </a:r>
-          </a:p>
-          <a:p>
-            <a:r>
-              <a:rPr lang="en-IN" sz="2000" dirty="0" smtClean="0"/>
-              <a:t>curl </a:t>
-            </a:r>
-            <a:r>
-              <a:rPr lang="en-IN" sz="2000" dirty="0" smtClean="0"/>
-              <a:t>–</a:t>
-            </a:r>
-            <a:r>
-              <a:rPr lang="en-IN" sz="2000" dirty="0" err="1" smtClean="0"/>
-              <a:t>vX</a:t>
-            </a:r>
-            <a:r>
-              <a:rPr lang="en-IN" sz="2000" dirty="0" smtClean="0"/>
-              <a:t> </a:t>
-            </a:r>
-            <a:r>
-              <a:rPr lang="en-IN" sz="2000" dirty="0"/>
-              <a:t>POST http://127.0.0.1:5984</a:t>
-            </a:r>
-            <a:r>
-              <a:rPr lang="en-IN" sz="2000" dirty="0" smtClean="0"/>
-              <a:t>/     </a:t>
-            </a:r>
-            <a:r>
-              <a:rPr lang="en-IN" sz="2000" dirty="0"/>
-              <a:t>_replicate \ -d '{"</a:t>
-            </a:r>
-            <a:r>
-              <a:rPr lang="en-IN" sz="2000" dirty="0" err="1"/>
-              <a:t>source":"albums","target</a:t>
-            </a:r>
-            <a:r>
-              <a:rPr lang="en-IN" sz="2000" dirty="0" smtClean="0"/>
-              <a:t>":    </a:t>
-            </a:r>
-            <a:r>
-              <a:rPr lang="en-IN" sz="2000" dirty="0"/>
-              <a:t>"</a:t>
-            </a:r>
-            <a:r>
-              <a:rPr lang="en-IN" sz="2000" dirty="0" err="1"/>
-              <a:t>albums_replica</a:t>
-            </a:r>
-            <a:r>
-              <a:rPr lang="en-IN" sz="2000" dirty="0"/>
-              <a:t>"}'</a:t>
-            </a:r>
-          </a:p>
-          <a:p>
-            <a:pPr marL="0" indent="0">
-              <a:buNone/>
-            </a:pPr>
-            <a:endParaRPr lang="en-IN" dirty="0"/>
+            <a:endParaRPr lang="en-IN"/>
           </a:p>
         </p:txBody>
       </p:sp>
     </p:spTree>
     <p:extLst>
       <p:ext uri="{BB962C8B-B14F-4D97-AF65-F5344CB8AC3E}">
-        <p14:creationId xmlns:p14="http://schemas.microsoft.com/office/powerpoint/2010/main" val="3616935363"/>
+        <p14:creationId xmlns:p14="http://schemas.microsoft.com/office/powerpoint/2010/main" val="2570132172"/>
       </p:ext>
     </p:extLst>
   </p:cSld>
   <p:clrMapOvr>
     <a:masterClrMapping/>
   </p:clrMapOvr>
+  <p:timing>
+    <p:tnLst>
+      <p:par>
+        <p:cTn id="1" dur="indefinite" restart="never" nodeType="tmRoot"/>
+      </p:par>
+    </p:tnLst>
+  </p:timing>
 </p:sld>
 </file>
 
@@ -4914,6 +4869,149 @@
             <p:ph type="title"/>
           </p:nvPr>
         </p:nvSpPr>
+        <p:spPr/>
+        <p:txBody>
+          <a:bodyPr/>
+          <a:lstStyle/>
+          <a:p>
+            <a:r>
+              <a:rPr lang="en-IN" dirty="0"/>
+              <a:t>Replication </a:t>
+            </a:r>
+            <a:r>
+              <a:rPr lang="en-IN" dirty="0" smtClean="0"/>
+              <a:t>API via curl</a:t>
+            </a:r>
+            <a:endParaRPr lang="en-IN" dirty="0"/>
+          </a:p>
+        </p:txBody>
+      </p:sp>
+      <p:sp>
+        <p:nvSpPr>
+          <p:cNvPr id="3" name="Content Placeholder 2"/>
+          <p:cNvSpPr>
+            <a:spLocks noGrp="1"/>
+          </p:cNvSpPr>
+          <p:nvPr>
+            <p:ph idx="1"/>
+          </p:nvPr>
+        </p:nvSpPr>
+        <p:spPr/>
+        <p:txBody>
+          <a:bodyPr/>
+          <a:lstStyle/>
+          <a:p>
+            <a:r>
+              <a:rPr lang="en-IN" sz="2000" dirty="0"/>
+              <a:t>Command to replicate a Database :</a:t>
+            </a:r>
+          </a:p>
+          <a:p>
+            <a:pPr>
+              <a:lnSpc>
+                <a:spcPct val="150000"/>
+              </a:lnSpc>
+            </a:pPr>
+            <a:r>
+              <a:rPr lang="en-IN" sz="2000" dirty="0" smtClean="0"/>
+              <a:t>curl –</a:t>
+            </a:r>
+            <a:r>
+              <a:rPr lang="en-IN" sz="2000" dirty="0" err="1" smtClean="0"/>
+              <a:t>vX</a:t>
+            </a:r>
+            <a:r>
+              <a:rPr lang="en-IN" sz="2000" dirty="0" smtClean="0"/>
+              <a:t> </a:t>
+            </a:r>
+            <a:r>
+              <a:rPr lang="en-IN" sz="2000" dirty="0"/>
+              <a:t>POST http://127.0.0.1:5984</a:t>
+            </a:r>
+            <a:r>
+              <a:rPr lang="en-IN" sz="2000" dirty="0" smtClean="0"/>
+              <a:t>/     </a:t>
+            </a:r>
+            <a:r>
+              <a:rPr lang="en-IN" sz="2000" dirty="0"/>
+              <a:t>_replicate \ -d '{"</a:t>
+            </a:r>
+            <a:r>
+              <a:rPr lang="en-IN" sz="2000" dirty="0" err="1"/>
+              <a:t>source":"albums","target</a:t>
+            </a:r>
+            <a:r>
+              <a:rPr lang="en-IN" sz="2000" dirty="0" smtClean="0"/>
+              <a:t>":    </a:t>
+            </a:r>
+            <a:r>
+              <a:rPr lang="en-IN" sz="2000" dirty="0"/>
+              <a:t>"</a:t>
+            </a:r>
+            <a:r>
+              <a:rPr lang="en-IN" sz="2000" dirty="0" err="1"/>
+              <a:t>albums_replica</a:t>
+            </a:r>
+            <a:r>
+              <a:rPr lang="en-IN" sz="2000" dirty="0"/>
+              <a:t>"}'</a:t>
+            </a:r>
+          </a:p>
+          <a:p>
+            <a:pPr marL="0" indent="0">
+              <a:buNone/>
+            </a:pPr>
+            <a:endParaRPr lang="en-IN" dirty="0"/>
+          </a:p>
+        </p:txBody>
+      </p:sp>
+    </p:spTree>
+    <p:extLst>
+      <p:ext uri="{BB962C8B-B14F-4D97-AF65-F5344CB8AC3E}">
+        <p14:creationId xmlns:p14="http://schemas.microsoft.com/office/powerpoint/2010/main" val="3616935363"/>
+      </p:ext>
+    </p:extLst>
+  </p:cSld>
+  <p:clrMapOvr>
+    <a:masterClrMapping/>
+  </p:clrMapOvr>
+  <p:timing>
+    <p:tnLst>
+      <p:par>
+        <p:cTn id="1" dur="indefinite" restart="never" nodeType="tmRoot"/>
+      </p:par>
+    </p:tnLst>
+  </p:timing>
+</p:sld>
+</file>
+
+<file path=ppt/slides/slide13.xml><?xml version="1.0" encoding="utf-8"?>
+<p:sld xmlns:a="http://schemas.openxmlformats.org/drawingml/2006/main" xmlns:r="http://schemas.openxmlformats.org/officeDocument/2006/relationships" xmlns:p="http://schemas.openxmlformats.org/presentationml/2006/main">
+  <p:cSld>
+    <p:spTree>
+      <p:nvGrpSpPr>
+        <p:cNvPr id="1" name=""/>
+        <p:cNvGrpSpPr/>
+        <p:nvPr/>
+      </p:nvGrpSpPr>
+      <p:grpSpPr>
+        <a:xfrm>
+          <a:off x="0" y="0"/>
+          <a:ext cx="0" cy="0"/>
+          <a:chOff x="0" y="0"/>
+          <a:chExt cx="0" cy="0"/>
+        </a:xfrm>
+      </p:grpSpPr>
+      <p:sp>
+        <p:nvSpPr>
+          <p:cNvPr id="2" name="Title 1"/>
+          <p:cNvSpPr>
+            <a:spLocks noGrp="1"/>
+          </p:cNvSpPr>
+          <p:nvPr>
+            <p:ph type="title"/>
+          </p:nvPr>
+        </p:nvSpPr>
         <p:spPr>
           <a:xfrm>
             <a:off x="1619672" y="228600"/>
@@ -5062,10 +5160,17 @@
   <p:clrMapOvr>
     <a:masterClrMapping/>
   </p:clrMapOvr>
+  <p:timing>
+    <p:tnLst>
+      <p:par>
+        <p:cTn id="1" dur="indefinite" restart="never" nodeType="tmRoot"/>
+      </p:par>
+    </p:tnLst>
+  </p:timing>
 </p:sld>
 </file>
 
-<file path=ppt/slides/slide13.xml><?xml version="1.0" encoding="utf-8"?>
+<file path=ppt/slides/slide14.xml><?xml version="1.0" encoding="utf-8"?>
 <p:sld xmlns:a="http://schemas.openxmlformats.org/drawingml/2006/main" xmlns:r="http://schemas.openxmlformats.org/officeDocument/2006/relationships" xmlns:p="http://schemas.openxmlformats.org/presentationml/2006/main">
   <p:cSld>
     <p:spTree>
@@ -5399,10 +5504,17 @@
   <p:clrMapOvr>
     <a:masterClrMapping/>
   </p:clrMapOvr>
+  <p:timing>
+    <p:tnLst>
+      <p:par>
+        <p:cTn id="1" dur="indefinite" restart="never" nodeType="tmRoot"/>
+      </p:par>
+    </p:tnLst>
+  </p:timing>
 </p:sld>
 </file>
 
-<file path=ppt/slides/slide14.xml><?xml version="1.0" encoding="utf-8"?>
+<file path=ppt/slides/slide15.xml><?xml version="1.0" encoding="utf-8"?>
 <p:sld xmlns:a="http://schemas.openxmlformats.org/drawingml/2006/main" xmlns:r="http://schemas.openxmlformats.org/officeDocument/2006/relationships" xmlns:p="http://schemas.openxmlformats.org/presentationml/2006/main">
   <p:cSld>
     <p:spTree>
@@ -5441,7 +5553,7 @@
         </p:blipFill>
         <p:spPr>
           <a:xfrm>
-            <a:off x="2051720" y="3356992"/>
+            <a:off x="2051720" y="2780928"/>
             <a:ext cx="5147676" cy="2592288"/>
           </a:xfrm>
           <a:prstGeom prst="rect">
@@ -5457,8 +5569,8 @@
         </p:nvSpPr>
         <p:spPr>
           <a:xfrm>
-            <a:off x="1547664" y="548680"/>
-            <a:ext cx="5796136" cy="1200329"/>
+            <a:off x="1547664" y="764704"/>
+            <a:ext cx="7344816" cy="830997"/>
           </a:xfrm>
           <a:prstGeom prst="rect">
             <a:avLst/>
@@ -5477,16 +5589,7 @@
                 </a:solidFill>
                 <a:latin typeface="Palatino"/>
               </a:rPr>
-              <a:t>2. </a:t>
-            </a:r>
-            <a:r>
-              <a:rPr lang="en-IN" dirty="0">
-                <a:solidFill>
-                  <a:srgbClr val="000000"/>
-                </a:solidFill>
-                <a:latin typeface="Palatino"/>
-              </a:rPr>
-              <a:t>We </a:t>
+              <a:t>2. We </a:t>
             </a:r>
             <a:r>
               <a:rPr lang="en-IN" dirty="0" smtClean="0">
@@ -5537,10 +5640,17 @@
   <p:clrMapOvr>
     <a:masterClrMapping/>
   </p:clrMapOvr>
+  <p:timing>
+    <p:tnLst>
+      <p:par>
+        <p:cTn id="1" dur="indefinite" restart="never" nodeType="tmRoot"/>
+      </p:par>
+    </p:tnLst>
+  </p:timing>
 </p:sld>
 </file>
 
-<file path=ppt/slides/slide15.xml><?xml version="1.0" encoding="utf-8"?>
+<file path=ppt/slides/slide16.xml><?xml version="1.0" encoding="utf-8"?>
 <p:sld xmlns:a="http://schemas.openxmlformats.org/drawingml/2006/main" xmlns:r="http://schemas.openxmlformats.org/officeDocument/2006/relationships" xmlns:p="http://schemas.openxmlformats.org/presentationml/2006/main">
   <p:cSld>
     <p:spTree>
@@ -5595,8 +5705,8 @@
         </p:nvSpPr>
         <p:spPr>
           <a:xfrm>
-            <a:off x="1303940" y="332656"/>
-            <a:ext cx="7272808" cy="1200329"/>
+            <a:off x="1979712" y="548680"/>
+            <a:ext cx="7029084" cy="1200329"/>
           </a:xfrm>
           <a:prstGeom prst="rect">
             <a:avLst/>
@@ -5640,130 +5750,13 @@
   <p:clrMapOvr>
     <a:masterClrMapping/>
   </p:clrMapOvr>
-</p:sld>
-</file>
-
-<file path=ppt/slides/slide16.xml><?xml version="1.0" encoding="utf-8"?>
-<p:sld xmlns:a="http://schemas.openxmlformats.org/drawingml/2006/main" xmlns:r="http://schemas.openxmlformats.org/officeDocument/2006/relationships" xmlns:p="http://schemas.openxmlformats.org/presentationml/2006/main">
-  <p:cSld>
-    <p:spTree>
-      <p:nvGrpSpPr>
-        <p:cNvPr id="1" name=""/>
-        <p:cNvGrpSpPr/>
-        <p:nvPr/>
-      </p:nvGrpSpPr>
-      <p:grpSpPr>
-        <a:xfrm>
-          <a:off x="0" y="0"/>
-          <a:ext cx="0" cy="0"/>
-          <a:chOff x="0" y="0"/>
-          <a:chExt cx="0" cy="0"/>
-        </a:xfrm>
-      </p:grpSpPr>
-      <p:pic>
-        <p:nvPicPr>
-          <p:cNvPr id="2" name="Picture 1"/>
-          <p:cNvPicPr>
-            <a:picLocks noChangeAspect="1"/>
-          </p:cNvPicPr>
-          <p:nvPr/>
-        </p:nvPicPr>
-        <p:blipFill>
-          <a:blip r:embed="rId2">
-            <a:extLst>
-              <a:ext uri="{28A0092B-C50C-407E-A947-70E740481C1C}">
-                <a14:useLocalDpi xmlns:a14="http://schemas.microsoft.com/office/drawing/2010/main" val="0"/>
-              </a:ext>
-            </a:extLst>
-          </a:blip>
-          <a:stretch>
-            <a:fillRect/>
-          </a:stretch>
-        </p:blipFill>
-        <p:spPr>
-          <a:xfrm>
-            <a:off x="2051720" y="1916832"/>
-            <a:ext cx="5345503" cy="2691911"/>
-          </a:xfrm>
-          <a:prstGeom prst="rect">
-            <a:avLst/>
-          </a:prstGeom>
-        </p:spPr>
-      </p:pic>
-      <p:sp>
-        <p:nvSpPr>
-          <p:cNvPr id="3" name="Rectangle 2"/>
-          <p:cNvSpPr/>
-          <p:nvPr/>
-        </p:nvSpPr>
-        <p:spPr>
-          <a:xfrm>
-            <a:off x="1187624" y="380325"/>
-            <a:ext cx="7560840" cy="1200329"/>
-          </a:xfrm>
-          <a:prstGeom prst="rect">
-            <a:avLst/>
-          </a:prstGeom>
-        </p:spPr>
-        <p:txBody>
-          <a:bodyPr wrap="square">
-            <a:spAutoFit/>
-          </a:bodyPr>
-          <a:lstStyle/>
-          <a:p>
-            <a:r>
-              <a:rPr lang="en-IN" dirty="0" smtClean="0">
-                <a:solidFill>
-                  <a:srgbClr val="000000"/>
-                </a:solidFill>
-                <a:latin typeface="Palatino"/>
-              </a:rPr>
-              <a:t>4. Now </a:t>
-            </a:r>
-            <a:r>
-              <a:rPr lang="en-IN" dirty="0">
-                <a:solidFill>
-                  <a:srgbClr val="000000"/>
-                </a:solidFill>
-                <a:latin typeface="Palatino"/>
-              </a:rPr>
-              <a:t>we go to database B and update the </a:t>
-            </a:r>
-            <a:r>
-              <a:rPr lang="en-IN" dirty="0" smtClean="0">
-                <a:solidFill>
-                  <a:srgbClr val="000000"/>
-                </a:solidFill>
-                <a:latin typeface="Palatino"/>
-              </a:rPr>
-              <a:t>document. </a:t>
-            </a:r>
-            <a:r>
-              <a:rPr lang="en-IN" dirty="0"/>
-              <a:t>upon change, </a:t>
-            </a:r>
-            <a:r>
-              <a:rPr lang="en-IN" dirty="0" err="1"/>
-              <a:t>CouchDB</a:t>
-            </a:r>
-            <a:r>
-              <a:rPr lang="en-IN" dirty="0"/>
-              <a:t> generates a new revision for us.</a:t>
-            </a:r>
-            <a:endParaRPr lang="en-IN" dirty="0"/>
-          </a:p>
-        </p:txBody>
-      </p:sp>
-    </p:spTree>
-    <p:extLst>
-      <p:ext uri="{BB962C8B-B14F-4D97-AF65-F5344CB8AC3E}">
-        <p14:creationId xmlns:p14="http://schemas.microsoft.com/office/powerpoint/2010/main" val="375088433"/>
-      </p:ext>
-    </p:extLst>
-  </p:cSld>
-  <p:clrMapOvr>
-    <a:masterClrMapping/>
-  </p:clrMapOvr>
+  <p:timing>
+    <p:tnLst>
+      <p:par>
+        <p:cTn id="1" dur="indefinite" restart="never" nodeType="tmRoot"/>
+      </p:par>
+    </p:tnLst>
+  </p:timing>
 </p:sld>
 </file>
 
@@ -5806,8 +5799,8 @@
         </p:blipFill>
         <p:spPr>
           <a:xfrm>
-            <a:off x="2195736" y="2276872"/>
-            <a:ext cx="5057471" cy="2546862"/>
+            <a:off x="1979712" y="2996952"/>
+            <a:ext cx="5345503" cy="2691911"/>
           </a:xfrm>
           <a:prstGeom prst="rect">
             <a:avLst/>
@@ -5822,8 +5815,8 @@
         </p:nvSpPr>
         <p:spPr>
           <a:xfrm>
-            <a:off x="1691680" y="260648"/>
-            <a:ext cx="6372200" cy="1569660"/>
+            <a:off x="1403648" y="476672"/>
+            <a:ext cx="7596336" cy="1938992"/>
           </a:xfrm>
           <a:prstGeom prst="rect">
             <a:avLst/>
@@ -5834,6 +5827,58 @@
             <a:spAutoFit/>
           </a:bodyPr>
           <a:lstStyle/>
+          <a:p>
+            <a:r>
+              <a:rPr lang="en-IN" dirty="0">
+                <a:solidFill>
+                  <a:srgbClr val="000000"/>
+                </a:solidFill>
+                <a:latin typeface="Palatino"/>
+              </a:rPr>
+              <a:t>4. </a:t>
+            </a:r>
+            <a:r>
+              <a:rPr lang="en-IN" dirty="0">
+                <a:solidFill>
+                  <a:srgbClr val="000000"/>
+                </a:solidFill>
+                <a:latin typeface="Palatino"/>
+              </a:rPr>
+              <a:t>Now </a:t>
+            </a:r>
+            <a:r>
+              <a:rPr lang="en-IN" dirty="0">
+                <a:solidFill>
+                  <a:srgbClr val="000000"/>
+                </a:solidFill>
+                <a:latin typeface="Palatino"/>
+              </a:rPr>
+              <a:t>we go to database B and update the </a:t>
+            </a:r>
+            <a:r>
+              <a:rPr lang="en-IN" dirty="0">
+                <a:solidFill>
+                  <a:srgbClr val="000000"/>
+                </a:solidFill>
+                <a:latin typeface="Palatino"/>
+              </a:rPr>
+              <a:t>document. </a:t>
+            </a:r>
+            <a:endParaRPr lang="en-IN" dirty="0" smtClean="0">
+              <a:solidFill>
+                <a:srgbClr val="000000"/>
+              </a:solidFill>
+              <a:latin typeface="Palatino"/>
+            </a:endParaRPr>
+          </a:p>
+          <a:p>
+            <a:endParaRPr lang="en-IN" dirty="0">
+              <a:solidFill>
+                <a:srgbClr val="000000"/>
+              </a:solidFill>
+              <a:latin typeface="Palatino"/>
+            </a:endParaRPr>
+          </a:p>
           <a:p>
             <a:r>
               <a:rPr lang="en-IN" dirty="0" smtClean="0">
@@ -5842,7 +5887,7 @@
                 </a:solidFill>
                 <a:latin typeface="Palatino"/>
               </a:rPr>
-              <a:t>5. Now </a:t>
+              <a:t>Upon </a:t>
             </a:r>
             <a:r>
               <a:rPr lang="en-IN" dirty="0">
@@ -5851,35 +5896,46 @@
                 </a:solidFill>
                 <a:latin typeface="Palatino"/>
               </a:rPr>
-              <a:t>we make a change to our document in database A by changing some other </a:t>
-            </a:r>
-            <a:r>
-              <a:rPr lang="en-IN" dirty="0" smtClean="0">
+              <a:t>change, </a:t>
+            </a:r>
+            <a:r>
+              <a:rPr lang="en-IN" dirty="0" err="1">
                 <a:solidFill>
                   <a:srgbClr val="000000"/>
                 </a:solidFill>
                 <a:latin typeface="Palatino"/>
               </a:rPr>
-              <a:t>values. </a:t>
-            </a:r>
-            <a:r>
-              <a:rPr lang="en-IN" dirty="0"/>
-              <a:t>there are two different revisions of that same document in each database.</a:t>
-            </a:r>
-            <a:endParaRPr lang="en-IN" dirty="0"/>
+              <a:t>CouchDB</a:t>
+            </a:r>
+            <a:r>
+              <a:rPr lang="en-IN" dirty="0">
+                <a:solidFill>
+                  <a:srgbClr val="000000"/>
+                </a:solidFill>
+                <a:latin typeface="Palatino"/>
+              </a:rPr>
+              <a:t> generates a new revision for us.</a:t>
+            </a:r>
           </a:p>
         </p:txBody>
       </p:sp>
     </p:spTree>
     <p:extLst>
       <p:ext uri="{BB962C8B-B14F-4D97-AF65-F5344CB8AC3E}">
-        <p14:creationId xmlns:p14="http://schemas.microsoft.com/office/powerpoint/2010/main" val="3881170088"/>
+        <p14:creationId xmlns:p14="http://schemas.microsoft.com/office/powerpoint/2010/main" val="375088433"/>
       </p:ext>
     </p:extLst>
   </p:cSld>
   <p:clrMapOvr>
     <a:masterClrMapping/>
   </p:clrMapOvr>
+  <p:timing>
+    <p:tnLst>
+      <p:par>
+        <p:cTn id="1" dur="indefinite" restart="never" nodeType="tmRoot"/>
+      </p:par>
+    </p:tnLst>
+  </p:timing>
 </p:sld>
 </file>
 
@@ -5922,7 +5978,168 @@
         </p:blipFill>
         <p:spPr>
           <a:xfrm>
-            <a:off x="2195736" y="1988840"/>
+            <a:off x="2195736" y="2852936"/>
+            <a:ext cx="5057471" cy="2546862"/>
+          </a:xfrm>
+          <a:prstGeom prst="rect">
+            <a:avLst/>
+          </a:prstGeom>
+        </p:spPr>
+      </p:pic>
+      <p:sp>
+        <p:nvSpPr>
+          <p:cNvPr id="3" name="Rectangle 2"/>
+          <p:cNvSpPr/>
+          <p:nvPr/>
+        </p:nvSpPr>
+        <p:spPr>
+          <a:xfrm>
+            <a:off x="1650528" y="404664"/>
+            <a:ext cx="7439792" cy="1938992"/>
+          </a:xfrm>
+          <a:prstGeom prst="rect">
+            <a:avLst/>
+          </a:prstGeom>
+        </p:spPr>
+        <p:txBody>
+          <a:bodyPr wrap="square">
+            <a:spAutoFit/>
+          </a:bodyPr>
+          <a:lstStyle/>
+          <a:p>
+            <a:r>
+              <a:rPr lang="en-IN" dirty="0">
+                <a:solidFill>
+                  <a:srgbClr val="000000"/>
+                </a:solidFill>
+                <a:latin typeface="Palatino"/>
+              </a:rPr>
+              <a:t>5. </a:t>
+            </a:r>
+            <a:r>
+              <a:rPr lang="en-IN" dirty="0">
+                <a:solidFill>
+                  <a:srgbClr val="000000"/>
+                </a:solidFill>
+                <a:latin typeface="Palatino"/>
+              </a:rPr>
+              <a:t>Now </a:t>
+            </a:r>
+            <a:r>
+              <a:rPr lang="en-IN" dirty="0">
+                <a:solidFill>
+                  <a:srgbClr val="000000"/>
+                </a:solidFill>
+                <a:latin typeface="Palatino"/>
+              </a:rPr>
+              <a:t>we make a change to our document in database A by changing some other </a:t>
+            </a:r>
+            <a:r>
+              <a:rPr lang="en-IN" dirty="0">
+                <a:solidFill>
+                  <a:srgbClr val="000000"/>
+                </a:solidFill>
+                <a:latin typeface="Palatino"/>
+              </a:rPr>
+              <a:t>values. </a:t>
+            </a:r>
+            <a:endParaRPr lang="en-IN" dirty="0" smtClean="0">
+              <a:solidFill>
+                <a:srgbClr val="000000"/>
+              </a:solidFill>
+              <a:latin typeface="Palatino"/>
+            </a:endParaRPr>
+          </a:p>
+          <a:p>
+            <a:endParaRPr lang="en-IN" dirty="0" smtClean="0">
+              <a:solidFill>
+                <a:srgbClr val="000000"/>
+              </a:solidFill>
+              <a:latin typeface="Palatino"/>
+            </a:endParaRPr>
+          </a:p>
+          <a:p>
+            <a:r>
+              <a:rPr lang="en-IN" dirty="0" smtClean="0">
+                <a:solidFill>
+                  <a:srgbClr val="000000"/>
+                </a:solidFill>
+                <a:latin typeface="Palatino"/>
+              </a:rPr>
+              <a:t>There </a:t>
+            </a:r>
+            <a:r>
+              <a:rPr lang="en-IN" dirty="0">
+                <a:solidFill>
+                  <a:srgbClr val="000000"/>
+                </a:solidFill>
+                <a:latin typeface="Palatino"/>
+              </a:rPr>
+              <a:t>are two different revisions of that same document in each database.</a:t>
+            </a:r>
+          </a:p>
+        </p:txBody>
+      </p:sp>
+    </p:spTree>
+    <p:extLst>
+      <p:ext uri="{BB962C8B-B14F-4D97-AF65-F5344CB8AC3E}">
+        <p14:creationId xmlns:p14="http://schemas.microsoft.com/office/powerpoint/2010/main" val="3881170088"/>
+      </p:ext>
+    </p:extLst>
+  </p:cSld>
+  <p:clrMapOvr>
+    <a:masterClrMapping/>
+  </p:clrMapOvr>
+  <p:timing>
+    <p:tnLst>
+      <p:par>
+        <p:cTn id="1" dur="indefinite" restart="never" nodeType="tmRoot"/>
+      </p:par>
+    </p:tnLst>
+  </p:timing>
+</p:sld>
+</file>
+
+<file path=ppt/slides/slide19.xml><?xml version="1.0" encoding="utf-8"?>
+<p:sld xmlns:a="http://schemas.openxmlformats.org/drawingml/2006/main" xmlns:r="http://schemas.openxmlformats.org/officeDocument/2006/relationships" xmlns:p="http://schemas.openxmlformats.org/presentationml/2006/main">
+  <p:cSld>
+    <p:spTree>
+      <p:nvGrpSpPr>
+        <p:cNvPr id="1" name=""/>
+        <p:cNvGrpSpPr/>
+        <p:nvPr/>
+      </p:nvGrpSpPr>
+      <p:grpSpPr>
+        <a:xfrm>
+          <a:off x="0" y="0"/>
+          <a:ext cx="0" cy="0"/>
+          <a:chOff x="0" y="0"/>
+          <a:chExt cx="0" cy="0"/>
+        </a:xfrm>
+      </p:grpSpPr>
+      <p:pic>
+        <p:nvPicPr>
+          <p:cNvPr id="2" name="Picture 1"/>
+          <p:cNvPicPr>
+            <a:picLocks noChangeAspect="1"/>
+          </p:cNvPicPr>
+          <p:nvPr/>
+        </p:nvPicPr>
+        <p:blipFill>
+          <a:blip r:embed="rId2">
+            <a:extLst>
+              <a:ext uri="{28A0092B-C50C-407E-A947-70E740481C1C}">
+                <a14:useLocalDpi xmlns:a14="http://schemas.microsoft.com/office/drawing/2010/main" val="0"/>
+              </a:ext>
+            </a:extLst>
+          </a:blip>
+          <a:stretch>
+            <a:fillRect/>
+          </a:stretch>
+        </p:blipFill>
+        <p:spPr>
+          <a:xfrm>
+            <a:off x="2267744" y="2780928"/>
             <a:ext cx="5055861" cy="2546051"/>
           </a:xfrm>
           <a:prstGeom prst="rect">
@@ -5938,8 +6155,8 @@
         </p:nvSpPr>
         <p:spPr>
           <a:xfrm>
-            <a:off x="1403648" y="188640"/>
-            <a:ext cx="7992888" cy="830997"/>
+            <a:off x="1763688" y="836712"/>
+            <a:ext cx="7128792" cy="830997"/>
           </a:xfrm>
           <a:prstGeom prst="rect">
             <a:avLst/>
@@ -5983,10 +6200,232 @@
   <p:clrMapOvr>
     <a:masterClrMapping/>
   </p:clrMapOvr>
+  <p:timing>
+    <p:tnLst>
+      <p:par>
+        <p:cTn id="1" dur="indefinite" restart="never" nodeType="tmRoot"/>
+      </p:par>
+    </p:tnLst>
+  </p:timing>
 </p:sld>
 </file>
 
-<file path=ppt/slides/slide19.xml><?xml version="1.0" encoding="utf-8"?>
+<file path=ppt/slides/slide2.xml><?xml version="1.0" encoding="utf-8"?>
+<p:sld xmlns:a="http://schemas.openxmlformats.org/drawingml/2006/main" xmlns:r="http://schemas.openxmlformats.org/officeDocument/2006/relationships" xmlns:p="http://schemas.openxmlformats.org/presentationml/2006/main">
+  <p:cSld>
+    <p:spTree>
+      <p:nvGrpSpPr>
+        <p:cNvPr id="1" name=""/>
+        <p:cNvGrpSpPr/>
+        <p:nvPr/>
+      </p:nvGrpSpPr>
+      <p:grpSpPr>
+        <a:xfrm>
+          <a:off x="0" y="0"/>
+          <a:ext cx="0" cy="0"/>
+          <a:chOff x="0" y="0"/>
+          <a:chExt cx="0" cy="0"/>
+        </a:xfrm>
+      </p:grpSpPr>
+      <p:sp>
+        <p:nvSpPr>
+          <p:cNvPr id="2" name="Title 1"/>
+          <p:cNvSpPr>
+            <a:spLocks noGrp="1"/>
+          </p:cNvSpPr>
+          <p:nvPr>
+            <p:ph type="title"/>
+          </p:nvPr>
+        </p:nvSpPr>
+        <p:spPr/>
+        <p:txBody>
+          <a:bodyPr/>
+          <a:lstStyle/>
+          <a:p>
+            <a:r>
+              <a:rPr lang="en-IN" dirty="0" smtClean="0"/>
+              <a:t>Introduction</a:t>
+            </a:r>
+            <a:endParaRPr lang="en-IN" dirty="0"/>
+          </a:p>
+        </p:txBody>
+      </p:sp>
+      <p:sp>
+        <p:nvSpPr>
+          <p:cNvPr id="3" name="Content Placeholder 2"/>
+          <p:cNvSpPr>
+            <a:spLocks noGrp="1"/>
+          </p:cNvSpPr>
+          <p:nvPr>
+            <p:ph idx="1"/>
+          </p:nvPr>
+        </p:nvSpPr>
+        <p:spPr/>
+        <p:txBody>
+          <a:bodyPr/>
+          <a:lstStyle/>
+          <a:p>
+            <a:r>
+              <a:rPr lang="en-US" dirty="0"/>
+              <a:t>Why </a:t>
+            </a:r>
+            <a:r>
+              <a:rPr lang="en-US" dirty="0" err="1"/>
+              <a:t>CouchDB</a:t>
+            </a:r>
+            <a:r>
+              <a:rPr lang="en-US" dirty="0"/>
+              <a:t> </a:t>
+            </a:r>
+            <a:r>
+              <a:rPr lang="en-US" dirty="0" smtClean="0"/>
+              <a:t>?</a:t>
+            </a:r>
+          </a:p>
+          <a:p>
+            <a:pPr marL="342900" lvl="1" indent="-342900">
+              <a:spcBef>
+                <a:spcPct val="100000"/>
+              </a:spcBef>
+            </a:pPr>
+            <a:r>
+              <a:rPr lang="en-IN" sz="2000" dirty="0">
+                <a:ea typeface="+mn-ea"/>
+                <a:cs typeface="+mn-cs"/>
+              </a:rPr>
+              <a:t>High availability is </a:t>
+            </a:r>
+            <a:r>
+              <a:rPr lang="en-IN" sz="2000" dirty="0" smtClean="0">
+                <a:ea typeface="+mn-ea"/>
+                <a:cs typeface="+mn-cs"/>
+              </a:rPr>
+              <a:t>important</a:t>
+            </a:r>
+            <a:endParaRPr lang="en-IN" sz="2000" dirty="0">
+              <a:ea typeface="+mn-ea"/>
+              <a:cs typeface="+mn-cs"/>
+            </a:endParaRPr>
+          </a:p>
+          <a:p>
+            <a:pPr marL="342900" lvl="1" indent="-342900">
+              <a:spcBef>
+                <a:spcPct val="100000"/>
+              </a:spcBef>
+            </a:pPr>
+            <a:r>
+              <a:rPr lang="en-US" sz="2000" dirty="0">
+                <a:ea typeface="+mn-ea"/>
+                <a:cs typeface="+mn-cs"/>
+              </a:rPr>
+              <a:t>Eventually </a:t>
+            </a:r>
+            <a:r>
+              <a:rPr lang="en-US" sz="2000" dirty="0" smtClean="0">
+                <a:ea typeface="+mn-ea"/>
+                <a:cs typeface="+mn-cs"/>
+              </a:rPr>
+              <a:t>consistent</a:t>
+            </a:r>
+            <a:endParaRPr lang="en-US" sz="2000" dirty="0">
+              <a:ea typeface="+mn-ea"/>
+              <a:cs typeface="+mn-cs"/>
+            </a:endParaRPr>
+          </a:p>
+          <a:p>
+            <a:pPr marL="342900" lvl="1" indent="-342900">
+              <a:spcBef>
+                <a:spcPct val="100000"/>
+              </a:spcBef>
+            </a:pPr>
+            <a:r>
+              <a:rPr lang="en-IN" sz="2000" dirty="0">
+                <a:ea typeface="+mn-ea"/>
+                <a:cs typeface="+mn-cs"/>
+              </a:rPr>
+              <a:t>Powerful data processing using the built-in query engine</a:t>
+            </a:r>
+          </a:p>
+          <a:p>
+            <a:pPr marL="342900" lvl="1" indent="-342900">
+              <a:spcBef>
+                <a:spcPct val="100000"/>
+              </a:spcBef>
+            </a:pPr>
+            <a:r>
+              <a:rPr lang="en-US" sz="2000" dirty="0" smtClean="0">
+                <a:ea typeface="+mn-ea"/>
+                <a:cs typeface="+mn-cs"/>
+              </a:rPr>
+              <a:t>Modular </a:t>
+            </a:r>
+            <a:r>
+              <a:rPr lang="en-US" sz="2000" dirty="0">
+                <a:ea typeface="+mn-ea"/>
+                <a:cs typeface="+mn-cs"/>
+              </a:rPr>
+              <a:t>&amp; Scalable </a:t>
+            </a:r>
+            <a:r>
+              <a:rPr lang="en-US" sz="2000" dirty="0" smtClean="0">
+                <a:ea typeface="+mn-ea"/>
+                <a:cs typeface="+mn-cs"/>
+              </a:rPr>
+              <a:t>design</a:t>
+            </a:r>
+            <a:endParaRPr lang="en-US" sz="2000" dirty="0">
+              <a:ea typeface="+mn-ea"/>
+              <a:cs typeface="+mn-cs"/>
+            </a:endParaRPr>
+          </a:p>
+          <a:p>
+            <a:pPr marL="342900" lvl="1" indent="-342900">
+              <a:spcBef>
+                <a:spcPct val="100000"/>
+              </a:spcBef>
+            </a:pPr>
+            <a:r>
+              <a:rPr lang="en-US" sz="2000" dirty="0">
+                <a:ea typeface="+mn-ea"/>
+                <a:cs typeface="+mn-cs"/>
+              </a:rPr>
+              <a:t>User </a:t>
+            </a:r>
+            <a:r>
+              <a:rPr lang="en-US" sz="2000" dirty="0">
+                <a:ea typeface="+mn-ea"/>
+                <a:cs typeface="+mn-cs"/>
+              </a:rPr>
+              <a:t>friendly</a:t>
+            </a:r>
+            <a:endParaRPr lang="en-US" sz="2000" dirty="0">
+              <a:ea typeface="+mn-ea"/>
+              <a:cs typeface="+mn-cs"/>
+            </a:endParaRPr>
+          </a:p>
+        </p:txBody>
+      </p:sp>
+    </p:spTree>
+    <p:extLst>
+      <p:ext uri="{BB962C8B-B14F-4D97-AF65-F5344CB8AC3E}">
+        <p14:creationId xmlns:p14="http://schemas.microsoft.com/office/powerpoint/2010/main" val="160906904"/>
+      </p:ext>
+    </p:extLst>
+  </p:cSld>
+  <p:clrMapOvr>
+    <a:masterClrMapping/>
+  </p:clrMapOvr>
+  <p:timing>
+    <p:tnLst>
+      <p:par>
+        <p:cTn id="1" dur="indefinite" restart="never" nodeType="tmRoot"/>
+      </p:par>
+    </p:tnLst>
+  </p:timing>
+</p:sld>
+</file>
+
+<file path=ppt/slides/slide20.xml><?xml version="1.0" encoding="utf-8"?>
 <p:sld xmlns:a="http://schemas.openxmlformats.org/drawingml/2006/main" xmlns:r="http://schemas.openxmlformats.org/officeDocument/2006/relationships" xmlns:p="http://schemas.openxmlformats.org/presentationml/2006/main">
   <p:cSld>
     <p:spTree>
@@ -6025,7 +6464,7 @@
         </p:blipFill>
         <p:spPr>
           <a:xfrm>
-            <a:off x="2123728" y="1916832"/>
+            <a:off x="2339752" y="2636912"/>
             <a:ext cx="5290668" cy="2664296"/>
           </a:xfrm>
           <a:prstGeom prst="rect">
@@ -6041,8 +6480,8 @@
         </p:nvSpPr>
         <p:spPr>
           <a:xfrm>
-            <a:off x="755576" y="260648"/>
-            <a:ext cx="8748464" cy="2308324"/>
+            <a:off x="1763688" y="764704"/>
+            <a:ext cx="6696744" cy="1200329"/>
           </a:xfrm>
           <a:prstGeom prst="rect">
             <a:avLst/>
@@ -6054,6 +6493,15 @@
           </a:bodyPr>
           <a:lstStyle/>
           <a:p>
+            <a:r>
+              <a:rPr lang="en-IN" dirty="0" smtClean="0">
+                <a:solidFill>
+                  <a:srgbClr val="000000"/>
+                </a:solidFill>
+                <a:latin typeface="Palatino"/>
+              </a:rPr>
+              <a:t>7. When replicating two </a:t>
+            </a:r>
             <a:r>
               <a:rPr lang="en-IN" dirty="0">
                 <a:solidFill>
@@ -6061,16 +6509,16 @@
                 </a:solidFill>
                 <a:latin typeface="Palatino"/>
               </a:rPr>
-              <a:t>When replicating, </a:t>
-            </a:r>
-            <a:r>
-              <a:rPr lang="en-IN" dirty="0" err="1">
+              <a:t>different </a:t>
+            </a:r>
+            <a:r>
+              <a:rPr lang="en-IN" dirty="0" smtClean="0">
                 <a:solidFill>
                   <a:srgbClr val="000000"/>
                 </a:solidFill>
                 <a:latin typeface="Palatino"/>
               </a:rPr>
-              <a:t>CouchDB</a:t>
+              <a:t>revisions are detected </a:t>
             </a:r>
             <a:r>
               <a:rPr lang="en-IN" dirty="0">
@@ -6079,25 +6527,12 @@
                 </a:solidFill>
                 <a:latin typeface="Palatino"/>
               </a:rPr>
-              <a:t> detects that there are two different revisions for the same document, and it creates a conflict </a:t>
+              <a:t>for the same document, and it creates a conflict </a:t>
             </a:r>
             <a:r>
               <a:rPr lang="en-IN" dirty="0"/>
-              <a:t> A document conflict means that there are now two latest revisions for this document.</a:t>
-            </a:r>
-          </a:p>
-          <a:p>
-            <a:r>
-              <a:rPr lang="en-IN" dirty="0">
-                <a:hlinkClick r:id="rId3"/>
-              </a:rPr>
-              <a:t/>
-            </a:r>
-            <a:br>
-              <a:rPr lang="en-IN" dirty="0">
-                <a:hlinkClick r:id="rId3"/>
-              </a:rPr>
-            </a:br>
+              <a:t>.</a:t>
+            </a:r>
             <a:endParaRPr lang="en-IN" dirty="0"/>
           </a:p>
         </p:txBody>
@@ -6112,173 +6547,17 @@
   <p:clrMapOvr>
     <a:masterClrMapping/>
   </p:clrMapOvr>
+  <p:timing>
+    <p:tnLst>
+      <p:par>
+        <p:cTn id="1" dur="indefinite" restart="never" nodeType="tmRoot"/>
+      </p:par>
+    </p:tnLst>
+  </p:timing>
 </p:sld>
 </file>
 
-<file path=ppt/slides/slide2.xml><?xml version="1.0" encoding="utf-8"?>
-<p:sld xmlns:a="http://schemas.openxmlformats.org/drawingml/2006/main" xmlns:r="http://schemas.openxmlformats.org/officeDocument/2006/relationships" xmlns:p="http://schemas.openxmlformats.org/presentationml/2006/main">
-  <p:cSld>
-    <p:spTree>
-      <p:nvGrpSpPr>
-        <p:cNvPr id="1" name=""/>
-        <p:cNvGrpSpPr/>
-        <p:nvPr/>
-      </p:nvGrpSpPr>
-      <p:grpSpPr>
-        <a:xfrm>
-          <a:off x="0" y="0"/>
-          <a:ext cx="0" cy="0"/>
-          <a:chOff x="0" y="0"/>
-          <a:chExt cx="0" cy="0"/>
-        </a:xfrm>
-      </p:grpSpPr>
-      <p:sp>
-        <p:nvSpPr>
-          <p:cNvPr id="2" name="Title 1"/>
-          <p:cNvSpPr>
-            <a:spLocks noGrp="1"/>
-          </p:cNvSpPr>
-          <p:nvPr>
-            <p:ph type="title"/>
-          </p:nvPr>
-        </p:nvSpPr>
-        <p:spPr/>
-        <p:txBody>
-          <a:bodyPr/>
-          <a:lstStyle/>
-          <a:p>
-            <a:r>
-              <a:rPr lang="en-IN" dirty="0" smtClean="0"/>
-              <a:t>Introduction</a:t>
-            </a:r>
-            <a:endParaRPr lang="en-IN" dirty="0"/>
-          </a:p>
-        </p:txBody>
-      </p:sp>
-      <p:sp>
-        <p:nvSpPr>
-          <p:cNvPr id="3" name="Content Placeholder 2"/>
-          <p:cNvSpPr>
-            <a:spLocks noGrp="1"/>
-          </p:cNvSpPr>
-          <p:nvPr>
-            <p:ph idx="1"/>
-          </p:nvPr>
-        </p:nvSpPr>
-        <p:spPr/>
-        <p:txBody>
-          <a:bodyPr/>
-          <a:lstStyle/>
-          <a:p>
-            <a:r>
-              <a:rPr lang="en-US" dirty="0"/>
-              <a:t>Why </a:t>
-            </a:r>
-            <a:r>
-              <a:rPr lang="en-US" dirty="0" err="1"/>
-              <a:t>CouchDB</a:t>
-            </a:r>
-            <a:r>
-              <a:rPr lang="en-US" dirty="0"/>
-              <a:t> </a:t>
-            </a:r>
-            <a:r>
-              <a:rPr lang="en-US" dirty="0" smtClean="0"/>
-              <a:t>?</a:t>
-            </a:r>
-          </a:p>
-          <a:p>
-            <a:pPr lvl="1"/>
-            <a:r>
-              <a:rPr lang="en-IN" dirty="0"/>
-              <a:t>High availability is </a:t>
-            </a:r>
-            <a:r>
-              <a:rPr lang="en-IN" dirty="0" smtClean="0"/>
-              <a:t>important</a:t>
-            </a:r>
-          </a:p>
-          <a:p>
-            <a:pPr marL="457200" lvl="1" indent="0">
-              <a:buNone/>
-            </a:pPr>
-            <a:endParaRPr lang="en-IN" dirty="0"/>
-          </a:p>
-          <a:p>
-            <a:pPr lvl="1"/>
-            <a:r>
-              <a:rPr lang="en-US" dirty="0"/>
-              <a:t>Eventually </a:t>
-            </a:r>
-            <a:r>
-              <a:rPr lang="en-US" dirty="0" smtClean="0"/>
-              <a:t>consistent</a:t>
-            </a:r>
-          </a:p>
-          <a:p>
-            <a:pPr marL="457200" lvl="1" indent="0">
-              <a:buNone/>
-            </a:pPr>
-            <a:endParaRPr lang="en-US" dirty="0"/>
-          </a:p>
-          <a:p>
-            <a:pPr lvl="1"/>
-            <a:r>
-              <a:rPr lang="en-IN" dirty="0" smtClean="0"/>
-              <a:t>Powerful data processing using the built-in query engine</a:t>
-            </a:r>
-          </a:p>
-          <a:p>
-            <a:pPr marL="457200" lvl="1" indent="0">
-              <a:buNone/>
-            </a:pPr>
-            <a:endParaRPr lang="en-IN" dirty="0"/>
-          </a:p>
-          <a:p>
-            <a:pPr lvl="1"/>
-            <a:r>
-              <a:rPr lang="en-US" dirty="0"/>
-              <a:t>Modular &amp; Scalable </a:t>
-            </a:r>
-            <a:r>
-              <a:rPr lang="en-US" dirty="0" smtClean="0"/>
-              <a:t>design</a:t>
-            </a:r>
-          </a:p>
-          <a:p>
-            <a:pPr marL="457200" lvl="1" indent="0">
-              <a:buNone/>
-            </a:pPr>
-            <a:endParaRPr lang="en-US" dirty="0"/>
-          </a:p>
-          <a:p>
-            <a:pPr lvl="1"/>
-            <a:r>
-              <a:rPr lang="en-US" dirty="0"/>
-              <a:t>User </a:t>
-            </a:r>
-            <a:r>
-              <a:rPr lang="en-US" dirty="0" smtClean="0"/>
-              <a:t>friendly</a:t>
-            </a:r>
-            <a:endParaRPr lang="en-US" dirty="0"/>
-          </a:p>
-        </p:txBody>
-      </p:sp>
-    </p:spTree>
-    <p:extLst>
-      <p:ext uri="{BB962C8B-B14F-4D97-AF65-F5344CB8AC3E}">
-        <p14:creationId xmlns:p14="http://schemas.microsoft.com/office/powerpoint/2010/main" val="160906904"/>
-      </p:ext>
-    </p:extLst>
-  </p:cSld>
-  <p:clrMapOvr>
-    <a:masterClrMapping/>
-  </p:clrMapOvr>
-</p:sld>
-</file>
-
-<file path=ppt/slides/slide20.xml><?xml version="1.0" encoding="utf-8"?>
+<file path=ppt/slides/slide21.xml><?xml version="1.0" encoding="utf-8"?>
 <p:sld xmlns:a="http://schemas.openxmlformats.org/drawingml/2006/main" xmlns:r="http://schemas.openxmlformats.org/officeDocument/2006/relationships" xmlns:p="http://schemas.openxmlformats.org/presentationml/2006/main">
   <p:cSld>
     <p:spTree>
@@ -6317,7 +6596,7 @@
         </p:blipFill>
         <p:spPr>
           <a:xfrm>
-            <a:off x="1907704" y="3140968"/>
+            <a:off x="1888312" y="3212976"/>
             <a:ext cx="6250297" cy="2016224"/>
           </a:xfrm>
           <a:prstGeom prst="rect">
@@ -6333,8 +6612,8 @@
         </p:nvSpPr>
         <p:spPr>
           <a:xfrm>
-            <a:off x="1691679" y="332656"/>
-            <a:ext cx="6466321" cy="1569660"/>
+            <a:off x="1672289" y="764704"/>
+            <a:ext cx="6466320" cy="1938992"/>
           </a:xfrm>
           <a:prstGeom prst="rect">
             <a:avLst/>
@@ -6353,7 +6632,16 @@
                 </a:solidFill>
                 <a:latin typeface="Palatino"/>
               </a:rPr>
-              <a:t>Finally, we tell </a:t>
+              <a:t>8. Finally</a:t>
+            </a:r>
+            <a:r>
+              <a:rPr lang="en-IN" dirty="0">
+                <a:solidFill>
+                  <a:srgbClr val="000000"/>
+                </a:solidFill>
+                <a:latin typeface="Palatino"/>
+              </a:rPr>
+              <a:t>, we tell </a:t>
             </a:r>
             <a:r>
               <a:rPr lang="en-IN" dirty="0" err="1">
@@ -6371,26 +6659,63 @@
                 </a:solidFill>
                 <a:latin typeface="Palatino"/>
               </a:rPr>
-              <a:t> which version we would like to be the latest revision by resolving the </a:t>
-            </a:r>
-            <a:r>
-              <a:rPr lang="en-IN" dirty="0" err="1" smtClean="0">
+              <a:t> which version we </a:t>
+            </a:r>
+            <a:r>
+              <a:rPr lang="en-IN" dirty="0" smtClean="0">
                 <a:solidFill>
                   <a:srgbClr val="000000"/>
                 </a:solidFill>
                 <a:latin typeface="Palatino"/>
               </a:rPr>
-              <a:t>conflict</a:t>
-            </a:r>
-            <a:r>
-              <a:rPr lang="en-IN" dirty="0" err="1"/>
-              <a:t>Now</a:t>
-            </a:r>
-            <a:r>
-              <a:rPr lang="en-IN" dirty="0"/>
-              <a:t> both databases have the same data.</a:t>
-            </a:r>
-            <a:endParaRPr lang="en-IN" dirty="0"/>
+              <a:t>want as </a:t>
+            </a:r>
+            <a:r>
+              <a:rPr lang="en-IN" dirty="0">
+                <a:solidFill>
+                  <a:srgbClr val="000000"/>
+                </a:solidFill>
+                <a:latin typeface="Palatino"/>
+              </a:rPr>
+              <a:t>the latest revision by resolving the </a:t>
+            </a:r>
+            <a:r>
+              <a:rPr lang="en-IN" dirty="0" smtClean="0">
+                <a:solidFill>
+                  <a:srgbClr val="000000"/>
+                </a:solidFill>
+                <a:latin typeface="Palatino"/>
+              </a:rPr>
+              <a:t>conflict. </a:t>
+            </a:r>
+          </a:p>
+          <a:p>
+            <a:endParaRPr lang="en-IN" dirty="0">
+              <a:solidFill>
+                <a:srgbClr val="000000"/>
+              </a:solidFill>
+              <a:latin typeface="Palatino"/>
+            </a:endParaRPr>
+          </a:p>
+          <a:p>
+            <a:r>
+              <a:rPr lang="en-IN" dirty="0" smtClean="0">
+                <a:solidFill>
+                  <a:srgbClr val="000000"/>
+                </a:solidFill>
+                <a:latin typeface="Palatino"/>
+              </a:rPr>
+              <a:t>Now </a:t>
+            </a:r>
+            <a:r>
+              <a:rPr lang="en-IN" dirty="0">
+                <a:solidFill>
+                  <a:srgbClr val="000000"/>
+                </a:solidFill>
+                <a:latin typeface="Palatino"/>
+              </a:rPr>
+              <a:t>both databases have the same data.</a:t>
+            </a:r>
           </a:p>
         </p:txBody>
       </p:sp>
@@ -6404,6 +6729,582 @@
   <p:clrMapOvr>
     <a:masterClrMapping/>
   </p:clrMapOvr>
+  <p:timing>
+    <p:tnLst>
+      <p:par>
+        <p:cTn id="1" dur="indefinite" restart="never" nodeType="tmRoot"/>
+      </p:par>
+    </p:tnLst>
+  </p:timing>
+</p:sld>
+</file>
+
+<file path=ppt/slides/slide22.xml><?xml version="1.0" encoding="utf-8"?>
+<p:sld xmlns:a="http://schemas.openxmlformats.org/drawingml/2006/main" xmlns:r="http://schemas.openxmlformats.org/officeDocument/2006/relationships" xmlns:p="http://schemas.openxmlformats.org/presentationml/2006/main">
+  <p:cSld>
+    <p:spTree>
+      <p:nvGrpSpPr>
+        <p:cNvPr id="1" name=""/>
+        <p:cNvGrpSpPr/>
+        <p:nvPr/>
+      </p:nvGrpSpPr>
+      <p:grpSpPr>
+        <a:xfrm>
+          <a:off x="0" y="0"/>
+          <a:ext cx="0" cy="0"/>
+          <a:chOff x="0" y="0"/>
+          <a:chExt cx="0" cy="0"/>
+        </a:xfrm>
+      </p:grpSpPr>
+      <p:sp>
+        <p:nvSpPr>
+          <p:cNvPr id="2" name="Title 1"/>
+          <p:cNvSpPr>
+            <a:spLocks noGrp="1"/>
+          </p:cNvSpPr>
+          <p:nvPr>
+            <p:ph type="title"/>
+          </p:nvPr>
+        </p:nvSpPr>
+        <p:spPr>
+          <a:xfrm>
+            <a:off x="3059832" y="188640"/>
+            <a:ext cx="2806824" cy="896144"/>
+          </a:xfrm>
+        </p:spPr>
+        <p:txBody>
+          <a:bodyPr/>
+          <a:lstStyle/>
+          <a:p>
+            <a:r>
+              <a:rPr lang="en-IN" dirty="0" smtClean="0"/>
+              <a:t>Limitations</a:t>
+            </a:r>
+            <a:endParaRPr lang="en-IN" dirty="0"/>
+          </a:p>
+        </p:txBody>
+      </p:sp>
+      <p:sp>
+        <p:nvSpPr>
+          <p:cNvPr id="3" name="Rectangle 2"/>
+          <p:cNvSpPr/>
+          <p:nvPr/>
+        </p:nvSpPr>
+        <p:spPr>
+          <a:xfrm>
+            <a:off x="1763688" y="1772816"/>
+            <a:ext cx="5976664" cy="3308598"/>
+          </a:xfrm>
+          <a:prstGeom prst="rect">
+            <a:avLst/>
+          </a:prstGeom>
+        </p:spPr>
+        <p:txBody>
+          <a:bodyPr wrap="square">
+            <a:spAutoFit/>
+          </a:bodyPr>
+          <a:lstStyle/>
+          <a:p>
+            <a:pPr marL="342900" indent="-342900">
+              <a:spcBef>
+                <a:spcPct val="100000"/>
+              </a:spcBef>
+              <a:buClr>
+                <a:schemeClr val="tx1"/>
+              </a:buClr>
+              <a:buSzPct val="167000"/>
+              <a:buFont typeface="Wingdings" pitchFamily="2" charset="2"/>
+              <a:buChar char="§"/>
+            </a:pPr>
+            <a:r>
+              <a:rPr lang="en-US" altLang="en-US" sz="2000" dirty="0">
+                <a:latin typeface="+mn-lt"/>
+              </a:rPr>
+              <a:t>Temporary views on large datasets are very slow</a:t>
+            </a:r>
+            <a:r>
+              <a:rPr lang="en-US" altLang="en-US" sz="2000" dirty="0">
+                <a:latin typeface="+mn-lt"/>
+              </a:rPr>
+              <a:t>.</a:t>
+            </a:r>
+          </a:p>
+          <a:p>
+            <a:pPr marL="342900" indent="-342900">
+              <a:spcBef>
+                <a:spcPct val="100000"/>
+              </a:spcBef>
+              <a:buClr>
+                <a:schemeClr val="tx1"/>
+              </a:buClr>
+              <a:buSzPct val="167000"/>
+              <a:buFont typeface="Wingdings" pitchFamily="2" charset="2"/>
+              <a:buChar char="§"/>
+            </a:pPr>
+            <a:r>
+              <a:rPr lang="en-US" altLang="en-US" sz="2000" dirty="0">
+                <a:latin typeface="+mn-lt"/>
+              </a:rPr>
+              <a:t>Replication of large databases may fail</a:t>
+            </a:r>
+          </a:p>
+          <a:p>
+            <a:pPr marL="342900" indent="-342900">
+              <a:spcBef>
+                <a:spcPct val="100000"/>
+              </a:spcBef>
+              <a:buClr>
+                <a:schemeClr val="tx1"/>
+              </a:buClr>
+              <a:buSzPct val="167000"/>
+              <a:buFont typeface="Wingdings" pitchFamily="2" charset="2"/>
+              <a:buChar char="§"/>
+            </a:pPr>
+            <a:r>
+              <a:rPr lang="en-US" altLang="en-US" sz="2000" dirty="0">
+                <a:latin typeface="+mn-lt"/>
+              </a:rPr>
+              <a:t>Documents are quite large as the data is represented using “JSON” </a:t>
+            </a:r>
+            <a:r>
+              <a:rPr lang="en-US" altLang="en-US" sz="2000" dirty="0">
+                <a:latin typeface="+mn-lt"/>
+              </a:rPr>
+              <a:t>format</a:t>
+            </a:r>
+          </a:p>
+          <a:p>
+            <a:pPr marL="342900" indent="-342900">
+              <a:spcBef>
+                <a:spcPct val="100000"/>
+              </a:spcBef>
+              <a:buClr>
+                <a:schemeClr val="tx1"/>
+              </a:buClr>
+              <a:buSzPct val="167000"/>
+              <a:buFont typeface="Wingdings" pitchFamily="2" charset="2"/>
+              <a:buChar char="§"/>
+            </a:pPr>
+            <a:r>
+              <a:rPr lang="en-US" altLang="en-US" sz="2000" dirty="0">
+                <a:latin typeface="+mn-lt"/>
+              </a:rPr>
+              <a:t>"Only" eventual consistency.</a:t>
+            </a:r>
+          </a:p>
+          <a:p>
+            <a:pPr marL="38100" eaLnBrk="1" hangingPunct="1">
+              <a:spcBef>
+                <a:spcPts val="600"/>
+              </a:spcBef>
+              <a:buClr>
+                <a:srgbClr val="191919"/>
+              </a:buClr>
+              <a:buSzPct val="167000"/>
+            </a:pPr>
+            <a:endParaRPr lang="en-US" altLang="en-US" dirty="0">
+              <a:latin typeface="Arial" panose="020B0604020202020204" pitchFamily="34" charset="0"/>
+              <a:cs typeface="Arial" panose="020B0604020202020204" pitchFamily="34" charset="0"/>
+            </a:endParaRPr>
+          </a:p>
+        </p:txBody>
+      </p:sp>
+    </p:spTree>
+    <p:extLst>
+      <p:ext uri="{BB962C8B-B14F-4D97-AF65-F5344CB8AC3E}">
+        <p14:creationId xmlns:p14="http://schemas.microsoft.com/office/powerpoint/2010/main" val="3585408743"/>
+      </p:ext>
+    </p:extLst>
+  </p:cSld>
+  <p:clrMapOvr>
+    <a:masterClrMapping/>
+  </p:clrMapOvr>
+  <p:timing>
+    <p:tnLst>
+      <p:par>
+        <p:cTn id="1" dur="indefinite" restart="never" nodeType="tmRoot"/>
+      </p:par>
+    </p:tnLst>
+  </p:timing>
+</p:sld>
+</file>
+
+<file path=ppt/slides/slide23.xml><?xml version="1.0" encoding="utf-8"?>
+<p:sld xmlns:a="http://schemas.openxmlformats.org/drawingml/2006/main" xmlns:r="http://schemas.openxmlformats.org/officeDocument/2006/relationships" xmlns:p="http://schemas.openxmlformats.org/presentationml/2006/main">
+  <p:cSld>
+    <p:spTree>
+      <p:nvGrpSpPr>
+        <p:cNvPr id="1" name=""/>
+        <p:cNvGrpSpPr/>
+        <p:nvPr/>
+      </p:nvGrpSpPr>
+      <p:grpSpPr>
+        <a:xfrm>
+          <a:off x="0" y="0"/>
+          <a:ext cx="0" cy="0"/>
+          <a:chOff x="0" y="0"/>
+          <a:chExt cx="0" cy="0"/>
+        </a:xfrm>
+      </p:grpSpPr>
+      <p:pic>
+        <p:nvPicPr>
+          <p:cNvPr id="2" name="Picture 4"/>
+          <p:cNvPicPr>
+            <a:picLocks noChangeAspect="1" noChangeArrowheads="1"/>
+          </p:cNvPicPr>
+          <p:nvPr/>
+        </p:nvPicPr>
+        <p:blipFill>
+          <a:blip r:embed="rId2">
+            <a:extLst>
+              <a:ext uri="{28A0092B-C50C-407E-A947-70E740481C1C}">
+                <a14:useLocalDpi xmlns:a14="http://schemas.microsoft.com/office/drawing/2010/main" val="0"/>
+              </a:ext>
+            </a:extLst>
+          </a:blip>
+          <a:srcRect/>
+          <a:stretch>
+            <a:fillRect/>
+          </a:stretch>
+        </p:blipFill>
+        <p:spPr bwMode="auto">
+          <a:xfrm>
+            <a:off x="1331640" y="1919289"/>
+            <a:ext cx="7219209" cy="4010672"/>
+          </a:xfrm>
+          <a:prstGeom prst="rect">
+            <a:avLst/>
+          </a:prstGeom>
+          <a:noFill/>
+          <a:ln>
+            <a:noFill/>
+          </a:ln>
+          <a:extLst>
+            <a:ext uri="{909E8E84-426E-40DD-AFC4-6F175D3DCCD1}">
+              <a14:hiddenFill xmlns:a14="http://schemas.microsoft.com/office/drawing/2010/main">
+                <a:solidFill>
+                  <a:srgbClr val="FFFFFF"/>
+                </a:solidFill>
+              </a14:hiddenFill>
+            </a:ext>
+            <a:ext uri="{91240B29-F687-4F45-9708-019B960494DF}">
+              <a14:hiddenLine xmlns:a14="http://schemas.microsoft.com/office/drawing/2010/main" w="9525">
+                <a:solidFill>
+                  <a:srgbClr val="000000"/>
+                </a:solidFill>
+                <a:miter lim="800000"/>
+                <a:headEnd/>
+                <a:tailEnd/>
+              </a14:hiddenLine>
+            </a:ext>
+          </a:extLst>
+        </p:spPr>
+      </p:pic>
+      <p:sp>
+        <p:nvSpPr>
+          <p:cNvPr id="4" name="Title 1"/>
+          <p:cNvSpPr txBox="1">
+            <a:spLocks/>
+          </p:cNvSpPr>
+          <p:nvPr/>
+        </p:nvSpPr>
+        <p:spPr>
+          <a:xfrm>
+            <a:off x="1997649" y="476672"/>
+            <a:ext cx="6553200" cy="990600"/>
+          </a:xfrm>
+          <a:prstGeom prst="rect">
+            <a:avLst/>
+          </a:prstGeom>
+        </p:spPr>
+        <p:txBody>
+          <a:bodyPr/>
+          <a:lstStyle>
+            <a:lvl1pPr algn="l" rtl="0" eaLnBrk="1" fontAlgn="base" hangingPunct="1">
+              <a:spcBef>
+                <a:spcPct val="0"/>
+              </a:spcBef>
+              <a:spcAft>
+                <a:spcPct val="0"/>
+              </a:spcAft>
+              <a:defRPr sz="3200" b="1">
+                <a:solidFill>
+                  <a:schemeClr val="tx2"/>
+                </a:solidFill>
+                <a:latin typeface="+mj-lt"/>
+                <a:ea typeface="+mj-ea"/>
+                <a:cs typeface="+mj-cs"/>
+              </a:defRPr>
+            </a:lvl1pPr>
+            <a:lvl2pPr algn="l" rtl="0" eaLnBrk="1" fontAlgn="base" hangingPunct="1">
+              <a:spcBef>
+                <a:spcPct val="0"/>
+              </a:spcBef>
+              <a:spcAft>
+                <a:spcPct val="0"/>
+              </a:spcAft>
+              <a:defRPr sz="3200" b="1">
+                <a:solidFill>
+                  <a:schemeClr val="tx2"/>
+                </a:solidFill>
+                <a:latin typeface="Verdana" pitchFamily="34" charset="0"/>
+              </a:defRPr>
+            </a:lvl2pPr>
+            <a:lvl3pPr algn="l" rtl="0" eaLnBrk="1" fontAlgn="base" hangingPunct="1">
+              <a:spcBef>
+                <a:spcPct val="0"/>
+              </a:spcBef>
+              <a:spcAft>
+                <a:spcPct val="0"/>
+              </a:spcAft>
+              <a:defRPr sz="3200" b="1">
+                <a:solidFill>
+                  <a:schemeClr val="tx2"/>
+                </a:solidFill>
+                <a:latin typeface="Verdana" pitchFamily="34" charset="0"/>
+              </a:defRPr>
+            </a:lvl3pPr>
+            <a:lvl4pPr algn="l" rtl="0" eaLnBrk="1" fontAlgn="base" hangingPunct="1">
+              <a:spcBef>
+                <a:spcPct val="0"/>
+              </a:spcBef>
+              <a:spcAft>
+                <a:spcPct val="0"/>
+              </a:spcAft>
+              <a:defRPr sz="3200" b="1">
+                <a:solidFill>
+                  <a:schemeClr val="tx2"/>
+                </a:solidFill>
+                <a:latin typeface="Verdana" pitchFamily="34" charset="0"/>
+              </a:defRPr>
+            </a:lvl4pPr>
+            <a:lvl5pPr algn="l" rtl="0" eaLnBrk="1" fontAlgn="base" hangingPunct="1">
+              <a:spcBef>
+                <a:spcPct val="0"/>
+              </a:spcBef>
+              <a:spcAft>
+                <a:spcPct val="0"/>
+              </a:spcAft>
+              <a:defRPr sz="3200" b="1">
+                <a:solidFill>
+                  <a:schemeClr val="tx2"/>
+                </a:solidFill>
+                <a:latin typeface="Verdana" pitchFamily="34" charset="0"/>
+              </a:defRPr>
+            </a:lvl5pPr>
+            <a:lvl6pPr marL="457200" algn="l" rtl="0" eaLnBrk="1" fontAlgn="base" hangingPunct="1">
+              <a:spcBef>
+                <a:spcPct val="0"/>
+              </a:spcBef>
+              <a:spcAft>
+                <a:spcPct val="0"/>
+              </a:spcAft>
+              <a:defRPr sz="3200" b="1">
+                <a:solidFill>
+                  <a:schemeClr val="tx2"/>
+                </a:solidFill>
+                <a:latin typeface="Verdana" pitchFamily="34" charset="0"/>
+              </a:defRPr>
+            </a:lvl6pPr>
+            <a:lvl7pPr marL="914400" algn="l" rtl="0" eaLnBrk="1" fontAlgn="base" hangingPunct="1">
+              <a:spcBef>
+                <a:spcPct val="0"/>
+              </a:spcBef>
+              <a:spcAft>
+                <a:spcPct val="0"/>
+              </a:spcAft>
+              <a:defRPr sz="3200" b="1">
+                <a:solidFill>
+                  <a:schemeClr val="tx2"/>
+                </a:solidFill>
+                <a:latin typeface="Verdana" pitchFamily="34" charset="0"/>
+              </a:defRPr>
+            </a:lvl7pPr>
+            <a:lvl8pPr marL="1371600" algn="l" rtl="0" eaLnBrk="1" fontAlgn="base" hangingPunct="1">
+              <a:spcBef>
+                <a:spcPct val="0"/>
+              </a:spcBef>
+              <a:spcAft>
+                <a:spcPct val="0"/>
+              </a:spcAft>
+              <a:defRPr sz="3200" b="1">
+                <a:solidFill>
+                  <a:schemeClr val="tx2"/>
+                </a:solidFill>
+                <a:latin typeface="Verdana" pitchFamily="34" charset="0"/>
+              </a:defRPr>
+            </a:lvl8pPr>
+            <a:lvl9pPr marL="1828800" algn="l" rtl="0" eaLnBrk="1" fontAlgn="base" hangingPunct="1">
+              <a:spcBef>
+                <a:spcPct val="0"/>
+              </a:spcBef>
+              <a:spcAft>
+                <a:spcPct val="0"/>
+              </a:spcAft>
+              <a:defRPr sz="3200" b="1">
+                <a:solidFill>
+                  <a:schemeClr val="tx2"/>
+                </a:solidFill>
+                <a:latin typeface="Verdana" pitchFamily="34" charset="0"/>
+              </a:defRPr>
+            </a:lvl9pPr>
+          </a:lstStyle>
+          <a:p>
+            <a:r>
+              <a:rPr lang="en-IN" kern="0" dirty="0" smtClean="0"/>
+              <a:t>Who uses </a:t>
+            </a:r>
+            <a:r>
+              <a:rPr lang="en-IN" kern="0" dirty="0" err="1" smtClean="0"/>
+              <a:t>CouchDB</a:t>
+            </a:r>
+            <a:r>
+              <a:rPr lang="en-IN" kern="0" dirty="0" smtClean="0"/>
+              <a:t>?</a:t>
+            </a:r>
+            <a:endParaRPr lang="en-IN" kern="0" dirty="0"/>
+          </a:p>
+        </p:txBody>
+      </p:sp>
+    </p:spTree>
+    <p:extLst>
+      <p:ext uri="{BB962C8B-B14F-4D97-AF65-F5344CB8AC3E}">
+        <p14:creationId xmlns:p14="http://schemas.microsoft.com/office/powerpoint/2010/main" val="3002305921"/>
+      </p:ext>
+    </p:extLst>
+  </p:cSld>
+  <p:clrMapOvr>
+    <a:masterClrMapping/>
+  </p:clrMapOvr>
+  <p:timing>
+    <p:tnLst>
+      <p:par>
+        <p:cTn id="1" dur="indefinite" restart="never" nodeType="tmRoot"/>
+      </p:par>
+    </p:tnLst>
+  </p:timing>
+</p:sld>
+</file>
+
+<file path=ppt/slides/slide24.xml><?xml version="1.0" encoding="utf-8"?>
+<p:sld xmlns:a="http://schemas.openxmlformats.org/drawingml/2006/main" xmlns:r="http://schemas.openxmlformats.org/officeDocument/2006/relationships" xmlns:p="http://schemas.openxmlformats.org/presentationml/2006/main">
+  <p:cSld>
+    <p:spTree>
+      <p:nvGrpSpPr>
+        <p:cNvPr id="1" name=""/>
+        <p:cNvGrpSpPr/>
+        <p:nvPr/>
+      </p:nvGrpSpPr>
+      <p:grpSpPr>
+        <a:xfrm>
+          <a:off x="0" y="0"/>
+          <a:ext cx="0" cy="0"/>
+          <a:chOff x="0" y="0"/>
+          <a:chExt cx="0" cy="0"/>
+        </a:xfrm>
+      </p:grpSpPr>
+      <p:sp>
+        <p:nvSpPr>
+          <p:cNvPr id="2" name="Rectangle 1"/>
+          <p:cNvSpPr/>
+          <p:nvPr/>
+        </p:nvSpPr>
+        <p:spPr>
+          <a:xfrm>
+            <a:off x="2337688" y="3573016"/>
+            <a:ext cx="5008176" cy="1323439"/>
+          </a:xfrm>
+          <a:prstGeom prst="rect">
+            <a:avLst/>
+          </a:prstGeom>
+          <a:noFill/>
+        </p:spPr>
+        <p:txBody>
+          <a:bodyPr wrap="square" lIns="91440" tIns="45720" rIns="91440" bIns="45720">
+            <a:spAutoFit/>
+          </a:bodyPr>
+          <a:lstStyle/>
+          <a:p>
+            <a:pPr algn="ctr"/>
+            <a:r>
+              <a:rPr lang="en-US" sz="8000" b="0" cap="none" spc="0" dirty="0" smtClean="0">
+                <a:ln w="0"/>
+                <a:solidFill>
+                  <a:schemeClr val="accent1"/>
+                </a:solidFill>
+                <a:effectLst>
+                  <a:outerShdw blurRad="38100" dist="25400" dir="5400000" algn="ctr" rotWithShape="0">
+                    <a:srgbClr val="6E747A">
+                      <a:alpha val="43000"/>
+                    </a:srgbClr>
+                  </a:outerShdw>
+                </a:effectLst>
+              </a:rPr>
+              <a:t>Thank You</a:t>
+            </a:r>
+            <a:endParaRPr lang="en-US" sz="8000" b="0" cap="none" spc="0" dirty="0">
+              <a:ln w="0"/>
+              <a:solidFill>
+                <a:schemeClr val="accent1"/>
+              </a:solidFill>
+              <a:effectLst>
+                <a:outerShdw blurRad="38100" dist="25400" dir="5400000" algn="ctr" rotWithShape="0">
+                  <a:srgbClr val="6E747A">
+                    <a:alpha val="43000"/>
+                  </a:srgbClr>
+                </a:outerShdw>
+              </a:effectLst>
+            </a:endParaRPr>
+          </a:p>
+        </p:txBody>
+      </p:sp>
+      <p:pic>
+        <p:nvPicPr>
+          <p:cNvPr id="3" name="Picture 2"/>
+          <p:cNvPicPr>
+            <a:picLocks noChangeAspect="1"/>
+          </p:cNvPicPr>
+          <p:nvPr/>
+        </p:nvPicPr>
+        <p:blipFill>
+          <a:blip r:embed="rId2">
+            <a:extLst>
+              <a:ext uri="{28A0092B-C50C-407E-A947-70E740481C1C}">
+                <a14:useLocalDpi xmlns:a14="http://schemas.microsoft.com/office/drawing/2010/main" val="0"/>
+              </a:ext>
+            </a:extLst>
+          </a:blip>
+          <a:stretch>
+            <a:fillRect/>
+          </a:stretch>
+        </p:blipFill>
+        <p:spPr>
+          <a:xfrm>
+            <a:off x="3419872" y="476672"/>
+            <a:ext cx="2843808" cy="2266159"/>
+          </a:xfrm>
+          <a:prstGeom prst="rect">
+            <a:avLst/>
+          </a:prstGeom>
+        </p:spPr>
+      </p:pic>
+    </p:spTree>
+    <p:extLst>
+      <p:ext uri="{BB962C8B-B14F-4D97-AF65-F5344CB8AC3E}">
+        <p14:creationId xmlns:p14="http://schemas.microsoft.com/office/powerpoint/2010/main" val="2295763997"/>
+      </p:ext>
+    </p:extLst>
+  </p:cSld>
+  <p:clrMapOvr>
+    <a:masterClrMapping/>
+  </p:clrMapOvr>
+  <p:timing>
+    <p:tnLst>
+      <p:par>
+        <p:cTn id="1" dur="indefinite" restart="never" nodeType="tmRoot"/>
+      </p:par>
+    </p:tnLst>
+  </p:timing>
 </p:sld>
 </file>
 
@@ -6468,54 +7369,49 @@
           <a:lstStyle/>
           <a:p>
             <a:r>
-              <a:rPr lang="en-US" dirty="0" smtClean="0"/>
+              <a:rPr lang="en-US" sz="2000" dirty="0"/>
               <a:t>A NoSQL database</a:t>
             </a:r>
-            <a:endParaRPr lang="en-US" dirty="0"/>
-          </a:p>
-          <a:p>
-            <a:r>
-              <a:rPr lang="en-IN" dirty="0"/>
+            <a:endParaRPr lang="en-US" sz="2000" dirty="0"/>
+          </a:p>
+          <a:p>
+            <a:r>
+              <a:rPr lang="en-IN" sz="2000" dirty="0"/>
               <a:t>U</a:t>
             </a:r>
             <a:r>
-              <a:rPr lang="en-IN" dirty="0" smtClean="0"/>
+              <a:rPr lang="en-IN" sz="2000" dirty="0"/>
               <a:t>ses</a:t>
             </a:r>
             <a:r>
-              <a:rPr lang="en-IN" dirty="0"/>
+              <a:rPr lang="en-IN" sz="2000" dirty="0"/>
               <a:t> JSON for documents</a:t>
             </a:r>
-            <a:endParaRPr lang="en-US" dirty="0"/>
-          </a:p>
-          <a:p>
-            <a:r>
-              <a:rPr lang="en-IN" dirty="0" smtClean="0"/>
+            <a:endParaRPr lang="en-US" sz="2000" dirty="0"/>
+          </a:p>
+          <a:p>
+            <a:r>
+              <a:rPr lang="en-IN" sz="2000" dirty="0"/>
               <a:t>Uses JavaScript for MapReduce indexes</a:t>
             </a:r>
           </a:p>
           <a:p>
             <a:r>
-              <a:rPr lang="en-IN" dirty="0" smtClean="0"/>
+              <a:rPr lang="en-IN" sz="2000" dirty="0"/>
               <a:t>Uses HTTP for it’s API</a:t>
             </a:r>
           </a:p>
           <a:p>
             <a:r>
-              <a:rPr lang="en-IN" dirty="0" smtClean="0"/>
-              <a:t>Documents can have </a:t>
-            </a:r>
-            <a:r>
-              <a:rPr lang="en-IN" dirty="0" smtClean="0"/>
-              <a:t>attachments</a:t>
-            </a:r>
-          </a:p>
-          <a:p>
-            <a:r>
-              <a:rPr lang="en-IN" dirty="0" smtClean="0"/>
+              <a:rPr lang="en-IN" sz="2000" dirty="0"/>
+              <a:t>Documents can have attachments</a:t>
+            </a:r>
+          </a:p>
+          <a:p>
+            <a:r>
+              <a:rPr lang="en-IN" sz="2000" dirty="0"/>
               <a:t>Incremental peer-peer replication</a:t>
             </a:r>
-            <a:endParaRPr lang="en-IN" dirty="0" smtClean="0"/>
           </a:p>
         </p:txBody>
       </p:sp>
@@ -6596,7 +7492,7 @@
         </p:blipFill>
         <p:spPr>
           <a:xfrm>
-            <a:off x="1835696" y="2204864"/>
+            <a:off x="1619672" y="1988840"/>
             <a:ext cx="6248400" cy="2972313"/>
           </a:xfrm>
           <a:prstGeom prst="rect">
@@ -6614,6 +7510,13 @@
   <p:clrMapOvr>
     <a:masterClrMapping/>
   </p:clrMapOvr>
+  <p:timing>
+    <p:tnLst>
+      <p:par>
+        <p:cTn id="1" dur="indefinite" restart="never" nodeType="tmRoot"/>
+      </p:par>
+    </p:tnLst>
+  </p:timing>
 </p:sld>
 </file>
 
@@ -6670,7 +7573,12 @@
             <p:ph idx="1"/>
           </p:nvPr>
         </p:nvSpPr>
-        <p:spPr/>
+        <p:spPr>
+          <a:xfrm>
+            <a:off x="2232484" y="2125960"/>
+            <a:ext cx="6050632" cy="4399384"/>
+          </a:xfrm>
+        </p:spPr>
         <p:txBody>
           <a:bodyPr/>
           <a:lstStyle/>
@@ -6713,6 +7621,13 @@
   <p:clrMapOvr>
     <a:masterClrMapping/>
   </p:clrMapOvr>
+  <p:timing>
+    <p:tnLst>
+      <p:par>
+        <p:cTn id="1" dur="indefinite" restart="never" nodeType="tmRoot"/>
+      </p:par>
+    </p:tnLst>
+  </p:timing>
 </p:sld>
 </file>
 
@@ -6916,6 +7831,13 @@
   <p:clrMapOvr>
     <a:masterClrMapping/>
   </p:clrMapOvr>
+  <p:timing>
+    <p:tnLst>
+      <p:par>
+        <p:cTn id="1" dur="indefinite" restart="never" nodeType="tmRoot"/>
+      </p:par>
+    </p:tnLst>
+  </p:timing>
 </p:sld>
 </file>
 
@@ -7094,6 +8016,13 @@
   <p:clrMapOvr>
     <a:masterClrMapping/>
   </p:clrMapOvr>
+  <p:timing>
+    <p:tnLst>
+      <p:par>
+        <p:cTn id="1" dur="indefinite" restart="never" nodeType="tmRoot"/>
+      </p:par>
+    </p:tnLst>
+  </p:timing>
 </p:sld>
 </file>
 
@@ -7151,16 +8080,35 @@
             <p:ph idx="1"/>
           </p:nvPr>
         </p:nvSpPr>
-        <p:spPr/>
+        <p:spPr>
+          <a:xfrm>
+            <a:off x="1980096" y="1224944"/>
+            <a:ext cx="6770712" cy="4896544"/>
+          </a:xfrm>
+        </p:spPr>
         <p:txBody>
           <a:bodyPr/>
           <a:lstStyle/>
           <a:p>
+            <a:pPr marL="0" indent="0">
+              <a:buNone/>
+            </a:pPr>
+            <a:endParaRPr lang="en-US" altLang="en-US" sz="2000" dirty="0">
+              <a:latin typeface="Monaco" charset="0"/>
+            </a:endParaRPr>
+          </a:p>
+          <a:p>
+            <a:r>
+              <a:rPr lang="en-US" altLang="en-US" sz="2000" dirty="0" smtClean="0">
+                <a:latin typeface="Monaco" charset="0"/>
+              </a:rPr>
+              <a:t>curl </a:t>
+            </a:r>
             <a:r>
               <a:rPr lang="en-US" altLang="en-US" sz="2000" dirty="0">
                 <a:latin typeface="Monaco" charset="0"/>
               </a:rPr>
-              <a:t>curl -X PUT http://127.0.0.1:5984/baseball</a:t>
+              <a:t>-X PUT http://127.0.0.1:5984/baseball</a:t>
             </a:r>
           </a:p>
           <a:p>
@@ -7176,11 +8124,22 @@
             </a:r>
           </a:p>
           <a:p>
+            <a:endParaRPr lang="en-US" altLang="en-US" sz="2000" dirty="0" smtClean="0">
+              <a:latin typeface="Monaco" charset="0"/>
+            </a:endParaRPr>
+          </a:p>
+          <a:p>
+            <a:r>
+              <a:rPr lang="en-US" altLang="en-US" sz="2000" dirty="0" smtClean="0">
+                <a:latin typeface="Monaco" charset="0"/>
+              </a:rPr>
+              <a:t>curl </a:t>
+            </a:r>
             <a:r>
               <a:rPr lang="en-US" altLang="en-US" sz="2000" dirty="0">
                 <a:latin typeface="Monaco" charset="0"/>
               </a:rPr>
-              <a:t>curl -X DELETE http://127.0.0.1:5984/baseball</a:t>
+              <a:t>-X DELETE http://127.0.0.1:5984/baseball</a:t>
             </a:r>
           </a:p>
           <a:p>
@@ -7201,6 +8160,13 @@
   <p:clrMapOvr>
     <a:masterClrMapping/>
   </p:clrMapOvr>
+  <p:timing>
+    <p:tnLst>
+      <p:par>
+        <p:cTn id="1" dur="indefinite" restart="never" nodeType="tmRoot"/>
+      </p:par>
+    </p:tnLst>
+  </p:timing>
 </p:sld>
 </file>
 
@@ -7316,7 +8282,7 @@
           <a:p>
             <a:pPr>
               <a:lnSpc>
-                <a:spcPct val="90000"/>
+                <a:spcPct val="150000"/>
               </a:lnSpc>
             </a:pPr>
             <a:r>
@@ -7426,6 +8392,13 @@
   <p:clrMapOvr>
     <a:masterClrMapping/>
   </p:clrMapOvr>
+  <p:timing>
+    <p:tnLst>
+      <p:par>
+        <p:cTn id="1" dur="indefinite" restart="never" nodeType="tmRoot"/>
+      </p:par>
+    </p:tnLst>
+  </p:timing>
 </p:sld>
 </file>
 

--- a/Donita/CouchDB.pptx
+++ b/Donita/CouchDB.pptx
@@ -5,10 +5,10 @@
     <p:sldMasterId id="2147483648" r:id="rId2"/>
   </p:sldMasterIdLst>
   <p:notesMasterIdLst>
-    <p:notesMasterId r:id="rId27"/>
+    <p:notesMasterId r:id="rId34"/>
   </p:notesMasterIdLst>
   <p:handoutMasterIdLst>
-    <p:handoutMasterId r:id="rId28"/>
+    <p:handoutMasterId r:id="rId35"/>
   </p:handoutMasterIdLst>
   <p:sldIdLst>
     <p:sldId id="256" r:id="rId3"/>
@@ -34,7 +34,14 @@
     <p:sldId id="278" r:id="rId23"/>
     <p:sldId id="282" r:id="rId24"/>
     <p:sldId id="281" r:id="rId25"/>
-    <p:sldId id="280" r:id="rId26"/>
+    <p:sldId id="295" r:id="rId26"/>
+    <p:sldId id="297" r:id="rId27"/>
+    <p:sldId id="299" r:id="rId28"/>
+    <p:sldId id="300" r:id="rId29"/>
+    <p:sldId id="301" r:id="rId30"/>
+    <p:sldId id="302" r:id="rId31"/>
+    <p:sldId id="303" r:id="rId32"/>
+    <p:sldId id="280" r:id="rId33"/>
   </p:sldIdLst>
   <p:sldSz cx="9144000" cy="6858000" type="screen4x3"/>
   <p:notesSz cx="6858000" cy="9144000"/>
@@ -4705,11 +4712,7 @@
             </a:r>
             <a:r>
               <a:rPr lang="en-US" altLang="en-US" sz="2000" dirty="0"/>
-              <a:t> expects you to include the _rev field of the revision you wish to </a:t>
-            </a:r>
-            <a:r>
-              <a:rPr lang="en-US" altLang="en-US" sz="2000" dirty="0"/>
-              <a:t>change</a:t>
+              <a:t> expects you to include the _rev field of the revision you wish to change</a:t>
             </a:r>
           </a:p>
           <a:p>
@@ -5835,34 +5838,7 @@
                 </a:solidFill>
                 <a:latin typeface="Palatino"/>
               </a:rPr>
-              <a:t>4. </a:t>
-            </a:r>
-            <a:r>
-              <a:rPr lang="en-IN" dirty="0">
-                <a:solidFill>
-                  <a:srgbClr val="000000"/>
-                </a:solidFill>
-                <a:latin typeface="Palatino"/>
-              </a:rPr>
-              <a:t>Now </a:t>
-            </a:r>
-            <a:r>
-              <a:rPr lang="en-IN" dirty="0">
-                <a:solidFill>
-                  <a:srgbClr val="000000"/>
-                </a:solidFill>
-                <a:latin typeface="Palatino"/>
-              </a:rPr>
-              <a:t>we go to database B and update the </a:t>
-            </a:r>
-            <a:r>
-              <a:rPr lang="en-IN" dirty="0">
-                <a:solidFill>
-                  <a:srgbClr val="000000"/>
-                </a:solidFill>
-                <a:latin typeface="Palatino"/>
-              </a:rPr>
-              <a:t>document. </a:t>
+              <a:t>4. Now we go to database B and update the document. </a:t>
             </a:r>
             <a:endParaRPr lang="en-IN" dirty="0" smtClean="0">
               <a:solidFill>
@@ -6014,34 +5990,7 @@
                 </a:solidFill>
                 <a:latin typeface="Palatino"/>
               </a:rPr>
-              <a:t>5. </a:t>
-            </a:r>
-            <a:r>
-              <a:rPr lang="en-IN" dirty="0">
-                <a:solidFill>
-                  <a:srgbClr val="000000"/>
-                </a:solidFill>
-                <a:latin typeface="Palatino"/>
-              </a:rPr>
-              <a:t>Now </a:t>
-            </a:r>
-            <a:r>
-              <a:rPr lang="en-IN" dirty="0">
-                <a:solidFill>
-                  <a:srgbClr val="000000"/>
-                </a:solidFill>
-                <a:latin typeface="Palatino"/>
-              </a:rPr>
-              <a:t>we make a change to our document in database A by changing some other </a:t>
-            </a:r>
-            <a:r>
-              <a:rPr lang="en-IN" dirty="0">
-                <a:solidFill>
-                  <a:srgbClr val="000000"/>
-                </a:solidFill>
-                <a:latin typeface="Palatino"/>
-              </a:rPr>
-              <a:t>values. </a:t>
+              <a:t>5. Now we make a change to our document in database A by changing some other values. </a:t>
             </a:r>
             <a:endParaRPr lang="en-IN" dirty="0" smtClean="0">
               <a:solidFill>
@@ -6389,19 +6338,8 @@
                 <a:ea typeface="+mn-ea"/>
                 <a:cs typeface="+mn-cs"/>
               </a:rPr>
-              <a:t>User </a:t>
-            </a:r>
-            <a:r>
-              <a:rPr lang="en-US" sz="2000" dirty="0">
-                <a:ea typeface="+mn-ea"/>
-                <a:cs typeface="+mn-cs"/>
-              </a:rPr>
-              <a:t>friendly</a:t>
-            </a:r>
-            <a:endParaRPr lang="en-US" sz="2000" dirty="0">
-              <a:ea typeface="+mn-ea"/>
-              <a:cs typeface="+mn-cs"/>
-            </a:endParaRPr>
+              <a:t>User friendly</a:t>
+            </a:r>
           </a:p>
         </p:txBody>
       </p:sp>
@@ -6533,7 +6471,6 @@
               <a:rPr lang="en-IN" dirty="0"/>
               <a:t>.</a:t>
             </a:r>
-            <a:endParaRPr lang="en-IN" dirty="0"/>
           </a:p>
         </p:txBody>
       </p:sp>
@@ -6632,16 +6569,7 @@
                 </a:solidFill>
                 <a:latin typeface="Palatino"/>
               </a:rPr>
-              <a:t>8. Finally</a:t>
-            </a:r>
-            <a:r>
-              <a:rPr lang="en-IN" dirty="0">
-                <a:solidFill>
-                  <a:srgbClr val="000000"/>
-                </a:solidFill>
-                <a:latin typeface="Palatino"/>
-              </a:rPr>
-              <a:t>, we tell </a:t>
+              <a:t>8. Finally, we tell </a:t>
             </a:r>
             <a:r>
               <a:rPr lang="en-IN" dirty="0" err="1">
@@ -6820,13 +6748,7 @@
               <a:rPr lang="en-US" altLang="en-US" sz="2000" dirty="0">
                 <a:latin typeface="+mn-lt"/>
               </a:rPr>
-              <a:t>Temporary views on large datasets are very slow</a:t>
-            </a:r>
-            <a:r>
-              <a:rPr lang="en-US" altLang="en-US" sz="2000" dirty="0">
-                <a:latin typeface="+mn-lt"/>
-              </a:rPr>
-              <a:t>.</a:t>
+              <a:t>Temporary views on large datasets are very slow.</a:t>
             </a:r>
           </a:p>
           <a:p>
@@ -6864,13 +6786,7 @@
               <a:rPr lang="en-US" altLang="en-US" sz="2000" dirty="0">
                 <a:latin typeface="+mn-lt"/>
               </a:rPr>
-              <a:t>Documents are quite large as the data is represented using “JSON” </a:t>
-            </a:r>
-            <a:r>
-              <a:rPr lang="en-US" altLang="en-US" sz="2000" dirty="0">
-                <a:latin typeface="+mn-lt"/>
-              </a:rPr>
-              <a:t>format</a:t>
+              <a:t>Documents are quite large as the data is represented using “JSON” format</a:t>
             </a:r>
           </a:p>
           <a:p>
@@ -7205,6 +7121,1526 @@
       </p:grpSpPr>
       <p:sp>
         <p:nvSpPr>
+          <p:cNvPr id="2" name="Title 1"/>
+          <p:cNvSpPr>
+            <a:spLocks noGrp="1"/>
+          </p:cNvSpPr>
+          <p:nvPr>
+            <p:ph type="title"/>
+          </p:nvPr>
+        </p:nvSpPr>
+        <p:spPr/>
+        <p:txBody>
+          <a:bodyPr/>
+          <a:lstStyle/>
+          <a:p>
+            <a:pPr algn="ctr"/>
+            <a:r>
+              <a:rPr lang="en-US" dirty="0" smtClean="0"/>
+              <a:t>Couch DB Views</a:t>
+            </a:r>
+            <a:endParaRPr lang="en-US" dirty="0"/>
+          </a:p>
+        </p:txBody>
+      </p:sp>
+      <p:sp>
+        <p:nvSpPr>
+          <p:cNvPr id="3" name="Content Placeholder 2"/>
+          <p:cNvSpPr>
+            <a:spLocks noGrp="1"/>
+          </p:cNvSpPr>
+          <p:nvPr>
+            <p:ph idx="1"/>
+          </p:nvPr>
+        </p:nvSpPr>
+        <p:spPr/>
+        <p:txBody>
+          <a:bodyPr/>
+          <a:lstStyle/>
+          <a:p>
+            <a:pPr marL="0" indent="0">
+              <a:buNone/>
+            </a:pPr>
+            <a:r>
+              <a:rPr lang="en-US" b="1" dirty="0"/>
+              <a:t>Why views?</a:t>
+            </a:r>
+          </a:p>
+          <a:p>
+            <a:pPr marL="0" indent="0">
+              <a:buNone/>
+            </a:pPr>
+            <a:r>
+              <a:rPr lang="en-US" dirty="0"/>
+              <a:t> No tables and collection.</a:t>
+            </a:r>
+          </a:p>
+          <a:p>
+            <a:pPr marL="0" indent="0">
+              <a:buNone/>
+            </a:pPr>
+            <a:r>
+              <a:rPr lang="en-US" dirty="0"/>
+              <a:t> So views</a:t>
+            </a:r>
+          </a:p>
+          <a:p>
+            <a:r>
+              <a:rPr lang="en-US" b="1" dirty="0"/>
+              <a:t>View server execute functions</a:t>
+            </a:r>
+          </a:p>
+          <a:p>
+            <a:pPr marL="514350" indent="-514350">
+              <a:buFont typeface="+mj-lt"/>
+              <a:buAutoNum type="arabicPeriod"/>
+            </a:pPr>
+            <a:r>
+              <a:rPr lang="en-US" dirty="0"/>
+              <a:t>Map – used to display a view</a:t>
+            </a:r>
+          </a:p>
+          <a:p>
+            <a:pPr marL="514350" indent="-514350">
+              <a:buFont typeface="+mj-lt"/>
+              <a:buAutoNum type="arabicPeriod"/>
+            </a:pPr>
+            <a:r>
+              <a:rPr lang="en-US" dirty="0"/>
+              <a:t>Reduce(optional) – which is used to create a sorted view</a:t>
+            </a:r>
+          </a:p>
+          <a:p>
+            <a:pPr marL="0" indent="0">
+              <a:buNone/>
+            </a:pPr>
+            <a:endParaRPr lang="en-US" dirty="0"/>
+          </a:p>
+        </p:txBody>
+      </p:sp>
+    </p:spTree>
+    <p:extLst>
+      <p:ext uri="{BB962C8B-B14F-4D97-AF65-F5344CB8AC3E}">
+        <p14:creationId xmlns:p14="http://schemas.microsoft.com/office/powerpoint/2010/main" val="38182204"/>
+      </p:ext>
+    </p:extLst>
+  </p:cSld>
+  <p:clrMapOvr>
+    <a:masterClrMapping/>
+  </p:clrMapOvr>
+</p:sld>
+</file>
+
+<file path=ppt/slides/slide25.xml><?xml version="1.0" encoding="utf-8"?>
+<p:sld xmlns:a="http://schemas.openxmlformats.org/drawingml/2006/main" xmlns:r="http://schemas.openxmlformats.org/officeDocument/2006/relationships" xmlns:p="http://schemas.openxmlformats.org/presentationml/2006/main">
+  <p:cSld>
+    <p:spTree>
+      <p:nvGrpSpPr>
+        <p:cNvPr id="1" name=""/>
+        <p:cNvGrpSpPr/>
+        <p:nvPr/>
+      </p:nvGrpSpPr>
+      <p:grpSpPr>
+        <a:xfrm>
+          <a:off x="0" y="0"/>
+          <a:ext cx="0" cy="0"/>
+          <a:chOff x="0" y="0"/>
+          <a:chExt cx="0" cy="0"/>
+        </a:xfrm>
+      </p:grpSpPr>
+      <p:sp>
+        <p:nvSpPr>
+          <p:cNvPr id="2" name="Title 1"/>
+          <p:cNvSpPr>
+            <a:spLocks noGrp="1"/>
+          </p:cNvSpPr>
+          <p:nvPr>
+            <p:ph type="title"/>
+          </p:nvPr>
+        </p:nvSpPr>
+        <p:spPr/>
+        <p:txBody>
+          <a:bodyPr/>
+          <a:lstStyle/>
+          <a:p>
+            <a:r>
+              <a:rPr lang="en-US" dirty="0"/>
+              <a:t>Example Database</a:t>
+            </a:r>
+          </a:p>
+        </p:txBody>
+      </p:sp>
+      <p:sp>
+        <p:nvSpPr>
+          <p:cNvPr id="3" name="Content Placeholder 2"/>
+          <p:cNvSpPr>
+            <a:spLocks noGrp="1"/>
+          </p:cNvSpPr>
+          <p:nvPr>
+            <p:ph idx="1"/>
+          </p:nvPr>
+        </p:nvSpPr>
+        <p:spPr/>
+        <p:txBody>
+          <a:bodyPr/>
+          <a:lstStyle/>
+          <a:p>
+            <a:pPr marL="0" indent="0">
+              <a:buNone/>
+            </a:pPr>
+            <a:r>
+              <a:rPr lang="en-US" sz="900" dirty="0"/>
+              <a:t>{ </a:t>
+            </a:r>
+          </a:p>
+          <a:p>
+            <a:pPr marL="0" indent="0">
+              <a:buNone/>
+            </a:pPr>
+            <a:r>
+              <a:rPr lang="en-US" sz="900" dirty="0"/>
+              <a:t>"_id": "album1",</a:t>
+            </a:r>
+          </a:p>
+          <a:p>
+            <a:pPr marL="0" indent="0">
+              <a:buNone/>
+            </a:pPr>
+            <a:r>
+              <a:rPr lang="en-US" sz="900" dirty="0"/>
+              <a:t>"artist": "</a:t>
+            </a:r>
+            <a:r>
+              <a:rPr lang="en-US" sz="900" dirty="0" err="1"/>
+              <a:t>Megadeth</a:t>
+            </a:r>
+            <a:r>
+              <a:rPr lang="en-US" sz="900" dirty="0"/>
+              <a:t>",</a:t>
+            </a:r>
+          </a:p>
+          <a:p>
+            <a:pPr marL="0" indent="0">
+              <a:buNone/>
+            </a:pPr>
+            <a:r>
+              <a:rPr lang="en-US" sz="900" dirty="0"/>
+              <a:t> "title": "Endgame",</a:t>
+            </a:r>
+          </a:p>
+          <a:p>
+            <a:pPr marL="0" indent="0">
+              <a:buNone/>
+            </a:pPr>
+            <a:r>
+              <a:rPr lang="en-US" sz="900" dirty="0"/>
+              <a:t> "year": 2010 </a:t>
+            </a:r>
+          </a:p>
+          <a:p>
+            <a:pPr marL="0" indent="0">
+              <a:buNone/>
+            </a:pPr>
+            <a:r>
+              <a:rPr lang="en-US" sz="900" dirty="0"/>
+              <a:t>}</a:t>
+            </a:r>
+          </a:p>
+          <a:p>
+            <a:pPr marL="0" indent="0">
+              <a:buNone/>
+            </a:pPr>
+            <a:r>
+              <a:rPr lang="en-US" sz="900" dirty="0"/>
+              <a:t> {</a:t>
+            </a:r>
+          </a:p>
+          <a:p>
+            <a:pPr marL="0" indent="0">
+              <a:buNone/>
+            </a:pPr>
+            <a:r>
+              <a:rPr lang="en-US" sz="900" dirty="0"/>
+              <a:t> "_id": "album2",</a:t>
+            </a:r>
+          </a:p>
+          <a:p>
+            <a:pPr marL="0" indent="0">
+              <a:buNone/>
+            </a:pPr>
+            <a:r>
+              <a:rPr lang="en-US" sz="900" dirty="0"/>
+              <a:t> "artist": "Slayer",</a:t>
+            </a:r>
+          </a:p>
+          <a:p>
+            <a:pPr marL="0" indent="0">
+              <a:buNone/>
+            </a:pPr>
+            <a:r>
+              <a:rPr lang="en-US" sz="900" dirty="0"/>
+              <a:t> "</a:t>
+            </a:r>
+            <a:r>
+              <a:rPr lang="en-US" sz="900" dirty="0" err="1"/>
+              <a:t>title":"World</a:t>
+            </a:r>
+            <a:r>
+              <a:rPr lang="en-US" sz="900" dirty="0"/>
+              <a:t> Painted Blood",</a:t>
+            </a:r>
+          </a:p>
+          <a:p>
+            <a:pPr marL="0" indent="0">
+              <a:buNone/>
+            </a:pPr>
+            <a:r>
+              <a:rPr lang="en-US" sz="900" dirty="0"/>
+              <a:t> "year":2009</a:t>
+            </a:r>
+          </a:p>
+          <a:p>
+            <a:pPr marL="0" indent="0">
+              <a:buNone/>
+            </a:pPr>
+            <a:r>
+              <a:rPr lang="en-US" sz="900" dirty="0"/>
+              <a:t> </a:t>
+            </a:r>
+            <a:r>
+              <a:rPr lang="en-US" sz="900" dirty="0" smtClean="0"/>
+              <a:t>}</a:t>
+            </a:r>
+          </a:p>
+          <a:p>
+            <a:pPr marL="0" indent="0">
+              <a:buNone/>
+            </a:pPr>
+            <a:endParaRPr lang="en-US" sz="900" dirty="0"/>
+          </a:p>
+          <a:p>
+            <a:pPr marL="0" indent="0">
+              <a:buNone/>
+            </a:pPr>
+            <a:r>
+              <a:rPr lang="en-US" sz="900" dirty="0"/>
+              <a:t> {</a:t>
+            </a:r>
+          </a:p>
+          <a:p>
+            <a:pPr marL="0" indent="0">
+              <a:buNone/>
+            </a:pPr>
+            <a:r>
+              <a:rPr lang="en-US" sz="900" dirty="0"/>
+              <a:t> "_id": "album3",</a:t>
+            </a:r>
+          </a:p>
+          <a:p>
+            <a:pPr marL="0" indent="0">
+              <a:buNone/>
+            </a:pPr>
+            <a:r>
+              <a:rPr lang="en-US" sz="900" dirty="0"/>
+              <a:t> "artist": "Arcturus",</a:t>
+            </a:r>
+          </a:p>
+          <a:p>
+            <a:pPr marL="0" indent="0">
+              <a:buNone/>
+            </a:pPr>
+            <a:r>
+              <a:rPr lang="en-US" sz="900" dirty="0"/>
+              <a:t> "title": "Sideshow Symphonies",</a:t>
+            </a:r>
+          </a:p>
+          <a:p>
+            <a:pPr marL="0" indent="0">
+              <a:buNone/>
+            </a:pPr>
+            <a:r>
+              <a:rPr lang="en-US" sz="900" dirty="0"/>
+              <a:t> "year": 2005</a:t>
+            </a:r>
+          </a:p>
+          <a:p>
+            <a:pPr marL="0" indent="0">
+              <a:buNone/>
+            </a:pPr>
+            <a:r>
+              <a:rPr lang="en-US" sz="900" dirty="0"/>
+              <a:t> } </a:t>
+            </a:r>
+          </a:p>
+          <a:p>
+            <a:pPr marL="0" indent="0">
+              <a:buNone/>
+            </a:pPr>
+            <a:endParaRPr lang="en-US" sz="900" dirty="0"/>
+          </a:p>
+        </p:txBody>
+      </p:sp>
+    </p:spTree>
+    <p:extLst>
+      <p:ext uri="{BB962C8B-B14F-4D97-AF65-F5344CB8AC3E}">
+        <p14:creationId xmlns:p14="http://schemas.microsoft.com/office/powerpoint/2010/main" val="1158285267"/>
+      </p:ext>
+    </p:extLst>
+  </p:cSld>
+  <p:clrMapOvr>
+    <a:masterClrMapping/>
+  </p:clrMapOvr>
+</p:sld>
+</file>
+
+<file path=ppt/slides/slide26.xml><?xml version="1.0" encoding="utf-8"?>
+<p:sld xmlns:a="http://schemas.openxmlformats.org/drawingml/2006/main" xmlns:r="http://schemas.openxmlformats.org/officeDocument/2006/relationships" xmlns:p="http://schemas.openxmlformats.org/presentationml/2006/main">
+  <p:cSld>
+    <p:spTree>
+      <p:nvGrpSpPr>
+        <p:cNvPr id="1" name=""/>
+        <p:cNvGrpSpPr/>
+        <p:nvPr/>
+      </p:nvGrpSpPr>
+      <p:grpSpPr>
+        <a:xfrm>
+          <a:off x="0" y="0"/>
+          <a:ext cx="0" cy="0"/>
+          <a:chOff x="0" y="0"/>
+          <a:chExt cx="0" cy="0"/>
+        </a:xfrm>
+      </p:grpSpPr>
+      <p:sp>
+        <p:nvSpPr>
+          <p:cNvPr id="2" name="Title 1"/>
+          <p:cNvSpPr>
+            <a:spLocks noGrp="1"/>
+          </p:cNvSpPr>
+          <p:nvPr>
+            <p:ph type="title"/>
+          </p:nvPr>
+        </p:nvSpPr>
+        <p:spPr/>
+        <p:txBody>
+          <a:bodyPr/>
+          <a:lstStyle/>
+          <a:p>
+            <a:endParaRPr lang="en-US"/>
+          </a:p>
+        </p:txBody>
+      </p:sp>
+      <p:sp>
+        <p:nvSpPr>
+          <p:cNvPr id="3" name="Content Placeholder 2"/>
+          <p:cNvSpPr>
+            <a:spLocks noGrp="1"/>
+          </p:cNvSpPr>
+          <p:nvPr>
+            <p:ph idx="1"/>
+          </p:nvPr>
+        </p:nvSpPr>
+        <p:spPr/>
+        <p:txBody>
+          <a:bodyPr/>
+          <a:lstStyle/>
+          <a:p>
+            <a:pPr marL="0" indent="0">
+              <a:buNone/>
+            </a:pPr>
+            <a:r>
+              <a:rPr lang="en-US" sz="1300" dirty="0"/>
+              <a:t>{</a:t>
+            </a:r>
+          </a:p>
+          <a:p>
+            <a:pPr marL="0" indent="0">
+              <a:buNone/>
+            </a:pPr>
+            <a:r>
+              <a:rPr lang="en-US" sz="1300" dirty="0"/>
+              <a:t> "_id": "album4",</a:t>
+            </a:r>
+          </a:p>
+          <a:p>
+            <a:pPr marL="0" indent="0">
+              <a:buNone/>
+            </a:pPr>
+            <a:r>
+              <a:rPr lang="en-US" sz="1300" dirty="0"/>
+              <a:t> "artist": "</a:t>
+            </a:r>
+            <a:r>
+              <a:rPr lang="en-US" sz="1300" dirty="0" err="1"/>
+              <a:t>Pantera</a:t>
+            </a:r>
+            <a:r>
+              <a:rPr lang="en-US" sz="1300" dirty="0"/>
+              <a:t>",</a:t>
+            </a:r>
+          </a:p>
+          <a:p>
+            <a:pPr marL="0" indent="0">
+              <a:buNone/>
+            </a:pPr>
+            <a:r>
+              <a:rPr lang="en-US" sz="1300" dirty="0"/>
+              <a:t> "title": "Reinventing the Steel",</a:t>
+            </a:r>
+          </a:p>
+          <a:p>
+            <a:pPr marL="0" indent="0">
+              <a:buNone/>
+            </a:pPr>
+            <a:r>
+              <a:rPr lang="en-US" sz="1300" dirty="0"/>
+              <a:t> "year": 2009 </a:t>
+            </a:r>
+          </a:p>
+          <a:p>
+            <a:pPr marL="0" indent="0">
+              <a:buNone/>
+            </a:pPr>
+            <a:r>
+              <a:rPr lang="en-US" sz="1300" dirty="0"/>
+              <a:t>} </a:t>
+            </a:r>
+          </a:p>
+          <a:p>
+            <a:pPr marL="0" indent="0">
+              <a:buNone/>
+            </a:pPr>
+            <a:r>
+              <a:rPr lang="en-US" sz="1300" dirty="0"/>
+              <a:t>{</a:t>
+            </a:r>
+          </a:p>
+          <a:p>
+            <a:pPr marL="0" indent="0">
+              <a:buNone/>
+            </a:pPr>
+            <a:r>
+              <a:rPr lang="en-US" sz="1300" dirty="0"/>
+              <a:t> "_id": "album5",</a:t>
+            </a:r>
+          </a:p>
+          <a:p>
+            <a:pPr marL="0" indent="0">
+              <a:buNone/>
+            </a:pPr>
+            <a:r>
+              <a:rPr lang="en-US" sz="1300" dirty="0"/>
+              <a:t> "artist": "Slayer",</a:t>
+            </a:r>
+          </a:p>
+          <a:p>
+            <a:pPr marL="0" indent="0">
+              <a:buNone/>
+            </a:pPr>
+            <a:r>
+              <a:rPr lang="en-US" sz="1300" dirty="0"/>
+              <a:t> "title": "South of Heaven",</a:t>
+            </a:r>
+          </a:p>
+          <a:p>
+            <a:pPr marL="0" indent="0">
+              <a:buNone/>
+            </a:pPr>
+            <a:r>
+              <a:rPr lang="en-US" sz="1300" dirty="0"/>
+              <a:t> "year": 2009</a:t>
+            </a:r>
+          </a:p>
+          <a:p>
+            <a:pPr marL="0" indent="0">
+              <a:buNone/>
+            </a:pPr>
+            <a:r>
+              <a:rPr lang="en-US" sz="1300" dirty="0"/>
+              <a:t> }</a:t>
+            </a:r>
+          </a:p>
+          <a:p>
+            <a:pPr marL="0" indent="0">
+              <a:buNone/>
+            </a:pPr>
+            <a:endParaRPr lang="en-US" sz="1300" dirty="0"/>
+          </a:p>
+        </p:txBody>
+      </p:sp>
+    </p:spTree>
+    <p:extLst>
+      <p:ext uri="{BB962C8B-B14F-4D97-AF65-F5344CB8AC3E}">
+        <p14:creationId xmlns:p14="http://schemas.microsoft.com/office/powerpoint/2010/main" val="760732511"/>
+      </p:ext>
+    </p:extLst>
+  </p:cSld>
+  <p:clrMapOvr>
+    <a:masterClrMapping/>
+  </p:clrMapOvr>
+</p:sld>
+</file>
+
+<file path=ppt/slides/slide27.xml><?xml version="1.0" encoding="utf-8"?>
+<p:sld xmlns:a="http://schemas.openxmlformats.org/drawingml/2006/main" xmlns:r="http://schemas.openxmlformats.org/officeDocument/2006/relationships" xmlns:p="http://schemas.openxmlformats.org/presentationml/2006/main">
+  <p:cSld>
+    <p:spTree>
+      <p:nvGrpSpPr>
+        <p:cNvPr id="1" name=""/>
+        <p:cNvGrpSpPr/>
+        <p:nvPr/>
+      </p:nvGrpSpPr>
+      <p:grpSpPr>
+        <a:xfrm>
+          <a:off x="0" y="0"/>
+          <a:ext cx="0" cy="0"/>
+          <a:chOff x="0" y="0"/>
+          <a:chExt cx="0" cy="0"/>
+        </a:xfrm>
+      </p:grpSpPr>
+      <p:sp>
+        <p:nvSpPr>
+          <p:cNvPr id="2" name="Title 1"/>
+          <p:cNvSpPr>
+            <a:spLocks noGrp="1"/>
+          </p:cNvSpPr>
+          <p:nvPr>
+            <p:ph type="title"/>
+          </p:nvPr>
+        </p:nvSpPr>
+        <p:spPr/>
+        <p:txBody>
+          <a:bodyPr/>
+          <a:lstStyle/>
+          <a:p>
+            <a:r>
+              <a:rPr lang="en-US" dirty="0"/>
+              <a:t>Map and Reduce functions</a:t>
+            </a:r>
+          </a:p>
+        </p:txBody>
+      </p:sp>
+      <p:sp>
+        <p:nvSpPr>
+          <p:cNvPr id="3" name="Content Placeholder 2"/>
+          <p:cNvSpPr>
+            <a:spLocks noGrp="1"/>
+          </p:cNvSpPr>
+          <p:nvPr>
+            <p:ph idx="1"/>
+          </p:nvPr>
+        </p:nvSpPr>
+        <p:spPr/>
+        <p:txBody>
+          <a:bodyPr/>
+          <a:lstStyle/>
+          <a:p>
+            <a:pPr marL="0" indent="0">
+              <a:buNone/>
+            </a:pPr>
+            <a:r>
+              <a:rPr lang="en-US" sz="1000" dirty="0"/>
+              <a:t>"_id": "_design/</a:t>
+            </a:r>
+            <a:r>
+              <a:rPr lang="en-US" sz="1000" dirty="0" err="1"/>
+              <a:t>foobar</a:t>
+            </a:r>
+            <a:r>
+              <a:rPr lang="en-US" sz="1000" dirty="0"/>
+              <a:t>",</a:t>
+            </a:r>
+          </a:p>
+          <a:p>
+            <a:pPr marL="0" indent="0">
+              <a:buNone/>
+            </a:pPr>
+            <a:r>
+              <a:rPr lang="en-US" sz="1000" dirty="0"/>
+              <a:t> "language": "</a:t>
+            </a:r>
+            <a:r>
+              <a:rPr lang="en-US" sz="1000" dirty="0" err="1"/>
+              <a:t>javascript</a:t>
+            </a:r>
+            <a:r>
+              <a:rPr lang="en-US" sz="1000" dirty="0"/>
+              <a:t>",</a:t>
+            </a:r>
+          </a:p>
+          <a:p>
+            <a:pPr marL="0" indent="0">
+              <a:buNone/>
+            </a:pPr>
+            <a:r>
+              <a:rPr lang="en-US" sz="1000" dirty="0"/>
+              <a:t> "views": {</a:t>
+            </a:r>
+          </a:p>
+          <a:p>
+            <a:pPr marL="0" indent="0">
+              <a:buNone/>
+            </a:pPr>
+            <a:r>
+              <a:rPr lang="en-US" sz="1000" dirty="0"/>
+              <a:t>	 "</a:t>
+            </a:r>
+            <a:r>
+              <a:rPr lang="en-US" sz="1000" dirty="0" err="1"/>
+              <a:t>by_year</a:t>
+            </a:r>
+            <a:r>
+              <a:rPr lang="en-US" sz="1000" dirty="0"/>
+              <a:t>": {</a:t>
+            </a:r>
+          </a:p>
+          <a:p>
+            <a:pPr marL="0" indent="0">
+              <a:buNone/>
+            </a:pPr>
+            <a:r>
+              <a:rPr lang="en-US" sz="1000" dirty="0"/>
+              <a:t>		 "map": "function(doc) {</a:t>
+            </a:r>
+          </a:p>
+          <a:p>
+            <a:pPr marL="0" indent="0">
+              <a:buNone/>
+            </a:pPr>
+            <a:r>
+              <a:rPr lang="en-US" sz="1000" dirty="0"/>
+              <a:t>				 if (</a:t>
+            </a:r>
+            <a:r>
+              <a:rPr lang="en-US" sz="1000" dirty="0" err="1"/>
+              <a:t>doc.year</a:t>
+            </a:r>
+            <a:r>
+              <a:rPr lang="en-US" sz="1000" dirty="0"/>
+              <a:t>) {</a:t>
+            </a:r>
+          </a:p>
+          <a:p>
+            <a:pPr marL="0" indent="0">
+              <a:buNone/>
+            </a:pPr>
+            <a:r>
+              <a:rPr lang="en-US" sz="1000" dirty="0"/>
+              <a:t>					 emit(</a:t>
+            </a:r>
+            <a:r>
+              <a:rPr lang="en-US" sz="1000" dirty="0" err="1"/>
+              <a:t>doc.year</a:t>
+            </a:r>
+            <a:r>
+              <a:rPr lang="en-US" sz="1000" dirty="0"/>
+              <a:t>, 1); </a:t>
+            </a:r>
+          </a:p>
+          <a:p>
+            <a:pPr marL="0" indent="0">
+              <a:buNone/>
+            </a:pPr>
+            <a:r>
+              <a:rPr lang="en-US" sz="1000" dirty="0"/>
+              <a:t>						}</a:t>
+            </a:r>
+          </a:p>
+          <a:p>
+            <a:pPr marL="0" indent="0">
+              <a:buNone/>
+            </a:pPr>
+            <a:r>
+              <a:rPr lang="en-US" sz="1000" dirty="0"/>
+              <a:t>					     }", </a:t>
+            </a:r>
+          </a:p>
+          <a:p>
+            <a:pPr marL="0" indent="0">
+              <a:buNone/>
+            </a:pPr>
+            <a:r>
+              <a:rPr lang="en-US" sz="1000" dirty="0"/>
+              <a:t>		"reduce": "function(keys, values, </a:t>
+            </a:r>
+            <a:r>
+              <a:rPr lang="en-US" sz="1000" dirty="0" err="1"/>
+              <a:t>rereduce</a:t>
+            </a:r>
+            <a:r>
+              <a:rPr lang="en-US" sz="1000" dirty="0"/>
+              <a:t>) { </a:t>
+            </a:r>
+          </a:p>
+          <a:p>
+            <a:pPr marL="0" indent="0">
+              <a:buNone/>
+            </a:pPr>
+            <a:r>
+              <a:rPr lang="en-US" sz="1000" dirty="0"/>
+              <a:t>				return sum(values); </a:t>
+            </a:r>
+          </a:p>
+          <a:p>
+            <a:pPr marL="0" indent="0">
+              <a:buNone/>
+            </a:pPr>
+            <a:r>
+              <a:rPr lang="en-US" sz="1000" dirty="0"/>
+              <a:t>				}" </a:t>
+            </a:r>
+          </a:p>
+          <a:p>
+            <a:pPr marL="0" indent="0">
+              <a:buNone/>
+            </a:pPr>
+            <a:r>
+              <a:rPr lang="en-US" sz="1000" dirty="0"/>
+              <a:t>		}</a:t>
+            </a:r>
+          </a:p>
+          <a:p>
+            <a:pPr marL="0" indent="0">
+              <a:buNone/>
+            </a:pPr>
+            <a:r>
+              <a:rPr lang="en-US" sz="1000" dirty="0"/>
+              <a:t>	 }</a:t>
+            </a:r>
+          </a:p>
+          <a:p>
+            <a:pPr marL="0" indent="0">
+              <a:buNone/>
+            </a:pPr>
+            <a:r>
+              <a:rPr lang="en-US" sz="1000" dirty="0"/>
+              <a:t> }</a:t>
+            </a:r>
+          </a:p>
+          <a:p>
+            <a:pPr marL="0" indent="0">
+              <a:buNone/>
+            </a:pPr>
+            <a:endParaRPr lang="en-US" sz="1000" dirty="0"/>
+          </a:p>
+        </p:txBody>
+      </p:sp>
+    </p:spTree>
+    <p:extLst>
+      <p:ext uri="{BB962C8B-B14F-4D97-AF65-F5344CB8AC3E}">
+        <p14:creationId xmlns:p14="http://schemas.microsoft.com/office/powerpoint/2010/main" val="3600238472"/>
+      </p:ext>
+    </p:extLst>
+  </p:cSld>
+  <p:clrMapOvr>
+    <a:masterClrMapping/>
+  </p:clrMapOvr>
+</p:sld>
+</file>
+
+<file path=ppt/slides/slide28.xml><?xml version="1.0" encoding="utf-8"?>
+<p:sld xmlns:a="http://schemas.openxmlformats.org/drawingml/2006/main" xmlns:r="http://schemas.openxmlformats.org/officeDocument/2006/relationships" xmlns:p="http://schemas.openxmlformats.org/presentationml/2006/main">
+  <p:cSld>
+    <p:spTree>
+      <p:nvGrpSpPr>
+        <p:cNvPr id="1" name=""/>
+        <p:cNvGrpSpPr/>
+        <p:nvPr/>
+      </p:nvGrpSpPr>
+      <p:grpSpPr>
+        <a:xfrm>
+          <a:off x="0" y="0"/>
+          <a:ext cx="0" cy="0"/>
+          <a:chOff x="0" y="0"/>
+          <a:chExt cx="0" cy="0"/>
+        </a:xfrm>
+      </p:grpSpPr>
+      <p:sp>
+        <p:nvSpPr>
+          <p:cNvPr id="2" name="Title 1"/>
+          <p:cNvSpPr>
+            <a:spLocks noGrp="1"/>
+          </p:cNvSpPr>
+          <p:nvPr>
+            <p:ph type="title"/>
+          </p:nvPr>
+        </p:nvSpPr>
+        <p:spPr/>
+        <p:txBody>
+          <a:bodyPr/>
+          <a:lstStyle/>
+          <a:p>
+            <a:r>
+              <a:rPr lang="en-US" sz="1300" dirty="0"/>
+              <a:t>$ curl </a:t>
+            </a:r>
+            <a:r>
+              <a:rPr lang="en-US" sz="1300" dirty="0">
+                <a:hlinkClick r:id="rId2"/>
+              </a:rPr>
+              <a:t>http://localhost:5984/albums/_design/foobar/_view/by_year</a:t>
+            </a:r>
+            <a:r>
+              <a:rPr lang="en-US" sz="1300" dirty="0"/>
+              <a:t/>
+            </a:r>
+            <a:br>
+              <a:rPr lang="en-US" sz="1300" dirty="0"/>
+            </a:br>
+            <a:endParaRPr lang="en-US" sz="1300" dirty="0"/>
+          </a:p>
+        </p:txBody>
+      </p:sp>
+      <p:sp>
+        <p:nvSpPr>
+          <p:cNvPr id="3" name="Content Placeholder 2"/>
+          <p:cNvSpPr>
+            <a:spLocks noGrp="1"/>
+          </p:cNvSpPr>
+          <p:nvPr>
+            <p:ph idx="1"/>
+          </p:nvPr>
+        </p:nvSpPr>
+        <p:spPr/>
+        <p:txBody>
+          <a:bodyPr/>
+          <a:lstStyle/>
+          <a:p>
+            <a:pPr marL="0" indent="0">
+              <a:buNone/>
+            </a:pPr>
+            <a:r>
+              <a:rPr lang="en-US" dirty="0"/>
+              <a:t>{</a:t>
+            </a:r>
+          </a:p>
+          <a:p>
+            <a:pPr marL="0" indent="0">
+              <a:buNone/>
+            </a:pPr>
+            <a:r>
+              <a:rPr lang="en-US" dirty="0"/>
+              <a:t>	 "</a:t>
+            </a:r>
+            <a:r>
+              <a:rPr lang="en-US" dirty="0" err="1"/>
+              <a:t>update_seq</a:t>
+            </a:r>
+            <a:r>
+              <a:rPr lang="en-US" dirty="0"/>
+              <a:t>": 6, </a:t>
+            </a:r>
+          </a:p>
+          <a:p>
+            <a:pPr marL="0" indent="0">
+              <a:buNone/>
+            </a:pPr>
+            <a:r>
+              <a:rPr lang="en-US" dirty="0"/>
+              <a:t>	"rows": [ </a:t>
+            </a:r>
+          </a:p>
+          <a:p>
+            <a:pPr marL="0" indent="0">
+              <a:buNone/>
+            </a:pPr>
+            <a:r>
+              <a:rPr lang="en-US" dirty="0"/>
+              <a:t>		{"key": null, "value": 5} </a:t>
+            </a:r>
+          </a:p>
+          <a:p>
+            <a:pPr marL="0" indent="0">
+              <a:buNone/>
+            </a:pPr>
+            <a:r>
+              <a:rPr lang="en-US" dirty="0"/>
+              <a:t>		]</a:t>
+            </a:r>
+          </a:p>
+          <a:p>
+            <a:pPr marL="0" indent="0">
+              <a:buNone/>
+            </a:pPr>
+            <a:r>
+              <a:rPr lang="en-US" dirty="0"/>
+              <a:t> } </a:t>
+            </a:r>
+          </a:p>
+          <a:p>
+            <a:pPr marL="0" indent="0">
+              <a:buNone/>
+            </a:pPr>
+            <a:endParaRPr lang="en-US" dirty="0"/>
+          </a:p>
+        </p:txBody>
+      </p:sp>
+    </p:spTree>
+    <p:extLst>
+      <p:ext uri="{BB962C8B-B14F-4D97-AF65-F5344CB8AC3E}">
+        <p14:creationId xmlns:p14="http://schemas.microsoft.com/office/powerpoint/2010/main" val="1575585565"/>
+      </p:ext>
+    </p:extLst>
+  </p:cSld>
+  <p:clrMapOvr>
+    <a:masterClrMapping/>
+  </p:clrMapOvr>
+</p:sld>
+</file>
+
+<file path=ppt/slides/slide29.xml><?xml version="1.0" encoding="utf-8"?>
+<p:sld xmlns:a="http://schemas.openxmlformats.org/drawingml/2006/main" xmlns:r="http://schemas.openxmlformats.org/officeDocument/2006/relationships" xmlns:p="http://schemas.openxmlformats.org/presentationml/2006/main">
+  <p:cSld>
+    <p:spTree>
+      <p:nvGrpSpPr>
+        <p:cNvPr id="1" name=""/>
+        <p:cNvGrpSpPr/>
+        <p:nvPr/>
+      </p:nvGrpSpPr>
+      <p:grpSpPr>
+        <a:xfrm>
+          <a:off x="0" y="0"/>
+          <a:ext cx="0" cy="0"/>
+          <a:chOff x="0" y="0"/>
+          <a:chExt cx="0" cy="0"/>
+        </a:xfrm>
+      </p:grpSpPr>
+      <p:sp>
+        <p:nvSpPr>
+          <p:cNvPr id="2" name="Title 1"/>
+          <p:cNvSpPr>
+            <a:spLocks noGrp="1"/>
+          </p:cNvSpPr>
+          <p:nvPr>
+            <p:ph type="title"/>
+          </p:nvPr>
+        </p:nvSpPr>
+        <p:spPr/>
+        <p:txBody>
+          <a:bodyPr/>
+          <a:lstStyle/>
+          <a:p>
+            <a:r>
+              <a:rPr lang="en-US" sz="1000" dirty="0"/>
+              <a:t>$ curl http://localhost:5984/albums/_design/foobar/_view/by_year?group=true</a:t>
+            </a:r>
+          </a:p>
+        </p:txBody>
+      </p:sp>
+      <p:sp>
+        <p:nvSpPr>
+          <p:cNvPr id="3" name="Content Placeholder 2"/>
+          <p:cNvSpPr>
+            <a:spLocks noGrp="1"/>
+          </p:cNvSpPr>
+          <p:nvPr>
+            <p:ph idx="1"/>
+          </p:nvPr>
+        </p:nvSpPr>
+        <p:spPr/>
+        <p:txBody>
+          <a:bodyPr/>
+          <a:lstStyle/>
+          <a:p>
+            <a:pPr marL="0" indent="0">
+              <a:buNone/>
+            </a:pPr>
+            <a:r>
+              <a:rPr lang="en-US" sz="900" dirty="0"/>
+              <a:t>{</a:t>
+            </a:r>
+          </a:p>
+          <a:p>
+            <a:pPr marL="0" indent="0">
+              <a:buNone/>
+            </a:pPr>
+            <a:r>
+              <a:rPr lang="en-US" sz="900" dirty="0"/>
+              <a:t>	"</a:t>
+            </a:r>
+            <a:r>
+              <a:rPr lang="en-US" sz="900" dirty="0" err="1"/>
+              <a:t>update_seq</a:t>
+            </a:r>
+            <a:r>
+              <a:rPr lang="en-US" sz="900" dirty="0"/>
+              <a:t>": 6, </a:t>
+            </a:r>
+          </a:p>
+          <a:p>
+            <a:pPr marL="0" indent="0">
+              <a:buNone/>
+            </a:pPr>
+            <a:r>
+              <a:rPr lang="en-US" sz="900" dirty="0"/>
+              <a:t>	"rows": [ </a:t>
+            </a:r>
+          </a:p>
+          <a:p>
+            <a:pPr marL="0" indent="0">
+              <a:buNone/>
+            </a:pPr>
+            <a:r>
+              <a:rPr lang="en-US" sz="900" dirty="0"/>
+              <a:t>		{"key": 2005, "value": 1},</a:t>
+            </a:r>
+          </a:p>
+          <a:p>
+            <a:pPr marL="0" indent="0">
+              <a:buNone/>
+            </a:pPr>
+            <a:r>
+              <a:rPr lang="en-US" sz="900" dirty="0"/>
+              <a:t>		 {"key": 2009, "value": 3},</a:t>
+            </a:r>
+          </a:p>
+          <a:p>
+            <a:pPr marL="0" indent="0">
+              <a:buNone/>
+            </a:pPr>
+            <a:r>
+              <a:rPr lang="en-US" sz="900" dirty="0"/>
+              <a:t>		 {"key": 2010, "value": 1} </a:t>
+            </a:r>
+          </a:p>
+          <a:p>
+            <a:pPr marL="0" indent="0">
+              <a:buNone/>
+            </a:pPr>
+            <a:r>
+              <a:rPr lang="en-US" sz="900" dirty="0"/>
+              <a:t>	]</a:t>
+            </a:r>
+          </a:p>
+          <a:p>
+            <a:pPr marL="0" indent="0">
+              <a:buNone/>
+            </a:pPr>
+            <a:r>
+              <a:rPr lang="en-US" sz="900" dirty="0"/>
+              <a:t> }</a:t>
+            </a:r>
+          </a:p>
+          <a:p>
+            <a:pPr marL="0" indent="0">
+              <a:buNone/>
+            </a:pPr>
+            <a:r>
+              <a:rPr lang="en-US" sz="900" dirty="0"/>
+              <a:t>$ curl 'http://localhost:5984/albums/_design/</a:t>
+            </a:r>
+            <a:r>
+              <a:rPr lang="en-US" sz="900" dirty="0" err="1"/>
+              <a:t>foobar</a:t>
+            </a:r>
+            <a:r>
+              <a:rPr lang="en-US" sz="900" dirty="0"/>
+              <a:t>/_view/</a:t>
+            </a:r>
+            <a:r>
+              <a:rPr lang="en-US" sz="900" dirty="0" err="1"/>
+              <a:t>by_year</a:t>
+            </a:r>
+            <a:r>
+              <a:rPr lang="en-US" sz="900" dirty="0"/>
+              <a:t>? group=</a:t>
+            </a:r>
+            <a:r>
+              <a:rPr lang="en-US" sz="900" dirty="0" err="1"/>
+              <a:t>true&amp;startkey</a:t>
+            </a:r>
+            <a:r>
+              <a:rPr lang="en-US" sz="900" dirty="0"/>
+              <a:t>=2009&amp;endkey=2010' </a:t>
+            </a:r>
+          </a:p>
+          <a:p>
+            <a:pPr marL="0" indent="0">
+              <a:buNone/>
+            </a:pPr>
+            <a:r>
+              <a:rPr lang="en-US" sz="900" dirty="0"/>
+              <a:t>{</a:t>
+            </a:r>
+          </a:p>
+          <a:p>
+            <a:pPr marL="0" indent="0">
+              <a:buNone/>
+            </a:pPr>
+            <a:r>
+              <a:rPr lang="en-US" sz="900" dirty="0"/>
+              <a:t> 	"</a:t>
+            </a:r>
+            <a:r>
+              <a:rPr lang="en-US" sz="900" dirty="0" err="1"/>
+              <a:t>update_seq</a:t>
+            </a:r>
+            <a:r>
+              <a:rPr lang="en-US" sz="900" dirty="0"/>
+              <a:t>": 6,</a:t>
+            </a:r>
+          </a:p>
+          <a:p>
+            <a:pPr marL="0" indent="0">
+              <a:buNone/>
+            </a:pPr>
+            <a:r>
+              <a:rPr lang="en-US" sz="900" dirty="0"/>
+              <a:t> 	"rows": [</a:t>
+            </a:r>
+          </a:p>
+          <a:p>
+            <a:pPr marL="0" indent="0">
+              <a:buNone/>
+            </a:pPr>
+            <a:r>
+              <a:rPr lang="en-US" sz="900" dirty="0"/>
+              <a:t>		 {"key": 2009, "value": 3},</a:t>
+            </a:r>
+          </a:p>
+          <a:p>
+            <a:pPr marL="0" indent="0">
+              <a:buNone/>
+            </a:pPr>
+            <a:r>
+              <a:rPr lang="en-US" sz="900" dirty="0"/>
+              <a:t> 		{"key": 2010, "value": 1}</a:t>
+            </a:r>
+          </a:p>
+          <a:p>
+            <a:pPr marL="0" indent="0">
+              <a:buNone/>
+            </a:pPr>
+            <a:r>
+              <a:rPr lang="en-US" sz="900" dirty="0"/>
+              <a:t> 	]</a:t>
+            </a:r>
+          </a:p>
+          <a:p>
+            <a:pPr marL="0" indent="0">
+              <a:buNone/>
+            </a:pPr>
+            <a:r>
+              <a:rPr lang="en-US" sz="900" dirty="0"/>
+              <a:t> } </a:t>
+            </a:r>
+          </a:p>
+          <a:p>
+            <a:pPr marL="0" indent="0">
+              <a:buNone/>
+            </a:pPr>
+            <a:endParaRPr lang="en-US" sz="900" dirty="0"/>
+          </a:p>
+        </p:txBody>
+      </p:sp>
+    </p:spTree>
+    <p:extLst>
+      <p:ext uri="{BB962C8B-B14F-4D97-AF65-F5344CB8AC3E}">
+        <p14:creationId xmlns:p14="http://schemas.microsoft.com/office/powerpoint/2010/main" val="4056515053"/>
+      </p:ext>
+    </p:extLst>
+  </p:cSld>
+  <p:clrMapOvr>
+    <a:masterClrMapping/>
+  </p:clrMapOvr>
+</p:sld>
+</file>
+
+<file path=ppt/slides/slide3.xml><?xml version="1.0" encoding="utf-8"?>
+<p:sld xmlns:a="http://schemas.openxmlformats.org/drawingml/2006/main" xmlns:r="http://schemas.openxmlformats.org/officeDocument/2006/relationships" xmlns:p="http://schemas.openxmlformats.org/presentationml/2006/main">
+  <p:cSld>
+    <p:spTree>
+      <p:nvGrpSpPr>
+        <p:cNvPr id="1" name=""/>
+        <p:cNvGrpSpPr/>
+        <p:nvPr/>
+      </p:nvGrpSpPr>
+      <p:grpSpPr>
+        <a:xfrm>
+          <a:off x="0" y="0"/>
+          <a:ext cx="0" cy="0"/>
+          <a:chOff x="0" y="0"/>
+          <a:chExt cx="0" cy="0"/>
+        </a:xfrm>
+      </p:grpSpPr>
+      <p:sp>
+        <p:nvSpPr>
+          <p:cNvPr id="5126" name="Rectangle 6"/>
+          <p:cNvSpPr>
+            <a:spLocks noGrp="1" noChangeArrowheads="1"/>
+          </p:cNvSpPr>
+          <p:nvPr>
+            <p:ph type="title"/>
+          </p:nvPr>
+        </p:nvSpPr>
+        <p:spPr/>
+        <p:txBody>
+          <a:bodyPr/>
+          <a:lstStyle/>
+          <a:p>
+            <a:r>
+              <a:rPr lang="en-US" dirty="0" smtClean="0"/>
+              <a:t>Features</a:t>
+            </a:r>
+            <a:endParaRPr lang="en-US" dirty="0"/>
+          </a:p>
+        </p:txBody>
+      </p:sp>
+      <p:sp>
+        <p:nvSpPr>
+          <p:cNvPr id="5127" name="Rectangle 7"/>
+          <p:cNvSpPr>
+            <a:spLocks noGrp="1" noChangeArrowheads="1"/>
+          </p:cNvSpPr>
+          <p:nvPr>
+            <p:ph type="body" idx="1"/>
+          </p:nvPr>
+        </p:nvSpPr>
+        <p:spPr>
+          <a:xfrm>
+            <a:off x="1691680" y="1412776"/>
+            <a:ext cx="6842720" cy="4752528"/>
+          </a:xfrm>
+        </p:spPr>
+        <p:txBody>
+          <a:bodyPr/>
+          <a:lstStyle/>
+          <a:p>
+            <a:r>
+              <a:rPr lang="en-US" sz="2000" dirty="0"/>
+              <a:t>A NoSQL database</a:t>
+            </a:r>
+          </a:p>
+          <a:p>
+            <a:r>
+              <a:rPr lang="en-IN" sz="2000" dirty="0"/>
+              <a:t>Uses JSON for documents</a:t>
+            </a:r>
+            <a:endParaRPr lang="en-US" sz="2000" dirty="0"/>
+          </a:p>
+          <a:p>
+            <a:r>
+              <a:rPr lang="en-IN" sz="2000" dirty="0"/>
+              <a:t>Uses JavaScript for MapReduce indexes</a:t>
+            </a:r>
+          </a:p>
+          <a:p>
+            <a:r>
+              <a:rPr lang="en-IN" sz="2000" dirty="0"/>
+              <a:t>Uses HTTP for it’s API</a:t>
+            </a:r>
+          </a:p>
+          <a:p>
+            <a:r>
+              <a:rPr lang="en-IN" sz="2000" dirty="0"/>
+              <a:t>Documents can have attachments</a:t>
+            </a:r>
+          </a:p>
+          <a:p>
+            <a:r>
+              <a:rPr lang="en-IN" sz="2000" dirty="0"/>
+              <a:t>Incremental peer-peer replication</a:t>
+            </a:r>
+          </a:p>
+        </p:txBody>
+      </p:sp>
+    </p:spTree>
+  </p:cSld>
+  <p:clrMapOvr>
+    <a:masterClrMapping/>
+  </p:clrMapOvr>
+  <p:timing>
+    <p:tnLst>
+      <p:par>
+        <p:cTn id="1" dur="indefinite" restart="never" nodeType="tmRoot"/>
+      </p:par>
+    </p:tnLst>
+  </p:timing>
+</p:sld>
+</file>
+
+<file path=ppt/slides/slide30.xml><?xml version="1.0" encoding="utf-8"?>
+<p:sld xmlns:a="http://schemas.openxmlformats.org/drawingml/2006/main" xmlns:r="http://schemas.openxmlformats.org/officeDocument/2006/relationships" xmlns:p="http://schemas.openxmlformats.org/presentationml/2006/main">
+  <p:cSld>
+    <p:spTree>
+      <p:nvGrpSpPr>
+        <p:cNvPr id="1" name=""/>
+        <p:cNvGrpSpPr/>
+        <p:nvPr/>
+      </p:nvGrpSpPr>
+      <p:grpSpPr>
+        <a:xfrm>
+          <a:off x="0" y="0"/>
+          <a:ext cx="0" cy="0"/>
+          <a:chOff x="0" y="0"/>
+          <a:chExt cx="0" cy="0"/>
+        </a:xfrm>
+      </p:grpSpPr>
+      <p:sp>
+        <p:nvSpPr>
+          <p:cNvPr id="2" name="Title 1"/>
+          <p:cNvSpPr>
+            <a:spLocks noGrp="1"/>
+          </p:cNvSpPr>
+          <p:nvPr>
+            <p:ph type="title"/>
+          </p:nvPr>
+        </p:nvSpPr>
+        <p:spPr/>
+        <p:txBody>
+          <a:bodyPr/>
+          <a:lstStyle/>
+          <a:p>
+            <a:r>
+              <a:rPr lang="en-US" sz="1500" dirty="0"/>
+              <a:t>$ curl \ http://localhost:5984/albums/_design/foobar/_view/by_year?reduce=false</a:t>
+            </a:r>
+          </a:p>
+        </p:txBody>
+      </p:sp>
+      <p:sp>
+        <p:nvSpPr>
+          <p:cNvPr id="3" name="Content Placeholder 2"/>
+          <p:cNvSpPr>
+            <a:spLocks noGrp="1"/>
+          </p:cNvSpPr>
+          <p:nvPr>
+            <p:ph idx="1"/>
+          </p:nvPr>
+        </p:nvSpPr>
+        <p:spPr/>
+        <p:txBody>
+          <a:bodyPr/>
+          <a:lstStyle/>
+          <a:p>
+            <a:pPr marL="0" indent="0">
+              <a:buNone/>
+            </a:pPr>
+            <a:r>
+              <a:rPr lang="en-US" sz="1200" dirty="0"/>
+              <a:t>{ </a:t>
+            </a:r>
+          </a:p>
+          <a:p>
+            <a:pPr marL="0" indent="0">
+              <a:buNone/>
+            </a:pPr>
+            <a:r>
+              <a:rPr lang="en-US" sz="1200" dirty="0"/>
+              <a:t>	"update_seq":6,</a:t>
+            </a:r>
+          </a:p>
+          <a:p>
+            <a:pPr marL="0" indent="0">
+              <a:buNone/>
+            </a:pPr>
+            <a:r>
+              <a:rPr lang="en-US" sz="1200" dirty="0"/>
+              <a:t>	 "rows": [ </a:t>
+            </a:r>
+          </a:p>
+          <a:p>
+            <a:pPr marL="0" indent="0">
+              <a:buNone/>
+            </a:pPr>
+            <a:r>
+              <a:rPr lang="en-US" sz="1200" dirty="0"/>
+              <a:t>		{"id": "album3", "key": 2005, "value": 1},</a:t>
+            </a:r>
+          </a:p>
+          <a:p>
+            <a:pPr marL="0" indent="0">
+              <a:buNone/>
+            </a:pPr>
+            <a:r>
+              <a:rPr lang="en-US" sz="1200" dirty="0"/>
+              <a:t>		 {"id": "album2", "key": 2009, "value": 1},</a:t>
+            </a:r>
+          </a:p>
+          <a:p>
+            <a:pPr marL="0" indent="0">
+              <a:buNone/>
+            </a:pPr>
+            <a:r>
+              <a:rPr lang="en-US" sz="1200" dirty="0"/>
+              <a:t>		 {"id": "album4", "key": 2009, "value": 1}, </a:t>
+            </a:r>
+          </a:p>
+          <a:p>
+            <a:pPr marL="0" indent="0">
+              <a:buNone/>
+            </a:pPr>
+            <a:r>
+              <a:rPr lang="en-US" sz="1200" dirty="0"/>
+              <a:t>		{"id": "album5", "key": 2009, "value": 1}, </a:t>
+            </a:r>
+          </a:p>
+          <a:p>
+            <a:pPr marL="0" indent="0">
+              <a:buNone/>
+            </a:pPr>
+            <a:r>
+              <a:rPr lang="en-US" sz="1200" dirty="0"/>
+              <a:t>		{"id": "album1", "key": 2010, "value": 1}</a:t>
+            </a:r>
+          </a:p>
+          <a:p>
+            <a:pPr marL="0" indent="0">
+              <a:buNone/>
+            </a:pPr>
+            <a:r>
+              <a:rPr lang="en-US" sz="1200" dirty="0"/>
+              <a:t> 		]</a:t>
+            </a:r>
+          </a:p>
+          <a:p>
+            <a:pPr marL="0" indent="0">
+              <a:buNone/>
+            </a:pPr>
+            <a:r>
+              <a:rPr lang="en-US" sz="1200" dirty="0"/>
+              <a:t> }</a:t>
+            </a:r>
+          </a:p>
+          <a:p>
+            <a:pPr marL="0" indent="0">
+              <a:buNone/>
+            </a:pPr>
+            <a:endParaRPr lang="en-US" sz="1200" dirty="0"/>
+          </a:p>
+        </p:txBody>
+      </p:sp>
+    </p:spTree>
+    <p:extLst>
+      <p:ext uri="{BB962C8B-B14F-4D97-AF65-F5344CB8AC3E}">
+        <p14:creationId xmlns:p14="http://schemas.microsoft.com/office/powerpoint/2010/main" val="2623533266"/>
+      </p:ext>
+    </p:extLst>
+  </p:cSld>
+  <p:clrMapOvr>
+    <a:masterClrMapping/>
+  </p:clrMapOvr>
+</p:sld>
+</file>
+
+<file path=ppt/slides/slide31.xml><?xml version="1.0" encoding="utf-8"?>
+<p:sld xmlns:a="http://schemas.openxmlformats.org/drawingml/2006/main" xmlns:r="http://schemas.openxmlformats.org/officeDocument/2006/relationships" xmlns:p="http://schemas.openxmlformats.org/presentationml/2006/main">
+  <p:cSld>
+    <p:spTree>
+      <p:nvGrpSpPr>
+        <p:cNvPr id="1" name=""/>
+        <p:cNvGrpSpPr/>
+        <p:nvPr/>
+      </p:nvGrpSpPr>
+      <p:grpSpPr>
+        <a:xfrm>
+          <a:off x="0" y="0"/>
+          <a:ext cx="0" cy="0"/>
+          <a:chOff x="0" y="0"/>
+          <a:chExt cx="0" cy="0"/>
+        </a:xfrm>
+      </p:grpSpPr>
+      <p:sp>
+        <p:nvSpPr>
           <p:cNvPr id="2" name="Rectangle 1"/>
           <p:cNvSpPr/>
           <p:nvPr/>
@@ -7294,128 +8730,6 @@
         <p14:creationId xmlns:p14="http://schemas.microsoft.com/office/powerpoint/2010/main" val="2295763997"/>
       </p:ext>
     </p:extLst>
-  </p:cSld>
-  <p:clrMapOvr>
-    <a:masterClrMapping/>
-  </p:clrMapOvr>
-  <p:timing>
-    <p:tnLst>
-      <p:par>
-        <p:cTn id="1" dur="indefinite" restart="never" nodeType="tmRoot"/>
-      </p:par>
-    </p:tnLst>
-  </p:timing>
-</p:sld>
-</file>
-
-<file path=ppt/slides/slide3.xml><?xml version="1.0" encoding="utf-8"?>
-<p:sld xmlns:a="http://schemas.openxmlformats.org/drawingml/2006/main" xmlns:r="http://schemas.openxmlformats.org/officeDocument/2006/relationships" xmlns:p="http://schemas.openxmlformats.org/presentationml/2006/main">
-  <p:cSld>
-    <p:spTree>
-      <p:nvGrpSpPr>
-        <p:cNvPr id="1" name=""/>
-        <p:cNvGrpSpPr/>
-        <p:nvPr/>
-      </p:nvGrpSpPr>
-      <p:grpSpPr>
-        <a:xfrm>
-          <a:off x="0" y="0"/>
-          <a:ext cx="0" cy="0"/>
-          <a:chOff x="0" y="0"/>
-          <a:chExt cx="0" cy="0"/>
-        </a:xfrm>
-      </p:grpSpPr>
-      <p:sp>
-        <p:nvSpPr>
-          <p:cNvPr id="5126" name="Rectangle 6"/>
-          <p:cNvSpPr>
-            <a:spLocks noGrp="1" noChangeArrowheads="1"/>
-          </p:cNvSpPr>
-          <p:nvPr>
-            <p:ph type="title"/>
-          </p:nvPr>
-        </p:nvSpPr>
-        <p:spPr/>
-        <p:txBody>
-          <a:bodyPr/>
-          <a:lstStyle/>
-          <a:p>
-            <a:r>
-              <a:rPr lang="en-US" dirty="0" smtClean="0"/>
-              <a:t>Features</a:t>
-            </a:r>
-            <a:endParaRPr lang="en-US" dirty="0"/>
-          </a:p>
-        </p:txBody>
-      </p:sp>
-      <p:sp>
-        <p:nvSpPr>
-          <p:cNvPr id="5127" name="Rectangle 7"/>
-          <p:cNvSpPr>
-            <a:spLocks noGrp="1" noChangeArrowheads="1"/>
-          </p:cNvSpPr>
-          <p:nvPr>
-            <p:ph type="body" idx="1"/>
-          </p:nvPr>
-        </p:nvSpPr>
-        <p:spPr>
-          <a:xfrm>
-            <a:off x="1691680" y="1412776"/>
-            <a:ext cx="6842720" cy="4752528"/>
-          </a:xfrm>
-        </p:spPr>
-        <p:txBody>
-          <a:bodyPr/>
-          <a:lstStyle/>
-          <a:p>
-            <a:r>
-              <a:rPr lang="en-US" sz="2000" dirty="0"/>
-              <a:t>A NoSQL database</a:t>
-            </a:r>
-            <a:endParaRPr lang="en-US" sz="2000" dirty="0"/>
-          </a:p>
-          <a:p>
-            <a:r>
-              <a:rPr lang="en-IN" sz="2000" dirty="0"/>
-              <a:t>U</a:t>
-            </a:r>
-            <a:r>
-              <a:rPr lang="en-IN" sz="2000" dirty="0"/>
-              <a:t>ses</a:t>
-            </a:r>
-            <a:r>
-              <a:rPr lang="en-IN" sz="2000" dirty="0"/>
-              <a:t> JSON for documents</a:t>
-            </a:r>
-            <a:endParaRPr lang="en-US" sz="2000" dirty="0"/>
-          </a:p>
-          <a:p>
-            <a:r>
-              <a:rPr lang="en-IN" sz="2000" dirty="0"/>
-              <a:t>Uses JavaScript for MapReduce indexes</a:t>
-            </a:r>
-          </a:p>
-          <a:p>
-            <a:r>
-              <a:rPr lang="en-IN" sz="2000" dirty="0"/>
-              <a:t>Uses HTTP for it’s API</a:t>
-            </a:r>
-          </a:p>
-          <a:p>
-            <a:r>
-              <a:rPr lang="en-IN" sz="2000" dirty="0"/>
-              <a:t>Documents can have attachments</a:t>
-            </a:r>
-          </a:p>
-          <a:p>
-            <a:r>
-              <a:rPr lang="en-IN" sz="2000" dirty="0"/>
-              <a:t>Incremental peer-peer replication</a:t>
-            </a:r>
-          </a:p>
-        </p:txBody>
-      </p:sp>
-    </p:spTree>
   </p:cSld>
   <p:clrMapOvr>
     <a:masterClrMapping/>

--- a/Donita/CouchDB.pptx
+++ b/Donita/CouchDB.pptx
@@ -5,10 +5,10 @@
     <p:sldMasterId id="2147483648" r:id="rId2"/>
   </p:sldMasterIdLst>
   <p:notesMasterIdLst>
-    <p:notesMasterId r:id="rId34"/>
+    <p:notesMasterId r:id="rId36"/>
   </p:notesMasterIdLst>
   <p:handoutMasterIdLst>
-    <p:handoutMasterId r:id="rId35"/>
+    <p:handoutMasterId r:id="rId37"/>
   </p:handoutMasterIdLst>
   <p:sldIdLst>
     <p:sldId id="256" r:id="rId3"/>
@@ -32,16 +32,18 @@
     <p:sldId id="277" r:id="rId21"/>
     <p:sldId id="272" r:id="rId22"/>
     <p:sldId id="278" r:id="rId23"/>
-    <p:sldId id="282" r:id="rId24"/>
-    <p:sldId id="281" r:id="rId25"/>
-    <p:sldId id="295" r:id="rId26"/>
-    <p:sldId id="297" r:id="rId27"/>
-    <p:sldId id="299" r:id="rId28"/>
-    <p:sldId id="300" r:id="rId29"/>
-    <p:sldId id="301" r:id="rId30"/>
-    <p:sldId id="302" r:id="rId31"/>
-    <p:sldId id="303" r:id="rId32"/>
-    <p:sldId id="280" r:id="rId33"/>
+    <p:sldId id="295" r:id="rId24"/>
+    <p:sldId id="297" r:id="rId25"/>
+    <p:sldId id="299" r:id="rId26"/>
+    <p:sldId id="300" r:id="rId27"/>
+    <p:sldId id="301" r:id="rId28"/>
+    <p:sldId id="302" r:id="rId29"/>
+    <p:sldId id="303" r:id="rId30"/>
+    <p:sldId id="282" r:id="rId31"/>
+    <p:sldId id="304" r:id="rId32"/>
+    <p:sldId id="305" r:id="rId33"/>
+    <p:sldId id="281" r:id="rId34"/>
+    <p:sldId id="280" r:id="rId35"/>
   </p:sldIdLst>
   <p:sldSz cx="9144000" cy="6858000" type="screen4x3"/>
   <p:notesSz cx="6858000" cy="9144000"/>
@@ -4699,12 +4701,16 @@
               </a:lnSpc>
             </a:pPr>
             <a:r>
-              <a:rPr lang="en-US" altLang="en-US" sz="1600" dirty="0"/>
+              <a:rPr lang="en-US" altLang="en-US" sz="1600" b="1" dirty="0"/>
               <a:t>_</a:t>
             </a:r>
             <a:r>
+              <a:rPr lang="en-US" altLang="en-US" sz="2000" b="1" dirty="0"/>
+              <a:t>rev</a:t>
+            </a:r>
+            <a:r>
               <a:rPr lang="en-US" altLang="en-US" sz="2000" dirty="0"/>
-              <a:t>rev - If you want to update or delete a document, </a:t>
+              <a:t> - If you want to update or delete a document, </a:t>
             </a:r>
             <a:r>
               <a:rPr lang="en-US" altLang="en-US" sz="2000" dirty="0" err="1"/>
@@ -4731,7 +4737,27 @@
             </a:pPr>
             <a:r>
               <a:rPr lang="en-US" altLang="en-US" sz="2000" dirty="0"/>
-              <a:t>curl -X PUT http://127.0.0.1:5984/albums/1000 -d '{"_rev":"1-42c7396a84eaf1728cdbf08415a09a41","title":"Abbey Road", "</a:t>
+              <a:t>curl -X </a:t>
+            </a:r>
+            <a:r>
+              <a:rPr lang="en-US" altLang="en-US" sz="2000" b="1" dirty="0"/>
+              <a:t>PUT</a:t>
+            </a:r>
+            <a:r>
+              <a:rPr lang="en-US" altLang="en-US" sz="2000" dirty="0"/>
+              <a:t> http://127.0.0.1:5984/albums/1000 -d '{</a:t>
+            </a:r>
+            <a:r>
+              <a:rPr lang="en-US" altLang="en-US" sz="2000" dirty="0">
+                <a:solidFill>
+                  <a:srgbClr val="0070C0"/>
+                </a:solidFill>
+              </a:rPr>
+              <a:t>"_rev":"1-42c7396a84eaf1728cdbf08415a09a41"</a:t>
+            </a:r>
+            <a:r>
+              <a:rPr lang="en-US" altLang="en-US" sz="2000" dirty="0"/>
+              <a:t>,"title":"Abbey Road", "</a:t>
             </a:r>
             <a:r>
               <a:rPr lang="en-US" altLang="en-US" sz="2000" dirty="0" err="1"/>
@@ -4899,7 +4925,12 @@
             <p:ph idx="1"/>
           </p:nvPr>
         </p:nvSpPr>
-        <p:spPr/>
+        <p:spPr>
+          <a:xfrm>
+            <a:off x="1691680" y="1700808"/>
+            <a:ext cx="6842720" cy="4800600"/>
+          </a:xfrm>
+        </p:spPr>
         <p:txBody>
           <a:bodyPr/>
           <a:lstStyle/>
@@ -4928,8 +4959,12 @@
               <a:t> </a:t>
             </a:r>
             <a:r>
+              <a:rPr lang="en-IN" sz="2000" b="1" dirty="0"/>
+              <a:t>POST</a:t>
+            </a:r>
+            <a:r>
               <a:rPr lang="en-IN" sz="2000" dirty="0"/>
-              <a:t>POST http://127.0.0.1:5984</a:t>
+              <a:t> http://127.0.0.1:5984</a:t>
             </a:r>
             <a:r>
               <a:rPr lang="en-IN" sz="2000" dirty="0" smtClean="0"/>
@@ -4940,8 +4975,16 @@
               <a:t>_replicate \ -d '{"</a:t>
             </a:r>
             <a:r>
+              <a:rPr lang="en-IN" sz="2000" b="1" dirty="0" err="1"/>
+              <a:t>source</a:t>
+            </a:r>
+            <a:r>
               <a:rPr lang="en-IN" sz="2000" dirty="0" err="1"/>
-              <a:t>source":"albums","target</a:t>
+              <a:t>":"albums","</a:t>
+            </a:r>
+            <a:r>
+              <a:rPr lang="en-IN" sz="2000" b="1" dirty="0" err="1"/>
+              <a:t>target</a:t>
             </a:r>
             <a:r>
               <a:rPr lang="en-IN" sz="2000" dirty="0" smtClean="0"/>
@@ -6694,10 +6737,1417 @@
             <p:ph type="title"/>
           </p:nvPr>
         </p:nvSpPr>
+        <p:spPr/>
+        <p:txBody>
+          <a:bodyPr/>
+          <a:lstStyle/>
+          <a:p>
+            <a:pPr algn="ctr"/>
+            <a:r>
+              <a:rPr lang="en-US" dirty="0" smtClean="0"/>
+              <a:t>Couch DB Views</a:t>
+            </a:r>
+            <a:endParaRPr lang="en-US" dirty="0"/>
+          </a:p>
+        </p:txBody>
+      </p:sp>
+      <p:sp>
+        <p:nvSpPr>
+          <p:cNvPr id="3" name="Content Placeholder 2"/>
+          <p:cNvSpPr>
+            <a:spLocks noGrp="1"/>
+          </p:cNvSpPr>
+          <p:nvPr>
+            <p:ph idx="1"/>
+          </p:nvPr>
+        </p:nvSpPr>
+        <p:spPr/>
+        <p:txBody>
+          <a:bodyPr/>
+          <a:lstStyle/>
+          <a:p>
+            <a:pPr marL="0" indent="0">
+              <a:buNone/>
+            </a:pPr>
+            <a:r>
+              <a:rPr lang="en-US" b="1" dirty="0"/>
+              <a:t>Why views?</a:t>
+            </a:r>
+          </a:p>
+          <a:p>
+            <a:pPr marL="0" indent="0">
+              <a:buNone/>
+            </a:pPr>
+            <a:r>
+              <a:rPr lang="en-US" dirty="0"/>
+              <a:t> No tables and collection.</a:t>
+            </a:r>
+          </a:p>
+          <a:p>
+            <a:pPr marL="0" indent="0">
+              <a:buNone/>
+            </a:pPr>
+            <a:r>
+              <a:rPr lang="en-US" dirty="0"/>
+              <a:t> So views</a:t>
+            </a:r>
+          </a:p>
+          <a:p>
+            <a:r>
+              <a:rPr lang="en-US" b="1" dirty="0"/>
+              <a:t>View server execute functions</a:t>
+            </a:r>
+          </a:p>
+          <a:p>
+            <a:pPr marL="514350" indent="-514350">
+              <a:buFont typeface="+mj-lt"/>
+              <a:buAutoNum type="arabicPeriod"/>
+            </a:pPr>
+            <a:r>
+              <a:rPr lang="en-US" dirty="0"/>
+              <a:t>Map – used to display a view</a:t>
+            </a:r>
+          </a:p>
+          <a:p>
+            <a:pPr marL="514350" indent="-514350">
+              <a:buFont typeface="+mj-lt"/>
+              <a:buAutoNum type="arabicPeriod"/>
+            </a:pPr>
+            <a:r>
+              <a:rPr lang="en-US" dirty="0"/>
+              <a:t>Reduce(optional) – which is used to create a sorted view</a:t>
+            </a:r>
+          </a:p>
+          <a:p>
+            <a:pPr marL="0" indent="0">
+              <a:buNone/>
+            </a:pPr>
+            <a:endParaRPr lang="en-US" dirty="0"/>
+          </a:p>
+        </p:txBody>
+      </p:sp>
+    </p:spTree>
+    <p:extLst>
+      <p:ext uri="{BB962C8B-B14F-4D97-AF65-F5344CB8AC3E}">
+        <p14:creationId xmlns:p14="http://schemas.microsoft.com/office/powerpoint/2010/main" val="38182204"/>
+      </p:ext>
+    </p:extLst>
+  </p:cSld>
+  <p:clrMapOvr>
+    <a:masterClrMapping/>
+  </p:clrMapOvr>
+</p:sld>
+</file>
+
+<file path=ppt/slides/slide23.xml><?xml version="1.0" encoding="utf-8"?>
+<p:sld xmlns:a="http://schemas.openxmlformats.org/drawingml/2006/main" xmlns:r="http://schemas.openxmlformats.org/officeDocument/2006/relationships" xmlns:p="http://schemas.openxmlformats.org/presentationml/2006/main">
+  <p:cSld>
+    <p:spTree>
+      <p:nvGrpSpPr>
+        <p:cNvPr id="1" name=""/>
+        <p:cNvGrpSpPr/>
+        <p:nvPr/>
+      </p:nvGrpSpPr>
+      <p:grpSpPr>
+        <a:xfrm>
+          <a:off x="0" y="0"/>
+          <a:ext cx="0" cy="0"/>
+          <a:chOff x="0" y="0"/>
+          <a:chExt cx="0" cy="0"/>
+        </a:xfrm>
+      </p:grpSpPr>
+      <p:sp>
+        <p:nvSpPr>
+          <p:cNvPr id="2" name="Title 1"/>
+          <p:cNvSpPr>
+            <a:spLocks noGrp="1"/>
+          </p:cNvSpPr>
+          <p:nvPr>
+            <p:ph type="title"/>
+          </p:nvPr>
+        </p:nvSpPr>
+        <p:spPr/>
+        <p:txBody>
+          <a:bodyPr/>
+          <a:lstStyle/>
+          <a:p>
+            <a:r>
+              <a:rPr lang="en-US" dirty="0"/>
+              <a:t>Example Database</a:t>
+            </a:r>
+          </a:p>
+        </p:txBody>
+      </p:sp>
+      <p:sp>
+        <p:nvSpPr>
+          <p:cNvPr id="3" name="Content Placeholder 2"/>
+          <p:cNvSpPr>
+            <a:spLocks noGrp="1"/>
+          </p:cNvSpPr>
+          <p:nvPr>
+            <p:ph idx="1"/>
+          </p:nvPr>
+        </p:nvSpPr>
+        <p:spPr/>
+        <p:txBody>
+          <a:bodyPr/>
+          <a:lstStyle/>
+          <a:p>
+            <a:pPr marL="0" indent="0">
+              <a:buNone/>
+            </a:pPr>
+            <a:r>
+              <a:rPr lang="en-US" sz="900" dirty="0"/>
+              <a:t>{ </a:t>
+            </a:r>
+          </a:p>
+          <a:p>
+            <a:pPr marL="0" indent="0">
+              <a:buNone/>
+            </a:pPr>
+            <a:r>
+              <a:rPr lang="en-US" sz="900" dirty="0"/>
+              <a:t>"_id": "album1",</a:t>
+            </a:r>
+          </a:p>
+          <a:p>
+            <a:pPr marL="0" indent="0">
+              <a:buNone/>
+            </a:pPr>
+            <a:r>
+              <a:rPr lang="en-US" sz="900" dirty="0"/>
+              <a:t>"artist": "</a:t>
+            </a:r>
+            <a:r>
+              <a:rPr lang="en-US" sz="900" dirty="0" err="1"/>
+              <a:t>Megadeth</a:t>
+            </a:r>
+            <a:r>
+              <a:rPr lang="en-US" sz="900" dirty="0"/>
+              <a:t>",</a:t>
+            </a:r>
+          </a:p>
+          <a:p>
+            <a:pPr marL="0" indent="0">
+              <a:buNone/>
+            </a:pPr>
+            <a:r>
+              <a:rPr lang="en-US" sz="900" dirty="0"/>
+              <a:t> "title": "Endgame",</a:t>
+            </a:r>
+          </a:p>
+          <a:p>
+            <a:pPr marL="0" indent="0">
+              <a:buNone/>
+            </a:pPr>
+            <a:r>
+              <a:rPr lang="en-US" sz="900" dirty="0"/>
+              <a:t> "year": 2010 </a:t>
+            </a:r>
+          </a:p>
+          <a:p>
+            <a:pPr marL="0" indent="0">
+              <a:buNone/>
+            </a:pPr>
+            <a:r>
+              <a:rPr lang="en-US" sz="900" dirty="0"/>
+              <a:t>}</a:t>
+            </a:r>
+          </a:p>
+          <a:p>
+            <a:pPr marL="0" indent="0">
+              <a:buNone/>
+            </a:pPr>
+            <a:r>
+              <a:rPr lang="en-US" sz="900" dirty="0"/>
+              <a:t> {</a:t>
+            </a:r>
+          </a:p>
+          <a:p>
+            <a:pPr marL="0" indent="0">
+              <a:buNone/>
+            </a:pPr>
+            <a:r>
+              <a:rPr lang="en-US" sz="900" dirty="0"/>
+              <a:t> "_id": "album2",</a:t>
+            </a:r>
+          </a:p>
+          <a:p>
+            <a:pPr marL="0" indent="0">
+              <a:buNone/>
+            </a:pPr>
+            <a:r>
+              <a:rPr lang="en-US" sz="900" dirty="0"/>
+              <a:t> "artist": "Slayer",</a:t>
+            </a:r>
+          </a:p>
+          <a:p>
+            <a:pPr marL="0" indent="0">
+              <a:buNone/>
+            </a:pPr>
+            <a:r>
+              <a:rPr lang="en-US" sz="900" dirty="0"/>
+              <a:t> "</a:t>
+            </a:r>
+            <a:r>
+              <a:rPr lang="en-US" sz="900" dirty="0" err="1"/>
+              <a:t>title":"World</a:t>
+            </a:r>
+            <a:r>
+              <a:rPr lang="en-US" sz="900" dirty="0"/>
+              <a:t> Painted Blood",</a:t>
+            </a:r>
+          </a:p>
+          <a:p>
+            <a:pPr marL="0" indent="0">
+              <a:buNone/>
+            </a:pPr>
+            <a:r>
+              <a:rPr lang="en-US" sz="900" dirty="0"/>
+              <a:t> "year":2009</a:t>
+            </a:r>
+          </a:p>
+          <a:p>
+            <a:pPr marL="0" indent="0">
+              <a:buNone/>
+            </a:pPr>
+            <a:r>
+              <a:rPr lang="en-US" sz="900" dirty="0"/>
+              <a:t> </a:t>
+            </a:r>
+            <a:r>
+              <a:rPr lang="en-US" sz="900" dirty="0" smtClean="0"/>
+              <a:t>}</a:t>
+            </a:r>
+          </a:p>
+          <a:p>
+            <a:pPr marL="0" indent="0">
+              <a:buNone/>
+            </a:pPr>
+            <a:endParaRPr lang="en-US" sz="900" dirty="0"/>
+          </a:p>
+          <a:p>
+            <a:pPr marL="0" indent="0">
+              <a:buNone/>
+            </a:pPr>
+            <a:r>
+              <a:rPr lang="en-US" sz="900" dirty="0"/>
+              <a:t> {</a:t>
+            </a:r>
+          </a:p>
+          <a:p>
+            <a:pPr marL="0" indent="0">
+              <a:buNone/>
+            </a:pPr>
+            <a:r>
+              <a:rPr lang="en-US" sz="900" dirty="0"/>
+              <a:t> "_id": "album3",</a:t>
+            </a:r>
+          </a:p>
+          <a:p>
+            <a:pPr marL="0" indent="0">
+              <a:buNone/>
+            </a:pPr>
+            <a:r>
+              <a:rPr lang="en-US" sz="900" dirty="0"/>
+              <a:t> "artist": "Arcturus",</a:t>
+            </a:r>
+          </a:p>
+          <a:p>
+            <a:pPr marL="0" indent="0">
+              <a:buNone/>
+            </a:pPr>
+            <a:r>
+              <a:rPr lang="en-US" sz="900" dirty="0"/>
+              <a:t> "title": "Sideshow Symphonies",</a:t>
+            </a:r>
+          </a:p>
+          <a:p>
+            <a:pPr marL="0" indent="0">
+              <a:buNone/>
+            </a:pPr>
+            <a:r>
+              <a:rPr lang="en-US" sz="900" dirty="0"/>
+              <a:t> "year": 2005</a:t>
+            </a:r>
+          </a:p>
+          <a:p>
+            <a:pPr marL="0" indent="0">
+              <a:buNone/>
+            </a:pPr>
+            <a:r>
+              <a:rPr lang="en-US" sz="900" dirty="0"/>
+              <a:t> } </a:t>
+            </a:r>
+          </a:p>
+          <a:p>
+            <a:pPr marL="0" indent="0">
+              <a:buNone/>
+            </a:pPr>
+            <a:endParaRPr lang="en-US" sz="900" dirty="0"/>
+          </a:p>
+        </p:txBody>
+      </p:sp>
+    </p:spTree>
+    <p:extLst>
+      <p:ext uri="{BB962C8B-B14F-4D97-AF65-F5344CB8AC3E}">
+        <p14:creationId xmlns:p14="http://schemas.microsoft.com/office/powerpoint/2010/main" val="1158285267"/>
+      </p:ext>
+    </p:extLst>
+  </p:cSld>
+  <p:clrMapOvr>
+    <a:masterClrMapping/>
+  </p:clrMapOvr>
+</p:sld>
+</file>
+
+<file path=ppt/slides/slide24.xml><?xml version="1.0" encoding="utf-8"?>
+<p:sld xmlns:a="http://schemas.openxmlformats.org/drawingml/2006/main" xmlns:r="http://schemas.openxmlformats.org/officeDocument/2006/relationships" xmlns:p="http://schemas.openxmlformats.org/presentationml/2006/main">
+  <p:cSld>
+    <p:spTree>
+      <p:nvGrpSpPr>
+        <p:cNvPr id="1" name=""/>
+        <p:cNvGrpSpPr/>
+        <p:nvPr/>
+      </p:nvGrpSpPr>
+      <p:grpSpPr>
+        <a:xfrm>
+          <a:off x="0" y="0"/>
+          <a:ext cx="0" cy="0"/>
+          <a:chOff x="0" y="0"/>
+          <a:chExt cx="0" cy="0"/>
+        </a:xfrm>
+      </p:grpSpPr>
+      <p:sp>
+        <p:nvSpPr>
+          <p:cNvPr id="2" name="Title 1"/>
+          <p:cNvSpPr>
+            <a:spLocks noGrp="1"/>
+          </p:cNvSpPr>
+          <p:nvPr>
+            <p:ph type="title"/>
+          </p:nvPr>
+        </p:nvSpPr>
+        <p:spPr/>
+        <p:txBody>
+          <a:bodyPr/>
+          <a:lstStyle/>
+          <a:p>
+            <a:endParaRPr lang="en-US"/>
+          </a:p>
+        </p:txBody>
+      </p:sp>
+      <p:sp>
+        <p:nvSpPr>
+          <p:cNvPr id="3" name="Content Placeholder 2"/>
+          <p:cNvSpPr>
+            <a:spLocks noGrp="1"/>
+          </p:cNvSpPr>
+          <p:nvPr>
+            <p:ph idx="1"/>
+          </p:nvPr>
+        </p:nvSpPr>
+        <p:spPr/>
+        <p:txBody>
+          <a:bodyPr/>
+          <a:lstStyle/>
+          <a:p>
+            <a:pPr marL="0" indent="0">
+              <a:buNone/>
+            </a:pPr>
+            <a:r>
+              <a:rPr lang="en-US" sz="1300" dirty="0"/>
+              <a:t>{</a:t>
+            </a:r>
+          </a:p>
+          <a:p>
+            <a:pPr marL="0" indent="0">
+              <a:buNone/>
+            </a:pPr>
+            <a:r>
+              <a:rPr lang="en-US" sz="1300" dirty="0"/>
+              <a:t> "_id": "album4",</a:t>
+            </a:r>
+          </a:p>
+          <a:p>
+            <a:pPr marL="0" indent="0">
+              <a:buNone/>
+            </a:pPr>
+            <a:r>
+              <a:rPr lang="en-US" sz="1300" dirty="0"/>
+              <a:t> "artist": "</a:t>
+            </a:r>
+            <a:r>
+              <a:rPr lang="en-US" sz="1300" dirty="0" err="1"/>
+              <a:t>Pantera</a:t>
+            </a:r>
+            <a:r>
+              <a:rPr lang="en-US" sz="1300" dirty="0"/>
+              <a:t>",</a:t>
+            </a:r>
+          </a:p>
+          <a:p>
+            <a:pPr marL="0" indent="0">
+              <a:buNone/>
+            </a:pPr>
+            <a:r>
+              <a:rPr lang="en-US" sz="1300" dirty="0"/>
+              <a:t> "title": "Reinventing the Steel",</a:t>
+            </a:r>
+          </a:p>
+          <a:p>
+            <a:pPr marL="0" indent="0">
+              <a:buNone/>
+            </a:pPr>
+            <a:r>
+              <a:rPr lang="en-US" sz="1300" dirty="0"/>
+              <a:t> "year": 2009 </a:t>
+            </a:r>
+          </a:p>
+          <a:p>
+            <a:pPr marL="0" indent="0">
+              <a:buNone/>
+            </a:pPr>
+            <a:r>
+              <a:rPr lang="en-US" sz="1300" dirty="0"/>
+              <a:t>} </a:t>
+            </a:r>
+          </a:p>
+          <a:p>
+            <a:pPr marL="0" indent="0">
+              <a:buNone/>
+            </a:pPr>
+            <a:r>
+              <a:rPr lang="en-US" sz="1300" dirty="0"/>
+              <a:t>{</a:t>
+            </a:r>
+          </a:p>
+          <a:p>
+            <a:pPr marL="0" indent="0">
+              <a:buNone/>
+            </a:pPr>
+            <a:r>
+              <a:rPr lang="en-US" sz="1300" dirty="0"/>
+              <a:t> "_id": "album5",</a:t>
+            </a:r>
+          </a:p>
+          <a:p>
+            <a:pPr marL="0" indent="0">
+              <a:buNone/>
+            </a:pPr>
+            <a:r>
+              <a:rPr lang="en-US" sz="1300" dirty="0"/>
+              <a:t> "artist": "Slayer",</a:t>
+            </a:r>
+          </a:p>
+          <a:p>
+            <a:pPr marL="0" indent="0">
+              <a:buNone/>
+            </a:pPr>
+            <a:r>
+              <a:rPr lang="en-US" sz="1300" dirty="0"/>
+              <a:t> "title": "South of Heaven",</a:t>
+            </a:r>
+          </a:p>
+          <a:p>
+            <a:pPr marL="0" indent="0">
+              <a:buNone/>
+            </a:pPr>
+            <a:r>
+              <a:rPr lang="en-US" sz="1300" dirty="0"/>
+              <a:t> "year": 2009</a:t>
+            </a:r>
+          </a:p>
+          <a:p>
+            <a:pPr marL="0" indent="0">
+              <a:buNone/>
+            </a:pPr>
+            <a:r>
+              <a:rPr lang="en-US" sz="1300" dirty="0"/>
+              <a:t> }</a:t>
+            </a:r>
+          </a:p>
+          <a:p>
+            <a:pPr marL="0" indent="0">
+              <a:buNone/>
+            </a:pPr>
+            <a:endParaRPr lang="en-US" sz="1300" dirty="0"/>
+          </a:p>
+        </p:txBody>
+      </p:sp>
+    </p:spTree>
+    <p:extLst>
+      <p:ext uri="{BB962C8B-B14F-4D97-AF65-F5344CB8AC3E}">
+        <p14:creationId xmlns:p14="http://schemas.microsoft.com/office/powerpoint/2010/main" val="760732511"/>
+      </p:ext>
+    </p:extLst>
+  </p:cSld>
+  <p:clrMapOvr>
+    <a:masterClrMapping/>
+  </p:clrMapOvr>
+</p:sld>
+</file>
+
+<file path=ppt/slides/slide25.xml><?xml version="1.0" encoding="utf-8"?>
+<p:sld xmlns:a="http://schemas.openxmlformats.org/drawingml/2006/main" xmlns:r="http://schemas.openxmlformats.org/officeDocument/2006/relationships" xmlns:p="http://schemas.openxmlformats.org/presentationml/2006/main">
+  <p:cSld>
+    <p:spTree>
+      <p:nvGrpSpPr>
+        <p:cNvPr id="1" name=""/>
+        <p:cNvGrpSpPr/>
+        <p:nvPr/>
+      </p:nvGrpSpPr>
+      <p:grpSpPr>
+        <a:xfrm>
+          <a:off x="0" y="0"/>
+          <a:ext cx="0" cy="0"/>
+          <a:chOff x="0" y="0"/>
+          <a:chExt cx="0" cy="0"/>
+        </a:xfrm>
+      </p:grpSpPr>
+      <p:sp>
+        <p:nvSpPr>
+          <p:cNvPr id="2" name="Title 1"/>
+          <p:cNvSpPr>
+            <a:spLocks noGrp="1"/>
+          </p:cNvSpPr>
+          <p:nvPr>
+            <p:ph type="title"/>
+          </p:nvPr>
+        </p:nvSpPr>
+        <p:spPr/>
+        <p:txBody>
+          <a:bodyPr/>
+          <a:lstStyle/>
+          <a:p>
+            <a:r>
+              <a:rPr lang="en-US" dirty="0"/>
+              <a:t>Map and Reduce functions</a:t>
+            </a:r>
+          </a:p>
+        </p:txBody>
+      </p:sp>
+      <p:sp>
+        <p:nvSpPr>
+          <p:cNvPr id="3" name="Content Placeholder 2"/>
+          <p:cNvSpPr>
+            <a:spLocks noGrp="1"/>
+          </p:cNvSpPr>
+          <p:nvPr>
+            <p:ph idx="1"/>
+          </p:nvPr>
+        </p:nvSpPr>
+        <p:spPr/>
+        <p:txBody>
+          <a:bodyPr/>
+          <a:lstStyle/>
+          <a:p>
+            <a:pPr marL="0" indent="0">
+              <a:buNone/>
+            </a:pPr>
+            <a:r>
+              <a:rPr lang="en-US" sz="1000" dirty="0"/>
+              <a:t>"_id": "_design/</a:t>
+            </a:r>
+            <a:r>
+              <a:rPr lang="en-US" sz="1000" dirty="0" err="1"/>
+              <a:t>foobar</a:t>
+            </a:r>
+            <a:r>
+              <a:rPr lang="en-US" sz="1000" dirty="0"/>
+              <a:t>",</a:t>
+            </a:r>
+          </a:p>
+          <a:p>
+            <a:pPr marL="0" indent="0">
+              <a:buNone/>
+            </a:pPr>
+            <a:r>
+              <a:rPr lang="en-US" sz="1000" dirty="0"/>
+              <a:t> "language": "</a:t>
+            </a:r>
+            <a:r>
+              <a:rPr lang="en-US" sz="1000" dirty="0" err="1"/>
+              <a:t>javascript</a:t>
+            </a:r>
+            <a:r>
+              <a:rPr lang="en-US" sz="1000" dirty="0"/>
+              <a:t>",</a:t>
+            </a:r>
+          </a:p>
+          <a:p>
+            <a:pPr marL="0" indent="0">
+              <a:buNone/>
+            </a:pPr>
+            <a:r>
+              <a:rPr lang="en-US" sz="1000" dirty="0"/>
+              <a:t> "views": {</a:t>
+            </a:r>
+          </a:p>
+          <a:p>
+            <a:pPr marL="0" indent="0">
+              <a:buNone/>
+            </a:pPr>
+            <a:r>
+              <a:rPr lang="en-US" sz="1000" dirty="0"/>
+              <a:t>	 "</a:t>
+            </a:r>
+            <a:r>
+              <a:rPr lang="en-US" sz="1000" dirty="0" err="1"/>
+              <a:t>by_year</a:t>
+            </a:r>
+            <a:r>
+              <a:rPr lang="en-US" sz="1000" dirty="0"/>
+              <a:t>": {</a:t>
+            </a:r>
+          </a:p>
+          <a:p>
+            <a:pPr marL="0" indent="0">
+              <a:buNone/>
+            </a:pPr>
+            <a:r>
+              <a:rPr lang="en-US" sz="1000" dirty="0"/>
+              <a:t>		 "map": "function(doc) {</a:t>
+            </a:r>
+          </a:p>
+          <a:p>
+            <a:pPr marL="0" indent="0">
+              <a:buNone/>
+            </a:pPr>
+            <a:r>
+              <a:rPr lang="en-US" sz="1000" dirty="0"/>
+              <a:t>				 if (</a:t>
+            </a:r>
+            <a:r>
+              <a:rPr lang="en-US" sz="1000" dirty="0" err="1"/>
+              <a:t>doc.year</a:t>
+            </a:r>
+            <a:r>
+              <a:rPr lang="en-US" sz="1000" dirty="0"/>
+              <a:t>) {</a:t>
+            </a:r>
+          </a:p>
+          <a:p>
+            <a:pPr marL="0" indent="0">
+              <a:buNone/>
+            </a:pPr>
+            <a:r>
+              <a:rPr lang="en-US" sz="1000" dirty="0"/>
+              <a:t>					 emit(</a:t>
+            </a:r>
+            <a:r>
+              <a:rPr lang="en-US" sz="1000" dirty="0" err="1"/>
+              <a:t>doc.year</a:t>
+            </a:r>
+            <a:r>
+              <a:rPr lang="en-US" sz="1000" dirty="0"/>
+              <a:t>, 1); </a:t>
+            </a:r>
+          </a:p>
+          <a:p>
+            <a:pPr marL="0" indent="0">
+              <a:buNone/>
+            </a:pPr>
+            <a:r>
+              <a:rPr lang="en-US" sz="1000" dirty="0"/>
+              <a:t>						}</a:t>
+            </a:r>
+          </a:p>
+          <a:p>
+            <a:pPr marL="0" indent="0">
+              <a:buNone/>
+            </a:pPr>
+            <a:r>
+              <a:rPr lang="en-US" sz="1000" dirty="0"/>
+              <a:t>					     }", </a:t>
+            </a:r>
+          </a:p>
+          <a:p>
+            <a:pPr marL="0" indent="0">
+              <a:buNone/>
+            </a:pPr>
+            <a:r>
+              <a:rPr lang="en-US" sz="1000" dirty="0"/>
+              <a:t>		"reduce": "function(keys, values, </a:t>
+            </a:r>
+            <a:r>
+              <a:rPr lang="en-US" sz="1000" dirty="0" err="1"/>
+              <a:t>rereduce</a:t>
+            </a:r>
+            <a:r>
+              <a:rPr lang="en-US" sz="1000" dirty="0"/>
+              <a:t>) { </a:t>
+            </a:r>
+          </a:p>
+          <a:p>
+            <a:pPr marL="0" indent="0">
+              <a:buNone/>
+            </a:pPr>
+            <a:r>
+              <a:rPr lang="en-US" sz="1000" dirty="0"/>
+              <a:t>				return sum(values); </a:t>
+            </a:r>
+          </a:p>
+          <a:p>
+            <a:pPr marL="0" indent="0">
+              <a:buNone/>
+            </a:pPr>
+            <a:r>
+              <a:rPr lang="en-US" sz="1000" dirty="0"/>
+              <a:t>				}" </a:t>
+            </a:r>
+          </a:p>
+          <a:p>
+            <a:pPr marL="0" indent="0">
+              <a:buNone/>
+            </a:pPr>
+            <a:r>
+              <a:rPr lang="en-US" sz="1000" dirty="0"/>
+              <a:t>		}</a:t>
+            </a:r>
+          </a:p>
+          <a:p>
+            <a:pPr marL="0" indent="0">
+              <a:buNone/>
+            </a:pPr>
+            <a:r>
+              <a:rPr lang="en-US" sz="1000" dirty="0"/>
+              <a:t>	 }</a:t>
+            </a:r>
+          </a:p>
+          <a:p>
+            <a:pPr marL="0" indent="0">
+              <a:buNone/>
+            </a:pPr>
+            <a:r>
+              <a:rPr lang="en-US" sz="1000" dirty="0"/>
+              <a:t> }</a:t>
+            </a:r>
+          </a:p>
+          <a:p>
+            <a:pPr marL="0" indent="0">
+              <a:buNone/>
+            </a:pPr>
+            <a:endParaRPr lang="en-US" sz="1000" dirty="0"/>
+          </a:p>
+        </p:txBody>
+      </p:sp>
+    </p:spTree>
+    <p:extLst>
+      <p:ext uri="{BB962C8B-B14F-4D97-AF65-F5344CB8AC3E}">
+        <p14:creationId xmlns:p14="http://schemas.microsoft.com/office/powerpoint/2010/main" val="3600238472"/>
+      </p:ext>
+    </p:extLst>
+  </p:cSld>
+  <p:clrMapOvr>
+    <a:masterClrMapping/>
+  </p:clrMapOvr>
+</p:sld>
+</file>
+
+<file path=ppt/slides/slide26.xml><?xml version="1.0" encoding="utf-8"?>
+<p:sld xmlns:a="http://schemas.openxmlformats.org/drawingml/2006/main" xmlns:r="http://schemas.openxmlformats.org/officeDocument/2006/relationships" xmlns:p="http://schemas.openxmlformats.org/presentationml/2006/main">
+  <p:cSld>
+    <p:spTree>
+      <p:nvGrpSpPr>
+        <p:cNvPr id="1" name=""/>
+        <p:cNvGrpSpPr/>
+        <p:nvPr/>
+      </p:nvGrpSpPr>
+      <p:grpSpPr>
+        <a:xfrm>
+          <a:off x="0" y="0"/>
+          <a:ext cx="0" cy="0"/>
+          <a:chOff x="0" y="0"/>
+          <a:chExt cx="0" cy="0"/>
+        </a:xfrm>
+      </p:grpSpPr>
+      <p:sp>
+        <p:nvSpPr>
+          <p:cNvPr id="2" name="Title 1"/>
+          <p:cNvSpPr>
+            <a:spLocks noGrp="1"/>
+          </p:cNvSpPr>
+          <p:nvPr>
+            <p:ph type="title"/>
+          </p:nvPr>
+        </p:nvSpPr>
+        <p:spPr/>
+        <p:txBody>
+          <a:bodyPr/>
+          <a:lstStyle/>
+          <a:p>
+            <a:r>
+              <a:rPr lang="en-US" sz="1300" dirty="0"/>
+              <a:t>$ curl </a:t>
+            </a:r>
+            <a:r>
+              <a:rPr lang="en-US" sz="1300" dirty="0">
+                <a:hlinkClick r:id="rId2"/>
+              </a:rPr>
+              <a:t>http://localhost:5984/albums/_design/foobar/_view/by_year</a:t>
+            </a:r>
+            <a:r>
+              <a:rPr lang="en-US" sz="1300" dirty="0"/>
+              <a:t/>
+            </a:r>
+            <a:br>
+              <a:rPr lang="en-US" sz="1300" dirty="0"/>
+            </a:br>
+            <a:endParaRPr lang="en-US" sz="1300" dirty="0"/>
+          </a:p>
+        </p:txBody>
+      </p:sp>
+      <p:sp>
+        <p:nvSpPr>
+          <p:cNvPr id="3" name="Content Placeholder 2"/>
+          <p:cNvSpPr>
+            <a:spLocks noGrp="1"/>
+          </p:cNvSpPr>
+          <p:nvPr>
+            <p:ph idx="1"/>
+          </p:nvPr>
+        </p:nvSpPr>
+        <p:spPr/>
+        <p:txBody>
+          <a:bodyPr/>
+          <a:lstStyle/>
+          <a:p>
+            <a:pPr marL="0" indent="0">
+              <a:buNone/>
+            </a:pPr>
+            <a:r>
+              <a:rPr lang="en-US" dirty="0"/>
+              <a:t>{</a:t>
+            </a:r>
+          </a:p>
+          <a:p>
+            <a:pPr marL="0" indent="0">
+              <a:buNone/>
+            </a:pPr>
+            <a:r>
+              <a:rPr lang="en-US" dirty="0"/>
+              <a:t>	 "</a:t>
+            </a:r>
+            <a:r>
+              <a:rPr lang="en-US" dirty="0" err="1"/>
+              <a:t>update_seq</a:t>
+            </a:r>
+            <a:r>
+              <a:rPr lang="en-US" dirty="0"/>
+              <a:t>": 6, </a:t>
+            </a:r>
+          </a:p>
+          <a:p>
+            <a:pPr marL="0" indent="0">
+              <a:buNone/>
+            </a:pPr>
+            <a:r>
+              <a:rPr lang="en-US" dirty="0"/>
+              <a:t>	"rows": [ </a:t>
+            </a:r>
+          </a:p>
+          <a:p>
+            <a:pPr marL="0" indent="0">
+              <a:buNone/>
+            </a:pPr>
+            <a:r>
+              <a:rPr lang="en-US" dirty="0"/>
+              <a:t>		{"key": null, "value": 5} </a:t>
+            </a:r>
+          </a:p>
+          <a:p>
+            <a:pPr marL="0" indent="0">
+              <a:buNone/>
+            </a:pPr>
+            <a:r>
+              <a:rPr lang="en-US" dirty="0"/>
+              <a:t>		]</a:t>
+            </a:r>
+          </a:p>
+          <a:p>
+            <a:pPr marL="0" indent="0">
+              <a:buNone/>
+            </a:pPr>
+            <a:r>
+              <a:rPr lang="en-US" dirty="0"/>
+              <a:t> } </a:t>
+            </a:r>
+          </a:p>
+          <a:p>
+            <a:pPr marL="0" indent="0">
+              <a:buNone/>
+            </a:pPr>
+            <a:endParaRPr lang="en-US" dirty="0"/>
+          </a:p>
+        </p:txBody>
+      </p:sp>
+    </p:spTree>
+    <p:extLst>
+      <p:ext uri="{BB962C8B-B14F-4D97-AF65-F5344CB8AC3E}">
+        <p14:creationId xmlns:p14="http://schemas.microsoft.com/office/powerpoint/2010/main" val="1575585565"/>
+      </p:ext>
+    </p:extLst>
+  </p:cSld>
+  <p:clrMapOvr>
+    <a:masterClrMapping/>
+  </p:clrMapOvr>
+</p:sld>
+</file>
+
+<file path=ppt/slides/slide27.xml><?xml version="1.0" encoding="utf-8"?>
+<p:sld xmlns:a="http://schemas.openxmlformats.org/drawingml/2006/main" xmlns:r="http://schemas.openxmlformats.org/officeDocument/2006/relationships" xmlns:p="http://schemas.openxmlformats.org/presentationml/2006/main">
+  <p:cSld>
+    <p:spTree>
+      <p:nvGrpSpPr>
+        <p:cNvPr id="1" name=""/>
+        <p:cNvGrpSpPr/>
+        <p:nvPr/>
+      </p:nvGrpSpPr>
+      <p:grpSpPr>
+        <a:xfrm>
+          <a:off x="0" y="0"/>
+          <a:ext cx="0" cy="0"/>
+          <a:chOff x="0" y="0"/>
+          <a:chExt cx="0" cy="0"/>
+        </a:xfrm>
+      </p:grpSpPr>
+      <p:sp>
+        <p:nvSpPr>
+          <p:cNvPr id="2" name="Title 1"/>
+          <p:cNvSpPr>
+            <a:spLocks noGrp="1"/>
+          </p:cNvSpPr>
+          <p:nvPr>
+            <p:ph type="title"/>
+          </p:nvPr>
+        </p:nvSpPr>
+        <p:spPr/>
+        <p:txBody>
+          <a:bodyPr/>
+          <a:lstStyle/>
+          <a:p>
+            <a:r>
+              <a:rPr lang="en-US" sz="1000" dirty="0"/>
+              <a:t>$ curl http://localhost:5984/albums/_design/foobar/_view/by_year?group=true</a:t>
+            </a:r>
+          </a:p>
+        </p:txBody>
+      </p:sp>
+      <p:sp>
+        <p:nvSpPr>
+          <p:cNvPr id="3" name="Content Placeholder 2"/>
+          <p:cNvSpPr>
+            <a:spLocks noGrp="1"/>
+          </p:cNvSpPr>
+          <p:nvPr>
+            <p:ph idx="1"/>
+          </p:nvPr>
+        </p:nvSpPr>
+        <p:spPr/>
+        <p:txBody>
+          <a:bodyPr/>
+          <a:lstStyle/>
+          <a:p>
+            <a:pPr marL="0" indent="0">
+              <a:buNone/>
+            </a:pPr>
+            <a:r>
+              <a:rPr lang="en-US" sz="900" dirty="0"/>
+              <a:t>{</a:t>
+            </a:r>
+          </a:p>
+          <a:p>
+            <a:pPr marL="0" indent="0">
+              <a:buNone/>
+            </a:pPr>
+            <a:r>
+              <a:rPr lang="en-US" sz="900" dirty="0"/>
+              <a:t>	"</a:t>
+            </a:r>
+            <a:r>
+              <a:rPr lang="en-US" sz="900" dirty="0" err="1"/>
+              <a:t>update_seq</a:t>
+            </a:r>
+            <a:r>
+              <a:rPr lang="en-US" sz="900" dirty="0"/>
+              <a:t>": 6, </a:t>
+            </a:r>
+          </a:p>
+          <a:p>
+            <a:pPr marL="0" indent="0">
+              <a:buNone/>
+            </a:pPr>
+            <a:r>
+              <a:rPr lang="en-US" sz="900" dirty="0"/>
+              <a:t>	"rows": [ </a:t>
+            </a:r>
+          </a:p>
+          <a:p>
+            <a:pPr marL="0" indent="0">
+              <a:buNone/>
+            </a:pPr>
+            <a:r>
+              <a:rPr lang="en-US" sz="900" dirty="0"/>
+              <a:t>		{"key": 2005, "value": 1},</a:t>
+            </a:r>
+          </a:p>
+          <a:p>
+            <a:pPr marL="0" indent="0">
+              <a:buNone/>
+            </a:pPr>
+            <a:r>
+              <a:rPr lang="en-US" sz="900" dirty="0"/>
+              <a:t>		 {"key": 2009, "value": 3},</a:t>
+            </a:r>
+          </a:p>
+          <a:p>
+            <a:pPr marL="0" indent="0">
+              <a:buNone/>
+            </a:pPr>
+            <a:r>
+              <a:rPr lang="en-US" sz="900" dirty="0"/>
+              <a:t>		 {"key": 2010, "value": 1} </a:t>
+            </a:r>
+          </a:p>
+          <a:p>
+            <a:pPr marL="0" indent="0">
+              <a:buNone/>
+            </a:pPr>
+            <a:r>
+              <a:rPr lang="en-US" sz="900" dirty="0"/>
+              <a:t>	]</a:t>
+            </a:r>
+          </a:p>
+          <a:p>
+            <a:pPr marL="0" indent="0">
+              <a:buNone/>
+            </a:pPr>
+            <a:r>
+              <a:rPr lang="en-US" sz="900" dirty="0"/>
+              <a:t> }</a:t>
+            </a:r>
+          </a:p>
+          <a:p>
+            <a:pPr marL="0" indent="0">
+              <a:buNone/>
+            </a:pPr>
+            <a:r>
+              <a:rPr lang="en-US" sz="900" dirty="0"/>
+              <a:t>$ curl 'http://localhost:5984/albums/_design/</a:t>
+            </a:r>
+            <a:r>
+              <a:rPr lang="en-US" sz="900" dirty="0" err="1"/>
+              <a:t>foobar</a:t>
+            </a:r>
+            <a:r>
+              <a:rPr lang="en-US" sz="900" dirty="0"/>
+              <a:t>/_view/</a:t>
+            </a:r>
+            <a:r>
+              <a:rPr lang="en-US" sz="900" dirty="0" err="1"/>
+              <a:t>by_year</a:t>
+            </a:r>
+            <a:r>
+              <a:rPr lang="en-US" sz="900" dirty="0"/>
+              <a:t>? group=</a:t>
+            </a:r>
+            <a:r>
+              <a:rPr lang="en-US" sz="900" dirty="0" err="1"/>
+              <a:t>true&amp;startkey</a:t>
+            </a:r>
+            <a:r>
+              <a:rPr lang="en-US" sz="900" dirty="0"/>
+              <a:t>=2009&amp;endkey=2010' </a:t>
+            </a:r>
+          </a:p>
+          <a:p>
+            <a:pPr marL="0" indent="0">
+              <a:buNone/>
+            </a:pPr>
+            <a:r>
+              <a:rPr lang="en-US" sz="900" dirty="0"/>
+              <a:t>{</a:t>
+            </a:r>
+          </a:p>
+          <a:p>
+            <a:pPr marL="0" indent="0">
+              <a:buNone/>
+            </a:pPr>
+            <a:r>
+              <a:rPr lang="en-US" sz="900" dirty="0"/>
+              <a:t> 	"</a:t>
+            </a:r>
+            <a:r>
+              <a:rPr lang="en-US" sz="900" dirty="0" err="1"/>
+              <a:t>update_seq</a:t>
+            </a:r>
+            <a:r>
+              <a:rPr lang="en-US" sz="900" dirty="0"/>
+              <a:t>": 6,</a:t>
+            </a:r>
+          </a:p>
+          <a:p>
+            <a:pPr marL="0" indent="0">
+              <a:buNone/>
+            </a:pPr>
+            <a:r>
+              <a:rPr lang="en-US" sz="900" dirty="0"/>
+              <a:t> 	"rows": [</a:t>
+            </a:r>
+          </a:p>
+          <a:p>
+            <a:pPr marL="0" indent="0">
+              <a:buNone/>
+            </a:pPr>
+            <a:r>
+              <a:rPr lang="en-US" sz="900" dirty="0"/>
+              <a:t>		 {"key": 2009, "value": 3},</a:t>
+            </a:r>
+          </a:p>
+          <a:p>
+            <a:pPr marL="0" indent="0">
+              <a:buNone/>
+            </a:pPr>
+            <a:r>
+              <a:rPr lang="en-US" sz="900" dirty="0"/>
+              <a:t> 		{"key": 2010, "value": 1}</a:t>
+            </a:r>
+          </a:p>
+          <a:p>
+            <a:pPr marL="0" indent="0">
+              <a:buNone/>
+            </a:pPr>
+            <a:r>
+              <a:rPr lang="en-US" sz="900" dirty="0"/>
+              <a:t> 	]</a:t>
+            </a:r>
+          </a:p>
+          <a:p>
+            <a:pPr marL="0" indent="0">
+              <a:buNone/>
+            </a:pPr>
+            <a:r>
+              <a:rPr lang="en-US" sz="900" dirty="0"/>
+              <a:t> } </a:t>
+            </a:r>
+          </a:p>
+          <a:p>
+            <a:pPr marL="0" indent="0">
+              <a:buNone/>
+            </a:pPr>
+            <a:endParaRPr lang="en-US" sz="900" dirty="0"/>
+          </a:p>
+        </p:txBody>
+      </p:sp>
+    </p:spTree>
+    <p:extLst>
+      <p:ext uri="{BB962C8B-B14F-4D97-AF65-F5344CB8AC3E}">
+        <p14:creationId xmlns:p14="http://schemas.microsoft.com/office/powerpoint/2010/main" val="4056515053"/>
+      </p:ext>
+    </p:extLst>
+  </p:cSld>
+  <p:clrMapOvr>
+    <a:masterClrMapping/>
+  </p:clrMapOvr>
+</p:sld>
+</file>
+
+<file path=ppt/slides/slide28.xml><?xml version="1.0" encoding="utf-8"?>
+<p:sld xmlns:a="http://schemas.openxmlformats.org/drawingml/2006/main" xmlns:r="http://schemas.openxmlformats.org/officeDocument/2006/relationships" xmlns:p="http://schemas.openxmlformats.org/presentationml/2006/main">
+  <p:cSld>
+    <p:spTree>
+      <p:nvGrpSpPr>
+        <p:cNvPr id="1" name=""/>
+        <p:cNvGrpSpPr/>
+        <p:nvPr/>
+      </p:nvGrpSpPr>
+      <p:grpSpPr>
+        <a:xfrm>
+          <a:off x="0" y="0"/>
+          <a:ext cx="0" cy="0"/>
+          <a:chOff x="0" y="0"/>
+          <a:chExt cx="0" cy="0"/>
+        </a:xfrm>
+      </p:grpSpPr>
+      <p:sp>
+        <p:nvSpPr>
+          <p:cNvPr id="2" name="Title 1"/>
+          <p:cNvSpPr>
+            <a:spLocks noGrp="1"/>
+          </p:cNvSpPr>
+          <p:nvPr>
+            <p:ph type="title"/>
+          </p:nvPr>
+        </p:nvSpPr>
+        <p:spPr/>
+        <p:txBody>
+          <a:bodyPr/>
+          <a:lstStyle/>
+          <a:p>
+            <a:r>
+              <a:rPr lang="en-US" sz="1500" dirty="0"/>
+              <a:t>$ curl \ http://localhost:5984/albums/_design/foobar/_view/by_year?reduce=false</a:t>
+            </a:r>
+          </a:p>
+        </p:txBody>
+      </p:sp>
+      <p:sp>
+        <p:nvSpPr>
+          <p:cNvPr id="3" name="Content Placeholder 2"/>
+          <p:cNvSpPr>
+            <a:spLocks noGrp="1"/>
+          </p:cNvSpPr>
+          <p:nvPr>
+            <p:ph idx="1"/>
+          </p:nvPr>
+        </p:nvSpPr>
+        <p:spPr/>
+        <p:txBody>
+          <a:bodyPr/>
+          <a:lstStyle/>
+          <a:p>
+            <a:pPr marL="0" indent="0">
+              <a:buNone/>
+            </a:pPr>
+            <a:r>
+              <a:rPr lang="en-US" sz="1200" dirty="0"/>
+              <a:t>{ </a:t>
+            </a:r>
+          </a:p>
+          <a:p>
+            <a:pPr marL="0" indent="0">
+              <a:buNone/>
+            </a:pPr>
+            <a:r>
+              <a:rPr lang="en-US" sz="1200" dirty="0"/>
+              <a:t>	"update_seq":6,</a:t>
+            </a:r>
+          </a:p>
+          <a:p>
+            <a:pPr marL="0" indent="0">
+              <a:buNone/>
+            </a:pPr>
+            <a:r>
+              <a:rPr lang="en-US" sz="1200" dirty="0"/>
+              <a:t>	 "rows": [ </a:t>
+            </a:r>
+          </a:p>
+          <a:p>
+            <a:pPr marL="0" indent="0">
+              <a:buNone/>
+            </a:pPr>
+            <a:r>
+              <a:rPr lang="en-US" sz="1200" dirty="0"/>
+              <a:t>		{"id": "album3", "key": 2005, "value": 1},</a:t>
+            </a:r>
+          </a:p>
+          <a:p>
+            <a:pPr marL="0" indent="0">
+              <a:buNone/>
+            </a:pPr>
+            <a:r>
+              <a:rPr lang="en-US" sz="1200" dirty="0"/>
+              <a:t>		 {"id": "album2", "key": 2009, "value": 1},</a:t>
+            </a:r>
+          </a:p>
+          <a:p>
+            <a:pPr marL="0" indent="0">
+              <a:buNone/>
+            </a:pPr>
+            <a:r>
+              <a:rPr lang="en-US" sz="1200" dirty="0"/>
+              <a:t>		 {"id": "album4", "key": 2009, "value": 1}, </a:t>
+            </a:r>
+          </a:p>
+          <a:p>
+            <a:pPr marL="0" indent="0">
+              <a:buNone/>
+            </a:pPr>
+            <a:r>
+              <a:rPr lang="en-US" sz="1200" dirty="0"/>
+              <a:t>		{"id": "album5", "key": 2009, "value": 1}, </a:t>
+            </a:r>
+          </a:p>
+          <a:p>
+            <a:pPr marL="0" indent="0">
+              <a:buNone/>
+            </a:pPr>
+            <a:r>
+              <a:rPr lang="en-US" sz="1200" dirty="0"/>
+              <a:t>		{"id": "album1", "key": 2010, "value": 1}</a:t>
+            </a:r>
+          </a:p>
+          <a:p>
+            <a:pPr marL="0" indent="0">
+              <a:buNone/>
+            </a:pPr>
+            <a:r>
+              <a:rPr lang="en-US" sz="1200" dirty="0"/>
+              <a:t> 		]</a:t>
+            </a:r>
+          </a:p>
+          <a:p>
+            <a:pPr marL="0" indent="0">
+              <a:buNone/>
+            </a:pPr>
+            <a:r>
+              <a:rPr lang="en-US" sz="1200" dirty="0"/>
+              <a:t> }</a:t>
+            </a:r>
+          </a:p>
+          <a:p>
+            <a:pPr marL="0" indent="0">
+              <a:buNone/>
+            </a:pPr>
+            <a:endParaRPr lang="en-US" sz="1200" dirty="0"/>
+          </a:p>
+        </p:txBody>
+      </p:sp>
+    </p:spTree>
+    <p:extLst>
+      <p:ext uri="{BB962C8B-B14F-4D97-AF65-F5344CB8AC3E}">
+        <p14:creationId xmlns:p14="http://schemas.microsoft.com/office/powerpoint/2010/main" val="2623533266"/>
+      </p:ext>
+    </p:extLst>
+  </p:cSld>
+  <p:clrMapOvr>
+    <a:masterClrMapping/>
+  </p:clrMapOvr>
+</p:sld>
+</file>
+
+<file path=ppt/slides/slide29.xml><?xml version="1.0" encoding="utf-8"?>
+<p:sld xmlns:a="http://schemas.openxmlformats.org/drawingml/2006/main" xmlns:r="http://schemas.openxmlformats.org/officeDocument/2006/relationships" xmlns:p="http://schemas.openxmlformats.org/presentationml/2006/main">
+  <p:cSld>
+    <p:spTree>
+      <p:nvGrpSpPr>
+        <p:cNvPr id="1" name=""/>
+        <p:cNvGrpSpPr/>
+        <p:nvPr/>
+      </p:nvGrpSpPr>
+      <p:grpSpPr>
+        <a:xfrm>
+          <a:off x="0" y="0"/>
+          <a:ext cx="0" cy="0"/>
+          <a:chOff x="0" y="0"/>
+          <a:chExt cx="0" cy="0"/>
+        </a:xfrm>
+      </p:grpSpPr>
+      <p:sp>
+        <p:nvSpPr>
+          <p:cNvPr id="2" name="Title 1"/>
+          <p:cNvSpPr>
+            <a:spLocks noGrp="1"/>
+          </p:cNvSpPr>
+          <p:nvPr>
+            <p:ph type="title"/>
+          </p:nvPr>
+        </p:nvSpPr>
         <p:spPr>
           <a:xfrm>
-            <a:off x="3059832" y="188640"/>
-            <a:ext cx="2806824" cy="896144"/>
+            <a:off x="1763688" y="188640"/>
+            <a:ext cx="4102968" cy="896144"/>
           </a:xfrm>
         </p:spPr>
         <p:txBody>
@@ -6720,8 +8170,8 @@
         </p:nvSpPr>
         <p:spPr>
           <a:xfrm>
-            <a:off x="1763688" y="1772816"/>
-            <a:ext cx="5976664" cy="3308598"/>
+            <a:off x="1763688" y="1628800"/>
+            <a:ext cx="5976664" cy="4216539"/>
           </a:xfrm>
           <a:prstGeom prst="rect">
             <a:avLst/>
@@ -6741,8 +8191,8 @@
                 <a:schemeClr val="tx1"/>
               </a:buClr>
               <a:buSzPct val="167000"/>
-              <a:buFont typeface="Wingdings" pitchFamily="2" charset="2"/>
-              <a:buChar char="§"/>
+              <a:buFont typeface="Arial" panose="020B0604020202020204" pitchFamily="34" charset="0"/>
+              <a:buChar char="•"/>
             </a:pPr>
             <a:r>
               <a:rPr lang="en-US" altLang="en-US" sz="2000" dirty="0">
@@ -6760,8 +8210,8 @@
                 <a:schemeClr val="tx1"/>
               </a:buClr>
               <a:buSzPct val="167000"/>
-              <a:buFont typeface="Wingdings" pitchFamily="2" charset="2"/>
-              <a:buChar char="§"/>
+              <a:buFont typeface="Arial" panose="020B0604020202020204" pitchFamily="34" charset="0"/>
+              <a:buChar char="•"/>
             </a:pPr>
             <a:r>
               <a:rPr lang="en-US" altLang="en-US" sz="2000" dirty="0">
@@ -6779,8 +8229,8 @@
                 <a:schemeClr val="tx1"/>
               </a:buClr>
               <a:buSzPct val="167000"/>
-              <a:buFont typeface="Wingdings" pitchFamily="2" charset="2"/>
-              <a:buChar char="§"/>
+              <a:buFont typeface="Arial" panose="020B0604020202020204" pitchFamily="34" charset="0"/>
+              <a:buChar char="•"/>
             </a:pPr>
             <a:r>
               <a:rPr lang="en-US" altLang="en-US" sz="2000" dirty="0">
@@ -6798,29 +8248,72 @@
                 <a:schemeClr val="tx1"/>
               </a:buClr>
               <a:buSzPct val="167000"/>
-              <a:buFont typeface="Wingdings" pitchFamily="2" charset="2"/>
-              <a:buChar char="§"/>
+              <a:buFont typeface="Arial" panose="020B0604020202020204" pitchFamily="34" charset="0"/>
+              <a:buChar char="•"/>
             </a:pPr>
             <a:r>
               <a:rPr lang="en-US" altLang="en-US" sz="2000" dirty="0">
                 <a:latin typeface="+mn-lt"/>
               </a:rPr>
-              <a:t>"Only" eventual consistency.</a:t>
-            </a:r>
-          </a:p>
-          <a:p>
-            <a:pPr marL="38100" eaLnBrk="1" hangingPunct="1">
+              <a:t>"Only" eventual </a:t>
+            </a:r>
+            <a:r>
+              <a:rPr lang="en-US" altLang="en-US" sz="2000" dirty="0" smtClean="0">
+                <a:latin typeface="+mn-lt"/>
+              </a:rPr>
+              <a:t>consistency.</a:t>
+            </a:r>
+          </a:p>
+          <a:p>
+            <a:pPr marL="342900" indent="-342900">
               <a:spcBef>
-                <a:spcPts val="600"/>
+                <a:spcPct val="100000"/>
               </a:spcBef>
               <a:buClr>
-                <a:srgbClr val="191919"/>
+                <a:schemeClr val="tx1"/>
               </a:buClr>
               <a:buSzPct val="167000"/>
-            </a:pPr>
-            <a:endParaRPr lang="en-US" altLang="en-US" dirty="0">
-              <a:latin typeface="Arial" panose="020B0604020202020204" pitchFamily="34" charset="0"/>
-              <a:cs typeface="Arial" panose="020B0604020202020204" pitchFamily="34" charset="0"/>
+              <a:buFont typeface="Arial" panose="020B0604020202020204" pitchFamily="34" charset="0"/>
+              <a:buChar char="•"/>
+            </a:pPr>
+            <a:r>
+              <a:rPr lang="en-US" sz="2000" dirty="0">
+                <a:latin typeface="+mn-lt"/>
+              </a:rPr>
+              <a:t>Couch </a:t>
+            </a:r>
+            <a:r>
+              <a:rPr lang="en-US" sz="2000" dirty="0">
+                <a:latin typeface="+mn-lt"/>
+              </a:rPr>
+              <a:t>maintains a different document for every update you </a:t>
+            </a:r>
+            <a:r>
+              <a:rPr lang="en-US" sz="2000" dirty="0" smtClean="0">
+                <a:latin typeface="+mn-lt"/>
+              </a:rPr>
+              <a:t>make</a:t>
+            </a:r>
+            <a:r>
+              <a:rPr lang="en-US" sz="2000" dirty="0">
+                <a:latin typeface="+mn-lt"/>
+              </a:rPr>
+              <a:t> </a:t>
+            </a:r>
+            <a:r>
+              <a:rPr lang="en-US" sz="2000" dirty="0">
+                <a:latin typeface="+mn-lt"/>
+              </a:rPr>
+              <a:t>this </a:t>
+            </a:r>
+            <a:r>
+              <a:rPr lang="en-US" sz="2000" dirty="0">
+                <a:latin typeface="+mn-lt"/>
+              </a:rPr>
+              <a:t>fills up your hard disk fast</a:t>
+            </a:r>
+            <a:endParaRPr lang="en-US" altLang="en-US" sz="2000" dirty="0">
+              <a:latin typeface="+mn-lt"/>
             </a:endParaRPr>
           </a:p>
         </p:txBody>
@@ -6845,7 +8338,668 @@
 </p:sld>
 </file>
 
-<file path=ppt/slides/slide23.xml><?xml version="1.0" encoding="utf-8"?>
+<file path=ppt/slides/slide3.xml><?xml version="1.0" encoding="utf-8"?>
+<p:sld xmlns:a="http://schemas.openxmlformats.org/drawingml/2006/main" xmlns:r="http://schemas.openxmlformats.org/officeDocument/2006/relationships" xmlns:p="http://schemas.openxmlformats.org/presentationml/2006/main">
+  <p:cSld>
+    <p:spTree>
+      <p:nvGrpSpPr>
+        <p:cNvPr id="1" name=""/>
+        <p:cNvGrpSpPr/>
+        <p:nvPr/>
+      </p:nvGrpSpPr>
+      <p:grpSpPr>
+        <a:xfrm>
+          <a:off x="0" y="0"/>
+          <a:ext cx="0" cy="0"/>
+          <a:chOff x="0" y="0"/>
+          <a:chExt cx="0" cy="0"/>
+        </a:xfrm>
+      </p:grpSpPr>
+      <p:sp>
+        <p:nvSpPr>
+          <p:cNvPr id="5126" name="Rectangle 6"/>
+          <p:cNvSpPr>
+            <a:spLocks noGrp="1" noChangeArrowheads="1"/>
+          </p:cNvSpPr>
+          <p:nvPr>
+            <p:ph type="title"/>
+          </p:nvPr>
+        </p:nvSpPr>
+        <p:spPr/>
+        <p:txBody>
+          <a:bodyPr/>
+          <a:lstStyle/>
+          <a:p>
+            <a:r>
+              <a:rPr lang="en-US" dirty="0" smtClean="0"/>
+              <a:t>Features</a:t>
+            </a:r>
+            <a:endParaRPr lang="en-US" dirty="0"/>
+          </a:p>
+        </p:txBody>
+      </p:sp>
+      <p:sp>
+        <p:nvSpPr>
+          <p:cNvPr id="5127" name="Rectangle 7"/>
+          <p:cNvSpPr>
+            <a:spLocks noGrp="1" noChangeArrowheads="1"/>
+          </p:cNvSpPr>
+          <p:nvPr>
+            <p:ph type="body" idx="1"/>
+          </p:nvPr>
+        </p:nvSpPr>
+        <p:spPr>
+          <a:xfrm>
+            <a:off x="1691680" y="1412776"/>
+            <a:ext cx="6842720" cy="4752528"/>
+          </a:xfrm>
+        </p:spPr>
+        <p:txBody>
+          <a:bodyPr/>
+          <a:lstStyle/>
+          <a:p>
+            <a:r>
+              <a:rPr lang="en-US" sz="2000" dirty="0"/>
+              <a:t>A NoSQL database</a:t>
+            </a:r>
+          </a:p>
+          <a:p>
+            <a:r>
+              <a:rPr lang="en-IN" sz="2000" dirty="0"/>
+              <a:t>Uses JSON for documents</a:t>
+            </a:r>
+            <a:endParaRPr lang="en-US" sz="2000" dirty="0"/>
+          </a:p>
+          <a:p>
+            <a:r>
+              <a:rPr lang="en-IN" sz="2000" dirty="0"/>
+              <a:t>Uses JavaScript for MapReduce indexes</a:t>
+            </a:r>
+          </a:p>
+          <a:p>
+            <a:r>
+              <a:rPr lang="en-IN" sz="2000" dirty="0"/>
+              <a:t>Uses HTTP for it’s API</a:t>
+            </a:r>
+          </a:p>
+          <a:p>
+            <a:r>
+              <a:rPr lang="en-IN" sz="2000" dirty="0"/>
+              <a:t>Documents can have attachments</a:t>
+            </a:r>
+          </a:p>
+          <a:p>
+            <a:r>
+              <a:rPr lang="en-IN" sz="2000" dirty="0"/>
+              <a:t>Incremental peer-peer replication</a:t>
+            </a:r>
+          </a:p>
+        </p:txBody>
+      </p:sp>
+    </p:spTree>
+  </p:cSld>
+  <p:clrMapOvr>
+    <a:masterClrMapping/>
+  </p:clrMapOvr>
+  <p:timing>
+    <p:tnLst>
+      <p:par>
+        <p:cTn id="1" dur="indefinite" restart="never" nodeType="tmRoot"/>
+      </p:par>
+    </p:tnLst>
+  </p:timing>
+</p:sld>
+</file>
+
+<file path=ppt/slides/slide30.xml><?xml version="1.0" encoding="utf-8"?>
+<p:sld xmlns:a="http://schemas.openxmlformats.org/drawingml/2006/main" xmlns:r="http://schemas.openxmlformats.org/officeDocument/2006/relationships" xmlns:p="http://schemas.openxmlformats.org/presentationml/2006/main">
+  <p:cSld>
+    <p:spTree>
+      <p:nvGrpSpPr>
+        <p:cNvPr id="1" name=""/>
+        <p:cNvGrpSpPr/>
+        <p:nvPr/>
+      </p:nvGrpSpPr>
+      <p:grpSpPr>
+        <a:xfrm>
+          <a:off x="0" y="0"/>
+          <a:ext cx="0" cy="0"/>
+          <a:chOff x="0" y="0"/>
+          <a:chExt cx="0" cy="0"/>
+        </a:xfrm>
+      </p:grpSpPr>
+      <p:sp>
+        <p:nvSpPr>
+          <p:cNvPr id="2" name="Title 1"/>
+          <p:cNvSpPr>
+            <a:spLocks noGrp="1"/>
+          </p:cNvSpPr>
+          <p:nvPr>
+            <p:ph type="title"/>
+          </p:nvPr>
+        </p:nvSpPr>
+        <p:spPr/>
+        <p:txBody>
+          <a:bodyPr/>
+          <a:lstStyle/>
+          <a:p>
+            <a:r>
+              <a:rPr lang="en-US" dirty="0" smtClean="0"/>
+              <a:t>Compaction</a:t>
+            </a:r>
+            <a:endParaRPr lang="en-US" dirty="0"/>
+          </a:p>
+        </p:txBody>
+      </p:sp>
+      <p:sp>
+        <p:nvSpPr>
+          <p:cNvPr id="3" name="Rectangle 2"/>
+          <p:cNvSpPr/>
+          <p:nvPr/>
+        </p:nvSpPr>
+        <p:spPr>
+          <a:xfrm>
+            <a:off x="1763688" y="1533465"/>
+            <a:ext cx="5976664" cy="5324535"/>
+          </a:xfrm>
+          <a:prstGeom prst="rect">
+            <a:avLst/>
+          </a:prstGeom>
+        </p:spPr>
+        <p:txBody>
+          <a:bodyPr wrap="square">
+            <a:spAutoFit/>
+          </a:bodyPr>
+          <a:lstStyle/>
+          <a:p>
+            <a:pPr marL="342900" indent="-342900">
+              <a:spcBef>
+                <a:spcPct val="100000"/>
+              </a:spcBef>
+              <a:buClr>
+                <a:schemeClr val="tx1"/>
+              </a:buClr>
+              <a:buSzPct val="167000"/>
+              <a:buFont typeface="Arial" panose="020B0604020202020204" pitchFamily="34" charset="0"/>
+              <a:buChar char="•"/>
+            </a:pPr>
+            <a:r>
+              <a:rPr lang="en-US" altLang="en-US" sz="2000" dirty="0" smtClean="0">
+                <a:latin typeface="+mn-lt"/>
+              </a:rPr>
+              <a:t>DB/view files are written in append mode</a:t>
+            </a:r>
+          </a:p>
+          <a:p>
+            <a:pPr marL="342900" indent="-342900">
+              <a:spcBef>
+                <a:spcPct val="100000"/>
+              </a:spcBef>
+              <a:buClr>
+                <a:schemeClr val="tx1"/>
+              </a:buClr>
+              <a:buSzPct val="167000"/>
+              <a:buFont typeface="Arial" panose="020B0604020202020204" pitchFamily="34" charset="0"/>
+              <a:buChar char="•"/>
+            </a:pPr>
+            <a:r>
+              <a:rPr lang="en-US" altLang="en-US" sz="2000" dirty="0" smtClean="0">
+                <a:latin typeface="+mn-lt"/>
+              </a:rPr>
+              <a:t>Will continue to grow indefinitely</a:t>
+            </a:r>
+          </a:p>
+          <a:p>
+            <a:pPr marL="342900" indent="-342900">
+              <a:spcBef>
+                <a:spcPct val="100000"/>
+              </a:spcBef>
+              <a:buClr>
+                <a:schemeClr val="tx1"/>
+              </a:buClr>
+              <a:buSzPct val="167000"/>
+              <a:buFont typeface="Arial" panose="020B0604020202020204" pitchFamily="34" charset="0"/>
+              <a:buChar char="•"/>
+            </a:pPr>
+            <a:r>
+              <a:rPr lang="en-US" altLang="en-US" sz="2000" dirty="0">
+                <a:latin typeface="+mn-lt"/>
+              </a:rPr>
+              <a:t>A DB or View compaction operation can be </a:t>
+            </a:r>
+            <a:r>
+              <a:rPr lang="en-US" altLang="en-US" sz="2000" dirty="0" smtClean="0">
+                <a:latin typeface="+mn-lt"/>
+              </a:rPr>
+              <a:t>triggered</a:t>
+            </a:r>
+          </a:p>
+          <a:p>
+            <a:pPr marL="342900" indent="-342900">
+              <a:spcBef>
+                <a:spcPct val="100000"/>
+              </a:spcBef>
+              <a:buClr>
+                <a:schemeClr val="tx1"/>
+              </a:buClr>
+              <a:buSzPct val="167000"/>
+              <a:buFont typeface="Arial" panose="020B0604020202020204" pitchFamily="34" charset="0"/>
+              <a:buChar char="•"/>
+            </a:pPr>
+            <a:r>
+              <a:rPr lang="en-US" altLang="en-US" sz="2000" dirty="0">
+                <a:solidFill>
+                  <a:srgbClr val="0070C0"/>
+                </a:solidFill>
+                <a:latin typeface="+mn-lt"/>
+              </a:rPr>
+              <a:t>curl </a:t>
+            </a:r>
+            <a:r>
+              <a:rPr lang="en-US" altLang="en-US" sz="2000" dirty="0">
+                <a:solidFill>
+                  <a:srgbClr val="0070C0"/>
+                </a:solidFill>
+                <a:latin typeface="+mn-lt"/>
+              </a:rPr>
+              <a:t>-X </a:t>
+            </a:r>
+            <a:r>
+              <a:rPr lang="en-US" altLang="en-US" sz="2000" dirty="0" smtClean="0">
+                <a:solidFill>
+                  <a:srgbClr val="0070C0"/>
+                </a:solidFill>
+                <a:latin typeface="+mn-lt"/>
+              </a:rPr>
+              <a:t>POST http</a:t>
+            </a:r>
+            <a:r>
+              <a:rPr lang="en-US" altLang="en-US" sz="2000" dirty="0">
+                <a:solidFill>
+                  <a:srgbClr val="0070C0"/>
+                </a:solidFill>
+                <a:latin typeface="+mn-lt"/>
+              </a:rPr>
+              <a:t>://</a:t>
+            </a:r>
+            <a:r>
+              <a:rPr lang="en-US" altLang="en-US" sz="2000" dirty="0" smtClean="0">
+                <a:solidFill>
+                  <a:srgbClr val="0070C0"/>
+                </a:solidFill>
+                <a:latin typeface="+mn-lt"/>
+              </a:rPr>
+              <a:t>127.0.0.1:5984/albums/compact</a:t>
+            </a:r>
+          </a:p>
+          <a:p>
+            <a:pPr marL="342900" indent="-342900">
+              <a:spcBef>
+                <a:spcPct val="100000"/>
+              </a:spcBef>
+              <a:buClr>
+                <a:schemeClr val="tx1"/>
+              </a:buClr>
+              <a:buSzPct val="167000"/>
+              <a:buFont typeface="Arial" panose="020B0604020202020204" pitchFamily="34" charset="0"/>
+              <a:buChar char="•"/>
+            </a:pPr>
+            <a:r>
+              <a:rPr lang="en-US" altLang="en-US" sz="2000" dirty="0" smtClean="0">
+                <a:solidFill>
+                  <a:srgbClr val="0070C0"/>
+                </a:solidFill>
+                <a:latin typeface="+mn-lt"/>
+              </a:rPr>
+              <a:t>curl </a:t>
+            </a:r>
+            <a:r>
+              <a:rPr lang="en-US" altLang="en-US" sz="2000" dirty="0">
+                <a:solidFill>
+                  <a:srgbClr val="0070C0"/>
+                </a:solidFill>
+                <a:latin typeface="+mn-lt"/>
+              </a:rPr>
+              <a:t>-X </a:t>
+            </a:r>
+            <a:r>
+              <a:rPr lang="en-US" altLang="en-US" sz="2000" dirty="0">
+                <a:solidFill>
+                  <a:srgbClr val="0070C0"/>
+                </a:solidFill>
+                <a:latin typeface="+mn-lt"/>
+              </a:rPr>
+              <a:t>POST http</a:t>
+            </a:r>
+            <a:r>
+              <a:rPr lang="en-US" altLang="en-US" sz="2000" dirty="0">
+                <a:solidFill>
+                  <a:srgbClr val="0070C0"/>
+                </a:solidFill>
+                <a:latin typeface="+mn-lt"/>
+              </a:rPr>
+              <a:t>://127.0.0.1:5984/albums/_design/view</a:t>
+            </a:r>
+          </a:p>
+          <a:p>
+            <a:pPr>
+              <a:spcBef>
+                <a:spcPct val="100000"/>
+              </a:spcBef>
+              <a:buClr>
+                <a:schemeClr val="tx1"/>
+              </a:buClr>
+              <a:buSzPct val="167000"/>
+            </a:pPr>
+            <a:endParaRPr lang="en-US" altLang="en-US" sz="2000" dirty="0">
+              <a:latin typeface="+mn-lt"/>
+            </a:endParaRPr>
+          </a:p>
+          <a:p>
+            <a:pPr marL="342900" indent="-342900">
+              <a:spcBef>
+                <a:spcPct val="100000"/>
+              </a:spcBef>
+              <a:buClr>
+                <a:schemeClr val="tx1"/>
+              </a:buClr>
+              <a:buSzPct val="167000"/>
+              <a:buFont typeface="Arial" panose="020B0604020202020204" pitchFamily="34" charset="0"/>
+              <a:buChar char="•"/>
+            </a:pPr>
+            <a:endParaRPr lang="en-US" altLang="en-US" sz="2000" dirty="0">
+              <a:latin typeface="+mn-lt"/>
+            </a:endParaRPr>
+          </a:p>
+        </p:txBody>
+      </p:sp>
+    </p:spTree>
+    <p:extLst>
+      <p:ext uri="{BB962C8B-B14F-4D97-AF65-F5344CB8AC3E}">
+        <p14:creationId xmlns:p14="http://schemas.microsoft.com/office/powerpoint/2010/main" val="1605735986"/>
+      </p:ext>
+    </p:extLst>
+  </p:cSld>
+  <p:clrMapOvr>
+    <a:masterClrMapping/>
+  </p:clrMapOvr>
+</p:sld>
+</file>
+
+<file path=ppt/slides/slide31.xml><?xml version="1.0" encoding="utf-8"?>
+<p:sld xmlns:a="http://schemas.openxmlformats.org/drawingml/2006/main" xmlns:r="http://schemas.openxmlformats.org/officeDocument/2006/relationships" xmlns:p="http://schemas.openxmlformats.org/presentationml/2006/main">
+  <p:cSld>
+    <p:spTree>
+      <p:nvGrpSpPr>
+        <p:cNvPr id="1" name=""/>
+        <p:cNvGrpSpPr/>
+        <p:nvPr/>
+      </p:nvGrpSpPr>
+      <p:grpSpPr>
+        <a:xfrm>
+          <a:off x="0" y="0"/>
+          <a:ext cx="0" cy="0"/>
+          <a:chOff x="0" y="0"/>
+          <a:chExt cx="0" cy="0"/>
+        </a:xfrm>
+      </p:grpSpPr>
+      <p:sp>
+        <p:nvSpPr>
+          <p:cNvPr id="2" name="Title 1"/>
+          <p:cNvSpPr>
+            <a:spLocks noGrp="1"/>
+          </p:cNvSpPr>
+          <p:nvPr>
+            <p:ph type="title"/>
+          </p:nvPr>
+        </p:nvSpPr>
+        <p:spPr>
+          <a:xfrm>
+            <a:off x="1981200" y="228600"/>
+            <a:ext cx="6553200" cy="1040160"/>
+          </a:xfrm>
+        </p:spPr>
+        <p:txBody>
+          <a:bodyPr/>
+          <a:lstStyle/>
+          <a:p>
+            <a:r>
+              <a:rPr lang="en-US" dirty="0" smtClean="0"/>
+              <a:t>What Compaction does?</a:t>
+            </a:r>
+            <a:endParaRPr lang="en-US" dirty="0"/>
+          </a:p>
+        </p:txBody>
+      </p:sp>
+      <p:sp>
+        <p:nvSpPr>
+          <p:cNvPr id="3" name="Rectangle 2"/>
+          <p:cNvSpPr/>
+          <p:nvPr/>
+        </p:nvSpPr>
+        <p:spPr>
+          <a:xfrm>
+            <a:off x="1763688" y="1533465"/>
+            <a:ext cx="5976664" cy="1015663"/>
+          </a:xfrm>
+          <a:prstGeom prst="rect">
+            <a:avLst/>
+          </a:prstGeom>
+        </p:spPr>
+        <p:txBody>
+          <a:bodyPr wrap="square">
+            <a:spAutoFit/>
+          </a:bodyPr>
+          <a:lstStyle/>
+          <a:p>
+            <a:pPr>
+              <a:spcBef>
+                <a:spcPct val="100000"/>
+              </a:spcBef>
+              <a:buClr>
+                <a:schemeClr val="tx1"/>
+              </a:buClr>
+              <a:buSzPct val="167000"/>
+            </a:pPr>
+            <a:endParaRPr lang="en-US" altLang="en-US" sz="2000" dirty="0">
+              <a:latin typeface="+mn-lt"/>
+            </a:endParaRPr>
+          </a:p>
+          <a:p>
+            <a:pPr marL="342900" indent="-342900">
+              <a:spcBef>
+                <a:spcPct val="100000"/>
+              </a:spcBef>
+              <a:buClr>
+                <a:schemeClr val="tx1"/>
+              </a:buClr>
+              <a:buSzPct val="167000"/>
+              <a:buFont typeface="Arial" panose="020B0604020202020204" pitchFamily="34" charset="0"/>
+              <a:buChar char="•"/>
+            </a:pPr>
+            <a:endParaRPr lang="en-US" altLang="en-US" sz="2000" dirty="0">
+              <a:latin typeface="+mn-lt"/>
+            </a:endParaRPr>
+          </a:p>
+        </p:txBody>
+      </p:sp>
+      <p:sp>
+        <p:nvSpPr>
+          <p:cNvPr id="4" name="Rectangle 3"/>
+          <p:cNvSpPr/>
+          <p:nvPr/>
+        </p:nvSpPr>
+        <p:spPr>
+          <a:xfrm>
+            <a:off x="1763688" y="1700808"/>
+            <a:ext cx="5976664" cy="4401205"/>
+          </a:xfrm>
+          <a:prstGeom prst="rect">
+            <a:avLst/>
+          </a:prstGeom>
+        </p:spPr>
+        <p:txBody>
+          <a:bodyPr wrap="square">
+            <a:spAutoFit/>
+          </a:bodyPr>
+          <a:lstStyle/>
+          <a:p>
+            <a:pPr>
+              <a:spcBef>
+                <a:spcPct val="100000"/>
+              </a:spcBef>
+              <a:buClr>
+                <a:schemeClr val="tx1"/>
+              </a:buClr>
+              <a:buSzPct val="167000"/>
+            </a:pPr>
+            <a:r>
+              <a:rPr lang="en-US" altLang="en-US" sz="2000" dirty="0">
+                <a:latin typeface="+mn-lt"/>
+              </a:rPr>
+              <a:t>1) Creates a new </a:t>
+            </a:r>
+            <a:r>
+              <a:rPr lang="en-US" altLang="en-US" sz="2000" dirty="0" smtClean="0">
+                <a:latin typeface="+mn-lt"/>
+              </a:rPr>
+              <a:t>file</a:t>
+            </a:r>
+            <a:endParaRPr lang="en-US" altLang="en-US" sz="2000" dirty="0">
+              <a:latin typeface="+mn-lt"/>
+            </a:endParaRPr>
+          </a:p>
+          <a:p>
+            <a:pPr>
+              <a:spcBef>
+                <a:spcPct val="100000"/>
+              </a:spcBef>
+              <a:buClr>
+                <a:schemeClr val="tx1"/>
+              </a:buClr>
+              <a:buSzPct val="167000"/>
+            </a:pPr>
+            <a:r>
+              <a:rPr lang="en-US" altLang="en-US" sz="2000" dirty="0">
+                <a:latin typeface="+mn-lt"/>
+              </a:rPr>
+              <a:t>2) </a:t>
+            </a:r>
+            <a:r>
+              <a:rPr lang="en-US" altLang="en-US" sz="2000" dirty="0" smtClean="0">
+                <a:latin typeface="+mn-lt"/>
+              </a:rPr>
+              <a:t>Traverses </a:t>
+            </a:r>
+            <a:r>
+              <a:rPr lang="en-US" altLang="en-US" sz="2000" dirty="0">
+                <a:latin typeface="+mn-lt"/>
+              </a:rPr>
+              <a:t>the DB or View B-Tree and lookups the most recent data pointed </a:t>
+            </a:r>
+            <a:r>
+              <a:rPr lang="en-US" altLang="en-US" sz="2000" dirty="0" smtClean="0">
+                <a:latin typeface="+mn-lt"/>
+              </a:rPr>
+              <a:t>by each node</a:t>
+            </a:r>
+          </a:p>
+          <a:p>
+            <a:pPr>
+              <a:spcBef>
+                <a:spcPct val="100000"/>
+              </a:spcBef>
+              <a:buClr>
+                <a:schemeClr val="tx1"/>
+              </a:buClr>
+              <a:buSzPct val="167000"/>
+            </a:pPr>
+            <a:r>
+              <a:rPr lang="en-US" altLang="en-US" sz="2000" dirty="0" smtClean="0">
+                <a:latin typeface="+mn-lt"/>
+              </a:rPr>
+              <a:t>3</a:t>
+            </a:r>
+            <a:r>
+              <a:rPr lang="en-US" altLang="en-US" sz="2000" dirty="0">
+                <a:latin typeface="+mn-lt"/>
+              </a:rPr>
+              <a:t>) Writes that most recent data to the new </a:t>
+            </a:r>
+            <a:r>
+              <a:rPr lang="en-US" altLang="en-US" sz="2000" dirty="0" smtClean="0">
+                <a:latin typeface="+mn-lt"/>
+              </a:rPr>
+              <a:t>file</a:t>
+            </a:r>
+            <a:endParaRPr lang="en-US" altLang="en-US" sz="2000" dirty="0">
+              <a:latin typeface="+mn-lt"/>
+            </a:endParaRPr>
+          </a:p>
+          <a:p>
+            <a:pPr>
+              <a:spcBef>
+                <a:spcPct val="100000"/>
+              </a:spcBef>
+              <a:buClr>
+                <a:schemeClr val="tx1"/>
+              </a:buClr>
+              <a:buSzPct val="167000"/>
+            </a:pPr>
+            <a:r>
+              <a:rPr lang="en-US" altLang="en-US" sz="2000" dirty="0">
+                <a:latin typeface="+mn-lt"/>
+              </a:rPr>
+              <a:t>4) </a:t>
+            </a:r>
+            <a:r>
+              <a:rPr lang="en-US" altLang="en-US" sz="2000" dirty="0" smtClean="0">
+                <a:latin typeface="+mn-lt"/>
+              </a:rPr>
+              <a:t>It deletes the original file and </a:t>
+            </a:r>
+            <a:r>
+              <a:rPr lang="en-US" altLang="en-US" sz="2000" dirty="0">
+                <a:latin typeface="+mn-lt"/>
+              </a:rPr>
+              <a:t>renames the compacted file to the original DB/View file name.</a:t>
+            </a:r>
+            <a:endParaRPr lang="en-US" altLang="en-US" sz="2000" dirty="0">
+              <a:latin typeface="+mn-lt"/>
+            </a:endParaRPr>
+          </a:p>
+          <a:p>
+            <a:pPr marL="342900" indent="-342900">
+              <a:spcBef>
+                <a:spcPct val="100000"/>
+              </a:spcBef>
+              <a:buClr>
+                <a:schemeClr val="tx1"/>
+              </a:buClr>
+              <a:buSzPct val="167000"/>
+              <a:buFont typeface="Arial" panose="020B0604020202020204" pitchFamily="34" charset="0"/>
+              <a:buChar char="•"/>
+            </a:pPr>
+            <a:endParaRPr lang="en-US" altLang="en-US" sz="2000" dirty="0">
+              <a:latin typeface="+mn-lt"/>
+            </a:endParaRPr>
+          </a:p>
+        </p:txBody>
+      </p:sp>
+    </p:spTree>
+    <p:extLst>
+      <p:ext uri="{BB962C8B-B14F-4D97-AF65-F5344CB8AC3E}">
+        <p14:creationId xmlns:p14="http://schemas.microsoft.com/office/powerpoint/2010/main" val="719542823"/>
+      </p:ext>
+    </p:extLst>
+  </p:cSld>
+  <p:clrMapOvr>
+    <a:masterClrMapping/>
+  </p:clrMapOvr>
+</p:sld>
+</file>
+
+<file path=ppt/slides/slide32.xml><?xml version="1.0" encoding="utf-8"?>
 <p:sld xmlns:a="http://schemas.openxmlformats.org/drawingml/2006/main" xmlns:r="http://schemas.openxmlformats.org/officeDocument/2006/relationships" xmlns:p="http://schemas.openxmlformats.org/presentationml/2006/main">
   <p:cSld>
     <p:spTree>
@@ -7102,1527 +9256,7 @@
 </p:sld>
 </file>
 
-<file path=ppt/slides/slide24.xml><?xml version="1.0" encoding="utf-8"?>
-<p:sld xmlns:a="http://schemas.openxmlformats.org/drawingml/2006/main" xmlns:r="http://schemas.openxmlformats.org/officeDocument/2006/relationships" xmlns:p="http://schemas.openxmlformats.org/presentationml/2006/main">
-  <p:cSld>
-    <p:spTree>
-      <p:nvGrpSpPr>
-        <p:cNvPr id="1" name=""/>
-        <p:cNvGrpSpPr/>
-        <p:nvPr/>
-      </p:nvGrpSpPr>
-      <p:grpSpPr>
-        <a:xfrm>
-          <a:off x="0" y="0"/>
-          <a:ext cx="0" cy="0"/>
-          <a:chOff x="0" y="0"/>
-          <a:chExt cx="0" cy="0"/>
-        </a:xfrm>
-      </p:grpSpPr>
-      <p:sp>
-        <p:nvSpPr>
-          <p:cNvPr id="2" name="Title 1"/>
-          <p:cNvSpPr>
-            <a:spLocks noGrp="1"/>
-          </p:cNvSpPr>
-          <p:nvPr>
-            <p:ph type="title"/>
-          </p:nvPr>
-        </p:nvSpPr>
-        <p:spPr/>
-        <p:txBody>
-          <a:bodyPr/>
-          <a:lstStyle/>
-          <a:p>
-            <a:pPr algn="ctr"/>
-            <a:r>
-              <a:rPr lang="en-US" dirty="0" smtClean="0"/>
-              <a:t>Couch DB Views</a:t>
-            </a:r>
-            <a:endParaRPr lang="en-US" dirty="0"/>
-          </a:p>
-        </p:txBody>
-      </p:sp>
-      <p:sp>
-        <p:nvSpPr>
-          <p:cNvPr id="3" name="Content Placeholder 2"/>
-          <p:cNvSpPr>
-            <a:spLocks noGrp="1"/>
-          </p:cNvSpPr>
-          <p:nvPr>
-            <p:ph idx="1"/>
-          </p:nvPr>
-        </p:nvSpPr>
-        <p:spPr/>
-        <p:txBody>
-          <a:bodyPr/>
-          <a:lstStyle/>
-          <a:p>
-            <a:pPr marL="0" indent="0">
-              <a:buNone/>
-            </a:pPr>
-            <a:r>
-              <a:rPr lang="en-US" b="1" dirty="0"/>
-              <a:t>Why views?</a:t>
-            </a:r>
-          </a:p>
-          <a:p>
-            <a:pPr marL="0" indent="0">
-              <a:buNone/>
-            </a:pPr>
-            <a:r>
-              <a:rPr lang="en-US" dirty="0"/>
-              <a:t> No tables and collection.</a:t>
-            </a:r>
-          </a:p>
-          <a:p>
-            <a:pPr marL="0" indent="0">
-              <a:buNone/>
-            </a:pPr>
-            <a:r>
-              <a:rPr lang="en-US" dirty="0"/>
-              <a:t> So views</a:t>
-            </a:r>
-          </a:p>
-          <a:p>
-            <a:r>
-              <a:rPr lang="en-US" b="1" dirty="0"/>
-              <a:t>View server execute functions</a:t>
-            </a:r>
-          </a:p>
-          <a:p>
-            <a:pPr marL="514350" indent="-514350">
-              <a:buFont typeface="+mj-lt"/>
-              <a:buAutoNum type="arabicPeriod"/>
-            </a:pPr>
-            <a:r>
-              <a:rPr lang="en-US" dirty="0"/>
-              <a:t>Map – used to display a view</a:t>
-            </a:r>
-          </a:p>
-          <a:p>
-            <a:pPr marL="514350" indent="-514350">
-              <a:buFont typeface="+mj-lt"/>
-              <a:buAutoNum type="arabicPeriod"/>
-            </a:pPr>
-            <a:r>
-              <a:rPr lang="en-US" dirty="0"/>
-              <a:t>Reduce(optional) – which is used to create a sorted view</a:t>
-            </a:r>
-          </a:p>
-          <a:p>
-            <a:pPr marL="0" indent="0">
-              <a:buNone/>
-            </a:pPr>
-            <a:endParaRPr lang="en-US" dirty="0"/>
-          </a:p>
-        </p:txBody>
-      </p:sp>
-    </p:spTree>
-    <p:extLst>
-      <p:ext uri="{BB962C8B-B14F-4D97-AF65-F5344CB8AC3E}">
-        <p14:creationId xmlns:p14="http://schemas.microsoft.com/office/powerpoint/2010/main" val="38182204"/>
-      </p:ext>
-    </p:extLst>
-  </p:cSld>
-  <p:clrMapOvr>
-    <a:masterClrMapping/>
-  </p:clrMapOvr>
-</p:sld>
-</file>
-
-<file path=ppt/slides/slide25.xml><?xml version="1.0" encoding="utf-8"?>
-<p:sld xmlns:a="http://schemas.openxmlformats.org/drawingml/2006/main" xmlns:r="http://schemas.openxmlformats.org/officeDocument/2006/relationships" xmlns:p="http://schemas.openxmlformats.org/presentationml/2006/main">
-  <p:cSld>
-    <p:spTree>
-      <p:nvGrpSpPr>
-        <p:cNvPr id="1" name=""/>
-        <p:cNvGrpSpPr/>
-        <p:nvPr/>
-      </p:nvGrpSpPr>
-      <p:grpSpPr>
-        <a:xfrm>
-          <a:off x="0" y="0"/>
-          <a:ext cx="0" cy="0"/>
-          <a:chOff x="0" y="0"/>
-          <a:chExt cx="0" cy="0"/>
-        </a:xfrm>
-      </p:grpSpPr>
-      <p:sp>
-        <p:nvSpPr>
-          <p:cNvPr id="2" name="Title 1"/>
-          <p:cNvSpPr>
-            <a:spLocks noGrp="1"/>
-          </p:cNvSpPr>
-          <p:nvPr>
-            <p:ph type="title"/>
-          </p:nvPr>
-        </p:nvSpPr>
-        <p:spPr/>
-        <p:txBody>
-          <a:bodyPr/>
-          <a:lstStyle/>
-          <a:p>
-            <a:r>
-              <a:rPr lang="en-US" dirty="0"/>
-              <a:t>Example Database</a:t>
-            </a:r>
-          </a:p>
-        </p:txBody>
-      </p:sp>
-      <p:sp>
-        <p:nvSpPr>
-          <p:cNvPr id="3" name="Content Placeholder 2"/>
-          <p:cNvSpPr>
-            <a:spLocks noGrp="1"/>
-          </p:cNvSpPr>
-          <p:nvPr>
-            <p:ph idx="1"/>
-          </p:nvPr>
-        </p:nvSpPr>
-        <p:spPr/>
-        <p:txBody>
-          <a:bodyPr/>
-          <a:lstStyle/>
-          <a:p>
-            <a:pPr marL="0" indent="0">
-              <a:buNone/>
-            </a:pPr>
-            <a:r>
-              <a:rPr lang="en-US" sz="900" dirty="0"/>
-              <a:t>{ </a:t>
-            </a:r>
-          </a:p>
-          <a:p>
-            <a:pPr marL="0" indent="0">
-              <a:buNone/>
-            </a:pPr>
-            <a:r>
-              <a:rPr lang="en-US" sz="900" dirty="0"/>
-              <a:t>"_id": "album1",</a:t>
-            </a:r>
-          </a:p>
-          <a:p>
-            <a:pPr marL="0" indent="0">
-              <a:buNone/>
-            </a:pPr>
-            <a:r>
-              <a:rPr lang="en-US" sz="900" dirty="0"/>
-              <a:t>"artist": "</a:t>
-            </a:r>
-            <a:r>
-              <a:rPr lang="en-US" sz="900" dirty="0" err="1"/>
-              <a:t>Megadeth</a:t>
-            </a:r>
-            <a:r>
-              <a:rPr lang="en-US" sz="900" dirty="0"/>
-              <a:t>",</a:t>
-            </a:r>
-          </a:p>
-          <a:p>
-            <a:pPr marL="0" indent="0">
-              <a:buNone/>
-            </a:pPr>
-            <a:r>
-              <a:rPr lang="en-US" sz="900" dirty="0"/>
-              <a:t> "title": "Endgame",</a:t>
-            </a:r>
-          </a:p>
-          <a:p>
-            <a:pPr marL="0" indent="0">
-              <a:buNone/>
-            </a:pPr>
-            <a:r>
-              <a:rPr lang="en-US" sz="900" dirty="0"/>
-              <a:t> "year": 2010 </a:t>
-            </a:r>
-          </a:p>
-          <a:p>
-            <a:pPr marL="0" indent="0">
-              <a:buNone/>
-            </a:pPr>
-            <a:r>
-              <a:rPr lang="en-US" sz="900" dirty="0"/>
-              <a:t>}</a:t>
-            </a:r>
-          </a:p>
-          <a:p>
-            <a:pPr marL="0" indent="0">
-              <a:buNone/>
-            </a:pPr>
-            <a:r>
-              <a:rPr lang="en-US" sz="900" dirty="0"/>
-              <a:t> {</a:t>
-            </a:r>
-          </a:p>
-          <a:p>
-            <a:pPr marL="0" indent="0">
-              <a:buNone/>
-            </a:pPr>
-            <a:r>
-              <a:rPr lang="en-US" sz="900" dirty="0"/>
-              <a:t> "_id": "album2",</a:t>
-            </a:r>
-          </a:p>
-          <a:p>
-            <a:pPr marL="0" indent="0">
-              <a:buNone/>
-            </a:pPr>
-            <a:r>
-              <a:rPr lang="en-US" sz="900" dirty="0"/>
-              <a:t> "artist": "Slayer",</a:t>
-            </a:r>
-          </a:p>
-          <a:p>
-            <a:pPr marL="0" indent="0">
-              <a:buNone/>
-            </a:pPr>
-            <a:r>
-              <a:rPr lang="en-US" sz="900" dirty="0"/>
-              <a:t> "</a:t>
-            </a:r>
-            <a:r>
-              <a:rPr lang="en-US" sz="900" dirty="0" err="1"/>
-              <a:t>title":"World</a:t>
-            </a:r>
-            <a:r>
-              <a:rPr lang="en-US" sz="900" dirty="0"/>
-              <a:t> Painted Blood",</a:t>
-            </a:r>
-          </a:p>
-          <a:p>
-            <a:pPr marL="0" indent="0">
-              <a:buNone/>
-            </a:pPr>
-            <a:r>
-              <a:rPr lang="en-US" sz="900" dirty="0"/>
-              <a:t> "year":2009</a:t>
-            </a:r>
-          </a:p>
-          <a:p>
-            <a:pPr marL="0" indent="0">
-              <a:buNone/>
-            </a:pPr>
-            <a:r>
-              <a:rPr lang="en-US" sz="900" dirty="0"/>
-              <a:t> </a:t>
-            </a:r>
-            <a:r>
-              <a:rPr lang="en-US" sz="900" dirty="0" smtClean="0"/>
-              <a:t>}</a:t>
-            </a:r>
-          </a:p>
-          <a:p>
-            <a:pPr marL="0" indent="0">
-              <a:buNone/>
-            </a:pPr>
-            <a:endParaRPr lang="en-US" sz="900" dirty="0"/>
-          </a:p>
-          <a:p>
-            <a:pPr marL="0" indent="0">
-              <a:buNone/>
-            </a:pPr>
-            <a:r>
-              <a:rPr lang="en-US" sz="900" dirty="0"/>
-              <a:t> {</a:t>
-            </a:r>
-          </a:p>
-          <a:p>
-            <a:pPr marL="0" indent="0">
-              <a:buNone/>
-            </a:pPr>
-            <a:r>
-              <a:rPr lang="en-US" sz="900" dirty="0"/>
-              <a:t> "_id": "album3",</a:t>
-            </a:r>
-          </a:p>
-          <a:p>
-            <a:pPr marL="0" indent="0">
-              <a:buNone/>
-            </a:pPr>
-            <a:r>
-              <a:rPr lang="en-US" sz="900" dirty="0"/>
-              <a:t> "artist": "Arcturus",</a:t>
-            </a:r>
-          </a:p>
-          <a:p>
-            <a:pPr marL="0" indent="0">
-              <a:buNone/>
-            </a:pPr>
-            <a:r>
-              <a:rPr lang="en-US" sz="900" dirty="0"/>
-              <a:t> "title": "Sideshow Symphonies",</a:t>
-            </a:r>
-          </a:p>
-          <a:p>
-            <a:pPr marL="0" indent="0">
-              <a:buNone/>
-            </a:pPr>
-            <a:r>
-              <a:rPr lang="en-US" sz="900" dirty="0"/>
-              <a:t> "year": 2005</a:t>
-            </a:r>
-          </a:p>
-          <a:p>
-            <a:pPr marL="0" indent="0">
-              <a:buNone/>
-            </a:pPr>
-            <a:r>
-              <a:rPr lang="en-US" sz="900" dirty="0"/>
-              <a:t> } </a:t>
-            </a:r>
-          </a:p>
-          <a:p>
-            <a:pPr marL="0" indent="0">
-              <a:buNone/>
-            </a:pPr>
-            <a:endParaRPr lang="en-US" sz="900" dirty="0"/>
-          </a:p>
-        </p:txBody>
-      </p:sp>
-    </p:spTree>
-    <p:extLst>
-      <p:ext uri="{BB962C8B-B14F-4D97-AF65-F5344CB8AC3E}">
-        <p14:creationId xmlns:p14="http://schemas.microsoft.com/office/powerpoint/2010/main" val="1158285267"/>
-      </p:ext>
-    </p:extLst>
-  </p:cSld>
-  <p:clrMapOvr>
-    <a:masterClrMapping/>
-  </p:clrMapOvr>
-</p:sld>
-</file>
-
-<file path=ppt/slides/slide26.xml><?xml version="1.0" encoding="utf-8"?>
-<p:sld xmlns:a="http://schemas.openxmlformats.org/drawingml/2006/main" xmlns:r="http://schemas.openxmlformats.org/officeDocument/2006/relationships" xmlns:p="http://schemas.openxmlformats.org/presentationml/2006/main">
-  <p:cSld>
-    <p:spTree>
-      <p:nvGrpSpPr>
-        <p:cNvPr id="1" name=""/>
-        <p:cNvGrpSpPr/>
-        <p:nvPr/>
-      </p:nvGrpSpPr>
-      <p:grpSpPr>
-        <a:xfrm>
-          <a:off x="0" y="0"/>
-          <a:ext cx="0" cy="0"/>
-          <a:chOff x="0" y="0"/>
-          <a:chExt cx="0" cy="0"/>
-        </a:xfrm>
-      </p:grpSpPr>
-      <p:sp>
-        <p:nvSpPr>
-          <p:cNvPr id="2" name="Title 1"/>
-          <p:cNvSpPr>
-            <a:spLocks noGrp="1"/>
-          </p:cNvSpPr>
-          <p:nvPr>
-            <p:ph type="title"/>
-          </p:nvPr>
-        </p:nvSpPr>
-        <p:spPr/>
-        <p:txBody>
-          <a:bodyPr/>
-          <a:lstStyle/>
-          <a:p>
-            <a:endParaRPr lang="en-US"/>
-          </a:p>
-        </p:txBody>
-      </p:sp>
-      <p:sp>
-        <p:nvSpPr>
-          <p:cNvPr id="3" name="Content Placeholder 2"/>
-          <p:cNvSpPr>
-            <a:spLocks noGrp="1"/>
-          </p:cNvSpPr>
-          <p:nvPr>
-            <p:ph idx="1"/>
-          </p:nvPr>
-        </p:nvSpPr>
-        <p:spPr/>
-        <p:txBody>
-          <a:bodyPr/>
-          <a:lstStyle/>
-          <a:p>
-            <a:pPr marL="0" indent="0">
-              <a:buNone/>
-            </a:pPr>
-            <a:r>
-              <a:rPr lang="en-US" sz="1300" dirty="0"/>
-              <a:t>{</a:t>
-            </a:r>
-          </a:p>
-          <a:p>
-            <a:pPr marL="0" indent="0">
-              <a:buNone/>
-            </a:pPr>
-            <a:r>
-              <a:rPr lang="en-US" sz="1300" dirty="0"/>
-              <a:t> "_id": "album4",</a:t>
-            </a:r>
-          </a:p>
-          <a:p>
-            <a:pPr marL="0" indent="0">
-              <a:buNone/>
-            </a:pPr>
-            <a:r>
-              <a:rPr lang="en-US" sz="1300" dirty="0"/>
-              <a:t> "artist": "</a:t>
-            </a:r>
-            <a:r>
-              <a:rPr lang="en-US" sz="1300" dirty="0" err="1"/>
-              <a:t>Pantera</a:t>
-            </a:r>
-            <a:r>
-              <a:rPr lang="en-US" sz="1300" dirty="0"/>
-              <a:t>",</a:t>
-            </a:r>
-          </a:p>
-          <a:p>
-            <a:pPr marL="0" indent="0">
-              <a:buNone/>
-            </a:pPr>
-            <a:r>
-              <a:rPr lang="en-US" sz="1300" dirty="0"/>
-              <a:t> "title": "Reinventing the Steel",</a:t>
-            </a:r>
-          </a:p>
-          <a:p>
-            <a:pPr marL="0" indent="0">
-              <a:buNone/>
-            </a:pPr>
-            <a:r>
-              <a:rPr lang="en-US" sz="1300" dirty="0"/>
-              <a:t> "year": 2009 </a:t>
-            </a:r>
-          </a:p>
-          <a:p>
-            <a:pPr marL="0" indent="0">
-              <a:buNone/>
-            </a:pPr>
-            <a:r>
-              <a:rPr lang="en-US" sz="1300" dirty="0"/>
-              <a:t>} </a:t>
-            </a:r>
-          </a:p>
-          <a:p>
-            <a:pPr marL="0" indent="0">
-              <a:buNone/>
-            </a:pPr>
-            <a:r>
-              <a:rPr lang="en-US" sz="1300" dirty="0"/>
-              <a:t>{</a:t>
-            </a:r>
-          </a:p>
-          <a:p>
-            <a:pPr marL="0" indent="0">
-              <a:buNone/>
-            </a:pPr>
-            <a:r>
-              <a:rPr lang="en-US" sz="1300" dirty="0"/>
-              <a:t> "_id": "album5",</a:t>
-            </a:r>
-          </a:p>
-          <a:p>
-            <a:pPr marL="0" indent="0">
-              <a:buNone/>
-            </a:pPr>
-            <a:r>
-              <a:rPr lang="en-US" sz="1300" dirty="0"/>
-              <a:t> "artist": "Slayer",</a:t>
-            </a:r>
-          </a:p>
-          <a:p>
-            <a:pPr marL="0" indent="0">
-              <a:buNone/>
-            </a:pPr>
-            <a:r>
-              <a:rPr lang="en-US" sz="1300" dirty="0"/>
-              <a:t> "title": "South of Heaven",</a:t>
-            </a:r>
-          </a:p>
-          <a:p>
-            <a:pPr marL="0" indent="0">
-              <a:buNone/>
-            </a:pPr>
-            <a:r>
-              <a:rPr lang="en-US" sz="1300" dirty="0"/>
-              <a:t> "year": 2009</a:t>
-            </a:r>
-          </a:p>
-          <a:p>
-            <a:pPr marL="0" indent="0">
-              <a:buNone/>
-            </a:pPr>
-            <a:r>
-              <a:rPr lang="en-US" sz="1300" dirty="0"/>
-              <a:t> }</a:t>
-            </a:r>
-          </a:p>
-          <a:p>
-            <a:pPr marL="0" indent="0">
-              <a:buNone/>
-            </a:pPr>
-            <a:endParaRPr lang="en-US" sz="1300" dirty="0"/>
-          </a:p>
-        </p:txBody>
-      </p:sp>
-    </p:spTree>
-    <p:extLst>
-      <p:ext uri="{BB962C8B-B14F-4D97-AF65-F5344CB8AC3E}">
-        <p14:creationId xmlns:p14="http://schemas.microsoft.com/office/powerpoint/2010/main" val="760732511"/>
-      </p:ext>
-    </p:extLst>
-  </p:cSld>
-  <p:clrMapOvr>
-    <a:masterClrMapping/>
-  </p:clrMapOvr>
-</p:sld>
-</file>
-
-<file path=ppt/slides/slide27.xml><?xml version="1.0" encoding="utf-8"?>
-<p:sld xmlns:a="http://schemas.openxmlformats.org/drawingml/2006/main" xmlns:r="http://schemas.openxmlformats.org/officeDocument/2006/relationships" xmlns:p="http://schemas.openxmlformats.org/presentationml/2006/main">
-  <p:cSld>
-    <p:spTree>
-      <p:nvGrpSpPr>
-        <p:cNvPr id="1" name=""/>
-        <p:cNvGrpSpPr/>
-        <p:nvPr/>
-      </p:nvGrpSpPr>
-      <p:grpSpPr>
-        <a:xfrm>
-          <a:off x="0" y="0"/>
-          <a:ext cx="0" cy="0"/>
-          <a:chOff x="0" y="0"/>
-          <a:chExt cx="0" cy="0"/>
-        </a:xfrm>
-      </p:grpSpPr>
-      <p:sp>
-        <p:nvSpPr>
-          <p:cNvPr id="2" name="Title 1"/>
-          <p:cNvSpPr>
-            <a:spLocks noGrp="1"/>
-          </p:cNvSpPr>
-          <p:nvPr>
-            <p:ph type="title"/>
-          </p:nvPr>
-        </p:nvSpPr>
-        <p:spPr/>
-        <p:txBody>
-          <a:bodyPr/>
-          <a:lstStyle/>
-          <a:p>
-            <a:r>
-              <a:rPr lang="en-US" dirty="0"/>
-              <a:t>Map and Reduce functions</a:t>
-            </a:r>
-          </a:p>
-        </p:txBody>
-      </p:sp>
-      <p:sp>
-        <p:nvSpPr>
-          <p:cNvPr id="3" name="Content Placeholder 2"/>
-          <p:cNvSpPr>
-            <a:spLocks noGrp="1"/>
-          </p:cNvSpPr>
-          <p:nvPr>
-            <p:ph idx="1"/>
-          </p:nvPr>
-        </p:nvSpPr>
-        <p:spPr/>
-        <p:txBody>
-          <a:bodyPr/>
-          <a:lstStyle/>
-          <a:p>
-            <a:pPr marL="0" indent="0">
-              <a:buNone/>
-            </a:pPr>
-            <a:r>
-              <a:rPr lang="en-US" sz="1000" dirty="0"/>
-              <a:t>"_id": "_design/</a:t>
-            </a:r>
-            <a:r>
-              <a:rPr lang="en-US" sz="1000" dirty="0" err="1"/>
-              <a:t>foobar</a:t>
-            </a:r>
-            <a:r>
-              <a:rPr lang="en-US" sz="1000" dirty="0"/>
-              <a:t>",</a:t>
-            </a:r>
-          </a:p>
-          <a:p>
-            <a:pPr marL="0" indent="0">
-              <a:buNone/>
-            </a:pPr>
-            <a:r>
-              <a:rPr lang="en-US" sz="1000" dirty="0"/>
-              <a:t> "language": "</a:t>
-            </a:r>
-            <a:r>
-              <a:rPr lang="en-US" sz="1000" dirty="0" err="1"/>
-              <a:t>javascript</a:t>
-            </a:r>
-            <a:r>
-              <a:rPr lang="en-US" sz="1000" dirty="0"/>
-              <a:t>",</a:t>
-            </a:r>
-          </a:p>
-          <a:p>
-            <a:pPr marL="0" indent="0">
-              <a:buNone/>
-            </a:pPr>
-            <a:r>
-              <a:rPr lang="en-US" sz="1000" dirty="0"/>
-              <a:t> "views": {</a:t>
-            </a:r>
-          </a:p>
-          <a:p>
-            <a:pPr marL="0" indent="0">
-              <a:buNone/>
-            </a:pPr>
-            <a:r>
-              <a:rPr lang="en-US" sz="1000" dirty="0"/>
-              <a:t>	 "</a:t>
-            </a:r>
-            <a:r>
-              <a:rPr lang="en-US" sz="1000" dirty="0" err="1"/>
-              <a:t>by_year</a:t>
-            </a:r>
-            <a:r>
-              <a:rPr lang="en-US" sz="1000" dirty="0"/>
-              <a:t>": {</a:t>
-            </a:r>
-          </a:p>
-          <a:p>
-            <a:pPr marL="0" indent="0">
-              <a:buNone/>
-            </a:pPr>
-            <a:r>
-              <a:rPr lang="en-US" sz="1000" dirty="0"/>
-              <a:t>		 "map": "function(doc) {</a:t>
-            </a:r>
-          </a:p>
-          <a:p>
-            <a:pPr marL="0" indent="0">
-              <a:buNone/>
-            </a:pPr>
-            <a:r>
-              <a:rPr lang="en-US" sz="1000" dirty="0"/>
-              <a:t>				 if (</a:t>
-            </a:r>
-            <a:r>
-              <a:rPr lang="en-US" sz="1000" dirty="0" err="1"/>
-              <a:t>doc.year</a:t>
-            </a:r>
-            <a:r>
-              <a:rPr lang="en-US" sz="1000" dirty="0"/>
-              <a:t>) {</a:t>
-            </a:r>
-          </a:p>
-          <a:p>
-            <a:pPr marL="0" indent="0">
-              <a:buNone/>
-            </a:pPr>
-            <a:r>
-              <a:rPr lang="en-US" sz="1000" dirty="0"/>
-              <a:t>					 emit(</a:t>
-            </a:r>
-            <a:r>
-              <a:rPr lang="en-US" sz="1000" dirty="0" err="1"/>
-              <a:t>doc.year</a:t>
-            </a:r>
-            <a:r>
-              <a:rPr lang="en-US" sz="1000" dirty="0"/>
-              <a:t>, 1); </a:t>
-            </a:r>
-          </a:p>
-          <a:p>
-            <a:pPr marL="0" indent="0">
-              <a:buNone/>
-            </a:pPr>
-            <a:r>
-              <a:rPr lang="en-US" sz="1000" dirty="0"/>
-              <a:t>						}</a:t>
-            </a:r>
-          </a:p>
-          <a:p>
-            <a:pPr marL="0" indent="0">
-              <a:buNone/>
-            </a:pPr>
-            <a:r>
-              <a:rPr lang="en-US" sz="1000" dirty="0"/>
-              <a:t>					     }", </a:t>
-            </a:r>
-          </a:p>
-          <a:p>
-            <a:pPr marL="0" indent="0">
-              <a:buNone/>
-            </a:pPr>
-            <a:r>
-              <a:rPr lang="en-US" sz="1000" dirty="0"/>
-              <a:t>		"reduce": "function(keys, values, </a:t>
-            </a:r>
-            <a:r>
-              <a:rPr lang="en-US" sz="1000" dirty="0" err="1"/>
-              <a:t>rereduce</a:t>
-            </a:r>
-            <a:r>
-              <a:rPr lang="en-US" sz="1000" dirty="0"/>
-              <a:t>) { </a:t>
-            </a:r>
-          </a:p>
-          <a:p>
-            <a:pPr marL="0" indent="0">
-              <a:buNone/>
-            </a:pPr>
-            <a:r>
-              <a:rPr lang="en-US" sz="1000" dirty="0"/>
-              <a:t>				return sum(values); </a:t>
-            </a:r>
-          </a:p>
-          <a:p>
-            <a:pPr marL="0" indent="0">
-              <a:buNone/>
-            </a:pPr>
-            <a:r>
-              <a:rPr lang="en-US" sz="1000" dirty="0"/>
-              <a:t>				}" </a:t>
-            </a:r>
-          </a:p>
-          <a:p>
-            <a:pPr marL="0" indent="0">
-              <a:buNone/>
-            </a:pPr>
-            <a:r>
-              <a:rPr lang="en-US" sz="1000" dirty="0"/>
-              <a:t>		}</a:t>
-            </a:r>
-          </a:p>
-          <a:p>
-            <a:pPr marL="0" indent="0">
-              <a:buNone/>
-            </a:pPr>
-            <a:r>
-              <a:rPr lang="en-US" sz="1000" dirty="0"/>
-              <a:t>	 }</a:t>
-            </a:r>
-          </a:p>
-          <a:p>
-            <a:pPr marL="0" indent="0">
-              <a:buNone/>
-            </a:pPr>
-            <a:r>
-              <a:rPr lang="en-US" sz="1000" dirty="0"/>
-              <a:t> }</a:t>
-            </a:r>
-          </a:p>
-          <a:p>
-            <a:pPr marL="0" indent="0">
-              <a:buNone/>
-            </a:pPr>
-            <a:endParaRPr lang="en-US" sz="1000" dirty="0"/>
-          </a:p>
-        </p:txBody>
-      </p:sp>
-    </p:spTree>
-    <p:extLst>
-      <p:ext uri="{BB962C8B-B14F-4D97-AF65-F5344CB8AC3E}">
-        <p14:creationId xmlns:p14="http://schemas.microsoft.com/office/powerpoint/2010/main" val="3600238472"/>
-      </p:ext>
-    </p:extLst>
-  </p:cSld>
-  <p:clrMapOvr>
-    <a:masterClrMapping/>
-  </p:clrMapOvr>
-</p:sld>
-</file>
-
-<file path=ppt/slides/slide28.xml><?xml version="1.0" encoding="utf-8"?>
-<p:sld xmlns:a="http://schemas.openxmlformats.org/drawingml/2006/main" xmlns:r="http://schemas.openxmlformats.org/officeDocument/2006/relationships" xmlns:p="http://schemas.openxmlformats.org/presentationml/2006/main">
-  <p:cSld>
-    <p:spTree>
-      <p:nvGrpSpPr>
-        <p:cNvPr id="1" name=""/>
-        <p:cNvGrpSpPr/>
-        <p:nvPr/>
-      </p:nvGrpSpPr>
-      <p:grpSpPr>
-        <a:xfrm>
-          <a:off x="0" y="0"/>
-          <a:ext cx="0" cy="0"/>
-          <a:chOff x="0" y="0"/>
-          <a:chExt cx="0" cy="0"/>
-        </a:xfrm>
-      </p:grpSpPr>
-      <p:sp>
-        <p:nvSpPr>
-          <p:cNvPr id="2" name="Title 1"/>
-          <p:cNvSpPr>
-            <a:spLocks noGrp="1"/>
-          </p:cNvSpPr>
-          <p:nvPr>
-            <p:ph type="title"/>
-          </p:nvPr>
-        </p:nvSpPr>
-        <p:spPr/>
-        <p:txBody>
-          <a:bodyPr/>
-          <a:lstStyle/>
-          <a:p>
-            <a:r>
-              <a:rPr lang="en-US" sz="1300" dirty="0"/>
-              <a:t>$ curl </a:t>
-            </a:r>
-            <a:r>
-              <a:rPr lang="en-US" sz="1300" dirty="0">
-                <a:hlinkClick r:id="rId2"/>
-              </a:rPr>
-              <a:t>http://localhost:5984/albums/_design/foobar/_view/by_year</a:t>
-            </a:r>
-            <a:r>
-              <a:rPr lang="en-US" sz="1300" dirty="0"/>
-              <a:t/>
-            </a:r>
-            <a:br>
-              <a:rPr lang="en-US" sz="1300" dirty="0"/>
-            </a:br>
-            <a:endParaRPr lang="en-US" sz="1300" dirty="0"/>
-          </a:p>
-        </p:txBody>
-      </p:sp>
-      <p:sp>
-        <p:nvSpPr>
-          <p:cNvPr id="3" name="Content Placeholder 2"/>
-          <p:cNvSpPr>
-            <a:spLocks noGrp="1"/>
-          </p:cNvSpPr>
-          <p:nvPr>
-            <p:ph idx="1"/>
-          </p:nvPr>
-        </p:nvSpPr>
-        <p:spPr/>
-        <p:txBody>
-          <a:bodyPr/>
-          <a:lstStyle/>
-          <a:p>
-            <a:pPr marL="0" indent="0">
-              <a:buNone/>
-            </a:pPr>
-            <a:r>
-              <a:rPr lang="en-US" dirty="0"/>
-              <a:t>{</a:t>
-            </a:r>
-          </a:p>
-          <a:p>
-            <a:pPr marL="0" indent="0">
-              <a:buNone/>
-            </a:pPr>
-            <a:r>
-              <a:rPr lang="en-US" dirty="0"/>
-              <a:t>	 "</a:t>
-            </a:r>
-            <a:r>
-              <a:rPr lang="en-US" dirty="0" err="1"/>
-              <a:t>update_seq</a:t>
-            </a:r>
-            <a:r>
-              <a:rPr lang="en-US" dirty="0"/>
-              <a:t>": 6, </a:t>
-            </a:r>
-          </a:p>
-          <a:p>
-            <a:pPr marL="0" indent="0">
-              <a:buNone/>
-            </a:pPr>
-            <a:r>
-              <a:rPr lang="en-US" dirty="0"/>
-              <a:t>	"rows": [ </a:t>
-            </a:r>
-          </a:p>
-          <a:p>
-            <a:pPr marL="0" indent="0">
-              <a:buNone/>
-            </a:pPr>
-            <a:r>
-              <a:rPr lang="en-US" dirty="0"/>
-              <a:t>		{"key": null, "value": 5} </a:t>
-            </a:r>
-          </a:p>
-          <a:p>
-            <a:pPr marL="0" indent="0">
-              <a:buNone/>
-            </a:pPr>
-            <a:r>
-              <a:rPr lang="en-US" dirty="0"/>
-              <a:t>		]</a:t>
-            </a:r>
-          </a:p>
-          <a:p>
-            <a:pPr marL="0" indent="0">
-              <a:buNone/>
-            </a:pPr>
-            <a:r>
-              <a:rPr lang="en-US" dirty="0"/>
-              <a:t> } </a:t>
-            </a:r>
-          </a:p>
-          <a:p>
-            <a:pPr marL="0" indent="0">
-              <a:buNone/>
-            </a:pPr>
-            <a:endParaRPr lang="en-US" dirty="0"/>
-          </a:p>
-        </p:txBody>
-      </p:sp>
-    </p:spTree>
-    <p:extLst>
-      <p:ext uri="{BB962C8B-B14F-4D97-AF65-F5344CB8AC3E}">
-        <p14:creationId xmlns:p14="http://schemas.microsoft.com/office/powerpoint/2010/main" val="1575585565"/>
-      </p:ext>
-    </p:extLst>
-  </p:cSld>
-  <p:clrMapOvr>
-    <a:masterClrMapping/>
-  </p:clrMapOvr>
-</p:sld>
-</file>
-
-<file path=ppt/slides/slide29.xml><?xml version="1.0" encoding="utf-8"?>
-<p:sld xmlns:a="http://schemas.openxmlformats.org/drawingml/2006/main" xmlns:r="http://schemas.openxmlformats.org/officeDocument/2006/relationships" xmlns:p="http://schemas.openxmlformats.org/presentationml/2006/main">
-  <p:cSld>
-    <p:spTree>
-      <p:nvGrpSpPr>
-        <p:cNvPr id="1" name=""/>
-        <p:cNvGrpSpPr/>
-        <p:nvPr/>
-      </p:nvGrpSpPr>
-      <p:grpSpPr>
-        <a:xfrm>
-          <a:off x="0" y="0"/>
-          <a:ext cx="0" cy="0"/>
-          <a:chOff x="0" y="0"/>
-          <a:chExt cx="0" cy="0"/>
-        </a:xfrm>
-      </p:grpSpPr>
-      <p:sp>
-        <p:nvSpPr>
-          <p:cNvPr id="2" name="Title 1"/>
-          <p:cNvSpPr>
-            <a:spLocks noGrp="1"/>
-          </p:cNvSpPr>
-          <p:nvPr>
-            <p:ph type="title"/>
-          </p:nvPr>
-        </p:nvSpPr>
-        <p:spPr/>
-        <p:txBody>
-          <a:bodyPr/>
-          <a:lstStyle/>
-          <a:p>
-            <a:r>
-              <a:rPr lang="en-US" sz="1000" dirty="0"/>
-              <a:t>$ curl http://localhost:5984/albums/_design/foobar/_view/by_year?group=true</a:t>
-            </a:r>
-          </a:p>
-        </p:txBody>
-      </p:sp>
-      <p:sp>
-        <p:nvSpPr>
-          <p:cNvPr id="3" name="Content Placeholder 2"/>
-          <p:cNvSpPr>
-            <a:spLocks noGrp="1"/>
-          </p:cNvSpPr>
-          <p:nvPr>
-            <p:ph idx="1"/>
-          </p:nvPr>
-        </p:nvSpPr>
-        <p:spPr/>
-        <p:txBody>
-          <a:bodyPr/>
-          <a:lstStyle/>
-          <a:p>
-            <a:pPr marL="0" indent="0">
-              <a:buNone/>
-            </a:pPr>
-            <a:r>
-              <a:rPr lang="en-US" sz="900" dirty="0"/>
-              <a:t>{</a:t>
-            </a:r>
-          </a:p>
-          <a:p>
-            <a:pPr marL="0" indent="0">
-              <a:buNone/>
-            </a:pPr>
-            <a:r>
-              <a:rPr lang="en-US" sz="900" dirty="0"/>
-              <a:t>	"</a:t>
-            </a:r>
-            <a:r>
-              <a:rPr lang="en-US" sz="900" dirty="0" err="1"/>
-              <a:t>update_seq</a:t>
-            </a:r>
-            <a:r>
-              <a:rPr lang="en-US" sz="900" dirty="0"/>
-              <a:t>": 6, </a:t>
-            </a:r>
-          </a:p>
-          <a:p>
-            <a:pPr marL="0" indent="0">
-              <a:buNone/>
-            </a:pPr>
-            <a:r>
-              <a:rPr lang="en-US" sz="900" dirty="0"/>
-              <a:t>	"rows": [ </a:t>
-            </a:r>
-          </a:p>
-          <a:p>
-            <a:pPr marL="0" indent="0">
-              <a:buNone/>
-            </a:pPr>
-            <a:r>
-              <a:rPr lang="en-US" sz="900" dirty="0"/>
-              <a:t>		{"key": 2005, "value": 1},</a:t>
-            </a:r>
-          </a:p>
-          <a:p>
-            <a:pPr marL="0" indent="0">
-              <a:buNone/>
-            </a:pPr>
-            <a:r>
-              <a:rPr lang="en-US" sz="900" dirty="0"/>
-              <a:t>		 {"key": 2009, "value": 3},</a:t>
-            </a:r>
-          </a:p>
-          <a:p>
-            <a:pPr marL="0" indent="0">
-              <a:buNone/>
-            </a:pPr>
-            <a:r>
-              <a:rPr lang="en-US" sz="900" dirty="0"/>
-              <a:t>		 {"key": 2010, "value": 1} </a:t>
-            </a:r>
-          </a:p>
-          <a:p>
-            <a:pPr marL="0" indent="0">
-              <a:buNone/>
-            </a:pPr>
-            <a:r>
-              <a:rPr lang="en-US" sz="900" dirty="0"/>
-              <a:t>	]</a:t>
-            </a:r>
-          </a:p>
-          <a:p>
-            <a:pPr marL="0" indent="0">
-              <a:buNone/>
-            </a:pPr>
-            <a:r>
-              <a:rPr lang="en-US" sz="900" dirty="0"/>
-              <a:t> }</a:t>
-            </a:r>
-          </a:p>
-          <a:p>
-            <a:pPr marL="0" indent="0">
-              <a:buNone/>
-            </a:pPr>
-            <a:r>
-              <a:rPr lang="en-US" sz="900" dirty="0"/>
-              <a:t>$ curl 'http://localhost:5984/albums/_design/</a:t>
-            </a:r>
-            <a:r>
-              <a:rPr lang="en-US" sz="900" dirty="0" err="1"/>
-              <a:t>foobar</a:t>
-            </a:r>
-            <a:r>
-              <a:rPr lang="en-US" sz="900" dirty="0"/>
-              <a:t>/_view/</a:t>
-            </a:r>
-            <a:r>
-              <a:rPr lang="en-US" sz="900" dirty="0" err="1"/>
-              <a:t>by_year</a:t>
-            </a:r>
-            <a:r>
-              <a:rPr lang="en-US" sz="900" dirty="0"/>
-              <a:t>? group=</a:t>
-            </a:r>
-            <a:r>
-              <a:rPr lang="en-US" sz="900" dirty="0" err="1"/>
-              <a:t>true&amp;startkey</a:t>
-            </a:r>
-            <a:r>
-              <a:rPr lang="en-US" sz="900" dirty="0"/>
-              <a:t>=2009&amp;endkey=2010' </a:t>
-            </a:r>
-          </a:p>
-          <a:p>
-            <a:pPr marL="0" indent="0">
-              <a:buNone/>
-            </a:pPr>
-            <a:r>
-              <a:rPr lang="en-US" sz="900" dirty="0"/>
-              <a:t>{</a:t>
-            </a:r>
-          </a:p>
-          <a:p>
-            <a:pPr marL="0" indent="0">
-              <a:buNone/>
-            </a:pPr>
-            <a:r>
-              <a:rPr lang="en-US" sz="900" dirty="0"/>
-              <a:t> 	"</a:t>
-            </a:r>
-            <a:r>
-              <a:rPr lang="en-US" sz="900" dirty="0" err="1"/>
-              <a:t>update_seq</a:t>
-            </a:r>
-            <a:r>
-              <a:rPr lang="en-US" sz="900" dirty="0"/>
-              <a:t>": 6,</a:t>
-            </a:r>
-          </a:p>
-          <a:p>
-            <a:pPr marL="0" indent="0">
-              <a:buNone/>
-            </a:pPr>
-            <a:r>
-              <a:rPr lang="en-US" sz="900" dirty="0"/>
-              <a:t> 	"rows": [</a:t>
-            </a:r>
-          </a:p>
-          <a:p>
-            <a:pPr marL="0" indent="0">
-              <a:buNone/>
-            </a:pPr>
-            <a:r>
-              <a:rPr lang="en-US" sz="900" dirty="0"/>
-              <a:t>		 {"key": 2009, "value": 3},</a:t>
-            </a:r>
-          </a:p>
-          <a:p>
-            <a:pPr marL="0" indent="0">
-              <a:buNone/>
-            </a:pPr>
-            <a:r>
-              <a:rPr lang="en-US" sz="900" dirty="0"/>
-              <a:t> 		{"key": 2010, "value": 1}</a:t>
-            </a:r>
-          </a:p>
-          <a:p>
-            <a:pPr marL="0" indent="0">
-              <a:buNone/>
-            </a:pPr>
-            <a:r>
-              <a:rPr lang="en-US" sz="900" dirty="0"/>
-              <a:t> 	]</a:t>
-            </a:r>
-          </a:p>
-          <a:p>
-            <a:pPr marL="0" indent="0">
-              <a:buNone/>
-            </a:pPr>
-            <a:r>
-              <a:rPr lang="en-US" sz="900" dirty="0"/>
-              <a:t> } </a:t>
-            </a:r>
-          </a:p>
-          <a:p>
-            <a:pPr marL="0" indent="0">
-              <a:buNone/>
-            </a:pPr>
-            <a:endParaRPr lang="en-US" sz="900" dirty="0"/>
-          </a:p>
-        </p:txBody>
-      </p:sp>
-    </p:spTree>
-    <p:extLst>
-      <p:ext uri="{BB962C8B-B14F-4D97-AF65-F5344CB8AC3E}">
-        <p14:creationId xmlns:p14="http://schemas.microsoft.com/office/powerpoint/2010/main" val="4056515053"/>
-      </p:ext>
-    </p:extLst>
-  </p:cSld>
-  <p:clrMapOvr>
-    <a:masterClrMapping/>
-  </p:clrMapOvr>
-</p:sld>
-</file>
-
-<file path=ppt/slides/slide3.xml><?xml version="1.0" encoding="utf-8"?>
-<p:sld xmlns:a="http://schemas.openxmlformats.org/drawingml/2006/main" xmlns:r="http://schemas.openxmlformats.org/officeDocument/2006/relationships" xmlns:p="http://schemas.openxmlformats.org/presentationml/2006/main">
-  <p:cSld>
-    <p:spTree>
-      <p:nvGrpSpPr>
-        <p:cNvPr id="1" name=""/>
-        <p:cNvGrpSpPr/>
-        <p:nvPr/>
-      </p:nvGrpSpPr>
-      <p:grpSpPr>
-        <a:xfrm>
-          <a:off x="0" y="0"/>
-          <a:ext cx="0" cy="0"/>
-          <a:chOff x="0" y="0"/>
-          <a:chExt cx="0" cy="0"/>
-        </a:xfrm>
-      </p:grpSpPr>
-      <p:sp>
-        <p:nvSpPr>
-          <p:cNvPr id="5126" name="Rectangle 6"/>
-          <p:cNvSpPr>
-            <a:spLocks noGrp="1" noChangeArrowheads="1"/>
-          </p:cNvSpPr>
-          <p:nvPr>
-            <p:ph type="title"/>
-          </p:nvPr>
-        </p:nvSpPr>
-        <p:spPr/>
-        <p:txBody>
-          <a:bodyPr/>
-          <a:lstStyle/>
-          <a:p>
-            <a:r>
-              <a:rPr lang="en-US" dirty="0" smtClean="0"/>
-              <a:t>Features</a:t>
-            </a:r>
-            <a:endParaRPr lang="en-US" dirty="0"/>
-          </a:p>
-        </p:txBody>
-      </p:sp>
-      <p:sp>
-        <p:nvSpPr>
-          <p:cNvPr id="5127" name="Rectangle 7"/>
-          <p:cNvSpPr>
-            <a:spLocks noGrp="1" noChangeArrowheads="1"/>
-          </p:cNvSpPr>
-          <p:nvPr>
-            <p:ph type="body" idx="1"/>
-          </p:nvPr>
-        </p:nvSpPr>
-        <p:spPr>
-          <a:xfrm>
-            <a:off x="1691680" y="1412776"/>
-            <a:ext cx="6842720" cy="4752528"/>
-          </a:xfrm>
-        </p:spPr>
-        <p:txBody>
-          <a:bodyPr/>
-          <a:lstStyle/>
-          <a:p>
-            <a:r>
-              <a:rPr lang="en-US" sz="2000" dirty="0"/>
-              <a:t>A NoSQL database</a:t>
-            </a:r>
-          </a:p>
-          <a:p>
-            <a:r>
-              <a:rPr lang="en-IN" sz="2000" dirty="0"/>
-              <a:t>Uses JSON for documents</a:t>
-            </a:r>
-            <a:endParaRPr lang="en-US" sz="2000" dirty="0"/>
-          </a:p>
-          <a:p>
-            <a:r>
-              <a:rPr lang="en-IN" sz="2000" dirty="0"/>
-              <a:t>Uses JavaScript for MapReduce indexes</a:t>
-            </a:r>
-          </a:p>
-          <a:p>
-            <a:r>
-              <a:rPr lang="en-IN" sz="2000" dirty="0"/>
-              <a:t>Uses HTTP for it’s API</a:t>
-            </a:r>
-          </a:p>
-          <a:p>
-            <a:r>
-              <a:rPr lang="en-IN" sz="2000" dirty="0"/>
-              <a:t>Documents can have attachments</a:t>
-            </a:r>
-          </a:p>
-          <a:p>
-            <a:r>
-              <a:rPr lang="en-IN" sz="2000" dirty="0"/>
-              <a:t>Incremental peer-peer replication</a:t>
-            </a:r>
-          </a:p>
-        </p:txBody>
-      </p:sp>
-    </p:spTree>
-  </p:cSld>
-  <p:clrMapOvr>
-    <a:masterClrMapping/>
-  </p:clrMapOvr>
-  <p:timing>
-    <p:tnLst>
-      <p:par>
-        <p:cTn id="1" dur="indefinite" restart="never" nodeType="tmRoot"/>
-      </p:par>
-    </p:tnLst>
-  </p:timing>
-</p:sld>
-</file>
-
-<file path=ppt/slides/slide30.xml><?xml version="1.0" encoding="utf-8"?>
-<p:sld xmlns:a="http://schemas.openxmlformats.org/drawingml/2006/main" xmlns:r="http://schemas.openxmlformats.org/officeDocument/2006/relationships" xmlns:p="http://schemas.openxmlformats.org/presentationml/2006/main">
-  <p:cSld>
-    <p:spTree>
-      <p:nvGrpSpPr>
-        <p:cNvPr id="1" name=""/>
-        <p:cNvGrpSpPr/>
-        <p:nvPr/>
-      </p:nvGrpSpPr>
-      <p:grpSpPr>
-        <a:xfrm>
-          <a:off x="0" y="0"/>
-          <a:ext cx="0" cy="0"/>
-          <a:chOff x="0" y="0"/>
-          <a:chExt cx="0" cy="0"/>
-        </a:xfrm>
-      </p:grpSpPr>
-      <p:sp>
-        <p:nvSpPr>
-          <p:cNvPr id="2" name="Title 1"/>
-          <p:cNvSpPr>
-            <a:spLocks noGrp="1"/>
-          </p:cNvSpPr>
-          <p:nvPr>
-            <p:ph type="title"/>
-          </p:nvPr>
-        </p:nvSpPr>
-        <p:spPr/>
-        <p:txBody>
-          <a:bodyPr/>
-          <a:lstStyle/>
-          <a:p>
-            <a:r>
-              <a:rPr lang="en-US" sz="1500" dirty="0"/>
-              <a:t>$ curl \ http://localhost:5984/albums/_design/foobar/_view/by_year?reduce=false</a:t>
-            </a:r>
-          </a:p>
-        </p:txBody>
-      </p:sp>
-      <p:sp>
-        <p:nvSpPr>
-          <p:cNvPr id="3" name="Content Placeholder 2"/>
-          <p:cNvSpPr>
-            <a:spLocks noGrp="1"/>
-          </p:cNvSpPr>
-          <p:nvPr>
-            <p:ph idx="1"/>
-          </p:nvPr>
-        </p:nvSpPr>
-        <p:spPr/>
-        <p:txBody>
-          <a:bodyPr/>
-          <a:lstStyle/>
-          <a:p>
-            <a:pPr marL="0" indent="0">
-              <a:buNone/>
-            </a:pPr>
-            <a:r>
-              <a:rPr lang="en-US" sz="1200" dirty="0"/>
-              <a:t>{ </a:t>
-            </a:r>
-          </a:p>
-          <a:p>
-            <a:pPr marL="0" indent="0">
-              <a:buNone/>
-            </a:pPr>
-            <a:r>
-              <a:rPr lang="en-US" sz="1200" dirty="0"/>
-              <a:t>	"update_seq":6,</a:t>
-            </a:r>
-          </a:p>
-          <a:p>
-            <a:pPr marL="0" indent="0">
-              <a:buNone/>
-            </a:pPr>
-            <a:r>
-              <a:rPr lang="en-US" sz="1200" dirty="0"/>
-              <a:t>	 "rows": [ </a:t>
-            </a:r>
-          </a:p>
-          <a:p>
-            <a:pPr marL="0" indent="0">
-              <a:buNone/>
-            </a:pPr>
-            <a:r>
-              <a:rPr lang="en-US" sz="1200" dirty="0"/>
-              <a:t>		{"id": "album3", "key": 2005, "value": 1},</a:t>
-            </a:r>
-          </a:p>
-          <a:p>
-            <a:pPr marL="0" indent="0">
-              <a:buNone/>
-            </a:pPr>
-            <a:r>
-              <a:rPr lang="en-US" sz="1200" dirty="0"/>
-              <a:t>		 {"id": "album2", "key": 2009, "value": 1},</a:t>
-            </a:r>
-          </a:p>
-          <a:p>
-            <a:pPr marL="0" indent="0">
-              <a:buNone/>
-            </a:pPr>
-            <a:r>
-              <a:rPr lang="en-US" sz="1200" dirty="0"/>
-              <a:t>		 {"id": "album4", "key": 2009, "value": 1}, </a:t>
-            </a:r>
-          </a:p>
-          <a:p>
-            <a:pPr marL="0" indent="0">
-              <a:buNone/>
-            </a:pPr>
-            <a:r>
-              <a:rPr lang="en-US" sz="1200" dirty="0"/>
-              <a:t>		{"id": "album5", "key": 2009, "value": 1}, </a:t>
-            </a:r>
-          </a:p>
-          <a:p>
-            <a:pPr marL="0" indent="0">
-              <a:buNone/>
-            </a:pPr>
-            <a:r>
-              <a:rPr lang="en-US" sz="1200" dirty="0"/>
-              <a:t>		{"id": "album1", "key": 2010, "value": 1}</a:t>
-            </a:r>
-          </a:p>
-          <a:p>
-            <a:pPr marL="0" indent="0">
-              <a:buNone/>
-            </a:pPr>
-            <a:r>
-              <a:rPr lang="en-US" sz="1200" dirty="0"/>
-              <a:t> 		]</a:t>
-            </a:r>
-          </a:p>
-          <a:p>
-            <a:pPr marL="0" indent="0">
-              <a:buNone/>
-            </a:pPr>
-            <a:r>
-              <a:rPr lang="en-US" sz="1200" dirty="0"/>
-              <a:t> }</a:t>
-            </a:r>
-          </a:p>
-          <a:p>
-            <a:pPr marL="0" indent="0">
-              <a:buNone/>
-            </a:pPr>
-            <a:endParaRPr lang="en-US" sz="1200" dirty="0"/>
-          </a:p>
-        </p:txBody>
-      </p:sp>
-    </p:spTree>
-    <p:extLst>
-      <p:ext uri="{BB962C8B-B14F-4D97-AF65-F5344CB8AC3E}">
-        <p14:creationId xmlns:p14="http://schemas.microsoft.com/office/powerpoint/2010/main" val="2623533266"/>
-      </p:ext>
-    </p:extLst>
-  </p:cSld>
-  <p:clrMapOvr>
-    <a:masterClrMapping/>
-  </p:clrMapOvr>
-</p:sld>
-</file>
-
-<file path=ppt/slides/slide31.xml><?xml version="1.0" encoding="utf-8"?>
+<file path=ppt/slides/slide33.xml><?xml version="1.0" encoding="utf-8"?>
 <p:sld xmlns:a="http://schemas.openxmlformats.org/drawingml/2006/main" xmlns:r="http://schemas.openxmlformats.org/officeDocument/2006/relationships" xmlns:p="http://schemas.openxmlformats.org/presentationml/2006/main">
   <p:cSld>
     <p:spTree>
@@ -8861,7 +9495,12 @@
             <p:ph type="title"/>
           </p:nvPr>
         </p:nvSpPr>
-        <p:spPr/>
+        <p:spPr>
+          <a:xfrm>
+            <a:off x="1981200" y="228600"/>
+            <a:ext cx="6553200" cy="1184176"/>
+          </a:xfrm>
+        </p:spPr>
         <p:txBody>
           <a:bodyPr/>
           <a:lstStyle/>
@@ -9018,8 +9657,8 @@
         </p:nvSpPr>
         <p:spPr>
           <a:xfrm>
-            <a:off x="1835696" y="1700808"/>
-            <a:ext cx="6698704" cy="3672408"/>
+            <a:off x="1835696" y="1412776"/>
+            <a:ext cx="6698704" cy="3960440"/>
           </a:xfrm>
         </p:spPr>
         <p:txBody>
@@ -9027,87 +9666,56 @@
           <a:lstStyle/>
           <a:p>
             <a:r>
-              <a:rPr lang="en-US" altLang="en-US" sz="1600" dirty="0" smtClean="0">
-                <a:latin typeface="Monaco" charset="0"/>
-              </a:rPr>
-              <a:t>5984 is the </a:t>
-            </a:r>
-            <a:r>
-              <a:rPr lang="en-US" altLang="en-US" sz="1600" dirty="0">
-                <a:latin typeface="Monaco" charset="0"/>
-              </a:rPr>
-              <a:t>port </a:t>
-            </a:r>
-            <a:r>
-              <a:rPr lang="en-US" altLang="en-US" sz="1600" dirty="0" smtClean="0">
-                <a:latin typeface="Monaco" charset="0"/>
-              </a:rPr>
-              <a:t>where </a:t>
-            </a:r>
-            <a:r>
-              <a:rPr lang="en-US" altLang="en-US" sz="1600" dirty="0">
-                <a:latin typeface="Monaco" charset="0"/>
-              </a:rPr>
-              <a:t>Couch </a:t>
-            </a:r>
-            <a:r>
-              <a:rPr lang="en-US" altLang="en-US" sz="1600" dirty="0" smtClean="0">
-                <a:latin typeface="Monaco" charset="0"/>
-              </a:rPr>
-              <a:t>DB server runs</a:t>
-            </a:r>
-          </a:p>
-          <a:p>
-            <a:r>
-              <a:rPr lang="en-US" altLang="en-US" sz="1600" dirty="0" smtClean="0">
-                <a:latin typeface="Monaco" charset="0"/>
-              </a:rPr>
+              <a:rPr lang="en-US" altLang="en-US" sz="2000" dirty="0" err="1" smtClean="0"/>
+              <a:t>CouchDB</a:t>
+            </a:r>
+            <a:r>
+              <a:rPr lang="en-US" altLang="en-US" sz="2000" dirty="0" smtClean="0"/>
+              <a:t> runs on port 5984</a:t>
+            </a:r>
+            <a:endParaRPr lang="en-US" altLang="en-US" sz="2000" dirty="0" smtClean="0"/>
+          </a:p>
+          <a:p>
+            <a:r>
+              <a:rPr lang="en-US" altLang="en-US" sz="2000" dirty="0" smtClean="0"/>
               <a:t>curl </a:t>
             </a:r>
             <a:r>
-              <a:rPr lang="en-US" altLang="en-US" sz="1600" dirty="0">
-                <a:latin typeface="Monaco" charset="0"/>
+              <a:rPr lang="en-US" altLang="en-US" sz="2000" dirty="0">
                 <a:hlinkClick r:id="rId2"/>
               </a:rPr>
               <a:t>http</a:t>
             </a:r>
             <a:r>
-              <a:rPr lang="en-US" altLang="en-US" sz="1600" dirty="0" smtClean="0">
-                <a:latin typeface="Monaco" charset="0"/>
+              <a:rPr lang="en-US" altLang="en-US" sz="2000" dirty="0" smtClean="0">
                 <a:hlinkClick r:id="rId2"/>
               </a:rPr>
               <a:t>://127.0.0.1:5984/</a:t>
             </a:r>
-            <a:endParaRPr lang="en-US" altLang="en-US" sz="1600" dirty="0" smtClean="0">
-              <a:latin typeface="Monaco" charset="0"/>
+            <a:endParaRPr lang="en-US" altLang="en-US" sz="2000" dirty="0" smtClean="0"/>
+          </a:p>
+          <a:p>
+            <a:r>
+              <a:rPr lang="en-IN" sz="2000" dirty="0" smtClean="0"/>
+              <a:t>returns </a:t>
+            </a:r>
+            <a:r>
+              <a:rPr lang="en-IN" sz="2000" dirty="0"/>
+              <a:t>the </a:t>
+            </a:r>
+            <a:r>
+              <a:rPr lang="en-IN" sz="2000" dirty="0" smtClean="0"/>
+              <a:t>server information</a:t>
+            </a:r>
+            <a:endParaRPr lang="en-IN" sz="2000" dirty="0" smtClean="0"/>
+          </a:p>
+          <a:p>
+            <a:pPr marL="0" indent="0">
+              <a:buNone/>
+            </a:pPr>
+            <a:endParaRPr lang="en-IN" dirty="0" smtClean="0">
+              <a:latin typeface="Calibri" panose="020F0502020204030204" pitchFamily="34" charset="0"/>
             </a:endParaRPr>
-          </a:p>
-          <a:p>
-            <a:pPr marL="0" indent="0">
-              <a:buNone/>
-            </a:pPr>
-            <a:r>
-              <a:rPr lang="en-IN" sz="1600" dirty="0"/>
-              <a:t>This </a:t>
-            </a:r>
-            <a:r>
-              <a:rPr lang="en-IN" sz="1600" dirty="0" smtClean="0"/>
-              <a:t>returns </a:t>
-            </a:r>
-            <a:r>
-              <a:rPr lang="en-IN" sz="1600" dirty="0"/>
-              <a:t>the database </a:t>
-            </a:r>
-            <a:r>
-              <a:rPr lang="en-IN" sz="1600" dirty="0" smtClean="0"/>
-              <a:t>information</a:t>
-            </a:r>
-          </a:p>
-          <a:p>
-            <a:pPr marL="0" indent="0">
-              <a:buNone/>
-            </a:pPr>
-            <a:endParaRPr lang="en-IN" dirty="0" smtClean="0"/>
           </a:p>
         </p:txBody>
       </p:sp>
@@ -9119,16 +9727,15 @@
           </p:cNvPicPr>
           <p:nvPr/>
         </p:nvPicPr>
-        <p:blipFill>
+        <p:blipFill rotWithShape="1">
           <a:blip r:embed="rId3"/>
-          <a:stretch>
-            <a:fillRect/>
-          </a:stretch>
+          <a:srcRect l="1494"/>
+          <a:stretch/>
         </p:blipFill>
         <p:spPr>
           <a:xfrm>
-            <a:off x="2411760" y="3212976"/>
-            <a:ext cx="4819650" cy="2457450"/>
+            <a:off x="2483768" y="3645024"/>
+            <a:ext cx="4747642" cy="2448272"/>
           </a:xfrm>
           <a:prstGeom prst="rect">
             <a:avLst/>
@@ -9182,7 +9789,12 @@
             <p:ph type="title"/>
           </p:nvPr>
         </p:nvSpPr>
-        <p:spPr/>
+        <p:spPr>
+          <a:xfrm>
+            <a:off x="1981200" y="228600"/>
+            <a:ext cx="6553200" cy="824136"/>
+          </a:xfrm>
+        </p:spPr>
         <p:txBody>
           <a:bodyPr/>
           <a:lstStyle/>
@@ -9216,56 +9828,23 @@
           <a:p>
             <a:r>
               <a:rPr lang="en-US" altLang="en-US" sz="2000" dirty="0"/>
-              <a:t>curl -X GET http://127.0.0.1:5984/demo </a:t>
-            </a:r>
-            <a:r>
-              <a:rPr lang="en-IN" sz="2000" dirty="0" smtClean="0"/>
-              <a:t>(To </a:t>
-            </a:r>
-            <a:r>
-              <a:rPr lang="en-IN" sz="2000" dirty="0"/>
-              <a:t>obtain the database </a:t>
-            </a:r>
-            <a:r>
-              <a:rPr lang="en-IN" sz="2000" dirty="0" smtClean="0"/>
-              <a:t>information of database demo)</a:t>
-            </a:r>
-          </a:p>
-          <a:p>
-            <a:pPr marL="0" indent="0">
-              <a:buNone/>
-            </a:pPr>
-            <a:r>
-              <a:rPr lang="en-IN" altLang="en-US" sz="2000" dirty="0" smtClean="0">
-                <a:latin typeface="Monaco" charset="0"/>
-              </a:rPr>
-              <a:t>Result </a:t>
-            </a:r>
-            <a:r>
-              <a:rPr lang="en-IN" altLang="en-US" sz="2000" dirty="0" err="1" smtClean="0">
-                <a:latin typeface="Monaco" charset="0"/>
-              </a:rPr>
-              <a:t>eg</a:t>
-            </a:r>
-            <a:r>
-              <a:rPr lang="en-IN" altLang="en-US" sz="2000" dirty="0" smtClean="0">
-                <a:latin typeface="Monaco" charset="0"/>
-              </a:rPr>
-              <a:t>:</a:t>
-            </a:r>
-          </a:p>
-          <a:p>
-            <a:pPr marL="0" indent="0">
-              <a:buNone/>
-            </a:pPr>
-            <a:endParaRPr lang="en-US" altLang="en-US" sz="1600" dirty="0" smtClean="0">
-              <a:latin typeface="Monaco" charset="0"/>
-            </a:endParaRPr>
-          </a:p>
-          <a:p>
-            <a:pPr marL="0" indent="0">
-              <a:buNone/>
-            </a:pPr>
+              <a:t>curl -X </a:t>
+            </a:r>
+            <a:r>
+              <a:rPr lang="en-US" altLang="en-US" sz="2000" b="1" dirty="0"/>
+              <a:t>GET</a:t>
+            </a:r>
+            <a:r>
+              <a:rPr lang="en-US" altLang="en-US" sz="2000" dirty="0"/>
+              <a:t> http://127.0.0.1:5984/demo </a:t>
+            </a:r>
+            <a:endParaRPr lang="en-US" altLang="en-US" sz="2000" dirty="0" smtClean="0"/>
+          </a:p>
+          <a:p>
+            <a:r>
+              <a:rPr lang="en-US" sz="2000" dirty="0" smtClean="0"/>
+              <a:t>Returns the information about database demo </a:t>
+            </a:r>
             <a:endParaRPr lang="en-US" altLang="en-US" sz="1600" dirty="0">
               <a:latin typeface="Monaco" charset="0"/>
             </a:endParaRPr>
@@ -9304,16 +9883,15 @@
           </p:cNvPicPr>
           <p:nvPr/>
         </p:nvPicPr>
-        <p:blipFill>
+        <p:blipFill rotWithShape="1">
           <a:blip r:embed="rId2"/>
-          <a:stretch>
-            <a:fillRect/>
-          </a:stretch>
+          <a:srcRect l="1538" r="1" b="15242"/>
+          <a:stretch/>
         </p:blipFill>
         <p:spPr>
           <a:xfrm>
-            <a:off x="2411760" y="2996952"/>
-            <a:ext cx="4680520" cy="3758334"/>
+            <a:off x="2555776" y="3075856"/>
+            <a:ext cx="4608512" cy="3096344"/>
           </a:xfrm>
           <a:prstGeom prst="rect">
             <a:avLst/>
@@ -9396,7 +9974,7 @@
         </p:nvSpPr>
         <p:spPr>
           <a:xfrm>
-            <a:off x="1980096" y="1224944"/>
+            <a:off x="1981200" y="1556792"/>
             <a:ext cx="6770712" cy="4896544"/>
           </a:xfrm>
         </p:spPr>
@@ -9407,6 +9985,12 @@
             <a:pPr marL="0" indent="0">
               <a:buNone/>
             </a:pPr>
+            <a:r>
+              <a:rPr lang="en-US" altLang="en-US" sz="2000" dirty="0" smtClean="0">
+                <a:latin typeface="Monaco" charset="0"/>
+              </a:rPr>
+              <a:t>Create a database </a:t>
+            </a:r>
             <a:endParaRPr lang="en-US" altLang="en-US" sz="2000" dirty="0">
               <a:latin typeface="Monaco" charset="0"/>
             </a:endParaRPr>
@@ -9422,22 +10006,31 @@
               <a:rPr lang="en-US" altLang="en-US" sz="2000" dirty="0">
                 <a:latin typeface="Monaco" charset="0"/>
               </a:rPr>
-              <a:t>-X PUT http://127.0.0.1:5984/baseball</a:t>
-            </a:r>
-          </a:p>
-          <a:p>
-            <a:pPr>
-              <a:buFont typeface="Times" panose="02020603050405020304" pitchFamily="18" charset="0"/>
-              <a:buNone/>
-            </a:pPr>
+              <a:t>-X </a:t>
+            </a:r>
+            <a:r>
+              <a:rPr lang="en-US" altLang="en-US" sz="2000" b="1" dirty="0">
+                <a:latin typeface="Monaco" charset="0"/>
+              </a:rPr>
+              <a:t>PUT</a:t>
+            </a:r>
             <a:r>
               <a:rPr lang="en-US" altLang="en-US" sz="2000" dirty="0">
                 <a:latin typeface="Monaco" charset="0"/>
               </a:rPr>
-              <a:t>creates a database with the name baseball (database names should be unique)</a:t>
-            </a:r>
-          </a:p>
-          <a:p>
+              <a:t> http://127.0.0.1:5984/baseball</a:t>
+            </a:r>
+          </a:p>
+          <a:p>
+            <a:pPr marL="0" indent="0">
+              <a:buNone/>
+            </a:pPr>
+            <a:r>
+              <a:rPr lang="en-US" altLang="en-US" sz="2000" dirty="0" smtClean="0">
+                <a:latin typeface="Monaco" charset="0"/>
+              </a:rPr>
+              <a:t>Delete a database</a:t>
+            </a:r>
             <a:endParaRPr lang="en-US" altLang="en-US" sz="2000" dirty="0" smtClean="0">
               <a:latin typeface="Monaco" charset="0"/>
             </a:endParaRPr>
@@ -9453,7 +10046,19 @@
               <a:rPr lang="en-US" altLang="en-US" sz="2000" dirty="0">
                 <a:latin typeface="Monaco" charset="0"/>
               </a:rPr>
-              <a:t>-X DELETE http://127.0.0.1:5984/baseball</a:t>
+              <a:t>-X </a:t>
+            </a:r>
+            <a:r>
+              <a:rPr lang="en-US" altLang="en-US" sz="2000" b="1" dirty="0">
+                <a:latin typeface="Monaco" charset="0"/>
+              </a:rPr>
+              <a:t>DELETE</a:t>
+            </a:r>
+            <a:r>
+              <a:rPr lang="en-US" altLang="en-US" sz="2000" dirty="0">
+                <a:latin typeface="Monaco" charset="0"/>
+              </a:rPr>
+              <a:t> http://127.0.0.1:5984/baseball</a:t>
             </a:r>
           </a:p>
           <a:p>
@@ -9568,7 +10173,15 @@
             </a:pPr>
             <a:r>
               <a:rPr lang="en-US" altLang="en-US" sz="2000" dirty="0"/>
-              <a:t>curl -X PUT </a:t>
+              <a:t>curl -X </a:t>
+            </a:r>
+            <a:r>
+              <a:rPr lang="en-US" altLang="en-US" sz="2000" b="1" dirty="0"/>
+              <a:t>PUT</a:t>
+            </a:r>
+            <a:r>
+              <a:rPr lang="en-US" altLang="en-US" sz="2000" dirty="0"/>
+              <a:t> </a:t>
             </a:r>
             <a:r>
               <a:rPr lang="en-US" altLang="en-US" sz="2000" dirty="0">
@@ -9591,6 +10204,10 @@
               </a:lnSpc>
               <a:buNone/>
             </a:pPr>
+            <a:r>
+              <a:rPr lang="en-US" altLang="en-US" sz="2000" dirty="0" smtClean="0"/>
+              <a:t>Create a document</a:t>
+            </a:r>
             <a:endParaRPr lang="en-US" altLang="en-US" sz="2000" dirty="0"/>
           </a:p>
           <a:p>
@@ -9601,7 +10218,15 @@
             </a:pPr>
             <a:r>
               <a:rPr lang="en-US" altLang="en-US" sz="2000" dirty="0"/>
-              <a:t>curl -X PUT http://127.0.0.1:5984/albums/1000 -d '{"</a:t>
+              <a:t>curl -X </a:t>
+            </a:r>
+            <a:r>
+              <a:rPr lang="en-US" altLang="en-US" sz="2000" b="1" dirty="0"/>
+              <a:t>PUT</a:t>
+            </a:r>
+            <a:r>
+              <a:rPr lang="en-US" altLang="en-US" sz="2000" dirty="0"/>
+              <a:t> http://127.0.0.1:5984/albums/1000 -d '{"</a:t>
             </a:r>
             <a:r>
               <a:rPr lang="en-US" altLang="en-US" sz="2000" dirty="0" err="1"/>
@@ -9631,6 +10256,10 @@
               </a:lnSpc>
               <a:buNone/>
             </a:pPr>
+            <a:r>
+              <a:rPr lang="en-US" altLang="en-US" sz="2000" dirty="0" smtClean="0"/>
+              <a:t>Retrieve a document</a:t>
+            </a:r>
             <a:endParaRPr lang="en-US" altLang="en-US" sz="2000" dirty="0"/>
           </a:p>
           <a:p>
@@ -9640,49 +10269,20 @@
               </a:lnSpc>
             </a:pPr>
             <a:r>
-              <a:rPr lang="en-US" altLang="en-US" sz="2000" dirty="0" err="1"/>
-              <a:t>Uuids</a:t>
-            </a:r>
-            <a:r>
               <a:rPr lang="en-US" altLang="en-US" sz="2000" dirty="0"/>
-              <a:t> curl -X GET </a:t>
+              <a:t>curl -X </a:t>
+            </a:r>
+            <a:r>
+              <a:rPr lang="en-US" altLang="en-US" sz="2000" b="1" dirty="0"/>
+              <a:t>GET</a:t>
+            </a:r>
+            <a:r>
+              <a:rPr lang="en-US" altLang="en-US" sz="2000" dirty="0"/>
+              <a:t> </a:t>
             </a:r>
             <a:r>
               <a:rPr lang="en-US" altLang="en-US" sz="2000" dirty="0">
                 <a:hlinkClick r:id="rId3"/>
-              </a:rPr>
-              <a:t>http://127.0.0.1:5984/_</a:t>
-            </a:r>
-            <a:r>
-              <a:rPr lang="en-US" altLang="en-US" sz="2000" dirty="0" smtClean="0">
-                <a:hlinkClick r:id="rId3"/>
-              </a:rPr>
-              <a:t>uuids</a:t>
-            </a:r>
-            <a:endParaRPr lang="en-US" altLang="en-US" sz="2000" dirty="0" smtClean="0"/>
-          </a:p>
-          <a:p>
-            <a:pPr marL="0" indent="0">
-              <a:lnSpc>
-                <a:spcPct val="90000"/>
-              </a:lnSpc>
-              <a:buNone/>
-            </a:pPr>
-            <a:endParaRPr lang="en-US" altLang="en-US" sz="2000" dirty="0"/>
-          </a:p>
-          <a:p>
-            <a:pPr>
-              <a:lnSpc>
-                <a:spcPct val="90000"/>
-              </a:lnSpc>
-            </a:pPr>
-            <a:r>
-              <a:rPr lang="en-US" altLang="en-US" sz="2000" dirty="0"/>
-              <a:t>curl -X GET </a:t>
-            </a:r>
-            <a:r>
-              <a:rPr lang="en-US" altLang="en-US" sz="2000" dirty="0">
-                <a:hlinkClick r:id="rId4"/>
               </a:rPr>
               <a:t>http://127.0.0.1:5984/albums/1000</a:t>
             </a:r>

--- a/Donita/CouchDB.pptx
+++ b/Donita/CouchDB.pptx
@@ -8280,13 +8280,7 @@
               <a:rPr lang="en-US" sz="2000" dirty="0">
                 <a:latin typeface="+mn-lt"/>
               </a:rPr>
-              <a:t>Couch </a:t>
-            </a:r>
-            <a:r>
-              <a:rPr lang="en-US" sz="2000" dirty="0">
-                <a:latin typeface="+mn-lt"/>
-              </a:rPr>
-              <a:t>maintains a different document for every update you </a:t>
+              <a:t>Couch maintains a different document for every update you </a:t>
             </a:r>
             <a:r>
               <a:rPr lang="en-US" sz="2000" dirty="0" smtClean="0">
@@ -8298,19 +8292,7 @@
               <a:rPr lang="en-US" sz="2000" dirty="0">
                 <a:latin typeface="+mn-lt"/>
               </a:rPr>
-              <a:t> </a:t>
-            </a:r>
-            <a:r>
-              <a:rPr lang="en-US" sz="2000" dirty="0">
-                <a:latin typeface="+mn-lt"/>
-              </a:rPr>
-              <a:t>this </a:t>
-            </a:r>
-            <a:r>
-              <a:rPr lang="en-US" sz="2000" dirty="0">
-                <a:latin typeface="+mn-lt"/>
-              </a:rPr>
-              <a:t>fills up your hard disk fast</a:t>
+              <a:t> this fills up your hard disk fast</a:t>
             </a:r>
             <a:endParaRPr lang="en-US" altLang="en-US" sz="2000" dirty="0">
               <a:latin typeface="+mn-lt"/>
@@ -8478,7 +8460,12 @@
             <p:ph type="title"/>
           </p:nvPr>
         </p:nvSpPr>
-        <p:spPr/>
+        <p:spPr>
+          <a:xfrm>
+            <a:off x="1763688" y="228600"/>
+            <a:ext cx="6770712" cy="824136"/>
+          </a:xfrm>
+        </p:spPr>
         <p:txBody>
           <a:bodyPr/>
           <a:lstStyle/>
@@ -8593,16 +8580,7 @@
                 </a:solidFill>
                 <a:latin typeface="+mn-lt"/>
               </a:rPr>
-              <a:t>curl </a:t>
-            </a:r>
-            <a:r>
-              <a:rPr lang="en-US" altLang="en-US" sz="2000" dirty="0">
-                <a:solidFill>
-                  <a:srgbClr val="0070C0"/>
-                </a:solidFill>
-                <a:latin typeface="+mn-lt"/>
-              </a:rPr>
-              <a:t>-X </a:t>
+              <a:t>curl -X </a:t>
             </a:r>
             <a:r>
               <a:rPr lang="en-US" altLang="en-US" sz="2000" dirty="0" smtClean="0">
@@ -8660,25 +8638,7 @@
                 </a:solidFill>
                 <a:latin typeface="+mn-lt"/>
               </a:rPr>
-              <a:t>-X </a:t>
-            </a:r>
-            <a:r>
-              <a:rPr lang="en-US" altLang="en-US" sz="2000" dirty="0">
-                <a:solidFill>
-                  <a:srgbClr val="0070C0"/>
-                </a:solidFill>
-                <a:latin typeface="+mn-lt"/>
-              </a:rPr>
-              <a:t>POST http</a:t>
-            </a:r>
-            <a:r>
-              <a:rPr lang="en-US" altLang="en-US" sz="2000" dirty="0">
-                <a:solidFill>
-                  <a:srgbClr val="0070C0"/>
-                </a:solidFill>
-                <a:latin typeface="+mn-lt"/>
-              </a:rPr>
-              <a:t>://127.0.0.1:5984/albums/_design/view</a:t>
+              <a:t>-X POST http://127.0.0.1:5984/albums/_design/view</a:t>
             </a:r>
           </a:p>
           <a:p>
@@ -8755,8 +8715,8 @@
         </p:nvSpPr>
         <p:spPr>
           <a:xfrm>
-            <a:off x="1981200" y="228600"/>
-            <a:ext cx="6553200" cy="1040160"/>
+            <a:off x="1763688" y="228600"/>
+            <a:ext cx="6770712" cy="896144"/>
           </a:xfrm>
         </p:spPr>
         <p:txBody>
@@ -8764,23 +8724,23 @@
           <a:lstStyle/>
           <a:p>
             <a:r>
-              <a:rPr lang="en-US" dirty="0" smtClean="0"/>
+              <a:rPr lang="en-US" sz="2800" dirty="0" smtClean="0"/>
               <a:t>What Compaction does?</a:t>
             </a:r>
-            <a:endParaRPr lang="en-US" dirty="0"/>
-          </a:p>
-        </p:txBody>
-      </p:sp>
-      <p:sp>
-        <p:nvSpPr>
-          <p:cNvPr id="3" name="Rectangle 2"/>
+            <a:endParaRPr lang="en-US" sz="2800" dirty="0"/>
+          </a:p>
+        </p:txBody>
+      </p:sp>
+      <p:sp>
+        <p:nvSpPr>
+          <p:cNvPr id="4" name="Rectangle 3"/>
           <p:cNvSpPr/>
           <p:nvPr/>
         </p:nvSpPr>
         <p:spPr>
           <a:xfrm>
-            <a:off x="1763688" y="1533465"/>
-            <a:ext cx="5976664" cy="1015663"/>
+            <a:off x="1979712" y="1700808"/>
+            <a:ext cx="6336704" cy="3785652"/>
           </a:xfrm>
           <a:prstGeom prst="rect">
             <a:avLst/>
@@ -8801,48 +8761,40 @@
               </a:buClr>
               <a:buSzPct val="167000"/>
             </a:pPr>
+            <a:r>
+              <a:rPr lang="en-US" altLang="en-US" sz="2000" dirty="0" err="1">
+                <a:latin typeface="+mn-lt"/>
+              </a:rPr>
+              <a:t>i</a:t>
+            </a:r>
+            <a:r>
+              <a:rPr lang="en-US" altLang="en-US" sz="2000" dirty="0" smtClean="0">
+                <a:latin typeface="+mn-lt"/>
+              </a:rPr>
+              <a:t>. </a:t>
+            </a:r>
+            <a:r>
+              <a:rPr lang="en-US" altLang="en-US" sz="2000" dirty="0" smtClean="0">
+                <a:latin typeface="+mn-lt"/>
+              </a:rPr>
+              <a:t>Creates </a:t>
+            </a:r>
+            <a:r>
+              <a:rPr lang="en-US" altLang="en-US" sz="2000" dirty="0">
+                <a:latin typeface="+mn-lt"/>
+              </a:rPr>
+              <a:t>a new </a:t>
+            </a:r>
+            <a:r>
+              <a:rPr lang="en-US" altLang="en-US" sz="2000" dirty="0" smtClean="0">
+                <a:latin typeface="+mn-lt"/>
+              </a:rPr>
+              <a:t>file</a:t>
+            </a:r>
             <a:endParaRPr lang="en-US" altLang="en-US" sz="2000" dirty="0">
               <a:latin typeface="+mn-lt"/>
             </a:endParaRPr>
           </a:p>
-          <a:p>
-            <a:pPr marL="342900" indent="-342900">
-              <a:spcBef>
-                <a:spcPct val="100000"/>
-              </a:spcBef>
-              <a:buClr>
-                <a:schemeClr val="tx1"/>
-              </a:buClr>
-              <a:buSzPct val="167000"/>
-              <a:buFont typeface="Arial" panose="020B0604020202020204" pitchFamily="34" charset="0"/>
-              <a:buChar char="•"/>
-            </a:pPr>
-            <a:endParaRPr lang="en-US" altLang="en-US" sz="2000" dirty="0">
-              <a:latin typeface="+mn-lt"/>
-            </a:endParaRPr>
-          </a:p>
-        </p:txBody>
-      </p:sp>
-      <p:sp>
-        <p:nvSpPr>
-          <p:cNvPr id="4" name="Rectangle 3"/>
-          <p:cNvSpPr/>
-          <p:nvPr/>
-        </p:nvSpPr>
-        <p:spPr>
-          <a:xfrm>
-            <a:off x="1763688" y="1700808"/>
-            <a:ext cx="5976664" cy="4401205"/>
-          </a:xfrm>
-          <a:prstGeom prst="rect">
-            <a:avLst/>
-          </a:prstGeom>
-        </p:spPr>
-        <p:txBody>
-          <a:bodyPr wrap="square">
-            <a:spAutoFit/>
-          </a:bodyPr>
-          <a:lstStyle/>
           <a:p>
             <a:pPr>
               <a:spcBef>
@@ -8854,20 +8806,23 @@
               <a:buSzPct val="167000"/>
             </a:pPr>
             <a:r>
+              <a:rPr lang="en-US" altLang="en-US" sz="2000" dirty="0" smtClean="0">
+                <a:latin typeface="+mn-lt"/>
+              </a:rPr>
+              <a:t>ii. Traverses </a:t>
+            </a:r>
+            <a:r>
               <a:rPr lang="en-US" altLang="en-US" sz="2000" dirty="0">
                 <a:latin typeface="+mn-lt"/>
               </a:rPr>
-              <a:t>1) Creates a new </a:t>
+              <a:t>the DB or View B-Tree and lookups the most recent data pointed </a:t>
             </a:r>
             <a:r>
               <a:rPr lang="en-US" altLang="en-US" sz="2000" dirty="0" smtClean="0">
                 <a:latin typeface="+mn-lt"/>
               </a:rPr>
-              <a:t>file</a:t>
-            </a:r>
-            <a:endParaRPr lang="en-US" altLang="en-US" sz="2000" dirty="0">
-              <a:latin typeface="+mn-lt"/>
-            </a:endParaRPr>
+              <a:t>by each node</a:t>
+            </a:r>
           </a:p>
           <a:p>
             <a:pPr>
@@ -8880,29 +8835,26 @@
               <a:buSzPct val="167000"/>
             </a:pPr>
             <a:r>
+              <a:rPr lang="en-US" altLang="en-US" sz="2000" dirty="0" smtClean="0">
+                <a:latin typeface="+mn-lt"/>
+              </a:rPr>
+              <a:t>iii. Writes </a:t>
+            </a:r>
+            <a:r>
               <a:rPr lang="en-US" altLang="en-US" sz="2000" dirty="0">
                 <a:latin typeface="+mn-lt"/>
               </a:rPr>
-              <a:t>2) </a:t>
+              <a:t>that most recent data to the new </a:t>
             </a:r>
             <a:r>
               <a:rPr lang="en-US" altLang="en-US" sz="2000" dirty="0" smtClean="0">
                 <a:latin typeface="+mn-lt"/>
               </a:rPr>
-              <a:t>Traverses </a:t>
-            </a:r>
-            <a:r>
-              <a:rPr lang="en-US" altLang="en-US" sz="2000" dirty="0">
-                <a:latin typeface="+mn-lt"/>
-              </a:rPr>
-              <a:t>the DB or View B-Tree and lookups the most recent data pointed </a:t>
-            </a:r>
-            <a:r>
-              <a:rPr lang="en-US" altLang="en-US" sz="2000" dirty="0" smtClean="0">
-                <a:latin typeface="+mn-lt"/>
-              </a:rPr>
-              <a:t>by each node</a:t>
-            </a:r>
+              <a:t>file</a:t>
+            </a:r>
+            <a:endParaRPr lang="en-US" altLang="en-US" sz="2000" dirty="0">
+              <a:latin typeface="+mn-lt"/>
+            </a:endParaRPr>
           </a:p>
           <a:p>
             <a:pPr>
@@ -8918,45 +8870,13 @@
               <a:rPr lang="en-US" altLang="en-US" sz="2000" dirty="0" smtClean="0">
                 <a:latin typeface="+mn-lt"/>
               </a:rPr>
-              <a:t>3</a:t>
-            </a:r>
-            <a:r>
-              <a:rPr lang="en-US" altLang="en-US" sz="2000" dirty="0">
-                <a:latin typeface="+mn-lt"/>
-              </a:rPr>
-              <a:t>) Writes that most recent data to the new </a:t>
+              <a:t>iv. deletes </a:t>
             </a:r>
             <a:r>
               <a:rPr lang="en-US" altLang="en-US" sz="2000" dirty="0" smtClean="0">
                 <a:latin typeface="+mn-lt"/>
               </a:rPr>
-              <a:t>file</a:t>
-            </a:r>
-            <a:endParaRPr lang="en-US" altLang="en-US" sz="2000" dirty="0">
-              <a:latin typeface="+mn-lt"/>
-            </a:endParaRPr>
-          </a:p>
-          <a:p>
-            <a:pPr>
-              <a:spcBef>
-                <a:spcPct val="100000"/>
-              </a:spcBef>
-              <a:buClr>
-                <a:schemeClr val="tx1"/>
-              </a:buClr>
-              <a:buSzPct val="167000"/>
-            </a:pPr>
-            <a:r>
-              <a:rPr lang="en-US" altLang="en-US" sz="2000" dirty="0">
-                <a:latin typeface="+mn-lt"/>
-              </a:rPr>
-              <a:t>4) </a:t>
-            </a:r>
-            <a:r>
-              <a:rPr lang="en-US" altLang="en-US" sz="2000" dirty="0" smtClean="0">
-                <a:latin typeface="+mn-lt"/>
-              </a:rPr>
-              <a:t>It deletes the original file and </a:t>
+              <a:t>the original file and </a:t>
             </a:r>
             <a:r>
               <a:rPr lang="en-US" altLang="en-US" sz="2000" dirty="0">
@@ -8964,9 +8884,6 @@
               </a:rPr>
               <a:t>renames the compacted file to the original DB/View file name.</a:t>
             </a:r>
-            <a:endParaRPr lang="en-US" altLang="en-US" sz="2000" dirty="0">
-              <a:latin typeface="+mn-lt"/>
-            </a:endParaRPr>
           </a:p>
           <a:p>
             <a:pPr marL="342900" indent="-342900">
@@ -9673,7 +9590,6 @@
               <a:rPr lang="en-US" altLang="en-US" sz="2000" dirty="0" smtClean="0"/>
               <a:t> runs on port 5984</a:t>
             </a:r>
-            <a:endParaRPr lang="en-US" altLang="en-US" sz="2000" dirty="0" smtClean="0"/>
           </a:p>
           <a:p>
             <a:r>
@@ -9681,7 +9597,15 @@
               <a:t>curl </a:t>
             </a:r>
             <a:r>
-              <a:rPr lang="en-US" altLang="en-US" sz="2000" dirty="0">
+              <a:rPr lang="en-US" altLang="en-US" sz="2000" dirty="0"/>
+              <a:t>-</a:t>
+            </a:r>
+            <a:r>
+              <a:rPr lang="en-US" altLang="en-US" sz="2000" dirty="0" smtClean="0"/>
+              <a:t>X GET </a:t>
+            </a:r>
+            <a:r>
+              <a:rPr lang="en-US" altLang="en-US" sz="2000" dirty="0" smtClean="0">
                 <a:hlinkClick r:id="rId2"/>
               </a:rPr>
               <a:t>http</a:t>
@@ -9707,7 +9631,6 @@
               <a:rPr lang="en-IN" sz="2000" dirty="0" smtClean="0"/>
               <a:t>server information</a:t>
             </a:r>
-            <a:endParaRPr lang="en-IN" sz="2000" dirty="0" smtClean="0"/>
           </a:p>
           <a:p>
             <a:pPr marL="0" indent="0">
@@ -10031,9 +9954,6 @@
               </a:rPr>
               <a:t>Delete a database</a:t>
             </a:r>
-            <a:endParaRPr lang="en-US" altLang="en-US" sz="2000" dirty="0" smtClean="0">
-              <a:latin typeface="Monaco" charset="0"/>
-            </a:endParaRPr>
           </a:p>
           <a:p>
             <a:r>

--- a/Donita/CouchDB.pptx
+++ b/Donita/CouchDB.pptx
@@ -5,10 +5,10 @@
     <p:sldMasterId id="2147483648" r:id="rId2"/>
   </p:sldMasterIdLst>
   <p:notesMasterIdLst>
-    <p:notesMasterId r:id="rId36"/>
+    <p:notesMasterId r:id="rId42"/>
   </p:notesMasterIdLst>
   <p:handoutMasterIdLst>
-    <p:handoutMasterId r:id="rId37"/>
+    <p:handoutMasterId r:id="rId43"/>
   </p:handoutMasterIdLst>
   <p:sldIdLst>
     <p:sldId id="256" r:id="rId3"/>
@@ -21,29 +21,35 @@
     <p:sldId id="265" r:id="rId10"/>
     <p:sldId id="263" r:id="rId11"/>
     <p:sldId id="264" r:id="rId12"/>
-    <p:sldId id="279" r:id="rId13"/>
-    <p:sldId id="267" r:id="rId14"/>
-    <p:sldId id="268" r:id="rId15"/>
-    <p:sldId id="271" r:id="rId16"/>
-    <p:sldId id="273" r:id="rId17"/>
-    <p:sldId id="274" r:id="rId18"/>
-    <p:sldId id="275" r:id="rId19"/>
-    <p:sldId id="276" r:id="rId20"/>
-    <p:sldId id="277" r:id="rId21"/>
-    <p:sldId id="272" r:id="rId22"/>
-    <p:sldId id="278" r:id="rId23"/>
-    <p:sldId id="295" r:id="rId24"/>
-    <p:sldId id="297" r:id="rId25"/>
-    <p:sldId id="299" r:id="rId26"/>
-    <p:sldId id="300" r:id="rId27"/>
-    <p:sldId id="301" r:id="rId28"/>
-    <p:sldId id="302" r:id="rId29"/>
-    <p:sldId id="303" r:id="rId30"/>
-    <p:sldId id="282" r:id="rId31"/>
-    <p:sldId id="304" r:id="rId32"/>
-    <p:sldId id="305" r:id="rId33"/>
-    <p:sldId id="281" r:id="rId34"/>
-    <p:sldId id="280" r:id="rId35"/>
+    <p:sldId id="306" r:id="rId13"/>
+    <p:sldId id="307" r:id="rId14"/>
+    <p:sldId id="308" r:id="rId15"/>
+    <p:sldId id="309" r:id="rId16"/>
+    <p:sldId id="310" r:id="rId17"/>
+    <p:sldId id="311" r:id="rId18"/>
+    <p:sldId id="312" r:id="rId19"/>
+    <p:sldId id="313" r:id="rId20"/>
+    <p:sldId id="268" r:id="rId21"/>
+    <p:sldId id="271" r:id="rId22"/>
+    <p:sldId id="273" r:id="rId23"/>
+    <p:sldId id="274" r:id="rId24"/>
+    <p:sldId id="275" r:id="rId25"/>
+    <p:sldId id="276" r:id="rId26"/>
+    <p:sldId id="277" r:id="rId27"/>
+    <p:sldId id="272" r:id="rId28"/>
+    <p:sldId id="278" r:id="rId29"/>
+    <p:sldId id="295" r:id="rId30"/>
+    <p:sldId id="297" r:id="rId31"/>
+    <p:sldId id="299" r:id="rId32"/>
+    <p:sldId id="300" r:id="rId33"/>
+    <p:sldId id="301" r:id="rId34"/>
+    <p:sldId id="302" r:id="rId35"/>
+    <p:sldId id="303" r:id="rId36"/>
+    <p:sldId id="282" r:id="rId37"/>
+    <p:sldId id="304" r:id="rId38"/>
+    <p:sldId id="305" r:id="rId39"/>
+    <p:sldId id="281" r:id="rId40"/>
+    <p:sldId id="280" r:id="rId41"/>
   </p:sldIdLst>
   <p:sldSz cx="9144000" cy="6858000" type="screen4x3"/>
   <p:notesSz cx="6858000" cy="9144000"/>
@@ -194,11 +200,7 @@
 <file path=ppt/commentAuthors.xml><?xml version="1.0" encoding="utf-8"?>
 <p:cmAuthorLst xmlns:a="http://schemas.openxmlformats.org/drawingml/2006/main" xmlns:r="http://schemas.openxmlformats.org/officeDocument/2006/relationships" xmlns:p="http://schemas.openxmlformats.org/presentationml/2006/main">
   <p:cmAuthor id="1" name="Donita Almeida" initials="DA" lastIdx="1" clrIdx="0">
-    <p:extLst>
-      <p:ext uri="{19B8F6BF-5375-455C-9EA6-DF929625EA0E}">
-        <p15:presenceInfo xmlns:p15="http://schemas.microsoft.com/office/powerpoint/2012/main" userId="b9e02739a4763f89" providerId="Windows Live"/>
-      </p:ext>
-    </p:extLst>
+    <p:extLst/>
   </p:cmAuthor>
 </p:cmAuthorLst>
 </file>
@@ -1168,7 +1170,7 @@
             <a:fld id="{CEC76FE6-18FF-4904-A79F-D11B604C1BF0}" type="slidenum">
               <a:rPr lang="en-US" smtClean="0"/>
               <a:pPr/>
-              <a:t>13</a:t>
+              <a:t>19</a:t>
             </a:fld>
             <a:endParaRPr lang="en-US"/>
           </a:p>
@@ -4828,7 +4830,11 @@
           <a:bodyPr/>
           <a:lstStyle/>
           <a:p>
-            <a:endParaRPr lang="en-IN"/>
+            <a:r>
+              <a:rPr lang="en-IN" dirty="0" smtClean="0"/>
+              <a:t>Availability and Partition Tolerance</a:t>
+            </a:r>
+            <a:endParaRPr lang="en-IN" dirty="0"/>
           </a:p>
         </p:txBody>
       </p:sp>
@@ -4842,19 +4848,78 @@
             <p:ph idx="1"/>
           </p:nvPr>
         </p:nvSpPr>
-        <p:spPr/>
+        <p:spPr>
+          <a:xfrm>
+            <a:off x="1331640" y="1371600"/>
+            <a:ext cx="7202760" cy="4800600"/>
+          </a:xfrm>
+        </p:spPr>
         <p:txBody>
           <a:bodyPr/>
           <a:lstStyle/>
           <a:p>
-            <a:endParaRPr lang="en-IN"/>
+            <a:r>
+              <a:rPr lang="en-IN" dirty="0" smtClean="0"/>
+              <a:t>Every Node in the network is a Master</a:t>
+            </a:r>
+          </a:p>
+          <a:p>
+            <a:r>
+              <a:rPr lang="en-IN" dirty="0" err="1" smtClean="0"/>
+              <a:t>CouchDB</a:t>
+            </a:r>
+            <a:r>
+              <a:rPr lang="en-IN" dirty="0" smtClean="0"/>
+              <a:t> is highly available and eventually consistent</a:t>
+            </a:r>
+          </a:p>
+          <a:p>
+            <a:r>
+              <a:rPr lang="en-IN" dirty="0" smtClean="0"/>
+              <a:t>For making the System Highly available, </a:t>
+            </a:r>
+            <a:r>
+              <a:rPr lang="en-IN" dirty="0" err="1" smtClean="0"/>
+              <a:t>couchdb</a:t>
+            </a:r>
+            <a:r>
+              <a:rPr lang="en-IN" dirty="0" smtClean="0"/>
+              <a:t> has used two concepts:</a:t>
+            </a:r>
+          </a:p>
+          <a:p>
+            <a:pPr marL="0" indent="0">
+              <a:buNone/>
+            </a:pPr>
+            <a:r>
+              <a:rPr lang="en-IN" dirty="0"/>
+              <a:t>	</a:t>
+            </a:r>
+            <a:r>
+              <a:rPr lang="en-IN" dirty="0" smtClean="0"/>
+              <a:t>1. Key to your Data</a:t>
+            </a:r>
+          </a:p>
+          <a:p>
+            <a:pPr marL="0" indent="0">
+              <a:buNone/>
+            </a:pPr>
+            <a:r>
+              <a:rPr lang="en-IN" dirty="0"/>
+              <a:t>	2</a:t>
+            </a:r>
+            <a:r>
+              <a:rPr lang="en-IN" dirty="0" smtClean="0"/>
+              <a:t>. Multi – version Concurrency Control</a:t>
+            </a:r>
+            <a:endParaRPr lang="en-IN" dirty="0"/>
           </a:p>
         </p:txBody>
       </p:sp>
     </p:spTree>
     <p:extLst>
       <p:ext uri="{BB962C8B-B14F-4D97-AF65-F5344CB8AC3E}">
-        <p14:creationId xmlns:p14="http://schemas.microsoft.com/office/powerpoint/2010/main" val="2570132172"/>
+        <p14:creationId xmlns:p14="http://schemas.microsoft.com/office/powerpoint/2010/main" val="976725854"/>
       </p:ext>
     </p:extLst>
   </p:cSld>
@@ -4904,14 +4969,10 @@
           <a:lstStyle/>
           <a:p>
             <a:r>
-              <a:rPr lang="en-IN" dirty="0"/>
-              <a:t>Replication </a:t>
-            </a:r>
-            <a:r>
-              <a:rPr lang="en-IN" dirty="0" smtClean="0"/>
-              <a:t>API via curl</a:t>
-            </a:r>
-            <a:endParaRPr lang="en-IN" dirty="0"/>
+              <a:rPr lang="en-US" dirty="0" smtClean="0"/>
+              <a:t>Key To Your Data</a:t>
+            </a:r>
+            <a:endParaRPr lang="en-US" dirty="0"/>
           </a:p>
         </p:txBody>
       </p:sp>
@@ -4925,109 +4986,41 @@
             <p:ph idx="1"/>
           </p:nvPr>
         </p:nvSpPr>
-        <p:spPr>
-          <a:xfrm>
-            <a:off x="1691680" y="1700808"/>
-            <a:ext cx="6842720" cy="4800600"/>
-          </a:xfrm>
-        </p:spPr>
+        <p:spPr/>
         <p:txBody>
           <a:bodyPr/>
           <a:lstStyle/>
           <a:p>
             <a:r>
-              <a:rPr lang="en-IN" sz="2000" dirty="0"/>
-              <a:t>Command to replicate a Database :</a:t>
-            </a:r>
-          </a:p>
-          <a:p>
-            <a:pPr>
-              <a:lnSpc>
-                <a:spcPct val="150000"/>
-              </a:lnSpc>
-            </a:pPr>
-            <a:r>
-              <a:rPr lang="en-IN" sz="2000" dirty="0" smtClean="0"/>
-              <a:t>curl –</a:t>
-            </a:r>
-            <a:r>
-              <a:rPr lang="en-IN" sz="2000" dirty="0" err="1" smtClean="0"/>
-              <a:t>vX</a:t>
-            </a:r>
-            <a:r>
-              <a:rPr lang="en-IN" sz="2000" dirty="0" smtClean="0"/>
-              <a:t> </a:t>
-            </a:r>
-            <a:r>
-              <a:rPr lang="en-IN" sz="2000" b="1" dirty="0"/>
-              <a:t>POST</a:t>
-            </a:r>
-            <a:r>
-              <a:rPr lang="en-IN" sz="2000" dirty="0"/>
-              <a:t> http://127.0.0.1:5984</a:t>
-            </a:r>
-            <a:r>
-              <a:rPr lang="en-IN" sz="2000" dirty="0" smtClean="0"/>
-              <a:t>/     </a:t>
-            </a:r>
-            <a:r>
-              <a:rPr lang="en-IN" sz="2000" dirty="0"/>
-              <a:t>_replicate \ -d '{"</a:t>
-            </a:r>
-            <a:r>
-              <a:rPr lang="en-IN" sz="2000" b="1" dirty="0" err="1"/>
-              <a:t>source</a:t>
-            </a:r>
-            <a:r>
-              <a:rPr lang="en-IN" sz="2000" dirty="0" err="1"/>
-              <a:t>":"albums","</a:t>
-            </a:r>
-            <a:r>
-              <a:rPr lang="en-IN" sz="2000" b="1" dirty="0" err="1"/>
-              <a:t>target</a:t>
-            </a:r>
-            <a:r>
-              <a:rPr lang="en-IN" sz="2000" dirty="0" smtClean="0"/>
-              <a:t>":    </a:t>
-            </a:r>
-            <a:r>
-              <a:rPr lang="en-IN" sz="2000" dirty="0"/>
-              <a:t>"</a:t>
-            </a:r>
-            <a:r>
-              <a:rPr lang="en-IN" sz="2000" dirty="0" err="1"/>
-              <a:t>albums_replica</a:t>
-            </a:r>
-            <a:r>
-              <a:rPr lang="en-IN" sz="2000" dirty="0"/>
-              <a:t>"}'</a:t>
-            </a:r>
-          </a:p>
-          <a:p>
-            <a:pPr marL="0" indent="0">
-              <a:buNone/>
-            </a:pPr>
-            <a:endParaRPr lang="en-IN" dirty="0"/>
+              <a:rPr lang="en-US" dirty="0" smtClean="0"/>
+              <a:t>B-tree storage engine</a:t>
+            </a:r>
+          </a:p>
+          <a:p>
+            <a:r>
+              <a:rPr lang="en-US" dirty="0" smtClean="0"/>
+              <a:t>This storage engine allows the data to be stored in sorted order based on the keys assigned to each document.</a:t>
+            </a:r>
+          </a:p>
+          <a:p>
+            <a:r>
+              <a:rPr lang="en-US" dirty="0" smtClean="0"/>
+              <a:t>Allows to perform search, insertion and deletion in logarithmic time.</a:t>
+            </a:r>
+            <a:endParaRPr lang="en-US" dirty="0"/>
           </a:p>
         </p:txBody>
       </p:sp>
     </p:spTree>
     <p:extLst>
       <p:ext uri="{BB962C8B-B14F-4D97-AF65-F5344CB8AC3E}">
-        <p14:creationId xmlns:p14="http://schemas.microsoft.com/office/powerpoint/2010/main" val="3616935363"/>
+        <p14:creationId xmlns:p14="http://schemas.microsoft.com/office/powerpoint/2010/main" val="466430510"/>
       </p:ext>
     </p:extLst>
   </p:cSld>
   <p:clrMapOvr>
     <a:masterClrMapping/>
   </p:clrMapOvr>
-  <p:timing>
-    <p:tnLst>
-      <p:par>
-        <p:cTn id="1" dur="indefinite" restart="never" nodeType="tmRoot"/>
-      </p:par>
-    </p:tnLst>
-  </p:timing>
 </p:sld>
 </file>
 
@@ -5058,6 +5051,820 @@
             <p:ph type="title"/>
           </p:nvPr>
         </p:nvSpPr>
+        <p:spPr/>
+        <p:txBody>
+          <a:bodyPr/>
+          <a:lstStyle/>
+          <a:p>
+            <a:r>
+              <a:rPr lang="en-US" dirty="0" smtClean="0"/>
+              <a:t>Multi Version Concurrency Control</a:t>
+            </a:r>
+            <a:endParaRPr lang="en-US" dirty="0"/>
+          </a:p>
+        </p:txBody>
+      </p:sp>
+      <p:sp>
+        <p:nvSpPr>
+          <p:cNvPr id="3" name="Content Placeholder 2"/>
+          <p:cNvSpPr>
+            <a:spLocks noGrp="1"/>
+          </p:cNvSpPr>
+          <p:nvPr>
+            <p:ph idx="1"/>
+          </p:nvPr>
+        </p:nvSpPr>
+        <p:spPr>
+          <a:xfrm>
+            <a:off x="1259632" y="1371600"/>
+            <a:ext cx="7274768" cy="4800600"/>
+          </a:xfrm>
+        </p:spPr>
+        <p:txBody>
+          <a:bodyPr/>
+          <a:lstStyle/>
+          <a:p>
+            <a:r>
+              <a:rPr lang="en-US" dirty="0" smtClean="0"/>
+              <a:t>In relational database, locks are used to ensure that a row is updated by only 1 user at a time. But this approach waste a lot of time.</a:t>
+            </a:r>
+          </a:p>
+          <a:p>
+            <a:r>
+              <a:rPr lang="en-US" dirty="0" smtClean="0"/>
+              <a:t>To avoid it </a:t>
+            </a:r>
+            <a:r>
+              <a:rPr lang="en-US" dirty="0" err="1" smtClean="0"/>
+              <a:t>CouchDB</a:t>
+            </a:r>
+            <a:r>
+              <a:rPr lang="en-US" dirty="0" smtClean="0"/>
+              <a:t> uses MVCC, where different versions of same document are created.</a:t>
+            </a:r>
+          </a:p>
+          <a:p>
+            <a:r>
+              <a:rPr lang="en-US" dirty="0" smtClean="0"/>
+              <a:t>i.e. update on documents create a new </a:t>
+            </a:r>
+            <a:r>
+              <a:rPr lang="en-US" dirty="0" err="1" smtClean="0"/>
+              <a:t>verson</a:t>
+            </a:r>
+            <a:r>
+              <a:rPr lang="en-US" dirty="0" smtClean="0"/>
+              <a:t> at some other place and old version is also present.</a:t>
+            </a:r>
+            <a:endParaRPr lang="en-US" dirty="0"/>
+          </a:p>
+        </p:txBody>
+      </p:sp>
+    </p:spTree>
+    <p:extLst>
+      <p:ext uri="{BB962C8B-B14F-4D97-AF65-F5344CB8AC3E}">
+        <p14:creationId xmlns:p14="http://schemas.microsoft.com/office/powerpoint/2010/main" val="982270020"/>
+      </p:ext>
+    </p:extLst>
+  </p:cSld>
+  <p:clrMapOvr>
+    <a:masterClrMapping/>
+  </p:clrMapOvr>
+</p:sld>
+</file>
+
+<file path=ppt/slides/slide14.xml><?xml version="1.0" encoding="utf-8"?>
+<p:sld xmlns:a="http://schemas.openxmlformats.org/drawingml/2006/main" xmlns:r="http://schemas.openxmlformats.org/officeDocument/2006/relationships" xmlns:p="http://schemas.openxmlformats.org/presentationml/2006/main">
+  <p:cSld>
+    <p:spTree>
+      <p:nvGrpSpPr>
+        <p:cNvPr id="1" name=""/>
+        <p:cNvGrpSpPr/>
+        <p:nvPr/>
+      </p:nvGrpSpPr>
+      <p:grpSpPr>
+        <a:xfrm>
+          <a:off x="0" y="0"/>
+          <a:ext cx="0" cy="0"/>
+          <a:chOff x="0" y="0"/>
+          <a:chExt cx="0" cy="0"/>
+        </a:xfrm>
+      </p:grpSpPr>
+      <p:sp>
+        <p:nvSpPr>
+          <p:cNvPr id="2" name="Title 1"/>
+          <p:cNvSpPr>
+            <a:spLocks noGrp="1"/>
+          </p:cNvSpPr>
+          <p:nvPr>
+            <p:ph type="title"/>
+          </p:nvPr>
+        </p:nvSpPr>
+        <p:spPr/>
+        <p:txBody>
+          <a:bodyPr/>
+          <a:lstStyle/>
+          <a:p>
+            <a:r>
+              <a:rPr lang="en-US" dirty="0" smtClean="0"/>
+              <a:t>Eventual Consistency</a:t>
+            </a:r>
+            <a:endParaRPr lang="en-US" dirty="0"/>
+          </a:p>
+        </p:txBody>
+      </p:sp>
+      <p:sp>
+        <p:nvSpPr>
+          <p:cNvPr id="3" name="Content Placeholder 2"/>
+          <p:cNvSpPr>
+            <a:spLocks noGrp="1"/>
+          </p:cNvSpPr>
+          <p:nvPr>
+            <p:ph idx="1"/>
+          </p:nvPr>
+        </p:nvSpPr>
+        <p:spPr>
+          <a:xfrm>
+            <a:off x="1259632" y="1371600"/>
+            <a:ext cx="7274768" cy="5153744"/>
+          </a:xfrm>
+        </p:spPr>
+        <p:txBody>
+          <a:bodyPr/>
+          <a:lstStyle/>
+          <a:p>
+            <a:r>
+              <a:rPr lang="en-US" dirty="0" smtClean="0"/>
+              <a:t>It uses incremental replication, where document changes is periodically communicated between servers.</a:t>
+            </a:r>
+          </a:p>
+          <a:p>
+            <a:r>
+              <a:rPr lang="en-US" dirty="0" smtClean="0"/>
+              <a:t>With this approach, the servers need not be in constant connection.</a:t>
+            </a:r>
+          </a:p>
+          <a:p>
+            <a:endParaRPr lang="en-US" dirty="0"/>
+          </a:p>
+        </p:txBody>
+      </p:sp>
+      <p:pic>
+        <p:nvPicPr>
+          <p:cNvPr id="4" name="Picture 3"/>
+          <p:cNvPicPr>
+            <a:picLocks noChangeAspect="1"/>
+          </p:cNvPicPr>
+          <p:nvPr/>
+        </p:nvPicPr>
+        <p:blipFill>
+          <a:blip r:embed="rId2"/>
+          <a:stretch>
+            <a:fillRect/>
+          </a:stretch>
+        </p:blipFill>
+        <p:spPr>
+          <a:xfrm>
+            <a:off x="1970471" y="3717032"/>
+            <a:ext cx="5283200" cy="2679576"/>
+          </a:xfrm>
+          <a:prstGeom prst="rect">
+            <a:avLst/>
+          </a:prstGeom>
+        </p:spPr>
+      </p:pic>
+    </p:spTree>
+    <p:extLst>
+      <p:ext uri="{BB962C8B-B14F-4D97-AF65-F5344CB8AC3E}">
+        <p14:creationId xmlns:p14="http://schemas.microsoft.com/office/powerpoint/2010/main" val="1305431651"/>
+      </p:ext>
+    </p:extLst>
+  </p:cSld>
+  <p:clrMapOvr>
+    <a:masterClrMapping/>
+  </p:clrMapOvr>
+</p:sld>
+</file>
+
+<file path=ppt/slides/slide15.xml><?xml version="1.0" encoding="utf-8"?>
+<p:sld xmlns:a="http://schemas.openxmlformats.org/drawingml/2006/main" xmlns:r="http://schemas.openxmlformats.org/officeDocument/2006/relationships" xmlns:p="http://schemas.openxmlformats.org/presentationml/2006/main">
+  <p:cSld>
+    <p:spTree>
+      <p:nvGrpSpPr>
+        <p:cNvPr id="1" name=""/>
+        <p:cNvGrpSpPr/>
+        <p:nvPr/>
+      </p:nvGrpSpPr>
+      <p:grpSpPr>
+        <a:xfrm>
+          <a:off x="0" y="0"/>
+          <a:ext cx="0" cy="0"/>
+          <a:chOff x="0" y="0"/>
+          <a:chExt cx="0" cy="0"/>
+        </a:xfrm>
+      </p:grpSpPr>
+      <p:sp>
+        <p:nvSpPr>
+          <p:cNvPr id="2" name="Title 1"/>
+          <p:cNvSpPr>
+            <a:spLocks noGrp="1"/>
+          </p:cNvSpPr>
+          <p:nvPr>
+            <p:ph type="title"/>
+          </p:nvPr>
+        </p:nvSpPr>
+        <p:spPr/>
+        <p:txBody>
+          <a:bodyPr/>
+          <a:lstStyle/>
+          <a:p>
+            <a:r>
+              <a:rPr lang="en-IN" dirty="0"/>
+              <a:t>Replication </a:t>
+            </a:r>
+            <a:r>
+              <a:rPr lang="en-IN" dirty="0" smtClean="0"/>
+              <a:t>API via curl</a:t>
+            </a:r>
+            <a:endParaRPr lang="en-IN" dirty="0"/>
+          </a:p>
+        </p:txBody>
+      </p:sp>
+      <p:sp>
+        <p:nvSpPr>
+          <p:cNvPr id="3" name="Content Placeholder 2"/>
+          <p:cNvSpPr>
+            <a:spLocks noGrp="1"/>
+          </p:cNvSpPr>
+          <p:nvPr>
+            <p:ph idx="1"/>
+          </p:nvPr>
+        </p:nvSpPr>
+        <p:spPr>
+          <a:xfrm>
+            <a:off x="1259632" y="1371600"/>
+            <a:ext cx="7274768" cy="4800600"/>
+          </a:xfrm>
+        </p:spPr>
+        <p:txBody>
+          <a:bodyPr/>
+          <a:lstStyle/>
+          <a:p>
+            <a:r>
+              <a:rPr lang="en-IN" sz="2000" dirty="0"/>
+              <a:t>Command to replicate a Database :</a:t>
+            </a:r>
+          </a:p>
+          <a:p>
+            <a:r>
+              <a:rPr lang="en-US" sz="2000" dirty="0"/>
+              <a:t>curl -X POST </a:t>
+            </a:r>
+            <a:r>
+              <a:rPr lang="en-US" sz="2000" dirty="0">
+                <a:hlinkClick r:id="rId2"/>
+              </a:rPr>
+              <a:t>http://127.0.0.1:5984/_</a:t>
+            </a:r>
+            <a:r>
+              <a:rPr lang="en-US" sz="2000" dirty="0" smtClean="0">
+                <a:hlinkClick r:id="rId2"/>
+              </a:rPr>
+              <a:t>replicate</a:t>
+            </a:r>
+            <a:r>
+              <a:rPr lang="en-US" sz="2000" dirty="0"/>
+              <a:t> </a:t>
+            </a:r>
+            <a:r>
+              <a:rPr lang="en-US" sz="2000" dirty="0" smtClean="0"/>
+              <a:t>-d </a:t>
+            </a:r>
+            <a:r>
+              <a:rPr lang="en-US" sz="2000" dirty="0"/>
+              <a:t>'{"</a:t>
+            </a:r>
+            <a:r>
+              <a:rPr lang="en-US" sz="2000" dirty="0" err="1"/>
+              <a:t>source":"http</a:t>
+            </a:r>
+            <a:r>
+              <a:rPr lang="en-US" sz="2000" dirty="0"/>
+              <a:t>://</a:t>
+            </a:r>
+            <a:r>
+              <a:rPr lang="en-US" sz="2000" dirty="0" err="1"/>
+              <a:t>example.org</a:t>
+            </a:r>
+            <a:r>
+              <a:rPr lang="en-US" sz="2000" dirty="0"/>
+              <a:t>/database", "</a:t>
+            </a:r>
+            <a:r>
+              <a:rPr lang="en-US" sz="2000" dirty="0" err="1"/>
+              <a:t>target":"http</a:t>
+            </a:r>
+            <a:r>
+              <a:rPr lang="en-US" sz="2000" dirty="0"/>
+              <a:t>://admin:password@127.0.0.1:5984/database"}' -H "Content-Type: </a:t>
+            </a:r>
+            <a:r>
+              <a:rPr lang="en-US" sz="2000" dirty="0" smtClean="0"/>
+              <a:t>application/</a:t>
+            </a:r>
+            <a:r>
+              <a:rPr lang="en-US" sz="2000" dirty="0" err="1" smtClean="0"/>
+              <a:t>json</a:t>
+            </a:r>
+            <a:r>
+              <a:rPr lang="en-US" sz="2000" dirty="0" smtClean="0"/>
+              <a:t>”</a:t>
+            </a:r>
+            <a:endParaRPr lang="en-IN" dirty="0"/>
+          </a:p>
+          <a:p>
+            <a:r>
+              <a:rPr lang="en-IN" sz="2000" dirty="0" smtClean="0"/>
+              <a:t>This is unidirectional command. To make the replication </a:t>
+            </a:r>
+            <a:r>
+              <a:rPr lang="en-IN" sz="2000" dirty="0" err="1" smtClean="0"/>
+              <a:t>bydirectional</a:t>
+            </a:r>
+            <a:r>
+              <a:rPr lang="en-IN" sz="2000" dirty="0" smtClean="0"/>
+              <a:t>, we call the same command by swapping source and target values.</a:t>
+            </a:r>
+            <a:endParaRPr lang="en-US" sz="2000" dirty="0"/>
+          </a:p>
+        </p:txBody>
+      </p:sp>
+    </p:spTree>
+    <p:extLst>
+      <p:ext uri="{BB962C8B-B14F-4D97-AF65-F5344CB8AC3E}">
+        <p14:creationId xmlns:p14="http://schemas.microsoft.com/office/powerpoint/2010/main" val="1696820605"/>
+      </p:ext>
+    </p:extLst>
+  </p:cSld>
+  <p:clrMapOvr>
+    <a:masterClrMapping/>
+  </p:clrMapOvr>
+  <p:timing>
+    <p:tnLst>
+      <p:par>
+        <p:cTn id="1" dur="indefinite" restart="never" nodeType="tmRoot"/>
+      </p:par>
+    </p:tnLst>
+  </p:timing>
+</p:sld>
+</file>
+
+<file path=ppt/slides/slide16.xml><?xml version="1.0" encoding="utf-8"?>
+<p:sld xmlns:a="http://schemas.openxmlformats.org/drawingml/2006/main" xmlns:r="http://schemas.openxmlformats.org/officeDocument/2006/relationships" xmlns:p="http://schemas.openxmlformats.org/presentationml/2006/main">
+  <p:cSld>
+    <p:spTree>
+      <p:nvGrpSpPr>
+        <p:cNvPr id="1" name=""/>
+        <p:cNvGrpSpPr/>
+        <p:nvPr/>
+      </p:nvGrpSpPr>
+      <p:grpSpPr>
+        <a:xfrm>
+          <a:off x="0" y="0"/>
+          <a:ext cx="0" cy="0"/>
+          <a:chOff x="0" y="0"/>
+          <a:chExt cx="0" cy="0"/>
+        </a:xfrm>
+      </p:grpSpPr>
+      <p:sp>
+        <p:nvSpPr>
+          <p:cNvPr id="2" name="Title 1"/>
+          <p:cNvSpPr>
+            <a:spLocks noGrp="1"/>
+          </p:cNvSpPr>
+          <p:nvPr>
+            <p:ph type="title"/>
+          </p:nvPr>
+        </p:nvSpPr>
+        <p:spPr/>
+        <p:txBody>
+          <a:bodyPr/>
+          <a:lstStyle/>
+          <a:p>
+            <a:r>
+              <a:rPr lang="en-US" dirty="0" smtClean="0"/>
+              <a:t>Replication</a:t>
+            </a:r>
+            <a:endParaRPr lang="en-US" dirty="0"/>
+          </a:p>
+        </p:txBody>
+      </p:sp>
+      <p:pic>
+        <p:nvPicPr>
+          <p:cNvPr id="4" name="Content Placeholder 3"/>
+          <p:cNvPicPr>
+            <a:picLocks noGrp="1" noChangeAspect="1"/>
+          </p:cNvPicPr>
+          <p:nvPr>
+            <p:ph idx="1"/>
+          </p:nvPr>
+        </p:nvPicPr>
+        <p:blipFill>
+          <a:blip r:embed="rId2">
+            <a:extLst>
+              <a:ext uri="{28A0092B-C50C-407E-A947-70E740481C1C}">
+                <a14:useLocalDpi xmlns:a14="http://schemas.microsoft.com/office/drawing/2010/main" val="0"/>
+              </a:ext>
+            </a:extLst>
+          </a:blip>
+          <a:stretch>
+            <a:fillRect/>
+          </a:stretch>
+        </p:blipFill>
+        <p:spPr>
+          <a:xfrm>
+            <a:off x="2654300" y="1473200"/>
+            <a:ext cx="5511800" cy="4597400"/>
+          </a:xfrm>
+        </p:spPr>
+      </p:pic>
+    </p:spTree>
+    <p:extLst>
+      <p:ext uri="{BB962C8B-B14F-4D97-AF65-F5344CB8AC3E}">
+        <p14:creationId xmlns:p14="http://schemas.microsoft.com/office/powerpoint/2010/main" val="2028559722"/>
+      </p:ext>
+    </p:extLst>
+  </p:cSld>
+  <p:clrMapOvr>
+    <a:masterClrMapping/>
+  </p:clrMapOvr>
+</p:sld>
+</file>
+
+<file path=ppt/slides/slide17.xml><?xml version="1.0" encoding="utf-8"?>
+<p:sld xmlns:a="http://schemas.openxmlformats.org/drawingml/2006/main" xmlns:r="http://schemas.openxmlformats.org/officeDocument/2006/relationships" xmlns:p="http://schemas.openxmlformats.org/presentationml/2006/main">
+  <p:cSld>
+    <p:spTree>
+      <p:nvGrpSpPr>
+        <p:cNvPr id="1" name=""/>
+        <p:cNvGrpSpPr/>
+        <p:nvPr/>
+      </p:nvGrpSpPr>
+      <p:grpSpPr>
+        <a:xfrm>
+          <a:off x="0" y="0"/>
+          <a:ext cx="0" cy="0"/>
+          <a:chOff x="0" y="0"/>
+          <a:chExt cx="0" cy="0"/>
+        </a:xfrm>
+      </p:grpSpPr>
+      <p:sp>
+        <p:nvSpPr>
+          <p:cNvPr id="2" name="Title 1"/>
+          <p:cNvSpPr>
+            <a:spLocks noGrp="1"/>
+          </p:cNvSpPr>
+          <p:nvPr>
+            <p:ph type="title"/>
+          </p:nvPr>
+        </p:nvSpPr>
+        <p:spPr/>
+        <p:txBody>
+          <a:bodyPr/>
+          <a:lstStyle/>
+          <a:p>
+            <a:r>
+              <a:rPr lang="en-US" dirty="0" smtClean="0"/>
+              <a:t>Continuous Replication</a:t>
+            </a:r>
+            <a:endParaRPr lang="en-US" dirty="0"/>
+          </a:p>
+        </p:txBody>
+      </p:sp>
+      <p:sp>
+        <p:nvSpPr>
+          <p:cNvPr id="3" name="Content Placeholder 2"/>
+          <p:cNvSpPr>
+            <a:spLocks noGrp="1"/>
+          </p:cNvSpPr>
+          <p:nvPr>
+            <p:ph idx="1"/>
+          </p:nvPr>
+        </p:nvSpPr>
+        <p:spPr>
+          <a:xfrm>
+            <a:off x="1259632" y="1371600"/>
+            <a:ext cx="7560840" cy="4800600"/>
+          </a:xfrm>
+        </p:spPr>
+        <p:txBody>
+          <a:bodyPr/>
+          <a:lstStyle/>
+          <a:p>
+            <a:r>
+              <a:rPr lang="en-US" sz="2000" dirty="0"/>
+              <a:t>curl -X </a:t>
+            </a:r>
+            <a:r>
+              <a:rPr lang="en-US" sz="2000" dirty="0" smtClean="0"/>
+              <a:t>POST </a:t>
+            </a:r>
+            <a:r>
+              <a:rPr lang="en-US" sz="2000" dirty="0" smtClean="0">
+                <a:hlinkClick r:id="rId2"/>
+              </a:rPr>
+              <a:t>http</a:t>
+            </a:r>
+            <a:r>
+              <a:rPr lang="en-US" sz="2000" dirty="0">
+                <a:hlinkClick r:id="rId2"/>
+              </a:rPr>
+              <a:t>://127.0.0.1:5984/_replicate</a:t>
+            </a:r>
+            <a:r>
+              <a:rPr lang="en-US" sz="2000" dirty="0"/>
+              <a:t> </a:t>
+            </a:r>
+            <a:r>
+              <a:rPr lang="en-US" sz="2000" dirty="0" smtClean="0"/>
+              <a:t>-</a:t>
+            </a:r>
+            <a:r>
+              <a:rPr lang="en-US" sz="2000" dirty="0"/>
+              <a:t>d '{"source":"</a:t>
+            </a:r>
+            <a:r>
+              <a:rPr lang="en-US" sz="2000" dirty="0" err="1"/>
+              <a:t>db</a:t>
+            </a:r>
+            <a:r>
+              <a:rPr lang="en-US" sz="2000" dirty="0"/>
+              <a:t>", "target":"</a:t>
+            </a:r>
+            <a:r>
+              <a:rPr lang="en-US" sz="2000" dirty="0" err="1"/>
+              <a:t>db</a:t>
+            </a:r>
+            <a:r>
+              <a:rPr lang="en-US" sz="2000" dirty="0"/>
+              <a:t>-replica", </a:t>
+            </a:r>
+            <a:r>
+              <a:rPr lang="en-US" sz="2000" b="1" dirty="0"/>
+              <a:t>"</a:t>
+            </a:r>
+            <a:r>
+              <a:rPr lang="en-US" sz="2000" b="1" dirty="0" err="1"/>
+              <a:t>continuous":true</a:t>
+            </a:r>
+            <a:r>
+              <a:rPr lang="en-US" sz="2000" dirty="0"/>
+              <a:t>}' -H "Content-Type: </a:t>
+            </a:r>
+            <a:r>
+              <a:rPr lang="en-US" sz="2000" dirty="0" smtClean="0"/>
+              <a:t>application/</a:t>
+            </a:r>
+            <a:r>
+              <a:rPr lang="en-US" sz="2000" dirty="0" err="1" smtClean="0"/>
+              <a:t>json</a:t>
+            </a:r>
+            <a:r>
+              <a:rPr lang="en-US" sz="2000" dirty="0" smtClean="0"/>
+              <a:t>”’</a:t>
+            </a:r>
+          </a:p>
+          <a:p>
+            <a:r>
+              <a:rPr lang="en-US" dirty="0" smtClean="0"/>
+              <a:t>It will keep listening to ‘_changes’ API and replicate any missing documents to the target.</a:t>
+            </a:r>
+          </a:p>
+          <a:p>
+            <a:pPr marL="0" indent="0">
+              <a:buNone/>
+            </a:pPr>
+            <a:endParaRPr lang="en-US" dirty="0"/>
+          </a:p>
+        </p:txBody>
+      </p:sp>
+    </p:spTree>
+    <p:extLst>
+      <p:ext uri="{BB962C8B-B14F-4D97-AF65-F5344CB8AC3E}">
+        <p14:creationId xmlns:p14="http://schemas.microsoft.com/office/powerpoint/2010/main" val="552867882"/>
+      </p:ext>
+    </p:extLst>
+  </p:cSld>
+  <p:clrMapOvr>
+    <a:masterClrMapping/>
+  </p:clrMapOvr>
+</p:sld>
+</file>
+
+<file path=ppt/slides/slide18.xml><?xml version="1.0" encoding="utf-8"?>
+<p:sld xmlns:a="http://schemas.openxmlformats.org/drawingml/2006/main" xmlns:r="http://schemas.openxmlformats.org/officeDocument/2006/relationships" xmlns:p="http://schemas.openxmlformats.org/presentationml/2006/main">
+  <p:cSld>
+    <p:spTree>
+      <p:nvGrpSpPr>
+        <p:cNvPr id="1" name=""/>
+        <p:cNvGrpSpPr/>
+        <p:nvPr/>
+      </p:nvGrpSpPr>
+      <p:grpSpPr>
+        <a:xfrm>
+          <a:off x="0" y="0"/>
+          <a:ext cx="0" cy="0"/>
+          <a:chOff x="0" y="0"/>
+          <a:chExt cx="0" cy="0"/>
+        </a:xfrm>
+      </p:grpSpPr>
+      <p:sp>
+        <p:nvSpPr>
+          <p:cNvPr id="2" name="Title 1"/>
+          <p:cNvSpPr>
+            <a:spLocks noGrp="1"/>
+          </p:cNvSpPr>
+          <p:nvPr>
+            <p:ph type="title"/>
+          </p:nvPr>
+        </p:nvSpPr>
+        <p:spPr/>
+        <p:txBody>
+          <a:bodyPr/>
+          <a:lstStyle/>
+          <a:p>
+            <a:r>
+              <a:rPr lang="en-US" dirty="0" smtClean="0"/>
+              <a:t>Revision Tree</a:t>
+            </a:r>
+            <a:endParaRPr lang="en-US" dirty="0"/>
+          </a:p>
+        </p:txBody>
+      </p:sp>
+      <p:sp>
+        <p:nvSpPr>
+          <p:cNvPr id="8" name="Content Placeholder 7"/>
+          <p:cNvSpPr>
+            <a:spLocks noGrp="1"/>
+          </p:cNvSpPr>
+          <p:nvPr>
+            <p:ph idx="1"/>
+          </p:nvPr>
+        </p:nvSpPr>
+        <p:spPr>
+          <a:xfrm>
+            <a:off x="1115616" y="1371600"/>
+            <a:ext cx="7632848" cy="4800600"/>
+          </a:xfrm>
+        </p:spPr>
+        <p:txBody>
+          <a:bodyPr/>
+          <a:lstStyle/>
+          <a:p>
+            <a:endParaRPr lang="en-US" dirty="0" smtClean="0"/>
+          </a:p>
+          <a:p>
+            <a:endParaRPr lang="en-US" dirty="0" smtClean="0"/>
+          </a:p>
+          <a:p>
+            <a:r>
+              <a:rPr lang="en-US" dirty="0" smtClean="0"/>
+              <a:t>To access a particular revision of a document</a:t>
+            </a:r>
+          </a:p>
+          <a:p>
+            <a:pPr lvl="1"/>
+            <a:r>
+              <a:rPr lang="en-US" sz="1800" dirty="0" smtClean="0"/>
+              <a:t>GET /</a:t>
+            </a:r>
+            <a:r>
+              <a:rPr lang="en-US" sz="1800" dirty="0" err="1" smtClean="0"/>
+              <a:t>somedatabase</a:t>
+            </a:r>
+            <a:r>
+              <a:rPr lang="en-US" sz="1800" dirty="0" smtClean="0"/>
+              <a:t>/</a:t>
+            </a:r>
+            <a:r>
+              <a:rPr lang="en-US" sz="1800" dirty="0" err="1" smtClean="0"/>
+              <a:t>some_doc_id?rev</a:t>
+            </a:r>
+            <a:r>
+              <a:rPr lang="en-US" sz="1800" dirty="0" smtClean="0"/>
+              <a:t>=946B7D1C HTTP/1.</a:t>
+            </a:r>
+            <a:endParaRPr lang="en-US" dirty="0" smtClean="0"/>
+          </a:p>
+          <a:p>
+            <a:r>
+              <a:rPr lang="en-US" dirty="0" smtClean="0"/>
+              <a:t>To get information about which revisions are present</a:t>
+            </a:r>
+          </a:p>
+          <a:p>
+            <a:pPr lvl="1"/>
+            <a:r>
+              <a:rPr lang="en-US" sz="1800" dirty="0"/>
+              <a:t> </a:t>
+            </a:r>
+            <a:r>
+              <a:rPr lang="en-US" sz="1800" dirty="0" smtClean="0"/>
+              <a:t>GET /</a:t>
+            </a:r>
+            <a:r>
+              <a:rPr lang="en-US" sz="1800" dirty="0" err="1" smtClean="0"/>
+              <a:t>somedatabase</a:t>
+            </a:r>
+            <a:r>
+              <a:rPr lang="en-US" sz="1800" dirty="0" smtClean="0"/>
+              <a:t>/</a:t>
+            </a:r>
+            <a:r>
+              <a:rPr lang="en-US" sz="1800" dirty="0" err="1" smtClean="0"/>
+              <a:t>some_doc_id?revs_info</a:t>
+            </a:r>
+            <a:r>
+              <a:rPr lang="en-US" sz="1800" dirty="0" smtClean="0"/>
+              <a:t>=true       HTTP/1.0</a:t>
+            </a:r>
+            <a:endParaRPr lang="en-US" sz="1800" dirty="0"/>
+          </a:p>
+          <a:p>
+            <a:endParaRPr lang="en-US" dirty="0"/>
+          </a:p>
+        </p:txBody>
+      </p:sp>
+      <p:pic>
+        <p:nvPicPr>
+          <p:cNvPr id="9" name="Picture 8"/>
+          <p:cNvPicPr>
+            <a:picLocks noChangeAspect="1"/>
+          </p:cNvPicPr>
+          <p:nvPr/>
+        </p:nvPicPr>
+        <p:blipFill>
+          <a:blip r:embed="rId2">
+            <a:extLst>
+              <a:ext uri="{28A0092B-C50C-407E-A947-70E740481C1C}">
+                <a14:useLocalDpi xmlns:a14="http://schemas.microsoft.com/office/drawing/2010/main" val="0"/>
+              </a:ext>
+            </a:extLst>
+          </a:blip>
+          <a:stretch>
+            <a:fillRect/>
+          </a:stretch>
+        </p:blipFill>
+        <p:spPr>
+          <a:xfrm>
+            <a:off x="1619672" y="1371600"/>
+            <a:ext cx="6768752" cy="1080120"/>
+          </a:xfrm>
+          <a:prstGeom prst="rect">
+            <a:avLst/>
+          </a:prstGeom>
+        </p:spPr>
+      </p:pic>
+    </p:spTree>
+    <p:extLst>
+      <p:ext uri="{BB962C8B-B14F-4D97-AF65-F5344CB8AC3E}">
+        <p14:creationId xmlns:p14="http://schemas.microsoft.com/office/powerpoint/2010/main" val="2036235852"/>
+      </p:ext>
+    </p:extLst>
+  </p:cSld>
+  <p:clrMapOvr>
+    <a:masterClrMapping/>
+  </p:clrMapOvr>
+</p:sld>
+</file>
+
+<file path=ppt/slides/slide19.xml><?xml version="1.0" encoding="utf-8"?>
+<p:sld xmlns:a="http://schemas.openxmlformats.org/drawingml/2006/main" xmlns:r="http://schemas.openxmlformats.org/officeDocument/2006/relationships" xmlns:p="http://schemas.openxmlformats.org/presentationml/2006/main">
+  <p:cSld>
+    <p:spTree>
+      <p:nvGrpSpPr>
+        <p:cNvPr id="1" name=""/>
+        <p:cNvGrpSpPr/>
+        <p:nvPr/>
+      </p:nvGrpSpPr>
+      <p:grpSpPr>
+        <a:xfrm>
+          <a:off x="0" y="0"/>
+          <a:ext cx="0" cy="0"/>
+          <a:chOff x="0" y="0"/>
+          <a:chExt cx="0" cy="0"/>
+        </a:xfrm>
+      </p:grpSpPr>
+      <p:sp>
+        <p:nvSpPr>
+          <p:cNvPr id="2" name="Title 1"/>
+          <p:cNvSpPr>
+            <a:spLocks noGrp="1"/>
+          </p:cNvSpPr>
+          <p:nvPr>
+            <p:ph type="title"/>
+          </p:nvPr>
+        </p:nvSpPr>
         <p:spPr>
           <a:xfrm>
             <a:off x="1619672" y="228600"/>
@@ -5216,7 +6023,211 @@
 </p:sld>
 </file>
 
-<file path=ppt/slides/slide14.xml><?xml version="1.0" encoding="utf-8"?>
+<file path=ppt/slides/slide2.xml><?xml version="1.0" encoding="utf-8"?>
+<p:sld xmlns:a="http://schemas.openxmlformats.org/drawingml/2006/main" xmlns:r="http://schemas.openxmlformats.org/officeDocument/2006/relationships" xmlns:p="http://schemas.openxmlformats.org/presentationml/2006/main">
+  <p:cSld>
+    <p:spTree>
+      <p:nvGrpSpPr>
+        <p:cNvPr id="1" name=""/>
+        <p:cNvGrpSpPr/>
+        <p:nvPr/>
+      </p:nvGrpSpPr>
+      <p:grpSpPr>
+        <a:xfrm>
+          <a:off x="0" y="0"/>
+          <a:ext cx="0" cy="0"/>
+          <a:chOff x="0" y="0"/>
+          <a:chExt cx="0" cy="0"/>
+        </a:xfrm>
+      </p:grpSpPr>
+      <p:sp>
+        <p:nvSpPr>
+          <p:cNvPr id="2" name="Title 1"/>
+          <p:cNvSpPr>
+            <a:spLocks noGrp="1"/>
+          </p:cNvSpPr>
+          <p:nvPr>
+            <p:ph type="title"/>
+          </p:nvPr>
+        </p:nvSpPr>
+        <p:spPr/>
+        <p:txBody>
+          <a:bodyPr/>
+          <a:lstStyle/>
+          <a:p>
+            <a:r>
+              <a:rPr lang="en-IN" dirty="0" smtClean="0"/>
+              <a:t>Introduction</a:t>
+            </a:r>
+            <a:endParaRPr lang="en-IN" dirty="0"/>
+          </a:p>
+        </p:txBody>
+      </p:sp>
+      <p:sp>
+        <p:nvSpPr>
+          <p:cNvPr id="3" name="Content Placeholder 2"/>
+          <p:cNvSpPr>
+            <a:spLocks noGrp="1"/>
+          </p:cNvSpPr>
+          <p:nvPr>
+            <p:ph idx="1"/>
+          </p:nvPr>
+        </p:nvSpPr>
+        <p:spPr/>
+        <p:txBody>
+          <a:bodyPr/>
+          <a:lstStyle/>
+          <a:p>
+            <a:r>
+              <a:rPr lang="en-US" dirty="0"/>
+              <a:t>Why </a:t>
+            </a:r>
+            <a:r>
+              <a:rPr lang="en-US" dirty="0" err="1"/>
+              <a:t>CouchDB</a:t>
+            </a:r>
+            <a:r>
+              <a:rPr lang="en-US" dirty="0"/>
+              <a:t> </a:t>
+            </a:r>
+            <a:r>
+              <a:rPr lang="en-US" dirty="0" smtClean="0"/>
+              <a:t>?</a:t>
+            </a:r>
+          </a:p>
+          <a:p>
+            <a:pPr marL="342900" lvl="1" indent="-342900">
+              <a:spcBef>
+                <a:spcPct val="100000"/>
+              </a:spcBef>
+            </a:pPr>
+            <a:r>
+              <a:rPr lang="en-IN" sz="2000" dirty="0">
+                <a:ea typeface="+mn-ea"/>
+                <a:cs typeface="+mn-cs"/>
+              </a:rPr>
+              <a:t>High availability is </a:t>
+            </a:r>
+            <a:r>
+              <a:rPr lang="en-IN" sz="2000" dirty="0" smtClean="0">
+                <a:ea typeface="+mn-ea"/>
+                <a:cs typeface="+mn-cs"/>
+              </a:rPr>
+              <a:t>important</a:t>
+            </a:r>
+            <a:endParaRPr lang="en-IN" sz="2000" dirty="0">
+              <a:ea typeface="+mn-ea"/>
+              <a:cs typeface="+mn-cs"/>
+            </a:endParaRPr>
+          </a:p>
+          <a:p>
+            <a:pPr marL="342900" lvl="1" indent="-342900">
+              <a:spcBef>
+                <a:spcPct val="100000"/>
+              </a:spcBef>
+            </a:pPr>
+            <a:r>
+              <a:rPr lang="en-US" sz="2000" dirty="0">
+                <a:ea typeface="+mn-ea"/>
+                <a:cs typeface="+mn-cs"/>
+              </a:rPr>
+              <a:t>Eventually </a:t>
+            </a:r>
+            <a:r>
+              <a:rPr lang="en-US" sz="2000" dirty="0" smtClean="0">
+                <a:ea typeface="+mn-ea"/>
+                <a:cs typeface="+mn-cs"/>
+              </a:rPr>
+              <a:t>consistent</a:t>
+            </a:r>
+            <a:endParaRPr lang="en-US" sz="2000" dirty="0">
+              <a:ea typeface="+mn-ea"/>
+              <a:cs typeface="+mn-cs"/>
+            </a:endParaRPr>
+          </a:p>
+          <a:p>
+            <a:pPr marL="342900" lvl="1" indent="-342900">
+              <a:spcBef>
+                <a:spcPct val="100000"/>
+              </a:spcBef>
+            </a:pPr>
+            <a:r>
+              <a:rPr lang="en-IN" sz="2000" dirty="0">
+                <a:ea typeface="+mn-ea"/>
+                <a:cs typeface="+mn-cs"/>
+              </a:rPr>
+              <a:t>Powerful data processing using the built-in query engine</a:t>
+            </a:r>
+          </a:p>
+          <a:p>
+            <a:pPr marL="342900" lvl="1" indent="-342900">
+              <a:spcBef>
+                <a:spcPct val="100000"/>
+              </a:spcBef>
+            </a:pPr>
+            <a:r>
+              <a:rPr lang="en-US" sz="2000" dirty="0" smtClean="0">
+                <a:ea typeface="+mn-ea"/>
+                <a:cs typeface="+mn-cs"/>
+              </a:rPr>
+              <a:t>Modular </a:t>
+            </a:r>
+            <a:r>
+              <a:rPr lang="en-US" sz="2000" dirty="0">
+                <a:ea typeface="+mn-ea"/>
+                <a:cs typeface="+mn-cs"/>
+              </a:rPr>
+              <a:t>&amp; Scalable </a:t>
+            </a:r>
+            <a:r>
+              <a:rPr lang="en-US" sz="2000" dirty="0" smtClean="0">
+                <a:ea typeface="+mn-ea"/>
+                <a:cs typeface="+mn-cs"/>
+              </a:rPr>
+              <a:t>design</a:t>
+            </a:r>
+            <a:endParaRPr lang="en-US" sz="2000" dirty="0">
+              <a:ea typeface="+mn-ea"/>
+              <a:cs typeface="+mn-cs"/>
+            </a:endParaRPr>
+          </a:p>
+          <a:p>
+            <a:pPr marL="342900" lvl="1" indent="-342900">
+              <a:spcBef>
+                <a:spcPct val="100000"/>
+              </a:spcBef>
+            </a:pPr>
+            <a:r>
+              <a:rPr lang="en-US" sz="2000" dirty="0">
+                <a:ea typeface="+mn-ea"/>
+                <a:cs typeface="+mn-cs"/>
+              </a:rPr>
+              <a:t>User friendly</a:t>
+            </a:r>
+          </a:p>
+        </p:txBody>
+      </p:sp>
+    </p:spTree>
+    <p:extLst>
+      <p:ext uri="{BB962C8B-B14F-4D97-AF65-F5344CB8AC3E}">
+        <p14:creationId xmlns:p14="http://schemas.microsoft.com/office/powerpoint/2010/main" val="160906904"/>
+      </p:ext>
+    </p:extLst>
+  </p:cSld>
+  <p:clrMapOvr>
+    <a:masterClrMapping/>
+  </p:clrMapOvr>
+  <p:timing>
+    <p:tnLst>
+      <p:par>
+        <p:cTn id="1" dur="indefinite" restart="never" nodeType="tmRoot"/>
+      </p:par>
+    </p:tnLst>
+  </p:timing>
+</p:sld>
+</file>
+
+<file path=ppt/slides/slide20.xml><?xml version="1.0" encoding="utf-8"?>
 <p:sld xmlns:a="http://schemas.openxmlformats.org/drawingml/2006/main" xmlns:r="http://schemas.openxmlformats.org/officeDocument/2006/relationships" xmlns:p="http://schemas.openxmlformats.org/presentationml/2006/main">
   <p:cSld>
     <p:spTree>
@@ -5560,7 +6571,7 @@
 </p:sld>
 </file>
 
-<file path=ppt/slides/slide15.xml><?xml version="1.0" encoding="utf-8"?>
+<file path=ppt/slides/slide21.xml><?xml version="1.0" encoding="utf-8"?>
 <p:sld xmlns:a="http://schemas.openxmlformats.org/drawingml/2006/main" xmlns:r="http://schemas.openxmlformats.org/officeDocument/2006/relationships" xmlns:p="http://schemas.openxmlformats.org/presentationml/2006/main">
   <p:cSld>
     <p:spTree>
@@ -5696,7 +6707,7 @@
 </p:sld>
 </file>
 
-<file path=ppt/slides/slide16.xml><?xml version="1.0" encoding="utf-8"?>
+<file path=ppt/slides/slide22.xml><?xml version="1.0" encoding="utf-8"?>
 <p:sld xmlns:a="http://schemas.openxmlformats.org/drawingml/2006/main" xmlns:r="http://schemas.openxmlformats.org/officeDocument/2006/relationships" xmlns:p="http://schemas.openxmlformats.org/presentationml/2006/main">
   <p:cSld>
     <p:spTree>
@@ -5806,7 +6817,7 @@
 </p:sld>
 </file>
 
-<file path=ppt/slides/slide17.xml><?xml version="1.0" encoding="utf-8"?>
+<file path=ppt/slides/slide23.xml><?xml version="1.0" encoding="utf-8"?>
 <p:sld xmlns:a="http://schemas.openxmlformats.org/drawingml/2006/main" xmlns:r="http://schemas.openxmlformats.org/officeDocument/2006/relationships" xmlns:p="http://schemas.openxmlformats.org/presentationml/2006/main">
   <p:cSld>
     <p:spTree>
@@ -5958,7 +6969,7 @@
 </p:sld>
 </file>
 
-<file path=ppt/slides/slide18.xml><?xml version="1.0" encoding="utf-8"?>
+<file path=ppt/slides/slide24.xml><?xml version="1.0" encoding="utf-8"?>
 <p:sld xmlns:a="http://schemas.openxmlformats.org/drawingml/2006/main" xmlns:r="http://schemas.openxmlformats.org/officeDocument/2006/relationships" xmlns:p="http://schemas.openxmlformats.org/presentationml/2006/main">
   <p:cSld>
     <p:spTree>
@@ -6092,7 +7103,7 @@
 </p:sld>
 </file>
 
-<file path=ppt/slides/slide19.xml><?xml version="1.0" encoding="utf-8"?>
+<file path=ppt/slides/slide25.xml><?xml version="1.0" encoding="utf-8"?>
 <p:sld xmlns:a="http://schemas.openxmlformats.org/drawingml/2006/main" xmlns:r="http://schemas.openxmlformats.org/officeDocument/2006/relationships" xmlns:p="http://schemas.openxmlformats.org/presentationml/2006/main">
   <p:cSld>
     <p:spTree>
@@ -6202,211 +7213,7 @@
 </p:sld>
 </file>
 
-<file path=ppt/slides/slide2.xml><?xml version="1.0" encoding="utf-8"?>
-<p:sld xmlns:a="http://schemas.openxmlformats.org/drawingml/2006/main" xmlns:r="http://schemas.openxmlformats.org/officeDocument/2006/relationships" xmlns:p="http://schemas.openxmlformats.org/presentationml/2006/main">
-  <p:cSld>
-    <p:spTree>
-      <p:nvGrpSpPr>
-        <p:cNvPr id="1" name=""/>
-        <p:cNvGrpSpPr/>
-        <p:nvPr/>
-      </p:nvGrpSpPr>
-      <p:grpSpPr>
-        <a:xfrm>
-          <a:off x="0" y="0"/>
-          <a:ext cx="0" cy="0"/>
-          <a:chOff x="0" y="0"/>
-          <a:chExt cx="0" cy="0"/>
-        </a:xfrm>
-      </p:grpSpPr>
-      <p:sp>
-        <p:nvSpPr>
-          <p:cNvPr id="2" name="Title 1"/>
-          <p:cNvSpPr>
-            <a:spLocks noGrp="1"/>
-          </p:cNvSpPr>
-          <p:nvPr>
-            <p:ph type="title"/>
-          </p:nvPr>
-        </p:nvSpPr>
-        <p:spPr/>
-        <p:txBody>
-          <a:bodyPr/>
-          <a:lstStyle/>
-          <a:p>
-            <a:r>
-              <a:rPr lang="en-IN" dirty="0" smtClean="0"/>
-              <a:t>Introduction</a:t>
-            </a:r>
-            <a:endParaRPr lang="en-IN" dirty="0"/>
-          </a:p>
-        </p:txBody>
-      </p:sp>
-      <p:sp>
-        <p:nvSpPr>
-          <p:cNvPr id="3" name="Content Placeholder 2"/>
-          <p:cNvSpPr>
-            <a:spLocks noGrp="1"/>
-          </p:cNvSpPr>
-          <p:nvPr>
-            <p:ph idx="1"/>
-          </p:nvPr>
-        </p:nvSpPr>
-        <p:spPr/>
-        <p:txBody>
-          <a:bodyPr/>
-          <a:lstStyle/>
-          <a:p>
-            <a:r>
-              <a:rPr lang="en-US" dirty="0"/>
-              <a:t>Why </a:t>
-            </a:r>
-            <a:r>
-              <a:rPr lang="en-US" dirty="0" err="1"/>
-              <a:t>CouchDB</a:t>
-            </a:r>
-            <a:r>
-              <a:rPr lang="en-US" dirty="0"/>
-              <a:t> </a:t>
-            </a:r>
-            <a:r>
-              <a:rPr lang="en-US" dirty="0" smtClean="0"/>
-              <a:t>?</a:t>
-            </a:r>
-          </a:p>
-          <a:p>
-            <a:pPr marL="342900" lvl="1" indent="-342900">
-              <a:spcBef>
-                <a:spcPct val="100000"/>
-              </a:spcBef>
-            </a:pPr>
-            <a:r>
-              <a:rPr lang="en-IN" sz="2000" dirty="0">
-                <a:ea typeface="+mn-ea"/>
-                <a:cs typeface="+mn-cs"/>
-              </a:rPr>
-              <a:t>High availability is </a:t>
-            </a:r>
-            <a:r>
-              <a:rPr lang="en-IN" sz="2000" dirty="0" smtClean="0">
-                <a:ea typeface="+mn-ea"/>
-                <a:cs typeface="+mn-cs"/>
-              </a:rPr>
-              <a:t>important</a:t>
-            </a:r>
-            <a:endParaRPr lang="en-IN" sz="2000" dirty="0">
-              <a:ea typeface="+mn-ea"/>
-              <a:cs typeface="+mn-cs"/>
-            </a:endParaRPr>
-          </a:p>
-          <a:p>
-            <a:pPr marL="342900" lvl="1" indent="-342900">
-              <a:spcBef>
-                <a:spcPct val="100000"/>
-              </a:spcBef>
-            </a:pPr>
-            <a:r>
-              <a:rPr lang="en-US" sz="2000" dirty="0">
-                <a:ea typeface="+mn-ea"/>
-                <a:cs typeface="+mn-cs"/>
-              </a:rPr>
-              <a:t>Eventually </a:t>
-            </a:r>
-            <a:r>
-              <a:rPr lang="en-US" sz="2000" dirty="0" smtClean="0">
-                <a:ea typeface="+mn-ea"/>
-                <a:cs typeface="+mn-cs"/>
-              </a:rPr>
-              <a:t>consistent</a:t>
-            </a:r>
-            <a:endParaRPr lang="en-US" sz="2000" dirty="0">
-              <a:ea typeface="+mn-ea"/>
-              <a:cs typeface="+mn-cs"/>
-            </a:endParaRPr>
-          </a:p>
-          <a:p>
-            <a:pPr marL="342900" lvl="1" indent="-342900">
-              <a:spcBef>
-                <a:spcPct val="100000"/>
-              </a:spcBef>
-            </a:pPr>
-            <a:r>
-              <a:rPr lang="en-IN" sz="2000" dirty="0">
-                <a:ea typeface="+mn-ea"/>
-                <a:cs typeface="+mn-cs"/>
-              </a:rPr>
-              <a:t>Powerful data processing using the built-in query engine</a:t>
-            </a:r>
-          </a:p>
-          <a:p>
-            <a:pPr marL="342900" lvl="1" indent="-342900">
-              <a:spcBef>
-                <a:spcPct val="100000"/>
-              </a:spcBef>
-            </a:pPr>
-            <a:r>
-              <a:rPr lang="en-US" sz="2000" dirty="0" smtClean="0">
-                <a:ea typeface="+mn-ea"/>
-                <a:cs typeface="+mn-cs"/>
-              </a:rPr>
-              <a:t>Modular </a:t>
-            </a:r>
-            <a:r>
-              <a:rPr lang="en-US" sz="2000" dirty="0">
-                <a:ea typeface="+mn-ea"/>
-                <a:cs typeface="+mn-cs"/>
-              </a:rPr>
-              <a:t>&amp; Scalable </a:t>
-            </a:r>
-            <a:r>
-              <a:rPr lang="en-US" sz="2000" dirty="0" smtClean="0">
-                <a:ea typeface="+mn-ea"/>
-                <a:cs typeface="+mn-cs"/>
-              </a:rPr>
-              <a:t>design</a:t>
-            </a:r>
-            <a:endParaRPr lang="en-US" sz="2000" dirty="0">
-              <a:ea typeface="+mn-ea"/>
-              <a:cs typeface="+mn-cs"/>
-            </a:endParaRPr>
-          </a:p>
-          <a:p>
-            <a:pPr marL="342900" lvl="1" indent="-342900">
-              <a:spcBef>
-                <a:spcPct val="100000"/>
-              </a:spcBef>
-            </a:pPr>
-            <a:r>
-              <a:rPr lang="en-US" sz="2000" dirty="0">
-                <a:ea typeface="+mn-ea"/>
-                <a:cs typeface="+mn-cs"/>
-              </a:rPr>
-              <a:t>User friendly</a:t>
-            </a:r>
-          </a:p>
-        </p:txBody>
-      </p:sp>
-    </p:spTree>
-    <p:extLst>
-      <p:ext uri="{BB962C8B-B14F-4D97-AF65-F5344CB8AC3E}">
-        <p14:creationId xmlns:p14="http://schemas.microsoft.com/office/powerpoint/2010/main" val="160906904"/>
-      </p:ext>
-    </p:extLst>
-  </p:cSld>
-  <p:clrMapOvr>
-    <a:masterClrMapping/>
-  </p:clrMapOvr>
-  <p:timing>
-    <p:tnLst>
-      <p:par>
-        <p:cTn id="1" dur="indefinite" restart="never" nodeType="tmRoot"/>
-      </p:par>
-    </p:tnLst>
-  </p:timing>
-</p:sld>
-</file>
-
-<file path=ppt/slides/slide20.xml><?xml version="1.0" encoding="utf-8"?>
+<file path=ppt/slides/slide26.xml><?xml version="1.0" encoding="utf-8"?>
 <p:sld xmlns:a="http://schemas.openxmlformats.org/drawingml/2006/main" xmlns:r="http://schemas.openxmlformats.org/officeDocument/2006/relationships" xmlns:p="http://schemas.openxmlformats.org/presentationml/2006/main">
   <p:cSld>
     <p:spTree>
@@ -6537,7 +7344,7 @@
 </p:sld>
 </file>
 
-<file path=ppt/slides/slide21.xml><?xml version="1.0" encoding="utf-8"?>
+<file path=ppt/slides/slide27.xml><?xml version="1.0" encoding="utf-8"?>
 <p:sld xmlns:a="http://schemas.openxmlformats.org/drawingml/2006/main" xmlns:r="http://schemas.openxmlformats.org/officeDocument/2006/relationships" xmlns:p="http://schemas.openxmlformats.org/presentationml/2006/main">
   <p:cSld>
     <p:spTree>
@@ -6710,1249 +7517,6 @@
 </p:sld>
 </file>
 
-<file path=ppt/slides/slide22.xml><?xml version="1.0" encoding="utf-8"?>
-<p:sld xmlns:a="http://schemas.openxmlformats.org/drawingml/2006/main" xmlns:r="http://schemas.openxmlformats.org/officeDocument/2006/relationships" xmlns:p="http://schemas.openxmlformats.org/presentationml/2006/main">
-  <p:cSld>
-    <p:spTree>
-      <p:nvGrpSpPr>
-        <p:cNvPr id="1" name=""/>
-        <p:cNvGrpSpPr/>
-        <p:nvPr/>
-      </p:nvGrpSpPr>
-      <p:grpSpPr>
-        <a:xfrm>
-          <a:off x="0" y="0"/>
-          <a:ext cx="0" cy="0"/>
-          <a:chOff x="0" y="0"/>
-          <a:chExt cx="0" cy="0"/>
-        </a:xfrm>
-      </p:grpSpPr>
-      <p:sp>
-        <p:nvSpPr>
-          <p:cNvPr id="2" name="Title 1"/>
-          <p:cNvSpPr>
-            <a:spLocks noGrp="1"/>
-          </p:cNvSpPr>
-          <p:nvPr>
-            <p:ph type="title"/>
-          </p:nvPr>
-        </p:nvSpPr>
-        <p:spPr/>
-        <p:txBody>
-          <a:bodyPr/>
-          <a:lstStyle/>
-          <a:p>
-            <a:pPr algn="ctr"/>
-            <a:r>
-              <a:rPr lang="en-US" dirty="0" smtClean="0"/>
-              <a:t>Couch DB Views</a:t>
-            </a:r>
-            <a:endParaRPr lang="en-US" dirty="0"/>
-          </a:p>
-        </p:txBody>
-      </p:sp>
-      <p:sp>
-        <p:nvSpPr>
-          <p:cNvPr id="3" name="Content Placeholder 2"/>
-          <p:cNvSpPr>
-            <a:spLocks noGrp="1"/>
-          </p:cNvSpPr>
-          <p:nvPr>
-            <p:ph idx="1"/>
-          </p:nvPr>
-        </p:nvSpPr>
-        <p:spPr/>
-        <p:txBody>
-          <a:bodyPr/>
-          <a:lstStyle/>
-          <a:p>
-            <a:pPr marL="0" indent="0">
-              <a:buNone/>
-            </a:pPr>
-            <a:r>
-              <a:rPr lang="en-US" b="1" dirty="0"/>
-              <a:t>Why views?</a:t>
-            </a:r>
-          </a:p>
-          <a:p>
-            <a:pPr marL="0" indent="0">
-              <a:buNone/>
-            </a:pPr>
-            <a:r>
-              <a:rPr lang="en-US" dirty="0"/>
-              <a:t> No tables and collection.</a:t>
-            </a:r>
-          </a:p>
-          <a:p>
-            <a:pPr marL="0" indent="0">
-              <a:buNone/>
-            </a:pPr>
-            <a:r>
-              <a:rPr lang="en-US" dirty="0"/>
-              <a:t> So views</a:t>
-            </a:r>
-          </a:p>
-          <a:p>
-            <a:r>
-              <a:rPr lang="en-US" b="1" dirty="0"/>
-              <a:t>View server execute functions</a:t>
-            </a:r>
-          </a:p>
-          <a:p>
-            <a:pPr marL="514350" indent="-514350">
-              <a:buFont typeface="+mj-lt"/>
-              <a:buAutoNum type="arabicPeriod"/>
-            </a:pPr>
-            <a:r>
-              <a:rPr lang="en-US" dirty="0"/>
-              <a:t>Map – used to display a view</a:t>
-            </a:r>
-          </a:p>
-          <a:p>
-            <a:pPr marL="514350" indent="-514350">
-              <a:buFont typeface="+mj-lt"/>
-              <a:buAutoNum type="arabicPeriod"/>
-            </a:pPr>
-            <a:r>
-              <a:rPr lang="en-US" dirty="0"/>
-              <a:t>Reduce(optional) – which is used to create a sorted view</a:t>
-            </a:r>
-          </a:p>
-          <a:p>
-            <a:pPr marL="0" indent="0">
-              <a:buNone/>
-            </a:pPr>
-            <a:endParaRPr lang="en-US" dirty="0"/>
-          </a:p>
-        </p:txBody>
-      </p:sp>
-    </p:spTree>
-    <p:extLst>
-      <p:ext uri="{BB962C8B-B14F-4D97-AF65-F5344CB8AC3E}">
-        <p14:creationId xmlns:p14="http://schemas.microsoft.com/office/powerpoint/2010/main" val="38182204"/>
-      </p:ext>
-    </p:extLst>
-  </p:cSld>
-  <p:clrMapOvr>
-    <a:masterClrMapping/>
-  </p:clrMapOvr>
-</p:sld>
-</file>
-
-<file path=ppt/slides/slide23.xml><?xml version="1.0" encoding="utf-8"?>
-<p:sld xmlns:a="http://schemas.openxmlformats.org/drawingml/2006/main" xmlns:r="http://schemas.openxmlformats.org/officeDocument/2006/relationships" xmlns:p="http://schemas.openxmlformats.org/presentationml/2006/main">
-  <p:cSld>
-    <p:spTree>
-      <p:nvGrpSpPr>
-        <p:cNvPr id="1" name=""/>
-        <p:cNvGrpSpPr/>
-        <p:nvPr/>
-      </p:nvGrpSpPr>
-      <p:grpSpPr>
-        <a:xfrm>
-          <a:off x="0" y="0"/>
-          <a:ext cx="0" cy="0"/>
-          <a:chOff x="0" y="0"/>
-          <a:chExt cx="0" cy="0"/>
-        </a:xfrm>
-      </p:grpSpPr>
-      <p:sp>
-        <p:nvSpPr>
-          <p:cNvPr id="2" name="Title 1"/>
-          <p:cNvSpPr>
-            <a:spLocks noGrp="1"/>
-          </p:cNvSpPr>
-          <p:nvPr>
-            <p:ph type="title"/>
-          </p:nvPr>
-        </p:nvSpPr>
-        <p:spPr/>
-        <p:txBody>
-          <a:bodyPr/>
-          <a:lstStyle/>
-          <a:p>
-            <a:r>
-              <a:rPr lang="en-US" dirty="0"/>
-              <a:t>Example Database</a:t>
-            </a:r>
-          </a:p>
-        </p:txBody>
-      </p:sp>
-      <p:sp>
-        <p:nvSpPr>
-          <p:cNvPr id="3" name="Content Placeholder 2"/>
-          <p:cNvSpPr>
-            <a:spLocks noGrp="1"/>
-          </p:cNvSpPr>
-          <p:nvPr>
-            <p:ph idx="1"/>
-          </p:nvPr>
-        </p:nvSpPr>
-        <p:spPr/>
-        <p:txBody>
-          <a:bodyPr/>
-          <a:lstStyle/>
-          <a:p>
-            <a:pPr marL="0" indent="0">
-              <a:buNone/>
-            </a:pPr>
-            <a:r>
-              <a:rPr lang="en-US" sz="900" dirty="0"/>
-              <a:t>{ </a:t>
-            </a:r>
-          </a:p>
-          <a:p>
-            <a:pPr marL="0" indent="0">
-              <a:buNone/>
-            </a:pPr>
-            <a:r>
-              <a:rPr lang="en-US" sz="900" dirty="0"/>
-              <a:t>"_id": "album1",</a:t>
-            </a:r>
-          </a:p>
-          <a:p>
-            <a:pPr marL="0" indent="0">
-              <a:buNone/>
-            </a:pPr>
-            <a:r>
-              <a:rPr lang="en-US" sz="900" dirty="0"/>
-              <a:t>"artist": "</a:t>
-            </a:r>
-            <a:r>
-              <a:rPr lang="en-US" sz="900" dirty="0" err="1"/>
-              <a:t>Megadeth</a:t>
-            </a:r>
-            <a:r>
-              <a:rPr lang="en-US" sz="900" dirty="0"/>
-              <a:t>",</a:t>
-            </a:r>
-          </a:p>
-          <a:p>
-            <a:pPr marL="0" indent="0">
-              <a:buNone/>
-            </a:pPr>
-            <a:r>
-              <a:rPr lang="en-US" sz="900" dirty="0"/>
-              <a:t> "title": "Endgame",</a:t>
-            </a:r>
-          </a:p>
-          <a:p>
-            <a:pPr marL="0" indent="0">
-              <a:buNone/>
-            </a:pPr>
-            <a:r>
-              <a:rPr lang="en-US" sz="900" dirty="0"/>
-              <a:t> "year": 2010 </a:t>
-            </a:r>
-          </a:p>
-          <a:p>
-            <a:pPr marL="0" indent="0">
-              <a:buNone/>
-            </a:pPr>
-            <a:r>
-              <a:rPr lang="en-US" sz="900" dirty="0"/>
-              <a:t>}</a:t>
-            </a:r>
-          </a:p>
-          <a:p>
-            <a:pPr marL="0" indent="0">
-              <a:buNone/>
-            </a:pPr>
-            <a:r>
-              <a:rPr lang="en-US" sz="900" dirty="0"/>
-              <a:t> {</a:t>
-            </a:r>
-          </a:p>
-          <a:p>
-            <a:pPr marL="0" indent="0">
-              <a:buNone/>
-            </a:pPr>
-            <a:r>
-              <a:rPr lang="en-US" sz="900" dirty="0"/>
-              <a:t> "_id": "album2",</a:t>
-            </a:r>
-          </a:p>
-          <a:p>
-            <a:pPr marL="0" indent="0">
-              <a:buNone/>
-            </a:pPr>
-            <a:r>
-              <a:rPr lang="en-US" sz="900" dirty="0"/>
-              <a:t> "artist": "Slayer",</a:t>
-            </a:r>
-          </a:p>
-          <a:p>
-            <a:pPr marL="0" indent="0">
-              <a:buNone/>
-            </a:pPr>
-            <a:r>
-              <a:rPr lang="en-US" sz="900" dirty="0"/>
-              <a:t> "</a:t>
-            </a:r>
-            <a:r>
-              <a:rPr lang="en-US" sz="900" dirty="0" err="1"/>
-              <a:t>title":"World</a:t>
-            </a:r>
-            <a:r>
-              <a:rPr lang="en-US" sz="900" dirty="0"/>
-              <a:t> Painted Blood",</a:t>
-            </a:r>
-          </a:p>
-          <a:p>
-            <a:pPr marL="0" indent="0">
-              <a:buNone/>
-            </a:pPr>
-            <a:r>
-              <a:rPr lang="en-US" sz="900" dirty="0"/>
-              <a:t> "year":2009</a:t>
-            </a:r>
-          </a:p>
-          <a:p>
-            <a:pPr marL="0" indent="0">
-              <a:buNone/>
-            </a:pPr>
-            <a:r>
-              <a:rPr lang="en-US" sz="900" dirty="0"/>
-              <a:t> </a:t>
-            </a:r>
-            <a:r>
-              <a:rPr lang="en-US" sz="900" dirty="0" smtClean="0"/>
-              <a:t>}</a:t>
-            </a:r>
-          </a:p>
-          <a:p>
-            <a:pPr marL="0" indent="0">
-              <a:buNone/>
-            </a:pPr>
-            <a:endParaRPr lang="en-US" sz="900" dirty="0"/>
-          </a:p>
-          <a:p>
-            <a:pPr marL="0" indent="0">
-              <a:buNone/>
-            </a:pPr>
-            <a:r>
-              <a:rPr lang="en-US" sz="900" dirty="0"/>
-              <a:t> {</a:t>
-            </a:r>
-          </a:p>
-          <a:p>
-            <a:pPr marL="0" indent="0">
-              <a:buNone/>
-            </a:pPr>
-            <a:r>
-              <a:rPr lang="en-US" sz="900" dirty="0"/>
-              <a:t> "_id": "album3",</a:t>
-            </a:r>
-          </a:p>
-          <a:p>
-            <a:pPr marL="0" indent="0">
-              <a:buNone/>
-            </a:pPr>
-            <a:r>
-              <a:rPr lang="en-US" sz="900" dirty="0"/>
-              <a:t> "artist": "Arcturus",</a:t>
-            </a:r>
-          </a:p>
-          <a:p>
-            <a:pPr marL="0" indent="0">
-              <a:buNone/>
-            </a:pPr>
-            <a:r>
-              <a:rPr lang="en-US" sz="900" dirty="0"/>
-              <a:t> "title": "Sideshow Symphonies",</a:t>
-            </a:r>
-          </a:p>
-          <a:p>
-            <a:pPr marL="0" indent="0">
-              <a:buNone/>
-            </a:pPr>
-            <a:r>
-              <a:rPr lang="en-US" sz="900" dirty="0"/>
-              <a:t> "year": 2005</a:t>
-            </a:r>
-          </a:p>
-          <a:p>
-            <a:pPr marL="0" indent="0">
-              <a:buNone/>
-            </a:pPr>
-            <a:r>
-              <a:rPr lang="en-US" sz="900" dirty="0"/>
-              <a:t> } </a:t>
-            </a:r>
-          </a:p>
-          <a:p>
-            <a:pPr marL="0" indent="0">
-              <a:buNone/>
-            </a:pPr>
-            <a:endParaRPr lang="en-US" sz="900" dirty="0"/>
-          </a:p>
-        </p:txBody>
-      </p:sp>
-    </p:spTree>
-    <p:extLst>
-      <p:ext uri="{BB962C8B-B14F-4D97-AF65-F5344CB8AC3E}">
-        <p14:creationId xmlns:p14="http://schemas.microsoft.com/office/powerpoint/2010/main" val="1158285267"/>
-      </p:ext>
-    </p:extLst>
-  </p:cSld>
-  <p:clrMapOvr>
-    <a:masterClrMapping/>
-  </p:clrMapOvr>
-</p:sld>
-</file>
-
-<file path=ppt/slides/slide24.xml><?xml version="1.0" encoding="utf-8"?>
-<p:sld xmlns:a="http://schemas.openxmlformats.org/drawingml/2006/main" xmlns:r="http://schemas.openxmlformats.org/officeDocument/2006/relationships" xmlns:p="http://schemas.openxmlformats.org/presentationml/2006/main">
-  <p:cSld>
-    <p:spTree>
-      <p:nvGrpSpPr>
-        <p:cNvPr id="1" name=""/>
-        <p:cNvGrpSpPr/>
-        <p:nvPr/>
-      </p:nvGrpSpPr>
-      <p:grpSpPr>
-        <a:xfrm>
-          <a:off x="0" y="0"/>
-          <a:ext cx="0" cy="0"/>
-          <a:chOff x="0" y="0"/>
-          <a:chExt cx="0" cy="0"/>
-        </a:xfrm>
-      </p:grpSpPr>
-      <p:sp>
-        <p:nvSpPr>
-          <p:cNvPr id="2" name="Title 1"/>
-          <p:cNvSpPr>
-            <a:spLocks noGrp="1"/>
-          </p:cNvSpPr>
-          <p:nvPr>
-            <p:ph type="title"/>
-          </p:nvPr>
-        </p:nvSpPr>
-        <p:spPr/>
-        <p:txBody>
-          <a:bodyPr/>
-          <a:lstStyle/>
-          <a:p>
-            <a:endParaRPr lang="en-US"/>
-          </a:p>
-        </p:txBody>
-      </p:sp>
-      <p:sp>
-        <p:nvSpPr>
-          <p:cNvPr id="3" name="Content Placeholder 2"/>
-          <p:cNvSpPr>
-            <a:spLocks noGrp="1"/>
-          </p:cNvSpPr>
-          <p:nvPr>
-            <p:ph idx="1"/>
-          </p:nvPr>
-        </p:nvSpPr>
-        <p:spPr/>
-        <p:txBody>
-          <a:bodyPr/>
-          <a:lstStyle/>
-          <a:p>
-            <a:pPr marL="0" indent="0">
-              <a:buNone/>
-            </a:pPr>
-            <a:r>
-              <a:rPr lang="en-US" sz="1300" dirty="0"/>
-              <a:t>{</a:t>
-            </a:r>
-          </a:p>
-          <a:p>
-            <a:pPr marL="0" indent="0">
-              <a:buNone/>
-            </a:pPr>
-            <a:r>
-              <a:rPr lang="en-US" sz="1300" dirty="0"/>
-              <a:t> "_id": "album4",</a:t>
-            </a:r>
-          </a:p>
-          <a:p>
-            <a:pPr marL="0" indent="0">
-              <a:buNone/>
-            </a:pPr>
-            <a:r>
-              <a:rPr lang="en-US" sz="1300" dirty="0"/>
-              <a:t> "artist": "</a:t>
-            </a:r>
-            <a:r>
-              <a:rPr lang="en-US" sz="1300" dirty="0" err="1"/>
-              <a:t>Pantera</a:t>
-            </a:r>
-            <a:r>
-              <a:rPr lang="en-US" sz="1300" dirty="0"/>
-              <a:t>",</a:t>
-            </a:r>
-          </a:p>
-          <a:p>
-            <a:pPr marL="0" indent="0">
-              <a:buNone/>
-            </a:pPr>
-            <a:r>
-              <a:rPr lang="en-US" sz="1300" dirty="0"/>
-              <a:t> "title": "Reinventing the Steel",</a:t>
-            </a:r>
-          </a:p>
-          <a:p>
-            <a:pPr marL="0" indent="0">
-              <a:buNone/>
-            </a:pPr>
-            <a:r>
-              <a:rPr lang="en-US" sz="1300" dirty="0"/>
-              <a:t> "year": 2009 </a:t>
-            </a:r>
-          </a:p>
-          <a:p>
-            <a:pPr marL="0" indent="0">
-              <a:buNone/>
-            </a:pPr>
-            <a:r>
-              <a:rPr lang="en-US" sz="1300" dirty="0"/>
-              <a:t>} </a:t>
-            </a:r>
-          </a:p>
-          <a:p>
-            <a:pPr marL="0" indent="0">
-              <a:buNone/>
-            </a:pPr>
-            <a:r>
-              <a:rPr lang="en-US" sz="1300" dirty="0"/>
-              <a:t>{</a:t>
-            </a:r>
-          </a:p>
-          <a:p>
-            <a:pPr marL="0" indent="0">
-              <a:buNone/>
-            </a:pPr>
-            <a:r>
-              <a:rPr lang="en-US" sz="1300" dirty="0"/>
-              <a:t> "_id": "album5",</a:t>
-            </a:r>
-          </a:p>
-          <a:p>
-            <a:pPr marL="0" indent="0">
-              <a:buNone/>
-            </a:pPr>
-            <a:r>
-              <a:rPr lang="en-US" sz="1300" dirty="0"/>
-              <a:t> "artist": "Slayer",</a:t>
-            </a:r>
-          </a:p>
-          <a:p>
-            <a:pPr marL="0" indent="0">
-              <a:buNone/>
-            </a:pPr>
-            <a:r>
-              <a:rPr lang="en-US" sz="1300" dirty="0"/>
-              <a:t> "title": "South of Heaven",</a:t>
-            </a:r>
-          </a:p>
-          <a:p>
-            <a:pPr marL="0" indent="0">
-              <a:buNone/>
-            </a:pPr>
-            <a:r>
-              <a:rPr lang="en-US" sz="1300" dirty="0"/>
-              <a:t> "year": 2009</a:t>
-            </a:r>
-          </a:p>
-          <a:p>
-            <a:pPr marL="0" indent="0">
-              <a:buNone/>
-            </a:pPr>
-            <a:r>
-              <a:rPr lang="en-US" sz="1300" dirty="0"/>
-              <a:t> }</a:t>
-            </a:r>
-          </a:p>
-          <a:p>
-            <a:pPr marL="0" indent="0">
-              <a:buNone/>
-            </a:pPr>
-            <a:endParaRPr lang="en-US" sz="1300" dirty="0"/>
-          </a:p>
-        </p:txBody>
-      </p:sp>
-    </p:spTree>
-    <p:extLst>
-      <p:ext uri="{BB962C8B-B14F-4D97-AF65-F5344CB8AC3E}">
-        <p14:creationId xmlns:p14="http://schemas.microsoft.com/office/powerpoint/2010/main" val="760732511"/>
-      </p:ext>
-    </p:extLst>
-  </p:cSld>
-  <p:clrMapOvr>
-    <a:masterClrMapping/>
-  </p:clrMapOvr>
-</p:sld>
-</file>
-
-<file path=ppt/slides/slide25.xml><?xml version="1.0" encoding="utf-8"?>
-<p:sld xmlns:a="http://schemas.openxmlformats.org/drawingml/2006/main" xmlns:r="http://schemas.openxmlformats.org/officeDocument/2006/relationships" xmlns:p="http://schemas.openxmlformats.org/presentationml/2006/main">
-  <p:cSld>
-    <p:spTree>
-      <p:nvGrpSpPr>
-        <p:cNvPr id="1" name=""/>
-        <p:cNvGrpSpPr/>
-        <p:nvPr/>
-      </p:nvGrpSpPr>
-      <p:grpSpPr>
-        <a:xfrm>
-          <a:off x="0" y="0"/>
-          <a:ext cx="0" cy="0"/>
-          <a:chOff x="0" y="0"/>
-          <a:chExt cx="0" cy="0"/>
-        </a:xfrm>
-      </p:grpSpPr>
-      <p:sp>
-        <p:nvSpPr>
-          <p:cNvPr id="2" name="Title 1"/>
-          <p:cNvSpPr>
-            <a:spLocks noGrp="1"/>
-          </p:cNvSpPr>
-          <p:nvPr>
-            <p:ph type="title"/>
-          </p:nvPr>
-        </p:nvSpPr>
-        <p:spPr/>
-        <p:txBody>
-          <a:bodyPr/>
-          <a:lstStyle/>
-          <a:p>
-            <a:r>
-              <a:rPr lang="en-US" dirty="0"/>
-              <a:t>Map and Reduce functions</a:t>
-            </a:r>
-          </a:p>
-        </p:txBody>
-      </p:sp>
-      <p:sp>
-        <p:nvSpPr>
-          <p:cNvPr id="3" name="Content Placeholder 2"/>
-          <p:cNvSpPr>
-            <a:spLocks noGrp="1"/>
-          </p:cNvSpPr>
-          <p:nvPr>
-            <p:ph idx="1"/>
-          </p:nvPr>
-        </p:nvSpPr>
-        <p:spPr/>
-        <p:txBody>
-          <a:bodyPr/>
-          <a:lstStyle/>
-          <a:p>
-            <a:pPr marL="0" indent="0">
-              <a:buNone/>
-            </a:pPr>
-            <a:r>
-              <a:rPr lang="en-US" sz="1000" dirty="0"/>
-              <a:t>"_id": "_design/</a:t>
-            </a:r>
-            <a:r>
-              <a:rPr lang="en-US" sz="1000" dirty="0" err="1"/>
-              <a:t>foobar</a:t>
-            </a:r>
-            <a:r>
-              <a:rPr lang="en-US" sz="1000" dirty="0"/>
-              <a:t>",</a:t>
-            </a:r>
-          </a:p>
-          <a:p>
-            <a:pPr marL="0" indent="0">
-              <a:buNone/>
-            </a:pPr>
-            <a:r>
-              <a:rPr lang="en-US" sz="1000" dirty="0"/>
-              <a:t> "language": "</a:t>
-            </a:r>
-            <a:r>
-              <a:rPr lang="en-US" sz="1000" dirty="0" err="1"/>
-              <a:t>javascript</a:t>
-            </a:r>
-            <a:r>
-              <a:rPr lang="en-US" sz="1000" dirty="0"/>
-              <a:t>",</a:t>
-            </a:r>
-          </a:p>
-          <a:p>
-            <a:pPr marL="0" indent="0">
-              <a:buNone/>
-            </a:pPr>
-            <a:r>
-              <a:rPr lang="en-US" sz="1000" dirty="0"/>
-              <a:t> "views": {</a:t>
-            </a:r>
-          </a:p>
-          <a:p>
-            <a:pPr marL="0" indent="0">
-              <a:buNone/>
-            </a:pPr>
-            <a:r>
-              <a:rPr lang="en-US" sz="1000" dirty="0"/>
-              <a:t>	 "</a:t>
-            </a:r>
-            <a:r>
-              <a:rPr lang="en-US" sz="1000" dirty="0" err="1"/>
-              <a:t>by_year</a:t>
-            </a:r>
-            <a:r>
-              <a:rPr lang="en-US" sz="1000" dirty="0"/>
-              <a:t>": {</a:t>
-            </a:r>
-          </a:p>
-          <a:p>
-            <a:pPr marL="0" indent="0">
-              <a:buNone/>
-            </a:pPr>
-            <a:r>
-              <a:rPr lang="en-US" sz="1000" dirty="0"/>
-              <a:t>		 "map": "function(doc) {</a:t>
-            </a:r>
-          </a:p>
-          <a:p>
-            <a:pPr marL="0" indent="0">
-              <a:buNone/>
-            </a:pPr>
-            <a:r>
-              <a:rPr lang="en-US" sz="1000" dirty="0"/>
-              <a:t>				 if (</a:t>
-            </a:r>
-            <a:r>
-              <a:rPr lang="en-US" sz="1000" dirty="0" err="1"/>
-              <a:t>doc.year</a:t>
-            </a:r>
-            <a:r>
-              <a:rPr lang="en-US" sz="1000" dirty="0"/>
-              <a:t>) {</a:t>
-            </a:r>
-          </a:p>
-          <a:p>
-            <a:pPr marL="0" indent="0">
-              <a:buNone/>
-            </a:pPr>
-            <a:r>
-              <a:rPr lang="en-US" sz="1000" dirty="0"/>
-              <a:t>					 emit(</a:t>
-            </a:r>
-            <a:r>
-              <a:rPr lang="en-US" sz="1000" dirty="0" err="1"/>
-              <a:t>doc.year</a:t>
-            </a:r>
-            <a:r>
-              <a:rPr lang="en-US" sz="1000" dirty="0"/>
-              <a:t>, 1); </a:t>
-            </a:r>
-          </a:p>
-          <a:p>
-            <a:pPr marL="0" indent="0">
-              <a:buNone/>
-            </a:pPr>
-            <a:r>
-              <a:rPr lang="en-US" sz="1000" dirty="0"/>
-              <a:t>						}</a:t>
-            </a:r>
-          </a:p>
-          <a:p>
-            <a:pPr marL="0" indent="0">
-              <a:buNone/>
-            </a:pPr>
-            <a:r>
-              <a:rPr lang="en-US" sz="1000" dirty="0"/>
-              <a:t>					     }", </a:t>
-            </a:r>
-          </a:p>
-          <a:p>
-            <a:pPr marL="0" indent="0">
-              <a:buNone/>
-            </a:pPr>
-            <a:r>
-              <a:rPr lang="en-US" sz="1000" dirty="0"/>
-              <a:t>		"reduce": "function(keys, values, </a:t>
-            </a:r>
-            <a:r>
-              <a:rPr lang="en-US" sz="1000" dirty="0" err="1"/>
-              <a:t>rereduce</a:t>
-            </a:r>
-            <a:r>
-              <a:rPr lang="en-US" sz="1000" dirty="0"/>
-              <a:t>) { </a:t>
-            </a:r>
-          </a:p>
-          <a:p>
-            <a:pPr marL="0" indent="0">
-              <a:buNone/>
-            </a:pPr>
-            <a:r>
-              <a:rPr lang="en-US" sz="1000" dirty="0"/>
-              <a:t>				return sum(values); </a:t>
-            </a:r>
-          </a:p>
-          <a:p>
-            <a:pPr marL="0" indent="0">
-              <a:buNone/>
-            </a:pPr>
-            <a:r>
-              <a:rPr lang="en-US" sz="1000" dirty="0"/>
-              <a:t>				}" </a:t>
-            </a:r>
-          </a:p>
-          <a:p>
-            <a:pPr marL="0" indent="0">
-              <a:buNone/>
-            </a:pPr>
-            <a:r>
-              <a:rPr lang="en-US" sz="1000" dirty="0"/>
-              <a:t>		}</a:t>
-            </a:r>
-          </a:p>
-          <a:p>
-            <a:pPr marL="0" indent="0">
-              <a:buNone/>
-            </a:pPr>
-            <a:r>
-              <a:rPr lang="en-US" sz="1000" dirty="0"/>
-              <a:t>	 }</a:t>
-            </a:r>
-          </a:p>
-          <a:p>
-            <a:pPr marL="0" indent="0">
-              <a:buNone/>
-            </a:pPr>
-            <a:r>
-              <a:rPr lang="en-US" sz="1000" dirty="0"/>
-              <a:t> }</a:t>
-            </a:r>
-          </a:p>
-          <a:p>
-            <a:pPr marL="0" indent="0">
-              <a:buNone/>
-            </a:pPr>
-            <a:endParaRPr lang="en-US" sz="1000" dirty="0"/>
-          </a:p>
-        </p:txBody>
-      </p:sp>
-    </p:spTree>
-    <p:extLst>
-      <p:ext uri="{BB962C8B-B14F-4D97-AF65-F5344CB8AC3E}">
-        <p14:creationId xmlns:p14="http://schemas.microsoft.com/office/powerpoint/2010/main" val="3600238472"/>
-      </p:ext>
-    </p:extLst>
-  </p:cSld>
-  <p:clrMapOvr>
-    <a:masterClrMapping/>
-  </p:clrMapOvr>
-</p:sld>
-</file>
-
-<file path=ppt/slides/slide26.xml><?xml version="1.0" encoding="utf-8"?>
-<p:sld xmlns:a="http://schemas.openxmlformats.org/drawingml/2006/main" xmlns:r="http://schemas.openxmlformats.org/officeDocument/2006/relationships" xmlns:p="http://schemas.openxmlformats.org/presentationml/2006/main">
-  <p:cSld>
-    <p:spTree>
-      <p:nvGrpSpPr>
-        <p:cNvPr id="1" name=""/>
-        <p:cNvGrpSpPr/>
-        <p:nvPr/>
-      </p:nvGrpSpPr>
-      <p:grpSpPr>
-        <a:xfrm>
-          <a:off x="0" y="0"/>
-          <a:ext cx="0" cy="0"/>
-          <a:chOff x="0" y="0"/>
-          <a:chExt cx="0" cy="0"/>
-        </a:xfrm>
-      </p:grpSpPr>
-      <p:sp>
-        <p:nvSpPr>
-          <p:cNvPr id="2" name="Title 1"/>
-          <p:cNvSpPr>
-            <a:spLocks noGrp="1"/>
-          </p:cNvSpPr>
-          <p:nvPr>
-            <p:ph type="title"/>
-          </p:nvPr>
-        </p:nvSpPr>
-        <p:spPr/>
-        <p:txBody>
-          <a:bodyPr/>
-          <a:lstStyle/>
-          <a:p>
-            <a:r>
-              <a:rPr lang="en-US" sz="1300" dirty="0"/>
-              <a:t>$ curl </a:t>
-            </a:r>
-            <a:r>
-              <a:rPr lang="en-US" sz="1300" dirty="0">
-                <a:hlinkClick r:id="rId2"/>
-              </a:rPr>
-              <a:t>http://localhost:5984/albums/_design/foobar/_view/by_year</a:t>
-            </a:r>
-            <a:r>
-              <a:rPr lang="en-US" sz="1300" dirty="0"/>
-              <a:t/>
-            </a:r>
-            <a:br>
-              <a:rPr lang="en-US" sz="1300" dirty="0"/>
-            </a:br>
-            <a:endParaRPr lang="en-US" sz="1300" dirty="0"/>
-          </a:p>
-        </p:txBody>
-      </p:sp>
-      <p:sp>
-        <p:nvSpPr>
-          <p:cNvPr id="3" name="Content Placeholder 2"/>
-          <p:cNvSpPr>
-            <a:spLocks noGrp="1"/>
-          </p:cNvSpPr>
-          <p:nvPr>
-            <p:ph idx="1"/>
-          </p:nvPr>
-        </p:nvSpPr>
-        <p:spPr/>
-        <p:txBody>
-          <a:bodyPr/>
-          <a:lstStyle/>
-          <a:p>
-            <a:pPr marL="0" indent="0">
-              <a:buNone/>
-            </a:pPr>
-            <a:r>
-              <a:rPr lang="en-US" dirty="0"/>
-              <a:t>{</a:t>
-            </a:r>
-          </a:p>
-          <a:p>
-            <a:pPr marL="0" indent="0">
-              <a:buNone/>
-            </a:pPr>
-            <a:r>
-              <a:rPr lang="en-US" dirty="0"/>
-              <a:t>	 "</a:t>
-            </a:r>
-            <a:r>
-              <a:rPr lang="en-US" dirty="0" err="1"/>
-              <a:t>update_seq</a:t>
-            </a:r>
-            <a:r>
-              <a:rPr lang="en-US" dirty="0"/>
-              <a:t>": 6, </a:t>
-            </a:r>
-          </a:p>
-          <a:p>
-            <a:pPr marL="0" indent="0">
-              <a:buNone/>
-            </a:pPr>
-            <a:r>
-              <a:rPr lang="en-US" dirty="0"/>
-              <a:t>	"rows": [ </a:t>
-            </a:r>
-          </a:p>
-          <a:p>
-            <a:pPr marL="0" indent="0">
-              <a:buNone/>
-            </a:pPr>
-            <a:r>
-              <a:rPr lang="en-US" dirty="0"/>
-              <a:t>		{"key": null, "value": 5} </a:t>
-            </a:r>
-          </a:p>
-          <a:p>
-            <a:pPr marL="0" indent="0">
-              <a:buNone/>
-            </a:pPr>
-            <a:r>
-              <a:rPr lang="en-US" dirty="0"/>
-              <a:t>		]</a:t>
-            </a:r>
-          </a:p>
-          <a:p>
-            <a:pPr marL="0" indent="0">
-              <a:buNone/>
-            </a:pPr>
-            <a:r>
-              <a:rPr lang="en-US" dirty="0"/>
-              <a:t> } </a:t>
-            </a:r>
-          </a:p>
-          <a:p>
-            <a:pPr marL="0" indent="0">
-              <a:buNone/>
-            </a:pPr>
-            <a:endParaRPr lang="en-US" dirty="0"/>
-          </a:p>
-        </p:txBody>
-      </p:sp>
-    </p:spTree>
-    <p:extLst>
-      <p:ext uri="{BB962C8B-B14F-4D97-AF65-F5344CB8AC3E}">
-        <p14:creationId xmlns:p14="http://schemas.microsoft.com/office/powerpoint/2010/main" val="1575585565"/>
-      </p:ext>
-    </p:extLst>
-  </p:cSld>
-  <p:clrMapOvr>
-    <a:masterClrMapping/>
-  </p:clrMapOvr>
-</p:sld>
-</file>
-
-<file path=ppt/slides/slide27.xml><?xml version="1.0" encoding="utf-8"?>
-<p:sld xmlns:a="http://schemas.openxmlformats.org/drawingml/2006/main" xmlns:r="http://schemas.openxmlformats.org/officeDocument/2006/relationships" xmlns:p="http://schemas.openxmlformats.org/presentationml/2006/main">
-  <p:cSld>
-    <p:spTree>
-      <p:nvGrpSpPr>
-        <p:cNvPr id="1" name=""/>
-        <p:cNvGrpSpPr/>
-        <p:nvPr/>
-      </p:nvGrpSpPr>
-      <p:grpSpPr>
-        <a:xfrm>
-          <a:off x="0" y="0"/>
-          <a:ext cx="0" cy="0"/>
-          <a:chOff x="0" y="0"/>
-          <a:chExt cx="0" cy="0"/>
-        </a:xfrm>
-      </p:grpSpPr>
-      <p:sp>
-        <p:nvSpPr>
-          <p:cNvPr id="2" name="Title 1"/>
-          <p:cNvSpPr>
-            <a:spLocks noGrp="1"/>
-          </p:cNvSpPr>
-          <p:nvPr>
-            <p:ph type="title"/>
-          </p:nvPr>
-        </p:nvSpPr>
-        <p:spPr/>
-        <p:txBody>
-          <a:bodyPr/>
-          <a:lstStyle/>
-          <a:p>
-            <a:r>
-              <a:rPr lang="en-US" sz="1000" dirty="0"/>
-              <a:t>$ curl http://localhost:5984/albums/_design/foobar/_view/by_year?group=true</a:t>
-            </a:r>
-          </a:p>
-        </p:txBody>
-      </p:sp>
-      <p:sp>
-        <p:nvSpPr>
-          <p:cNvPr id="3" name="Content Placeholder 2"/>
-          <p:cNvSpPr>
-            <a:spLocks noGrp="1"/>
-          </p:cNvSpPr>
-          <p:nvPr>
-            <p:ph idx="1"/>
-          </p:nvPr>
-        </p:nvSpPr>
-        <p:spPr/>
-        <p:txBody>
-          <a:bodyPr/>
-          <a:lstStyle/>
-          <a:p>
-            <a:pPr marL="0" indent="0">
-              <a:buNone/>
-            </a:pPr>
-            <a:r>
-              <a:rPr lang="en-US" sz="900" dirty="0"/>
-              <a:t>{</a:t>
-            </a:r>
-          </a:p>
-          <a:p>
-            <a:pPr marL="0" indent="0">
-              <a:buNone/>
-            </a:pPr>
-            <a:r>
-              <a:rPr lang="en-US" sz="900" dirty="0"/>
-              <a:t>	"</a:t>
-            </a:r>
-            <a:r>
-              <a:rPr lang="en-US" sz="900" dirty="0" err="1"/>
-              <a:t>update_seq</a:t>
-            </a:r>
-            <a:r>
-              <a:rPr lang="en-US" sz="900" dirty="0"/>
-              <a:t>": 6, </a:t>
-            </a:r>
-          </a:p>
-          <a:p>
-            <a:pPr marL="0" indent="0">
-              <a:buNone/>
-            </a:pPr>
-            <a:r>
-              <a:rPr lang="en-US" sz="900" dirty="0"/>
-              <a:t>	"rows": [ </a:t>
-            </a:r>
-          </a:p>
-          <a:p>
-            <a:pPr marL="0" indent="0">
-              <a:buNone/>
-            </a:pPr>
-            <a:r>
-              <a:rPr lang="en-US" sz="900" dirty="0"/>
-              <a:t>		{"key": 2005, "value": 1},</a:t>
-            </a:r>
-          </a:p>
-          <a:p>
-            <a:pPr marL="0" indent="0">
-              <a:buNone/>
-            </a:pPr>
-            <a:r>
-              <a:rPr lang="en-US" sz="900" dirty="0"/>
-              <a:t>		 {"key": 2009, "value": 3},</a:t>
-            </a:r>
-          </a:p>
-          <a:p>
-            <a:pPr marL="0" indent="0">
-              <a:buNone/>
-            </a:pPr>
-            <a:r>
-              <a:rPr lang="en-US" sz="900" dirty="0"/>
-              <a:t>		 {"key": 2010, "value": 1} </a:t>
-            </a:r>
-          </a:p>
-          <a:p>
-            <a:pPr marL="0" indent="0">
-              <a:buNone/>
-            </a:pPr>
-            <a:r>
-              <a:rPr lang="en-US" sz="900" dirty="0"/>
-              <a:t>	]</a:t>
-            </a:r>
-          </a:p>
-          <a:p>
-            <a:pPr marL="0" indent="0">
-              <a:buNone/>
-            </a:pPr>
-            <a:r>
-              <a:rPr lang="en-US" sz="900" dirty="0"/>
-              <a:t> }</a:t>
-            </a:r>
-          </a:p>
-          <a:p>
-            <a:pPr marL="0" indent="0">
-              <a:buNone/>
-            </a:pPr>
-            <a:r>
-              <a:rPr lang="en-US" sz="900" dirty="0"/>
-              <a:t>$ curl 'http://localhost:5984/albums/_design/</a:t>
-            </a:r>
-            <a:r>
-              <a:rPr lang="en-US" sz="900" dirty="0" err="1"/>
-              <a:t>foobar</a:t>
-            </a:r>
-            <a:r>
-              <a:rPr lang="en-US" sz="900" dirty="0"/>
-              <a:t>/_view/</a:t>
-            </a:r>
-            <a:r>
-              <a:rPr lang="en-US" sz="900" dirty="0" err="1"/>
-              <a:t>by_year</a:t>
-            </a:r>
-            <a:r>
-              <a:rPr lang="en-US" sz="900" dirty="0"/>
-              <a:t>? group=</a:t>
-            </a:r>
-            <a:r>
-              <a:rPr lang="en-US" sz="900" dirty="0" err="1"/>
-              <a:t>true&amp;startkey</a:t>
-            </a:r>
-            <a:r>
-              <a:rPr lang="en-US" sz="900" dirty="0"/>
-              <a:t>=2009&amp;endkey=2010' </a:t>
-            </a:r>
-          </a:p>
-          <a:p>
-            <a:pPr marL="0" indent="0">
-              <a:buNone/>
-            </a:pPr>
-            <a:r>
-              <a:rPr lang="en-US" sz="900" dirty="0"/>
-              <a:t>{</a:t>
-            </a:r>
-          </a:p>
-          <a:p>
-            <a:pPr marL="0" indent="0">
-              <a:buNone/>
-            </a:pPr>
-            <a:r>
-              <a:rPr lang="en-US" sz="900" dirty="0"/>
-              <a:t> 	"</a:t>
-            </a:r>
-            <a:r>
-              <a:rPr lang="en-US" sz="900" dirty="0" err="1"/>
-              <a:t>update_seq</a:t>
-            </a:r>
-            <a:r>
-              <a:rPr lang="en-US" sz="900" dirty="0"/>
-              <a:t>": 6,</a:t>
-            </a:r>
-          </a:p>
-          <a:p>
-            <a:pPr marL="0" indent="0">
-              <a:buNone/>
-            </a:pPr>
-            <a:r>
-              <a:rPr lang="en-US" sz="900" dirty="0"/>
-              <a:t> 	"rows": [</a:t>
-            </a:r>
-          </a:p>
-          <a:p>
-            <a:pPr marL="0" indent="0">
-              <a:buNone/>
-            </a:pPr>
-            <a:r>
-              <a:rPr lang="en-US" sz="900" dirty="0"/>
-              <a:t>		 {"key": 2009, "value": 3},</a:t>
-            </a:r>
-          </a:p>
-          <a:p>
-            <a:pPr marL="0" indent="0">
-              <a:buNone/>
-            </a:pPr>
-            <a:r>
-              <a:rPr lang="en-US" sz="900" dirty="0"/>
-              <a:t> 		{"key": 2010, "value": 1}</a:t>
-            </a:r>
-          </a:p>
-          <a:p>
-            <a:pPr marL="0" indent="0">
-              <a:buNone/>
-            </a:pPr>
-            <a:r>
-              <a:rPr lang="en-US" sz="900" dirty="0"/>
-              <a:t> 	]</a:t>
-            </a:r>
-          </a:p>
-          <a:p>
-            <a:pPr marL="0" indent="0">
-              <a:buNone/>
-            </a:pPr>
-            <a:r>
-              <a:rPr lang="en-US" sz="900" dirty="0"/>
-              <a:t> } </a:t>
-            </a:r>
-          </a:p>
-          <a:p>
-            <a:pPr marL="0" indent="0">
-              <a:buNone/>
-            </a:pPr>
-            <a:endParaRPr lang="en-US" sz="900" dirty="0"/>
-          </a:p>
-        </p:txBody>
-      </p:sp>
-    </p:spTree>
-    <p:extLst>
-      <p:ext uri="{BB962C8B-B14F-4D97-AF65-F5344CB8AC3E}">
-        <p14:creationId xmlns:p14="http://schemas.microsoft.com/office/powerpoint/2010/main" val="4056515053"/>
-      </p:ext>
-    </p:extLst>
-  </p:cSld>
-  <p:clrMapOvr>
-    <a:masterClrMapping/>
-  </p:clrMapOvr>
-</p:sld>
-</file>
-
 <file path=ppt/slides/slide28.xml><?xml version="1.0" encoding="utf-8"?>
 <p:sld xmlns:a="http://schemas.openxmlformats.org/drawingml/2006/main" xmlns:r="http://schemas.openxmlformats.org/officeDocument/2006/relationships" xmlns:p="http://schemas.openxmlformats.org/presentationml/2006/main">
   <p:cSld>
@@ -7985,10 +7549,12 @@
           <a:bodyPr/>
           <a:lstStyle/>
           <a:p>
-            <a:r>
-              <a:rPr lang="en-US" sz="1500" dirty="0"/>
-              <a:t>$ curl \ http://localhost:5984/albums/_design/foobar/_view/by_year?reduce=false</a:t>
-            </a:r>
+            <a:pPr algn="ctr"/>
+            <a:r>
+              <a:rPr lang="en-US" dirty="0" smtClean="0"/>
+              <a:t>Couch DB Views</a:t>
+            </a:r>
+            <a:endParaRPr lang="en-US" dirty="0"/>
           </a:p>
         </p:txBody>
       </p:sp>
@@ -8011,8 +7577,8 @@
               <a:buNone/>
             </a:pPr>
             <a:r>
-              <a:rPr lang="en-US" sz="1200" dirty="0"/>
-              <a:t>{ </a:t>
+              <a:rPr lang="en-US" b="1" dirty="0"/>
+              <a:t>Why views?</a:t>
             </a:r>
           </a:p>
           <a:p>
@@ -8020,8 +7586,8 @@
               <a:buNone/>
             </a:pPr>
             <a:r>
-              <a:rPr lang="en-US" sz="1200" dirty="0"/>
-              <a:t>	"update_seq":6,</a:t>
+              <a:rPr lang="en-US" dirty="0"/>
+              <a:t> No tables and collection.</a:t>
             </a:r>
           </a:p>
           <a:p>
@@ -8029,85 +7595,48 @@
               <a:buNone/>
             </a:pPr>
             <a:r>
-              <a:rPr lang="en-US" sz="1200" dirty="0"/>
-              <a:t>	 "rows": [ </a:t>
+              <a:rPr lang="en-US" dirty="0"/>
+              <a:t> So views</a:t>
+            </a:r>
+          </a:p>
+          <a:p>
+            <a:r>
+              <a:rPr lang="en-US" b="1" dirty="0"/>
+              <a:t>View server execute functions</a:t>
+            </a:r>
+          </a:p>
+          <a:p>
+            <a:pPr marL="514350" indent="-514350">
+              <a:buFont typeface="+mj-lt"/>
+              <a:buAutoNum type="arabicPeriod"/>
+            </a:pPr>
+            <a:r>
+              <a:rPr lang="en-US" dirty="0"/>
+              <a:t>Map – used to display a view</a:t>
+            </a:r>
+          </a:p>
+          <a:p>
+            <a:pPr marL="514350" indent="-514350">
+              <a:buFont typeface="+mj-lt"/>
+              <a:buAutoNum type="arabicPeriod"/>
+            </a:pPr>
+            <a:r>
+              <a:rPr lang="en-US" dirty="0"/>
+              <a:t>Reduce(optional) – which is used to create a sorted view</a:t>
             </a:r>
           </a:p>
           <a:p>
             <a:pPr marL="0" indent="0">
               <a:buNone/>
             </a:pPr>
-            <a:r>
-              <a:rPr lang="en-US" sz="1200" dirty="0"/>
-              <a:t>		{"id": "album3", "key": 2005, "value": 1},</a:t>
-            </a:r>
-          </a:p>
-          <a:p>
-            <a:pPr marL="0" indent="0">
-              <a:buNone/>
-            </a:pPr>
-            <a:r>
-              <a:rPr lang="en-US" sz="1200" dirty="0"/>
-              <a:t>		 {"id": "album2", "key": 2009, "value": 1},</a:t>
-            </a:r>
-          </a:p>
-          <a:p>
-            <a:pPr marL="0" indent="0">
-              <a:buNone/>
-            </a:pPr>
-            <a:r>
-              <a:rPr lang="en-US" sz="1200" dirty="0"/>
-              <a:t>		 {"id": "album4", "key": 2009, "value": 1}, </a:t>
-            </a:r>
-          </a:p>
-          <a:p>
-            <a:pPr marL="0" indent="0">
-              <a:buNone/>
-            </a:pPr>
-            <a:r>
-              <a:rPr lang="en-US" sz="1200" dirty="0"/>
-              <a:t>		{"id": "album5", "key": 2009, "value": 1}, </a:t>
-            </a:r>
-          </a:p>
-          <a:p>
-            <a:pPr marL="0" indent="0">
-              <a:buNone/>
-            </a:pPr>
-            <a:r>
-              <a:rPr lang="en-US" sz="1200" dirty="0"/>
-              <a:t>		{"id": "album1", "key": 2010, "value": 1}</a:t>
-            </a:r>
-          </a:p>
-          <a:p>
-            <a:pPr marL="0" indent="0">
-              <a:buNone/>
-            </a:pPr>
-            <a:r>
-              <a:rPr lang="en-US" sz="1200" dirty="0"/>
-              <a:t> 		]</a:t>
-            </a:r>
-          </a:p>
-          <a:p>
-            <a:pPr marL="0" indent="0">
-              <a:buNone/>
-            </a:pPr>
-            <a:r>
-              <a:rPr lang="en-US" sz="1200" dirty="0"/>
-              <a:t> }</a:t>
-            </a:r>
-          </a:p>
-          <a:p>
-            <a:pPr marL="0" indent="0">
-              <a:buNone/>
-            </a:pPr>
-            <a:endParaRPr lang="en-US" sz="1200" dirty="0"/>
+            <a:endParaRPr lang="en-US" dirty="0"/>
           </a:p>
         </p:txBody>
       </p:sp>
     </p:spTree>
     <p:extLst>
       <p:ext uri="{BB962C8B-B14F-4D97-AF65-F5344CB8AC3E}">
-        <p14:creationId xmlns:p14="http://schemas.microsoft.com/office/powerpoint/2010/main" val="2623533266"/>
+        <p14:creationId xmlns:p14="http://schemas.microsoft.com/office/powerpoint/2010/main" val="38182204"/>
       </p:ext>
     </p:extLst>
   </p:cSld>
@@ -8144,179 +7673,238 @@
             <p:ph type="title"/>
           </p:nvPr>
         </p:nvSpPr>
-        <p:spPr>
-          <a:xfrm>
-            <a:off x="1763688" y="188640"/>
-            <a:ext cx="4102968" cy="896144"/>
-          </a:xfrm>
-        </p:spPr>
+        <p:spPr/>
         <p:txBody>
           <a:bodyPr/>
           <a:lstStyle/>
           <a:p>
             <a:r>
-              <a:rPr lang="en-IN" dirty="0" smtClean="0"/>
-              <a:t>Limitations</a:t>
-            </a:r>
-            <a:endParaRPr lang="en-IN" dirty="0"/>
-          </a:p>
-        </p:txBody>
-      </p:sp>
-      <p:sp>
-        <p:nvSpPr>
-          <p:cNvPr id="3" name="Rectangle 2"/>
-          <p:cNvSpPr/>
-          <p:nvPr/>
-        </p:nvSpPr>
-        <p:spPr>
-          <a:xfrm>
-            <a:off x="1763688" y="1628800"/>
-            <a:ext cx="5976664" cy="4216539"/>
-          </a:xfrm>
-          <a:prstGeom prst="rect">
-            <a:avLst/>
-          </a:prstGeom>
-        </p:spPr>
-        <p:txBody>
-          <a:bodyPr wrap="square">
-            <a:spAutoFit/>
-          </a:bodyPr>
+              <a:rPr lang="en-US" dirty="0"/>
+              <a:t>Example Database</a:t>
+            </a:r>
+          </a:p>
+        </p:txBody>
+      </p:sp>
+      <p:sp>
+        <p:nvSpPr>
+          <p:cNvPr id="3" name="Content Placeholder 2"/>
+          <p:cNvSpPr>
+            <a:spLocks noGrp="1"/>
+          </p:cNvSpPr>
+          <p:nvPr>
+            <p:ph idx="1"/>
+          </p:nvPr>
+        </p:nvSpPr>
+        <p:spPr/>
+        <p:txBody>
+          <a:bodyPr/>
           <a:lstStyle/>
           <a:p>
-            <a:pPr marL="342900" indent="-342900">
-              <a:spcBef>
-                <a:spcPct val="100000"/>
-              </a:spcBef>
-              <a:buClr>
-                <a:schemeClr val="tx1"/>
-              </a:buClr>
-              <a:buSzPct val="167000"/>
-              <a:buFont typeface="Arial" panose="020B0604020202020204" pitchFamily="34" charset="0"/>
-              <a:buChar char="•"/>
-            </a:pPr>
-            <a:r>
-              <a:rPr lang="en-US" altLang="en-US" sz="2000" dirty="0">
-                <a:latin typeface="+mn-lt"/>
-              </a:rPr>
-              <a:t>Temporary views on large datasets are very slow.</a:t>
-            </a:r>
-          </a:p>
-          <a:p>
-            <a:pPr marL="342900" indent="-342900">
-              <a:spcBef>
-                <a:spcPct val="100000"/>
-              </a:spcBef>
-              <a:buClr>
-                <a:schemeClr val="tx1"/>
-              </a:buClr>
-              <a:buSzPct val="167000"/>
-              <a:buFont typeface="Arial" panose="020B0604020202020204" pitchFamily="34" charset="0"/>
-              <a:buChar char="•"/>
-            </a:pPr>
-            <a:r>
-              <a:rPr lang="en-US" altLang="en-US" sz="2000" dirty="0">
-                <a:latin typeface="+mn-lt"/>
-              </a:rPr>
-              <a:t>Replication of large databases may fail</a:t>
-            </a:r>
-          </a:p>
-          <a:p>
-            <a:pPr marL="342900" indent="-342900">
-              <a:spcBef>
-                <a:spcPct val="100000"/>
-              </a:spcBef>
-              <a:buClr>
-                <a:schemeClr val="tx1"/>
-              </a:buClr>
-              <a:buSzPct val="167000"/>
-              <a:buFont typeface="Arial" panose="020B0604020202020204" pitchFamily="34" charset="0"/>
-              <a:buChar char="•"/>
-            </a:pPr>
-            <a:r>
-              <a:rPr lang="en-US" altLang="en-US" sz="2000" dirty="0">
-                <a:latin typeface="+mn-lt"/>
-              </a:rPr>
-              <a:t>Documents are quite large as the data is represented using “JSON” format</a:t>
-            </a:r>
-          </a:p>
-          <a:p>
-            <a:pPr marL="342900" indent="-342900">
-              <a:spcBef>
-                <a:spcPct val="100000"/>
-              </a:spcBef>
-              <a:buClr>
-                <a:schemeClr val="tx1"/>
-              </a:buClr>
-              <a:buSzPct val="167000"/>
-              <a:buFont typeface="Arial" panose="020B0604020202020204" pitchFamily="34" charset="0"/>
-              <a:buChar char="•"/>
-            </a:pPr>
-            <a:r>
-              <a:rPr lang="en-US" altLang="en-US" sz="2000" dirty="0">
-                <a:latin typeface="+mn-lt"/>
-              </a:rPr>
-              <a:t>"Only" eventual </a:t>
-            </a:r>
-            <a:r>
-              <a:rPr lang="en-US" altLang="en-US" sz="2000" dirty="0" smtClean="0">
-                <a:latin typeface="+mn-lt"/>
-              </a:rPr>
-              <a:t>consistency.</a:t>
-            </a:r>
-          </a:p>
-          <a:p>
-            <a:pPr marL="342900" indent="-342900">
-              <a:spcBef>
-                <a:spcPct val="100000"/>
-              </a:spcBef>
-              <a:buClr>
-                <a:schemeClr val="tx1"/>
-              </a:buClr>
-              <a:buSzPct val="167000"/>
-              <a:buFont typeface="Arial" panose="020B0604020202020204" pitchFamily="34" charset="0"/>
-              <a:buChar char="•"/>
-            </a:pPr>
-            <a:r>
-              <a:rPr lang="en-US" sz="2000" dirty="0">
-                <a:latin typeface="+mn-lt"/>
-              </a:rPr>
-              <a:t>Couch maintains a different document for every update you </a:t>
-            </a:r>
-            <a:r>
-              <a:rPr lang="en-US" sz="2000" dirty="0" smtClean="0">
-                <a:latin typeface="+mn-lt"/>
-              </a:rPr>
-              <a:t>make</a:t>
-            </a:r>
-            <a:r>
-              <a:rPr lang="en-US" sz="2000" dirty="0">
-                <a:latin typeface="+mn-lt"/>
-              </a:rPr>
-              <a:t> this fills up your hard disk fast</a:t>
-            </a:r>
-            <a:endParaRPr lang="en-US" altLang="en-US" sz="2000" dirty="0">
-              <a:latin typeface="+mn-lt"/>
-            </a:endParaRPr>
+            <a:pPr marL="0" indent="0">
+              <a:buNone/>
+            </a:pPr>
+            <a:r>
+              <a:rPr lang="en-US" sz="900" dirty="0"/>
+              <a:t>{ </a:t>
+            </a:r>
+          </a:p>
+          <a:p>
+            <a:pPr marL="0" indent="0">
+              <a:buNone/>
+            </a:pPr>
+            <a:r>
+              <a:rPr lang="en-US" sz="900" dirty="0"/>
+              <a:t>"_id": "album1",</a:t>
+            </a:r>
+          </a:p>
+          <a:p>
+            <a:pPr marL="0" indent="0">
+              <a:buNone/>
+            </a:pPr>
+            <a:r>
+              <a:rPr lang="en-US" sz="900" dirty="0"/>
+              <a:t>"artist": "</a:t>
+            </a:r>
+            <a:r>
+              <a:rPr lang="en-US" sz="900" dirty="0" err="1"/>
+              <a:t>Megadeth</a:t>
+            </a:r>
+            <a:r>
+              <a:rPr lang="en-US" sz="900" dirty="0"/>
+              <a:t>",</a:t>
+            </a:r>
+          </a:p>
+          <a:p>
+            <a:pPr marL="0" indent="0">
+              <a:buNone/>
+            </a:pPr>
+            <a:r>
+              <a:rPr lang="en-US" sz="900" dirty="0"/>
+              <a:t> "title": "Endgame",</a:t>
+            </a:r>
+          </a:p>
+          <a:p>
+            <a:pPr marL="0" indent="0">
+              <a:buNone/>
+            </a:pPr>
+            <a:r>
+              <a:rPr lang="en-US" sz="900" dirty="0"/>
+              <a:t> "year": 2010 </a:t>
+            </a:r>
+          </a:p>
+          <a:p>
+            <a:pPr marL="0" indent="0">
+              <a:buNone/>
+            </a:pPr>
+            <a:r>
+              <a:rPr lang="en-US" sz="900" dirty="0"/>
+              <a:t>}</a:t>
+            </a:r>
+          </a:p>
+          <a:p>
+            <a:pPr marL="0" indent="0">
+              <a:buNone/>
+            </a:pPr>
+            <a:r>
+              <a:rPr lang="en-US" sz="900" dirty="0"/>
+              <a:t> {</a:t>
+            </a:r>
+          </a:p>
+          <a:p>
+            <a:pPr marL="0" indent="0">
+              <a:buNone/>
+            </a:pPr>
+            <a:r>
+              <a:rPr lang="en-US" sz="900" dirty="0"/>
+              <a:t> "_id": "album2",</a:t>
+            </a:r>
+          </a:p>
+          <a:p>
+            <a:pPr marL="0" indent="0">
+              <a:buNone/>
+            </a:pPr>
+            <a:r>
+              <a:rPr lang="en-US" sz="900" dirty="0"/>
+              <a:t> "artist": "Slayer",</a:t>
+            </a:r>
+          </a:p>
+          <a:p>
+            <a:pPr marL="0" indent="0">
+              <a:buNone/>
+            </a:pPr>
+            <a:r>
+              <a:rPr lang="en-US" sz="900" dirty="0"/>
+              <a:t> "</a:t>
+            </a:r>
+            <a:r>
+              <a:rPr lang="en-US" sz="900" dirty="0" err="1"/>
+              <a:t>title":"World</a:t>
+            </a:r>
+            <a:r>
+              <a:rPr lang="en-US" sz="900" dirty="0"/>
+              <a:t> Painted Blood",</a:t>
+            </a:r>
+          </a:p>
+          <a:p>
+            <a:pPr marL="0" indent="0">
+              <a:buNone/>
+            </a:pPr>
+            <a:r>
+              <a:rPr lang="en-US" sz="900" dirty="0"/>
+              <a:t> "year":2009</a:t>
+            </a:r>
+          </a:p>
+          <a:p>
+            <a:pPr marL="0" indent="0">
+              <a:buNone/>
+            </a:pPr>
+            <a:r>
+              <a:rPr lang="en-US" sz="900" dirty="0"/>
+              <a:t> </a:t>
+            </a:r>
+            <a:r>
+              <a:rPr lang="en-US" sz="900" dirty="0" smtClean="0"/>
+              <a:t>}</a:t>
+            </a:r>
+          </a:p>
+          <a:p>
+            <a:pPr marL="0" indent="0">
+              <a:buNone/>
+            </a:pPr>
+            <a:endParaRPr lang="en-US" sz="900" dirty="0"/>
+          </a:p>
+          <a:p>
+            <a:pPr marL="0" indent="0">
+              <a:buNone/>
+            </a:pPr>
+            <a:r>
+              <a:rPr lang="en-US" sz="900" dirty="0"/>
+              <a:t> {</a:t>
+            </a:r>
+          </a:p>
+          <a:p>
+            <a:pPr marL="0" indent="0">
+              <a:buNone/>
+            </a:pPr>
+            <a:r>
+              <a:rPr lang="en-US" sz="900" dirty="0"/>
+              <a:t> "_id": "album3",</a:t>
+            </a:r>
+          </a:p>
+          <a:p>
+            <a:pPr marL="0" indent="0">
+              <a:buNone/>
+            </a:pPr>
+            <a:r>
+              <a:rPr lang="en-US" sz="900" dirty="0"/>
+              <a:t> "artist": "Arcturus",</a:t>
+            </a:r>
+          </a:p>
+          <a:p>
+            <a:pPr marL="0" indent="0">
+              <a:buNone/>
+            </a:pPr>
+            <a:r>
+              <a:rPr lang="en-US" sz="900" dirty="0"/>
+              <a:t> "title": "Sideshow Symphonies",</a:t>
+            </a:r>
+          </a:p>
+          <a:p>
+            <a:pPr marL="0" indent="0">
+              <a:buNone/>
+            </a:pPr>
+            <a:r>
+              <a:rPr lang="en-US" sz="900" dirty="0"/>
+              <a:t> "year": 2005</a:t>
+            </a:r>
+          </a:p>
+          <a:p>
+            <a:pPr marL="0" indent="0">
+              <a:buNone/>
+            </a:pPr>
+            <a:r>
+              <a:rPr lang="en-US" sz="900" dirty="0"/>
+              <a:t> } </a:t>
+            </a:r>
+          </a:p>
+          <a:p>
+            <a:pPr marL="0" indent="0">
+              <a:buNone/>
+            </a:pPr>
+            <a:endParaRPr lang="en-US" sz="900" dirty="0"/>
           </a:p>
         </p:txBody>
       </p:sp>
     </p:spTree>
     <p:extLst>
       <p:ext uri="{BB962C8B-B14F-4D97-AF65-F5344CB8AC3E}">
-        <p14:creationId xmlns:p14="http://schemas.microsoft.com/office/powerpoint/2010/main" val="3585408743"/>
+        <p14:creationId xmlns:p14="http://schemas.microsoft.com/office/powerpoint/2010/main" val="1158285267"/>
       </p:ext>
     </p:extLst>
   </p:cSld>
   <p:clrMapOvr>
     <a:masterClrMapping/>
   </p:clrMapOvr>
-  <p:timing>
-    <p:tnLst>
-      <p:par>
-        <p:cTn id="1" dur="indefinite" restart="never" nodeType="tmRoot"/>
-      </p:par>
-    </p:tnLst>
-  </p:timing>
 </p:sld>
 </file>
 
@@ -8460,223 +8048,157 @@
             <p:ph type="title"/>
           </p:nvPr>
         </p:nvSpPr>
-        <p:spPr>
-          <a:xfrm>
-            <a:off x="1763688" y="228600"/>
-            <a:ext cx="6770712" cy="824136"/>
-          </a:xfrm>
-        </p:spPr>
+        <p:spPr/>
         <p:txBody>
           <a:bodyPr/>
           <a:lstStyle/>
           <a:p>
-            <a:r>
-              <a:rPr lang="en-US" dirty="0" smtClean="0"/>
-              <a:t>Compaction</a:t>
-            </a:r>
-            <a:endParaRPr lang="en-US" dirty="0"/>
-          </a:p>
-        </p:txBody>
-      </p:sp>
-      <p:sp>
-        <p:nvSpPr>
-          <p:cNvPr id="3" name="Rectangle 2"/>
-          <p:cNvSpPr/>
-          <p:nvPr/>
-        </p:nvSpPr>
-        <p:spPr>
-          <a:xfrm>
-            <a:off x="1763688" y="1533465"/>
-            <a:ext cx="5976664" cy="5324535"/>
-          </a:xfrm>
-          <a:prstGeom prst="rect">
-            <a:avLst/>
-          </a:prstGeom>
-        </p:spPr>
-        <p:txBody>
-          <a:bodyPr wrap="square">
-            <a:spAutoFit/>
-          </a:bodyPr>
+            <a:endParaRPr lang="en-US"/>
+          </a:p>
+        </p:txBody>
+      </p:sp>
+      <p:sp>
+        <p:nvSpPr>
+          <p:cNvPr id="3" name="Content Placeholder 2"/>
+          <p:cNvSpPr>
+            <a:spLocks noGrp="1"/>
+          </p:cNvSpPr>
+          <p:nvPr>
+            <p:ph idx="1"/>
+          </p:nvPr>
+        </p:nvSpPr>
+        <p:spPr/>
+        <p:txBody>
+          <a:bodyPr/>
           <a:lstStyle/>
           <a:p>
-            <a:pPr marL="342900" indent="-342900">
-              <a:spcBef>
-                <a:spcPct val="100000"/>
-              </a:spcBef>
-              <a:buClr>
-                <a:schemeClr val="tx1"/>
-              </a:buClr>
-              <a:buSzPct val="167000"/>
-              <a:buFont typeface="Arial" panose="020B0604020202020204" pitchFamily="34" charset="0"/>
-              <a:buChar char="•"/>
-            </a:pPr>
-            <a:r>
-              <a:rPr lang="en-US" altLang="en-US" sz="2000" dirty="0" smtClean="0">
-                <a:latin typeface="+mn-lt"/>
-              </a:rPr>
-              <a:t>DB/view files are written in append mode</a:t>
-            </a:r>
-          </a:p>
-          <a:p>
-            <a:pPr marL="342900" indent="-342900">
-              <a:spcBef>
-                <a:spcPct val="100000"/>
-              </a:spcBef>
-              <a:buClr>
-                <a:schemeClr val="tx1"/>
-              </a:buClr>
-              <a:buSzPct val="167000"/>
-              <a:buFont typeface="Arial" panose="020B0604020202020204" pitchFamily="34" charset="0"/>
-              <a:buChar char="•"/>
-            </a:pPr>
-            <a:r>
-              <a:rPr lang="en-US" altLang="en-US" sz="2000" dirty="0" smtClean="0">
-                <a:latin typeface="+mn-lt"/>
-              </a:rPr>
-              <a:t>Will continue to grow indefinitely</a:t>
-            </a:r>
-          </a:p>
-          <a:p>
-            <a:pPr marL="342900" indent="-342900">
-              <a:spcBef>
-                <a:spcPct val="100000"/>
-              </a:spcBef>
-              <a:buClr>
-                <a:schemeClr val="tx1"/>
-              </a:buClr>
-              <a:buSzPct val="167000"/>
-              <a:buFont typeface="Arial" panose="020B0604020202020204" pitchFamily="34" charset="0"/>
-              <a:buChar char="•"/>
-            </a:pPr>
-            <a:r>
-              <a:rPr lang="en-US" altLang="en-US" sz="2000" dirty="0">
-                <a:latin typeface="+mn-lt"/>
-              </a:rPr>
-              <a:t>A DB or View compaction operation can be </a:t>
-            </a:r>
-            <a:r>
-              <a:rPr lang="en-US" altLang="en-US" sz="2000" dirty="0" smtClean="0">
-                <a:latin typeface="+mn-lt"/>
-              </a:rPr>
-              <a:t>triggered</a:t>
-            </a:r>
-          </a:p>
-          <a:p>
-            <a:pPr marL="342900" indent="-342900">
-              <a:spcBef>
-                <a:spcPct val="100000"/>
-              </a:spcBef>
-              <a:buClr>
-                <a:schemeClr val="tx1"/>
-              </a:buClr>
-              <a:buSzPct val="167000"/>
-              <a:buFont typeface="Arial" panose="020B0604020202020204" pitchFamily="34" charset="0"/>
-              <a:buChar char="•"/>
-            </a:pPr>
-            <a:r>
-              <a:rPr lang="en-US" altLang="en-US" sz="2000" dirty="0">
-                <a:solidFill>
-                  <a:srgbClr val="0070C0"/>
-                </a:solidFill>
-                <a:latin typeface="+mn-lt"/>
-              </a:rPr>
-              <a:t>curl -X </a:t>
-            </a:r>
-            <a:r>
-              <a:rPr lang="en-US" altLang="en-US" sz="2000" dirty="0" smtClean="0">
-                <a:solidFill>
-                  <a:srgbClr val="0070C0"/>
-                </a:solidFill>
-                <a:latin typeface="+mn-lt"/>
-              </a:rPr>
-              <a:t>POST http</a:t>
-            </a:r>
-            <a:r>
-              <a:rPr lang="en-US" altLang="en-US" sz="2000" dirty="0">
-                <a:solidFill>
-                  <a:srgbClr val="0070C0"/>
-                </a:solidFill>
-                <a:latin typeface="+mn-lt"/>
-              </a:rPr>
-              <a:t>://</a:t>
-            </a:r>
-            <a:r>
-              <a:rPr lang="en-US" altLang="en-US" sz="2000" dirty="0" smtClean="0">
-                <a:solidFill>
-                  <a:srgbClr val="0070C0"/>
-                </a:solidFill>
-                <a:latin typeface="+mn-lt"/>
-              </a:rPr>
-              <a:t>127.0.0.1:5984/albums/compact</a:t>
-            </a:r>
-          </a:p>
-          <a:p>
-            <a:pPr marL="342900" indent="-342900">
-              <a:spcBef>
-                <a:spcPct val="100000"/>
-              </a:spcBef>
-              <a:buClr>
-                <a:schemeClr val="tx1"/>
-              </a:buClr>
-              <a:buSzPct val="167000"/>
-              <a:buFont typeface="Arial" panose="020B0604020202020204" pitchFamily="34" charset="0"/>
-              <a:buChar char="•"/>
-            </a:pPr>
-            <a:r>
-              <a:rPr lang="en-US" altLang="en-US" sz="2000" dirty="0" smtClean="0">
-                <a:solidFill>
-                  <a:srgbClr val="0070C0"/>
-                </a:solidFill>
-                <a:latin typeface="+mn-lt"/>
-              </a:rPr>
-              <a:t>curl </a:t>
-            </a:r>
-            <a:r>
-              <a:rPr lang="en-US" altLang="en-US" sz="2000" dirty="0">
-                <a:solidFill>
-                  <a:srgbClr val="0070C0"/>
-                </a:solidFill>
-                <a:latin typeface="+mn-lt"/>
-              </a:rPr>
-              <a:t>-X POST http://127.0.0.1:5984/albums/_design/view</a:t>
-            </a:r>
-          </a:p>
-          <a:p>
-            <a:pPr>
-              <a:spcBef>
-                <a:spcPct val="100000"/>
-              </a:spcBef>
-              <a:buClr>
-                <a:schemeClr val="tx1"/>
-              </a:buClr>
-              <a:buSzPct val="167000"/>
-            </a:pPr>
-            <a:endParaRPr lang="en-US" altLang="en-US" sz="2000" dirty="0">
-              <a:latin typeface="+mn-lt"/>
-            </a:endParaRPr>
-          </a:p>
-          <a:p>
-            <a:pPr marL="342900" indent="-342900">
-              <a:spcBef>
-                <a:spcPct val="100000"/>
-              </a:spcBef>
-              <a:buClr>
-                <a:schemeClr val="tx1"/>
-              </a:buClr>
-              <a:buSzPct val="167000"/>
-              <a:buFont typeface="Arial" panose="020B0604020202020204" pitchFamily="34" charset="0"/>
-              <a:buChar char="•"/>
-            </a:pPr>
-            <a:endParaRPr lang="en-US" altLang="en-US" sz="2000" dirty="0">
-              <a:latin typeface="+mn-lt"/>
-            </a:endParaRPr>
+            <a:pPr marL="0" indent="0">
+              <a:buNone/>
+            </a:pPr>
+            <a:r>
+              <a:rPr lang="en-US" sz="1300" dirty="0"/>
+              <a:t>{</a:t>
+            </a:r>
+          </a:p>
+          <a:p>
+            <a:pPr marL="0" indent="0">
+              <a:buNone/>
+            </a:pPr>
+            <a:r>
+              <a:rPr lang="en-US" sz="1300" dirty="0"/>
+              <a:t> "_id": "album4",</a:t>
+            </a:r>
+          </a:p>
+          <a:p>
+            <a:pPr marL="0" indent="0">
+              <a:buNone/>
+            </a:pPr>
+            <a:r>
+              <a:rPr lang="en-US" sz="1300" dirty="0"/>
+              <a:t> "artist": "</a:t>
+            </a:r>
+            <a:r>
+              <a:rPr lang="en-US" sz="1300" dirty="0" err="1"/>
+              <a:t>Pantera</a:t>
+            </a:r>
+            <a:r>
+              <a:rPr lang="en-US" sz="1300" dirty="0"/>
+              <a:t>",</a:t>
+            </a:r>
+          </a:p>
+          <a:p>
+            <a:pPr marL="0" indent="0">
+              <a:buNone/>
+            </a:pPr>
+            <a:r>
+              <a:rPr lang="en-US" sz="1300" dirty="0"/>
+              <a:t> "title": "Reinventing the Steel",</a:t>
+            </a:r>
+          </a:p>
+          <a:p>
+            <a:pPr marL="0" indent="0">
+              <a:buNone/>
+            </a:pPr>
+            <a:r>
+              <a:rPr lang="en-US" sz="1300" dirty="0"/>
+              <a:t> "year": 2009 </a:t>
+            </a:r>
+          </a:p>
+          <a:p>
+            <a:pPr marL="0" indent="0">
+              <a:buNone/>
+            </a:pPr>
+            <a:r>
+              <a:rPr lang="en-US" sz="1300" dirty="0"/>
+              <a:t>} </a:t>
+            </a:r>
+          </a:p>
+          <a:p>
+            <a:pPr marL="0" indent="0">
+              <a:buNone/>
+            </a:pPr>
+            <a:r>
+              <a:rPr lang="en-US" sz="1300" dirty="0"/>
+              <a:t>{</a:t>
+            </a:r>
+          </a:p>
+          <a:p>
+            <a:pPr marL="0" indent="0">
+              <a:buNone/>
+            </a:pPr>
+            <a:r>
+              <a:rPr lang="en-US" sz="1300" dirty="0"/>
+              <a:t> "_id": "album5",</a:t>
+            </a:r>
+          </a:p>
+          <a:p>
+            <a:pPr marL="0" indent="0">
+              <a:buNone/>
+            </a:pPr>
+            <a:r>
+              <a:rPr lang="en-US" sz="1300" dirty="0"/>
+              <a:t> "artist": "Slayer",</a:t>
+            </a:r>
+          </a:p>
+          <a:p>
+            <a:pPr marL="0" indent="0">
+              <a:buNone/>
+            </a:pPr>
+            <a:r>
+              <a:rPr lang="en-US" sz="1300" dirty="0"/>
+              <a:t> "title": "South of Heaven",</a:t>
+            </a:r>
+          </a:p>
+          <a:p>
+            <a:pPr marL="0" indent="0">
+              <a:buNone/>
+            </a:pPr>
+            <a:r>
+              <a:rPr lang="en-US" sz="1300" dirty="0"/>
+              <a:t> "year": 2009</a:t>
+            </a:r>
+          </a:p>
+          <a:p>
+            <a:pPr marL="0" indent="0">
+              <a:buNone/>
+            </a:pPr>
+            <a:r>
+              <a:rPr lang="en-US" sz="1300" dirty="0"/>
+              <a:t> }</a:t>
+            </a:r>
+          </a:p>
+          <a:p>
+            <a:pPr marL="0" indent="0">
+              <a:buNone/>
+            </a:pPr>
+            <a:endParaRPr lang="en-US" sz="1300" dirty="0"/>
           </a:p>
         </p:txBody>
       </p:sp>
     </p:spTree>
     <p:extLst>
       <p:ext uri="{BB962C8B-B14F-4D97-AF65-F5344CB8AC3E}">
-        <p14:creationId xmlns:p14="http://schemas.microsoft.com/office/powerpoint/2010/main" val="1605735986"/>
+        <p14:creationId xmlns:p14="http://schemas.microsoft.com/office/powerpoint/2010/main" val="760732511"/>
       </p:ext>
     </p:extLst>
   </p:cSld>
@@ -8713,6 +8235,1291 @@
             <p:ph type="title"/>
           </p:nvPr>
         </p:nvSpPr>
+        <p:spPr/>
+        <p:txBody>
+          <a:bodyPr/>
+          <a:lstStyle/>
+          <a:p>
+            <a:r>
+              <a:rPr lang="en-US" dirty="0"/>
+              <a:t>Map and Reduce functions</a:t>
+            </a:r>
+          </a:p>
+        </p:txBody>
+      </p:sp>
+      <p:sp>
+        <p:nvSpPr>
+          <p:cNvPr id="3" name="Content Placeholder 2"/>
+          <p:cNvSpPr>
+            <a:spLocks noGrp="1"/>
+          </p:cNvSpPr>
+          <p:nvPr>
+            <p:ph idx="1"/>
+          </p:nvPr>
+        </p:nvSpPr>
+        <p:spPr/>
+        <p:txBody>
+          <a:bodyPr/>
+          <a:lstStyle/>
+          <a:p>
+            <a:pPr marL="0" indent="0">
+              <a:buNone/>
+            </a:pPr>
+            <a:r>
+              <a:rPr lang="en-US" sz="1000" dirty="0"/>
+              <a:t>"_id": "_design/</a:t>
+            </a:r>
+            <a:r>
+              <a:rPr lang="en-US" sz="1000" dirty="0" err="1"/>
+              <a:t>foobar</a:t>
+            </a:r>
+            <a:r>
+              <a:rPr lang="en-US" sz="1000" dirty="0"/>
+              <a:t>",</a:t>
+            </a:r>
+          </a:p>
+          <a:p>
+            <a:pPr marL="0" indent="0">
+              <a:buNone/>
+            </a:pPr>
+            <a:r>
+              <a:rPr lang="en-US" sz="1000" dirty="0"/>
+              <a:t> "language": "</a:t>
+            </a:r>
+            <a:r>
+              <a:rPr lang="en-US" sz="1000" dirty="0" err="1"/>
+              <a:t>javascript</a:t>
+            </a:r>
+            <a:r>
+              <a:rPr lang="en-US" sz="1000" dirty="0"/>
+              <a:t>",</a:t>
+            </a:r>
+          </a:p>
+          <a:p>
+            <a:pPr marL="0" indent="0">
+              <a:buNone/>
+            </a:pPr>
+            <a:r>
+              <a:rPr lang="en-US" sz="1000" dirty="0"/>
+              <a:t> "views": {</a:t>
+            </a:r>
+          </a:p>
+          <a:p>
+            <a:pPr marL="0" indent="0">
+              <a:buNone/>
+            </a:pPr>
+            <a:r>
+              <a:rPr lang="en-US" sz="1000" dirty="0"/>
+              <a:t>	 "</a:t>
+            </a:r>
+            <a:r>
+              <a:rPr lang="en-US" sz="1000" dirty="0" err="1"/>
+              <a:t>by_year</a:t>
+            </a:r>
+            <a:r>
+              <a:rPr lang="en-US" sz="1000" dirty="0"/>
+              <a:t>": {</a:t>
+            </a:r>
+          </a:p>
+          <a:p>
+            <a:pPr marL="0" indent="0">
+              <a:buNone/>
+            </a:pPr>
+            <a:r>
+              <a:rPr lang="en-US" sz="1000" dirty="0"/>
+              <a:t>		 "map": "function(doc) {</a:t>
+            </a:r>
+          </a:p>
+          <a:p>
+            <a:pPr marL="0" indent="0">
+              <a:buNone/>
+            </a:pPr>
+            <a:r>
+              <a:rPr lang="en-US" sz="1000" dirty="0"/>
+              <a:t>				 if (</a:t>
+            </a:r>
+            <a:r>
+              <a:rPr lang="en-US" sz="1000" dirty="0" err="1"/>
+              <a:t>doc.year</a:t>
+            </a:r>
+            <a:r>
+              <a:rPr lang="en-US" sz="1000" dirty="0"/>
+              <a:t>) {</a:t>
+            </a:r>
+          </a:p>
+          <a:p>
+            <a:pPr marL="0" indent="0">
+              <a:buNone/>
+            </a:pPr>
+            <a:r>
+              <a:rPr lang="en-US" sz="1000" dirty="0"/>
+              <a:t>					 emit(</a:t>
+            </a:r>
+            <a:r>
+              <a:rPr lang="en-US" sz="1000" dirty="0" err="1"/>
+              <a:t>doc.year</a:t>
+            </a:r>
+            <a:r>
+              <a:rPr lang="en-US" sz="1000" dirty="0"/>
+              <a:t>, 1); </a:t>
+            </a:r>
+          </a:p>
+          <a:p>
+            <a:pPr marL="0" indent="0">
+              <a:buNone/>
+            </a:pPr>
+            <a:r>
+              <a:rPr lang="en-US" sz="1000" dirty="0"/>
+              <a:t>						}</a:t>
+            </a:r>
+          </a:p>
+          <a:p>
+            <a:pPr marL="0" indent="0">
+              <a:buNone/>
+            </a:pPr>
+            <a:r>
+              <a:rPr lang="en-US" sz="1000" dirty="0"/>
+              <a:t>					     }", </a:t>
+            </a:r>
+          </a:p>
+          <a:p>
+            <a:pPr marL="0" indent="0">
+              <a:buNone/>
+            </a:pPr>
+            <a:r>
+              <a:rPr lang="en-US" sz="1000" dirty="0"/>
+              <a:t>		"reduce": "function(keys, values, </a:t>
+            </a:r>
+            <a:r>
+              <a:rPr lang="en-US" sz="1000" dirty="0" err="1"/>
+              <a:t>rereduce</a:t>
+            </a:r>
+            <a:r>
+              <a:rPr lang="en-US" sz="1000" dirty="0"/>
+              <a:t>) { </a:t>
+            </a:r>
+          </a:p>
+          <a:p>
+            <a:pPr marL="0" indent="0">
+              <a:buNone/>
+            </a:pPr>
+            <a:r>
+              <a:rPr lang="en-US" sz="1000" dirty="0"/>
+              <a:t>				return sum(values); </a:t>
+            </a:r>
+          </a:p>
+          <a:p>
+            <a:pPr marL="0" indent="0">
+              <a:buNone/>
+            </a:pPr>
+            <a:r>
+              <a:rPr lang="en-US" sz="1000" dirty="0"/>
+              <a:t>				}" </a:t>
+            </a:r>
+          </a:p>
+          <a:p>
+            <a:pPr marL="0" indent="0">
+              <a:buNone/>
+            </a:pPr>
+            <a:r>
+              <a:rPr lang="en-US" sz="1000" dirty="0"/>
+              <a:t>		}</a:t>
+            </a:r>
+          </a:p>
+          <a:p>
+            <a:pPr marL="0" indent="0">
+              <a:buNone/>
+            </a:pPr>
+            <a:r>
+              <a:rPr lang="en-US" sz="1000" dirty="0"/>
+              <a:t>	 }</a:t>
+            </a:r>
+          </a:p>
+          <a:p>
+            <a:pPr marL="0" indent="0">
+              <a:buNone/>
+            </a:pPr>
+            <a:r>
+              <a:rPr lang="en-US" sz="1000" dirty="0"/>
+              <a:t> }</a:t>
+            </a:r>
+          </a:p>
+          <a:p>
+            <a:pPr marL="0" indent="0">
+              <a:buNone/>
+            </a:pPr>
+            <a:endParaRPr lang="en-US" sz="1000" dirty="0"/>
+          </a:p>
+        </p:txBody>
+      </p:sp>
+    </p:spTree>
+    <p:extLst>
+      <p:ext uri="{BB962C8B-B14F-4D97-AF65-F5344CB8AC3E}">
+        <p14:creationId xmlns:p14="http://schemas.microsoft.com/office/powerpoint/2010/main" val="3600238472"/>
+      </p:ext>
+    </p:extLst>
+  </p:cSld>
+  <p:clrMapOvr>
+    <a:masterClrMapping/>
+  </p:clrMapOvr>
+</p:sld>
+</file>
+
+<file path=ppt/slides/slide32.xml><?xml version="1.0" encoding="utf-8"?>
+<p:sld xmlns:a="http://schemas.openxmlformats.org/drawingml/2006/main" xmlns:r="http://schemas.openxmlformats.org/officeDocument/2006/relationships" xmlns:p="http://schemas.openxmlformats.org/presentationml/2006/main">
+  <p:cSld>
+    <p:spTree>
+      <p:nvGrpSpPr>
+        <p:cNvPr id="1" name=""/>
+        <p:cNvGrpSpPr/>
+        <p:nvPr/>
+      </p:nvGrpSpPr>
+      <p:grpSpPr>
+        <a:xfrm>
+          <a:off x="0" y="0"/>
+          <a:ext cx="0" cy="0"/>
+          <a:chOff x="0" y="0"/>
+          <a:chExt cx="0" cy="0"/>
+        </a:xfrm>
+      </p:grpSpPr>
+      <p:sp>
+        <p:nvSpPr>
+          <p:cNvPr id="2" name="Title 1"/>
+          <p:cNvSpPr>
+            <a:spLocks noGrp="1"/>
+          </p:cNvSpPr>
+          <p:nvPr>
+            <p:ph type="title"/>
+          </p:nvPr>
+        </p:nvSpPr>
+        <p:spPr/>
+        <p:txBody>
+          <a:bodyPr/>
+          <a:lstStyle/>
+          <a:p>
+            <a:r>
+              <a:rPr lang="en-US" sz="1300" dirty="0"/>
+              <a:t>$ curl </a:t>
+            </a:r>
+            <a:r>
+              <a:rPr lang="en-US" sz="1300" dirty="0">
+                <a:hlinkClick r:id="rId2"/>
+              </a:rPr>
+              <a:t>http://localhost:5984/albums/_design/foobar/_view/by_year</a:t>
+            </a:r>
+            <a:r>
+              <a:rPr lang="en-US" sz="1300" dirty="0"/>
+              <a:t/>
+            </a:r>
+            <a:br>
+              <a:rPr lang="en-US" sz="1300" dirty="0"/>
+            </a:br>
+            <a:endParaRPr lang="en-US" sz="1300" dirty="0"/>
+          </a:p>
+        </p:txBody>
+      </p:sp>
+      <p:sp>
+        <p:nvSpPr>
+          <p:cNvPr id="3" name="Content Placeholder 2"/>
+          <p:cNvSpPr>
+            <a:spLocks noGrp="1"/>
+          </p:cNvSpPr>
+          <p:nvPr>
+            <p:ph idx="1"/>
+          </p:nvPr>
+        </p:nvSpPr>
+        <p:spPr/>
+        <p:txBody>
+          <a:bodyPr/>
+          <a:lstStyle/>
+          <a:p>
+            <a:pPr marL="0" indent="0">
+              <a:buNone/>
+            </a:pPr>
+            <a:r>
+              <a:rPr lang="en-US" dirty="0"/>
+              <a:t>{</a:t>
+            </a:r>
+          </a:p>
+          <a:p>
+            <a:pPr marL="0" indent="0">
+              <a:buNone/>
+            </a:pPr>
+            <a:r>
+              <a:rPr lang="en-US" dirty="0"/>
+              <a:t>	 "</a:t>
+            </a:r>
+            <a:r>
+              <a:rPr lang="en-US" dirty="0" err="1"/>
+              <a:t>update_seq</a:t>
+            </a:r>
+            <a:r>
+              <a:rPr lang="en-US" dirty="0"/>
+              <a:t>": 6, </a:t>
+            </a:r>
+          </a:p>
+          <a:p>
+            <a:pPr marL="0" indent="0">
+              <a:buNone/>
+            </a:pPr>
+            <a:r>
+              <a:rPr lang="en-US" dirty="0"/>
+              <a:t>	"rows": [ </a:t>
+            </a:r>
+          </a:p>
+          <a:p>
+            <a:pPr marL="0" indent="0">
+              <a:buNone/>
+            </a:pPr>
+            <a:r>
+              <a:rPr lang="en-US" dirty="0"/>
+              <a:t>		{"key": null, "value": 5} </a:t>
+            </a:r>
+          </a:p>
+          <a:p>
+            <a:pPr marL="0" indent="0">
+              <a:buNone/>
+            </a:pPr>
+            <a:r>
+              <a:rPr lang="en-US" dirty="0"/>
+              <a:t>		]</a:t>
+            </a:r>
+          </a:p>
+          <a:p>
+            <a:pPr marL="0" indent="0">
+              <a:buNone/>
+            </a:pPr>
+            <a:r>
+              <a:rPr lang="en-US" dirty="0"/>
+              <a:t> } </a:t>
+            </a:r>
+          </a:p>
+          <a:p>
+            <a:pPr marL="0" indent="0">
+              <a:buNone/>
+            </a:pPr>
+            <a:endParaRPr lang="en-US" dirty="0"/>
+          </a:p>
+        </p:txBody>
+      </p:sp>
+    </p:spTree>
+    <p:extLst>
+      <p:ext uri="{BB962C8B-B14F-4D97-AF65-F5344CB8AC3E}">
+        <p14:creationId xmlns:p14="http://schemas.microsoft.com/office/powerpoint/2010/main" val="1575585565"/>
+      </p:ext>
+    </p:extLst>
+  </p:cSld>
+  <p:clrMapOvr>
+    <a:masterClrMapping/>
+  </p:clrMapOvr>
+</p:sld>
+</file>
+
+<file path=ppt/slides/slide33.xml><?xml version="1.0" encoding="utf-8"?>
+<p:sld xmlns:a="http://schemas.openxmlformats.org/drawingml/2006/main" xmlns:r="http://schemas.openxmlformats.org/officeDocument/2006/relationships" xmlns:p="http://schemas.openxmlformats.org/presentationml/2006/main">
+  <p:cSld>
+    <p:spTree>
+      <p:nvGrpSpPr>
+        <p:cNvPr id="1" name=""/>
+        <p:cNvGrpSpPr/>
+        <p:nvPr/>
+      </p:nvGrpSpPr>
+      <p:grpSpPr>
+        <a:xfrm>
+          <a:off x="0" y="0"/>
+          <a:ext cx="0" cy="0"/>
+          <a:chOff x="0" y="0"/>
+          <a:chExt cx="0" cy="0"/>
+        </a:xfrm>
+      </p:grpSpPr>
+      <p:sp>
+        <p:nvSpPr>
+          <p:cNvPr id="2" name="Title 1"/>
+          <p:cNvSpPr>
+            <a:spLocks noGrp="1"/>
+          </p:cNvSpPr>
+          <p:nvPr>
+            <p:ph type="title"/>
+          </p:nvPr>
+        </p:nvSpPr>
+        <p:spPr/>
+        <p:txBody>
+          <a:bodyPr/>
+          <a:lstStyle/>
+          <a:p>
+            <a:r>
+              <a:rPr lang="en-US" sz="1000" dirty="0"/>
+              <a:t>$ curl http://localhost:5984/albums/_design/foobar/_view/by_year?group=true</a:t>
+            </a:r>
+          </a:p>
+        </p:txBody>
+      </p:sp>
+      <p:sp>
+        <p:nvSpPr>
+          <p:cNvPr id="3" name="Content Placeholder 2"/>
+          <p:cNvSpPr>
+            <a:spLocks noGrp="1"/>
+          </p:cNvSpPr>
+          <p:nvPr>
+            <p:ph idx="1"/>
+          </p:nvPr>
+        </p:nvSpPr>
+        <p:spPr/>
+        <p:txBody>
+          <a:bodyPr/>
+          <a:lstStyle/>
+          <a:p>
+            <a:pPr marL="0" indent="0">
+              <a:buNone/>
+            </a:pPr>
+            <a:r>
+              <a:rPr lang="en-US" sz="900" dirty="0"/>
+              <a:t>{</a:t>
+            </a:r>
+          </a:p>
+          <a:p>
+            <a:pPr marL="0" indent="0">
+              <a:buNone/>
+            </a:pPr>
+            <a:r>
+              <a:rPr lang="en-US" sz="900" dirty="0"/>
+              <a:t>	"</a:t>
+            </a:r>
+            <a:r>
+              <a:rPr lang="en-US" sz="900" dirty="0" err="1"/>
+              <a:t>update_seq</a:t>
+            </a:r>
+            <a:r>
+              <a:rPr lang="en-US" sz="900" dirty="0"/>
+              <a:t>": 6, </a:t>
+            </a:r>
+          </a:p>
+          <a:p>
+            <a:pPr marL="0" indent="0">
+              <a:buNone/>
+            </a:pPr>
+            <a:r>
+              <a:rPr lang="en-US" sz="900" dirty="0"/>
+              <a:t>	"rows": [ </a:t>
+            </a:r>
+          </a:p>
+          <a:p>
+            <a:pPr marL="0" indent="0">
+              <a:buNone/>
+            </a:pPr>
+            <a:r>
+              <a:rPr lang="en-US" sz="900" dirty="0"/>
+              <a:t>		{"key": 2005, "value": 1},</a:t>
+            </a:r>
+          </a:p>
+          <a:p>
+            <a:pPr marL="0" indent="0">
+              <a:buNone/>
+            </a:pPr>
+            <a:r>
+              <a:rPr lang="en-US" sz="900" dirty="0"/>
+              <a:t>		 {"key": 2009, "value": 3},</a:t>
+            </a:r>
+          </a:p>
+          <a:p>
+            <a:pPr marL="0" indent="0">
+              <a:buNone/>
+            </a:pPr>
+            <a:r>
+              <a:rPr lang="en-US" sz="900" dirty="0"/>
+              <a:t>		 {"key": 2010, "value": 1} </a:t>
+            </a:r>
+          </a:p>
+          <a:p>
+            <a:pPr marL="0" indent="0">
+              <a:buNone/>
+            </a:pPr>
+            <a:r>
+              <a:rPr lang="en-US" sz="900" dirty="0"/>
+              <a:t>	]</a:t>
+            </a:r>
+          </a:p>
+          <a:p>
+            <a:pPr marL="0" indent="0">
+              <a:buNone/>
+            </a:pPr>
+            <a:r>
+              <a:rPr lang="en-US" sz="900" dirty="0"/>
+              <a:t> }</a:t>
+            </a:r>
+          </a:p>
+          <a:p>
+            <a:pPr marL="0" indent="0">
+              <a:buNone/>
+            </a:pPr>
+            <a:r>
+              <a:rPr lang="en-US" sz="900" dirty="0"/>
+              <a:t>$ curl 'http://localhost:5984/albums/_design/</a:t>
+            </a:r>
+            <a:r>
+              <a:rPr lang="en-US" sz="900" dirty="0" err="1"/>
+              <a:t>foobar</a:t>
+            </a:r>
+            <a:r>
+              <a:rPr lang="en-US" sz="900" dirty="0"/>
+              <a:t>/_view/</a:t>
+            </a:r>
+            <a:r>
+              <a:rPr lang="en-US" sz="900" dirty="0" err="1"/>
+              <a:t>by_year</a:t>
+            </a:r>
+            <a:r>
+              <a:rPr lang="en-US" sz="900" dirty="0"/>
+              <a:t>? group=</a:t>
+            </a:r>
+            <a:r>
+              <a:rPr lang="en-US" sz="900" dirty="0" err="1"/>
+              <a:t>true&amp;startkey</a:t>
+            </a:r>
+            <a:r>
+              <a:rPr lang="en-US" sz="900" dirty="0"/>
+              <a:t>=2009&amp;endkey=2010' </a:t>
+            </a:r>
+          </a:p>
+          <a:p>
+            <a:pPr marL="0" indent="0">
+              <a:buNone/>
+            </a:pPr>
+            <a:r>
+              <a:rPr lang="en-US" sz="900" dirty="0"/>
+              <a:t>{</a:t>
+            </a:r>
+          </a:p>
+          <a:p>
+            <a:pPr marL="0" indent="0">
+              <a:buNone/>
+            </a:pPr>
+            <a:r>
+              <a:rPr lang="en-US" sz="900" dirty="0"/>
+              <a:t> 	"</a:t>
+            </a:r>
+            <a:r>
+              <a:rPr lang="en-US" sz="900" dirty="0" err="1"/>
+              <a:t>update_seq</a:t>
+            </a:r>
+            <a:r>
+              <a:rPr lang="en-US" sz="900" dirty="0"/>
+              <a:t>": 6,</a:t>
+            </a:r>
+          </a:p>
+          <a:p>
+            <a:pPr marL="0" indent="0">
+              <a:buNone/>
+            </a:pPr>
+            <a:r>
+              <a:rPr lang="en-US" sz="900" dirty="0"/>
+              <a:t> 	"rows": [</a:t>
+            </a:r>
+          </a:p>
+          <a:p>
+            <a:pPr marL="0" indent="0">
+              <a:buNone/>
+            </a:pPr>
+            <a:r>
+              <a:rPr lang="en-US" sz="900" dirty="0"/>
+              <a:t>		 {"key": 2009, "value": 3},</a:t>
+            </a:r>
+          </a:p>
+          <a:p>
+            <a:pPr marL="0" indent="0">
+              <a:buNone/>
+            </a:pPr>
+            <a:r>
+              <a:rPr lang="en-US" sz="900" dirty="0"/>
+              <a:t> 		{"key": 2010, "value": 1}</a:t>
+            </a:r>
+          </a:p>
+          <a:p>
+            <a:pPr marL="0" indent="0">
+              <a:buNone/>
+            </a:pPr>
+            <a:r>
+              <a:rPr lang="en-US" sz="900" dirty="0"/>
+              <a:t> 	]</a:t>
+            </a:r>
+          </a:p>
+          <a:p>
+            <a:pPr marL="0" indent="0">
+              <a:buNone/>
+            </a:pPr>
+            <a:r>
+              <a:rPr lang="en-US" sz="900" dirty="0"/>
+              <a:t> } </a:t>
+            </a:r>
+          </a:p>
+          <a:p>
+            <a:pPr marL="0" indent="0">
+              <a:buNone/>
+            </a:pPr>
+            <a:endParaRPr lang="en-US" sz="900" dirty="0"/>
+          </a:p>
+        </p:txBody>
+      </p:sp>
+    </p:spTree>
+    <p:extLst>
+      <p:ext uri="{BB962C8B-B14F-4D97-AF65-F5344CB8AC3E}">
+        <p14:creationId xmlns:p14="http://schemas.microsoft.com/office/powerpoint/2010/main" val="4056515053"/>
+      </p:ext>
+    </p:extLst>
+  </p:cSld>
+  <p:clrMapOvr>
+    <a:masterClrMapping/>
+  </p:clrMapOvr>
+</p:sld>
+</file>
+
+<file path=ppt/slides/slide34.xml><?xml version="1.0" encoding="utf-8"?>
+<p:sld xmlns:a="http://schemas.openxmlformats.org/drawingml/2006/main" xmlns:r="http://schemas.openxmlformats.org/officeDocument/2006/relationships" xmlns:p="http://schemas.openxmlformats.org/presentationml/2006/main">
+  <p:cSld>
+    <p:spTree>
+      <p:nvGrpSpPr>
+        <p:cNvPr id="1" name=""/>
+        <p:cNvGrpSpPr/>
+        <p:nvPr/>
+      </p:nvGrpSpPr>
+      <p:grpSpPr>
+        <a:xfrm>
+          <a:off x="0" y="0"/>
+          <a:ext cx="0" cy="0"/>
+          <a:chOff x="0" y="0"/>
+          <a:chExt cx="0" cy="0"/>
+        </a:xfrm>
+      </p:grpSpPr>
+      <p:sp>
+        <p:nvSpPr>
+          <p:cNvPr id="2" name="Title 1"/>
+          <p:cNvSpPr>
+            <a:spLocks noGrp="1"/>
+          </p:cNvSpPr>
+          <p:nvPr>
+            <p:ph type="title"/>
+          </p:nvPr>
+        </p:nvSpPr>
+        <p:spPr/>
+        <p:txBody>
+          <a:bodyPr/>
+          <a:lstStyle/>
+          <a:p>
+            <a:r>
+              <a:rPr lang="en-US" sz="1500" dirty="0"/>
+              <a:t>$ curl \ http://localhost:5984/albums/_design/foobar/_view/by_year?reduce=false</a:t>
+            </a:r>
+          </a:p>
+        </p:txBody>
+      </p:sp>
+      <p:sp>
+        <p:nvSpPr>
+          <p:cNvPr id="3" name="Content Placeholder 2"/>
+          <p:cNvSpPr>
+            <a:spLocks noGrp="1"/>
+          </p:cNvSpPr>
+          <p:nvPr>
+            <p:ph idx="1"/>
+          </p:nvPr>
+        </p:nvSpPr>
+        <p:spPr/>
+        <p:txBody>
+          <a:bodyPr/>
+          <a:lstStyle/>
+          <a:p>
+            <a:pPr marL="0" indent="0">
+              <a:buNone/>
+            </a:pPr>
+            <a:r>
+              <a:rPr lang="en-US" sz="1200" dirty="0"/>
+              <a:t>{ </a:t>
+            </a:r>
+          </a:p>
+          <a:p>
+            <a:pPr marL="0" indent="0">
+              <a:buNone/>
+            </a:pPr>
+            <a:r>
+              <a:rPr lang="en-US" sz="1200" dirty="0"/>
+              <a:t>	"update_seq":6,</a:t>
+            </a:r>
+          </a:p>
+          <a:p>
+            <a:pPr marL="0" indent="0">
+              <a:buNone/>
+            </a:pPr>
+            <a:r>
+              <a:rPr lang="en-US" sz="1200" dirty="0"/>
+              <a:t>	 "rows": [ </a:t>
+            </a:r>
+          </a:p>
+          <a:p>
+            <a:pPr marL="0" indent="0">
+              <a:buNone/>
+            </a:pPr>
+            <a:r>
+              <a:rPr lang="en-US" sz="1200" dirty="0"/>
+              <a:t>		{"id": "album3", "key": 2005, "value": 1},</a:t>
+            </a:r>
+          </a:p>
+          <a:p>
+            <a:pPr marL="0" indent="0">
+              <a:buNone/>
+            </a:pPr>
+            <a:r>
+              <a:rPr lang="en-US" sz="1200" dirty="0"/>
+              <a:t>		 {"id": "album2", "key": 2009, "value": 1},</a:t>
+            </a:r>
+          </a:p>
+          <a:p>
+            <a:pPr marL="0" indent="0">
+              <a:buNone/>
+            </a:pPr>
+            <a:r>
+              <a:rPr lang="en-US" sz="1200" dirty="0"/>
+              <a:t>		 {"id": "album4", "key": 2009, "value": 1}, </a:t>
+            </a:r>
+          </a:p>
+          <a:p>
+            <a:pPr marL="0" indent="0">
+              <a:buNone/>
+            </a:pPr>
+            <a:r>
+              <a:rPr lang="en-US" sz="1200" dirty="0"/>
+              <a:t>		{"id": "album5", "key": 2009, "value": 1}, </a:t>
+            </a:r>
+          </a:p>
+          <a:p>
+            <a:pPr marL="0" indent="0">
+              <a:buNone/>
+            </a:pPr>
+            <a:r>
+              <a:rPr lang="en-US" sz="1200" dirty="0"/>
+              <a:t>		{"id": "album1", "key": 2010, "value": 1}</a:t>
+            </a:r>
+          </a:p>
+          <a:p>
+            <a:pPr marL="0" indent="0">
+              <a:buNone/>
+            </a:pPr>
+            <a:r>
+              <a:rPr lang="en-US" sz="1200" dirty="0"/>
+              <a:t> 		]</a:t>
+            </a:r>
+          </a:p>
+          <a:p>
+            <a:pPr marL="0" indent="0">
+              <a:buNone/>
+            </a:pPr>
+            <a:r>
+              <a:rPr lang="en-US" sz="1200" dirty="0"/>
+              <a:t> }</a:t>
+            </a:r>
+          </a:p>
+          <a:p>
+            <a:pPr marL="0" indent="0">
+              <a:buNone/>
+            </a:pPr>
+            <a:endParaRPr lang="en-US" sz="1200" dirty="0"/>
+          </a:p>
+        </p:txBody>
+      </p:sp>
+    </p:spTree>
+    <p:extLst>
+      <p:ext uri="{BB962C8B-B14F-4D97-AF65-F5344CB8AC3E}">
+        <p14:creationId xmlns:p14="http://schemas.microsoft.com/office/powerpoint/2010/main" val="2623533266"/>
+      </p:ext>
+    </p:extLst>
+  </p:cSld>
+  <p:clrMapOvr>
+    <a:masterClrMapping/>
+  </p:clrMapOvr>
+</p:sld>
+</file>
+
+<file path=ppt/slides/slide35.xml><?xml version="1.0" encoding="utf-8"?>
+<p:sld xmlns:a="http://schemas.openxmlformats.org/drawingml/2006/main" xmlns:r="http://schemas.openxmlformats.org/officeDocument/2006/relationships" xmlns:p="http://schemas.openxmlformats.org/presentationml/2006/main">
+  <p:cSld>
+    <p:spTree>
+      <p:nvGrpSpPr>
+        <p:cNvPr id="1" name=""/>
+        <p:cNvGrpSpPr/>
+        <p:nvPr/>
+      </p:nvGrpSpPr>
+      <p:grpSpPr>
+        <a:xfrm>
+          <a:off x="0" y="0"/>
+          <a:ext cx="0" cy="0"/>
+          <a:chOff x="0" y="0"/>
+          <a:chExt cx="0" cy="0"/>
+        </a:xfrm>
+      </p:grpSpPr>
+      <p:sp>
+        <p:nvSpPr>
+          <p:cNvPr id="2" name="Title 1"/>
+          <p:cNvSpPr>
+            <a:spLocks noGrp="1"/>
+          </p:cNvSpPr>
+          <p:nvPr>
+            <p:ph type="title"/>
+          </p:nvPr>
+        </p:nvSpPr>
+        <p:spPr>
+          <a:xfrm>
+            <a:off x="1763688" y="188640"/>
+            <a:ext cx="4102968" cy="896144"/>
+          </a:xfrm>
+        </p:spPr>
+        <p:txBody>
+          <a:bodyPr/>
+          <a:lstStyle/>
+          <a:p>
+            <a:r>
+              <a:rPr lang="en-IN" dirty="0" smtClean="0"/>
+              <a:t>Limitations</a:t>
+            </a:r>
+            <a:endParaRPr lang="en-IN" dirty="0"/>
+          </a:p>
+        </p:txBody>
+      </p:sp>
+      <p:sp>
+        <p:nvSpPr>
+          <p:cNvPr id="3" name="Rectangle 2"/>
+          <p:cNvSpPr/>
+          <p:nvPr/>
+        </p:nvSpPr>
+        <p:spPr>
+          <a:xfrm>
+            <a:off x="1763688" y="1628800"/>
+            <a:ext cx="5976664" cy="4216539"/>
+          </a:xfrm>
+          <a:prstGeom prst="rect">
+            <a:avLst/>
+          </a:prstGeom>
+        </p:spPr>
+        <p:txBody>
+          <a:bodyPr wrap="square">
+            <a:spAutoFit/>
+          </a:bodyPr>
+          <a:lstStyle/>
+          <a:p>
+            <a:pPr marL="342900" indent="-342900">
+              <a:spcBef>
+                <a:spcPct val="100000"/>
+              </a:spcBef>
+              <a:buClr>
+                <a:schemeClr val="tx1"/>
+              </a:buClr>
+              <a:buSzPct val="167000"/>
+              <a:buFont typeface="Arial" panose="020B0604020202020204" pitchFamily="34" charset="0"/>
+              <a:buChar char="•"/>
+            </a:pPr>
+            <a:r>
+              <a:rPr lang="en-US" altLang="en-US" sz="2000" dirty="0">
+                <a:latin typeface="+mn-lt"/>
+              </a:rPr>
+              <a:t>Temporary views on large datasets are very slow.</a:t>
+            </a:r>
+          </a:p>
+          <a:p>
+            <a:pPr marL="342900" indent="-342900">
+              <a:spcBef>
+                <a:spcPct val="100000"/>
+              </a:spcBef>
+              <a:buClr>
+                <a:schemeClr val="tx1"/>
+              </a:buClr>
+              <a:buSzPct val="167000"/>
+              <a:buFont typeface="Arial" panose="020B0604020202020204" pitchFamily="34" charset="0"/>
+              <a:buChar char="•"/>
+            </a:pPr>
+            <a:r>
+              <a:rPr lang="en-US" altLang="en-US" sz="2000" dirty="0">
+                <a:latin typeface="+mn-lt"/>
+              </a:rPr>
+              <a:t>Replication of large databases may fail</a:t>
+            </a:r>
+          </a:p>
+          <a:p>
+            <a:pPr marL="342900" indent="-342900">
+              <a:spcBef>
+                <a:spcPct val="100000"/>
+              </a:spcBef>
+              <a:buClr>
+                <a:schemeClr val="tx1"/>
+              </a:buClr>
+              <a:buSzPct val="167000"/>
+              <a:buFont typeface="Arial" panose="020B0604020202020204" pitchFamily="34" charset="0"/>
+              <a:buChar char="•"/>
+            </a:pPr>
+            <a:r>
+              <a:rPr lang="en-US" altLang="en-US" sz="2000" dirty="0">
+                <a:latin typeface="+mn-lt"/>
+              </a:rPr>
+              <a:t>Documents are quite large as the data is represented using “JSON” format</a:t>
+            </a:r>
+          </a:p>
+          <a:p>
+            <a:pPr marL="342900" indent="-342900">
+              <a:spcBef>
+                <a:spcPct val="100000"/>
+              </a:spcBef>
+              <a:buClr>
+                <a:schemeClr val="tx1"/>
+              </a:buClr>
+              <a:buSzPct val="167000"/>
+              <a:buFont typeface="Arial" panose="020B0604020202020204" pitchFamily="34" charset="0"/>
+              <a:buChar char="•"/>
+            </a:pPr>
+            <a:r>
+              <a:rPr lang="en-US" altLang="en-US" sz="2000" dirty="0">
+                <a:latin typeface="+mn-lt"/>
+              </a:rPr>
+              <a:t>"Only" eventual </a:t>
+            </a:r>
+            <a:r>
+              <a:rPr lang="en-US" altLang="en-US" sz="2000" dirty="0" smtClean="0">
+                <a:latin typeface="+mn-lt"/>
+              </a:rPr>
+              <a:t>consistency.</a:t>
+            </a:r>
+          </a:p>
+          <a:p>
+            <a:pPr marL="342900" indent="-342900">
+              <a:spcBef>
+                <a:spcPct val="100000"/>
+              </a:spcBef>
+              <a:buClr>
+                <a:schemeClr val="tx1"/>
+              </a:buClr>
+              <a:buSzPct val="167000"/>
+              <a:buFont typeface="Arial" panose="020B0604020202020204" pitchFamily="34" charset="0"/>
+              <a:buChar char="•"/>
+            </a:pPr>
+            <a:r>
+              <a:rPr lang="en-US" sz="2000" dirty="0">
+                <a:latin typeface="+mn-lt"/>
+              </a:rPr>
+              <a:t>Couch maintains a different document for every update you </a:t>
+            </a:r>
+            <a:r>
+              <a:rPr lang="en-US" sz="2000" dirty="0" smtClean="0">
+                <a:latin typeface="+mn-lt"/>
+              </a:rPr>
+              <a:t>make</a:t>
+            </a:r>
+            <a:r>
+              <a:rPr lang="en-US" sz="2000" dirty="0">
+                <a:latin typeface="+mn-lt"/>
+              </a:rPr>
+              <a:t> this fills up your hard disk fast</a:t>
+            </a:r>
+            <a:endParaRPr lang="en-US" altLang="en-US" sz="2000" dirty="0">
+              <a:latin typeface="+mn-lt"/>
+            </a:endParaRPr>
+          </a:p>
+        </p:txBody>
+      </p:sp>
+    </p:spTree>
+    <p:extLst>
+      <p:ext uri="{BB962C8B-B14F-4D97-AF65-F5344CB8AC3E}">
+        <p14:creationId xmlns:p14="http://schemas.microsoft.com/office/powerpoint/2010/main" val="3585408743"/>
+      </p:ext>
+    </p:extLst>
+  </p:cSld>
+  <p:clrMapOvr>
+    <a:masterClrMapping/>
+  </p:clrMapOvr>
+  <p:timing>
+    <p:tnLst>
+      <p:par>
+        <p:cTn id="1" dur="indefinite" restart="never" nodeType="tmRoot"/>
+      </p:par>
+    </p:tnLst>
+  </p:timing>
+</p:sld>
+</file>
+
+<file path=ppt/slides/slide36.xml><?xml version="1.0" encoding="utf-8"?>
+<p:sld xmlns:a="http://schemas.openxmlformats.org/drawingml/2006/main" xmlns:r="http://schemas.openxmlformats.org/officeDocument/2006/relationships" xmlns:p="http://schemas.openxmlformats.org/presentationml/2006/main">
+  <p:cSld>
+    <p:spTree>
+      <p:nvGrpSpPr>
+        <p:cNvPr id="1" name=""/>
+        <p:cNvGrpSpPr/>
+        <p:nvPr/>
+      </p:nvGrpSpPr>
+      <p:grpSpPr>
+        <a:xfrm>
+          <a:off x="0" y="0"/>
+          <a:ext cx="0" cy="0"/>
+          <a:chOff x="0" y="0"/>
+          <a:chExt cx="0" cy="0"/>
+        </a:xfrm>
+      </p:grpSpPr>
+      <p:sp>
+        <p:nvSpPr>
+          <p:cNvPr id="2" name="Title 1"/>
+          <p:cNvSpPr>
+            <a:spLocks noGrp="1"/>
+          </p:cNvSpPr>
+          <p:nvPr>
+            <p:ph type="title"/>
+          </p:nvPr>
+        </p:nvSpPr>
+        <p:spPr>
+          <a:xfrm>
+            <a:off x="1763688" y="228600"/>
+            <a:ext cx="6770712" cy="824136"/>
+          </a:xfrm>
+        </p:spPr>
+        <p:txBody>
+          <a:bodyPr/>
+          <a:lstStyle/>
+          <a:p>
+            <a:r>
+              <a:rPr lang="en-US" dirty="0" smtClean="0"/>
+              <a:t>Compaction</a:t>
+            </a:r>
+            <a:endParaRPr lang="en-US" dirty="0"/>
+          </a:p>
+        </p:txBody>
+      </p:sp>
+      <p:sp>
+        <p:nvSpPr>
+          <p:cNvPr id="3" name="Rectangle 2"/>
+          <p:cNvSpPr/>
+          <p:nvPr/>
+        </p:nvSpPr>
+        <p:spPr>
+          <a:xfrm>
+            <a:off x="1763688" y="1533465"/>
+            <a:ext cx="5976664" cy="5324535"/>
+          </a:xfrm>
+          <a:prstGeom prst="rect">
+            <a:avLst/>
+          </a:prstGeom>
+        </p:spPr>
+        <p:txBody>
+          <a:bodyPr wrap="square">
+            <a:spAutoFit/>
+          </a:bodyPr>
+          <a:lstStyle/>
+          <a:p>
+            <a:pPr marL="342900" indent="-342900">
+              <a:spcBef>
+                <a:spcPct val="100000"/>
+              </a:spcBef>
+              <a:buClr>
+                <a:schemeClr val="tx1"/>
+              </a:buClr>
+              <a:buSzPct val="167000"/>
+              <a:buFont typeface="Arial" panose="020B0604020202020204" pitchFamily="34" charset="0"/>
+              <a:buChar char="•"/>
+            </a:pPr>
+            <a:r>
+              <a:rPr lang="en-US" altLang="en-US" sz="2000" dirty="0" smtClean="0">
+                <a:latin typeface="+mn-lt"/>
+              </a:rPr>
+              <a:t>DB/view files are written in append mode</a:t>
+            </a:r>
+          </a:p>
+          <a:p>
+            <a:pPr marL="342900" indent="-342900">
+              <a:spcBef>
+                <a:spcPct val="100000"/>
+              </a:spcBef>
+              <a:buClr>
+                <a:schemeClr val="tx1"/>
+              </a:buClr>
+              <a:buSzPct val="167000"/>
+              <a:buFont typeface="Arial" panose="020B0604020202020204" pitchFamily="34" charset="0"/>
+              <a:buChar char="•"/>
+            </a:pPr>
+            <a:r>
+              <a:rPr lang="en-US" altLang="en-US" sz="2000" dirty="0" smtClean="0">
+                <a:latin typeface="+mn-lt"/>
+              </a:rPr>
+              <a:t>Will continue to grow indefinitely</a:t>
+            </a:r>
+          </a:p>
+          <a:p>
+            <a:pPr marL="342900" indent="-342900">
+              <a:spcBef>
+                <a:spcPct val="100000"/>
+              </a:spcBef>
+              <a:buClr>
+                <a:schemeClr val="tx1"/>
+              </a:buClr>
+              <a:buSzPct val="167000"/>
+              <a:buFont typeface="Arial" panose="020B0604020202020204" pitchFamily="34" charset="0"/>
+              <a:buChar char="•"/>
+            </a:pPr>
+            <a:r>
+              <a:rPr lang="en-US" altLang="en-US" sz="2000" dirty="0">
+                <a:latin typeface="+mn-lt"/>
+              </a:rPr>
+              <a:t>A DB or View compaction operation can be </a:t>
+            </a:r>
+            <a:r>
+              <a:rPr lang="en-US" altLang="en-US" sz="2000" dirty="0" smtClean="0">
+                <a:latin typeface="+mn-lt"/>
+              </a:rPr>
+              <a:t>triggered</a:t>
+            </a:r>
+          </a:p>
+          <a:p>
+            <a:pPr marL="342900" indent="-342900">
+              <a:spcBef>
+                <a:spcPct val="100000"/>
+              </a:spcBef>
+              <a:buClr>
+                <a:schemeClr val="tx1"/>
+              </a:buClr>
+              <a:buSzPct val="167000"/>
+              <a:buFont typeface="Arial" panose="020B0604020202020204" pitchFamily="34" charset="0"/>
+              <a:buChar char="•"/>
+            </a:pPr>
+            <a:r>
+              <a:rPr lang="en-US" altLang="en-US" sz="2000" dirty="0">
+                <a:solidFill>
+                  <a:srgbClr val="0070C0"/>
+                </a:solidFill>
+                <a:latin typeface="+mn-lt"/>
+              </a:rPr>
+              <a:t>curl -X </a:t>
+            </a:r>
+            <a:r>
+              <a:rPr lang="en-US" altLang="en-US" sz="2000" dirty="0" smtClean="0">
+                <a:solidFill>
+                  <a:srgbClr val="0070C0"/>
+                </a:solidFill>
+                <a:latin typeface="+mn-lt"/>
+              </a:rPr>
+              <a:t>POST http</a:t>
+            </a:r>
+            <a:r>
+              <a:rPr lang="en-US" altLang="en-US" sz="2000" dirty="0">
+                <a:solidFill>
+                  <a:srgbClr val="0070C0"/>
+                </a:solidFill>
+                <a:latin typeface="+mn-lt"/>
+              </a:rPr>
+              <a:t>://</a:t>
+            </a:r>
+            <a:r>
+              <a:rPr lang="en-US" altLang="en-US" sz="2000" dirty="0" smtClean="0">
+                <a:solidFill>
+                  <a:srgbClr val="0070C0"/>
+                </a:solidFill>
+                <a:latin typeface="+mn-lt"/>
+              </a:rPr>
+              <a:t>127.0.0.1:5984/albums/compact</a:t>
+            </a:r>
+          </a:p>
+          <a:p>
+            <a:pPr marL="342900" indent="-342900">
+              <a:spcBef>
+                <a:spcPct val="100000"/>
+              </a:spcBef>
+              <a:buClr>
+                <a:schemeClr val="tx1"/>
+              </a:buClr>
+              <a:buSzPct val="167000"/>
+              <a:buFont typeface="Arial" panose="020B0604020202020204" pitchFamily="34" charset="0"/>
+              <a:buChar char="•"/>
+            </a:pPr>
+            <a:r>
+              <a:rPr lang="en-US" altLang="en-US" sz="2000" dirty="0" smtClean="0">
+                <a:solidFill>
+                  <a:srgbClr val="0070C0"/>
+                </a:solidFill>
+                <a:latin typeface="+mn-lt"/>
+              </a:rPr>
+              <a:t>curl </a:t>
+            </a:r>
+            <a:r>
+              <a:rPr lang="en-US" altLang="en-US" sz="2000" dirty="0">
+                <a:solidFill>
+                  <a:srgbClr val="0070C0"/>
+                </a:solidFill>
+                <a:latin typeface="+mn-lt"/>
+              </a:rPr>
+              <a:t>-X POST http://127.0.0.1:5984/albums/_design/view</a:t>
+            </a:r>
+          </a:p>
+          <a:p>
+            <a:pPr>
+              <a:spcBef>
+                <a:spcPct val="100000"/>
+              </a:spcBef>
+              <a:buClr>
+                <a:schemeClr val="tx1"/>
+              </a:buClr>
+              <a:buSzPct val="167000"/>
+            </a:pPr>
+            <a:endParaRPr lang="en-US" altLang="en-US" sz="2000" dirty="0">
+              <a:latin typeface="+mn-lt"/>
+            </a:endParaRPr>
+          </a:p>
+          <a:p>
+            <a:pPr marL="342900" indent="-342900">
+              <a:spcBef>
+                <a:spcPct val="100000"/>
+              </a:spcBef>
+              <a:buClr>
+                <a:schemeClr val="tx1"/>
+              </a:buClr>
+              <a:buSzPct val="167000"/>
+              <a:buFont typeface="Arial" panose="020B0604020202020204" pitchFamily="34" charset="0"/>
+              <a:buChar char="•"/>
+            </a:pPr>
+            <a:endParaRPr lang="en-US" altLang="en-US" sz="2000" dirty="0">
+              <a:latin typeface="+mn-lt"/>
+            </a:endParaRPr>
+          </a:p>
+        </p:txBody>
+      </p:sp>
+    </p:spTree>
+    <p:extLst>
+      <p:ext uri="{BB962C8B-B14F-4D97-AF65-F5344CB8AC3E}">
+        <p14:creationId xmlns:p14="http://schemas.microsoft.com/office/powerpoint/2010/main" val="1605735986"/>
+      </p:ext>
+    </p:extLst>
+  </p:cSld>
+  <p:clrMapOvr>
+    <a:masterClrMapping/>
+  </p:clrMapOvr>
+</p:sld>
+</file>
+
+<file path=ppt/slides/slide37.xml><?xml version="1.0" encoding="utf-8"?>
+<p:sld xmlns:a="http://schemas.openxmlformats.org/drawingml/2006/main" xmlns:r="http://schemas.openxmlformats.org/officeDocument/2006/relationships" xmlns:p="http://schemas.openxmlformats.org/presentationml/2006/main">
+  <p:cSld>
+    <p:spTree>
+      <p:nvGrpSpPr>
+        <p:cNvPr id="1" name=""/>
+        <p:cNvGrpSpPr/>
+        <p:nvPr/>
+      </p:nvGrpSpPr>
+      <p:grpSpPr>
+        <a:xfrm>
+          <a:off x="0" y="0"/>
+          <a:ext cx="0" cy="0"/>
+          <a:chOff x="0" y="0"/>
+          <a:chExt cx="0" cy="0"/>
+        </a:xfrm>
+      </p:grpSpPr>
+      <p:sp>
+        <p:nvSpPr>
+          <p:cNvPr id="2" name="Title 1"/>
+          <p:cNvSpPr>
+            <a:spLocks noGrp="1"/>
+          </p:cNvSpPr>
+          <p:nvPr>
+            <p:ph type="title"/>
+          </p:nvPr>
+        </p:nvSpPr>
         <p:spPr>
           <a:xfrm>
             <a:off x="1763688" y="228600"/>
@@ -8771,13 +9578,7 @@
               <a:rPr lang="en-US" altLang="en-US" sz="2000" dirty="0" smtClean="0">
                 <a:latin typeface="+mn-lt"/>
               </a:rPr>
-              <a:t>. </a:t>
-            </a:r>
-            <a:r>
-              <a:rPr lang="en-US" altLang="en-US" sz="2000" dirty="0" smtClean="0">
-                <a:latin typeface="+mn-lt"/>
-              </a:rPr>
-              <a:t>Creates </a:t>
+              <a:t>. Creates </a:t>
             </a:r>
             <a:r>
               <a:rPr lang="en-US" altLang="en-US" sz="2000" dirty="0">
@@ -8870,13 +9671,7 @@
               <a:rPr lang="en-US" altLang="en-US" sz="2000" dirty="0" smtClean="0">
                 <a:latin typeface="+mn-lt"/>
               </a:rPr>
-              <a:t>iv. deletes </a:t>
-            </a:r>
-            <a:r>
-              <a:rPr lang="en-US" altLang="en-US" sz="2000" dirty="0" smtClean="0">
-                <a:latin typeface="+mn-lt"/>
-              </a:rPr>
-              <a:t>the original file and </a:t>
+              <a:t>iv. deletes the original file and </a:t>
             </a:r>
             <a:r>
               <a:rPr lang="en-US" altLang="en-US" sz="2000" dirty="0">
@@ -8916,7 +9711,7 @@
 </p:sld>
 </file>
 
-<file path=ppt/slides/slide32.xml><?xml version="1.0" encoding="utf-8"?>
+<file path=ppt/slides/slide38.xml><?xml version="1.0" encoding="utf-8"?>
 <p:sld xmlns:a="http://schemas.openxmlformats.org/drawingml/2006/main" xmlns:r="http://schemas.openxmlformats.org/officeDocument/2006/relationships" xmlns:p="http://schemas.openxmlformats.org/presentationml/2006/main">
   <p:cSld>
     <p:spTree>
@@ -9173,7 +9968,7 @@
 </p:sld>
 </file>
 
-<file path=ppt/slides/slide33.xml><?xml version="1.0" encoding="utf-8"?>
+<file path=ppt/slides/slide39.xml><?xml version="1.0" encoding="utf-8"?>
 <p:sld xmlns:a="http://schemas.openxmlformats.org/drawingml/2006/main" xmlns:r="http://schemas.openxmlformats.org/officeDocument/2006/relationships" xmlns:p="http://schemas.openxmlformats.org/presentationml/2006/main">
   <p:cSld>
     <p:spTree>
@@ -9608,13 +10403,7 @@
               <a:rPr lang="en-US" altLang="en-US" sz="2000" dirty="0" smtClean="0">
                 <a:hlinkClick r:id="rId2"/>
               </a:rPr>
-              <a:t>http</a:t>
-            </a:r>
-            <a:r>
-              <a:rPr lang="en-US" altLang="en-US" sz="2000" dirty="0" smtClean="0">
-                <a:hlinkClick r:id="rId2"/>
-              </a:rPr>
-              <a:t>://127.0.0.1:5984/</a:t>
+              <a:t>http://127.0.0.1:5984/</a:t>
             </a:r>
             <a:endParaRPr lang="en-US" altLang="en-US" sz="2000" dirty="0" smtClean="0"/>
           </a:p>

--- a/Donita/CouchDB.pptx
+++ b/Donita/CouchDB.pptx
@@ -5021,6 +5021,13 @@
   <p:clrMapOvr>
     <a:masterClrMapping/>
   </p:clrMapOvr>
+  <p:timing>
+    <p:tnLst>
+      <p:par>
+        <p:cTn id="1" dur="indefinite" restart="never" nodeType="tmRoot"/>
+      </p:par>
+    </p:tnLst>
+  </p:timing>
 </p:sld>
 </file>
 
@@ -5130,6 +5137,13 @@
   <p:clrMapOvr>
     <a:masterClrMapping/>
   </p:clrMapOvr>
+  <p:timing>
+    <p:tnLst>
+      <p:par>
+        <p:cTn id="1" dur="indefinite" restart="never" nodeType="tmRoot"/>
+      </p:par>
+    </p:tnLst>
+  </p:timing>
 </p:sld>
 </file>
 
@@ -5243,6 +5257,13 @@
   <p:clrMapOvr>
     <a:masterClrMapping/>
   </p:clrMapOvr>
+  <p:timing>
+    <p:tnLst>
+      <p:par>
+        <p:cTn id="1" dur="indefinite" restart="never" nodeType="tmRoot"/>
+      </p:par>
+    </p:tnLst>
+  </p:timing>
 </p:sld>
 </file>
 
@@ -5498,6 +5519,13 @@
   <p:clrMapOvr>
     <a:masterClrMapping/>
   </p:clrMapOvr>
+  <p:timing>
+    <p:tnLst>
+      <p:par>
+        <p:cTn id="1" dur="indefinite" restart="never" nodeType="tmRoot"/>
+      </p:par>
+    </p:tnLst>
+  </p:timing>
 </p:sld>
 </file>
 
@@ -5658,6 +5686,13 @@
   <p:clrMapOvr>
     <a:masterClrMapping/>
   </p:clrMapOvr>
+  <p:timing>
+    <p:tnLst>
+      <p:par>
+        <p:cTn id="1" dur="indefinite" restart="never" nodeType="tmRoot"/>
+      </p:par>
+    </p:tnLst>
+  </p:timing>
 </p:sld>
 </file>
 
@@ -5835,6 +5870,13 @@
   <p:clrMapOvr>
     <a:masterClrMapping/>
   </p:clrMapOvr>
+  <p:timing>
+    <p:tnLst>
+      <p:par>
+        <p:cTn id="1" dur="indefinite" restart="never" nodeType="tmRoot"/>
+      </p:par>
+    </p:tnLst>
+  </p:timing>
 </p:sld>
 </file>
 
@@ -7643,6 +7685,13 @@
   <p:clrMapOvr>
     <a:masterClrMapping/>
   </p:clrMapOvr>
+  <p:timing>
+    <p:tnLst>
+      <p:par>
+        <p:cTn id="1" dur="indefinite" restart="never" nodeType="tmRoot"/>
+      </p:par>
+    </p:tnLst>
+  </p:timing>
 </p:sld>
 </file>
 
@@ -7679,9 +7728,10 @@
           <a:lstStyle/>
           <a:p>
             <a:r>
-              <a:rPr lang="en-US" dirty="0"/>
-              <a:t>Example Database</a:t>
-            </a:r>
+              <a:rPr lang="en-US" dirty="0" smtClean="0"/>
+              <a:t>Sample Database</a:t>
+            </a:r>
+            <a:endParaRPr lang="en-US" dirty="0"/>
           </a:p>
         </p:txBody>
       </p:sp>
@@ -7905,6 +7955,13 @@
   <p:clrMapOvr>
     <a:masterClrMapping/>
   </p:clrMapOvr>
+  <p:timing>
+    <p:tnLst>
+      <p:par>
+        <p:cTn id="1" dur="indefinite" restart="never" nodeType="tmRoot"/>
+      </p:par>
+    </p:tnLst>
+  </p:timing>
 </p:sld>
 </file>
 
@@ -8040,12 +8097,12 @@
       </p:grpSpPr>
       <p:sp>
         <p:nvSpPr>
-          <p:cNvPr id="2" name="Title 1"/>
+          <p:cNvPr id="3" name="Content Placeholder 2"/>
           <p:cNvSpPr>
             <a:spLocks noGrp="1"/>
           </p:cNvSpPr>
           <p:nvPr>
-            <p:ph type="title"/>
+            <p:ph idx="1"/>
           </p:nvPr>
         </p:nvSpPr>
         <p:spPr/>
@@ -8053,145 +8110,154 @@
           <a:bodyPr/>
           <a:lstStyle/>
           <a:p>
-            <a:endParaRPr lang="en-US"/>
-          </a:p>
-        </p:txBody>
-      </p:sp>
-      <p:sp>
-        <p:nvSpPr>
-          <p:cNvPr id="3" name="Content Placeholder 2"/>
+            <a:pPr marL="0" indent="0">
+              <a:buNone/>
+            </a:pPr>
+            <a:r>
+              <a:rPr lang="en-US" sz="1300" dirty="0"/>
+              <a:t>{</a:t>
+            </a:r>
+          </a:p>
+          <a:p>
+            <a:pPr marL="0" indent="0">
+              <a:buNone/>
+            </a:pPr>
+            <a:r>
+              <a:rPr lang="en-US" sz="1300" dirty="0"/>
+              <a:t> "_id": "album4",</a:t>
+            </a:r>
+          </a:p>
+          <a:p>
+            <a:pPr marL="0" indent="0">
+              <a:buNone/>
+            </a:pPr>
+            <a:r>
+              <a:rPr lang="en-US" sz="1300" dirty="0"/>
+              <a:t> "artist": "</a:t>
+            </a:r>
+            <a:r>
+              <a:rPr lang="en-US" sz="1300" dirty="0" err="1"/>
+              <a:t>Pantera</a:t>
+            </a:r>
+            <a:r>
+              <a:rPr lang="en-US" sz="1300" dirty="0"/>
+              <a:t>",</a:t>
+            </a:r>
+          </a:p>
+          <a:p>
+            <a:pPr marL="0" indent="0">
+              <a:buNone/>
+            </a:pPr>
+            <a:r>
+              <a:rPr lang="en-US" sz="1300" dirty="0"/>
+              <a:t> "title": "Reinventing the Steel",</a:t>
+            </a:r>
+          </a:p>
+          <a:p>
+            <a:pPr marL="0" indent="0">
+              <a:buNone/>
+            </a:pPr>
+            <a:r>
+              <a:rPr lang="en-US" sz="1300" dirty="0"/>
+              <a:t> "year": 2009 </a:t>
+            </a:r>
+          </a:p>
+          <a:p>
+            <a:pPr marL="0" indent="0">
+              <a:buNone/>
+            </a:pPr>
+            <a:r>
+              <a:rPr lang="en-US" sz="1300" dirty="0"/>
+              <a:t>} </a:t>
+            </a:r>
+          </a:p>
+          <a:p>
+            <a:pPr marL="0" indent="0">
+              <a:buNone/>
+            </a:pPr>
+            <a:r>
+              <a:rPr lang="en-US" sz="1300" dirty="0"/>
+              <a:t>{</a:t>
+            </a:r>
+          </a:p>
+          <a:p>
+            <a:pPr marL="0" indent="0">
+              <a:buNone/>
+            </a:pPr>
+            <a:r>
+              <a:rPr lang="en-US" sz="1300" dirty="0"/>
+              <a:t> "_id": "album5",</a:t>
+            </a:r>
+          </a:p>
+          <a:p>
+            <a:pPr marL="0" indent="0">
+              <a:buNone/>
+            </a:pPr>
+            <a:r>
+              <a:rPr lang="en-US" sz="1300" dirty="0"/>
+              <a:t> "artist": "Slayer",</a:t>
+            </a:r>
+          </a:p>
+          <a:p>
+            <a:pPr marL="0" indent="0">
+              <a:buNone/>
+            </a:pPr>
+            <a:r>
+              <a:rPr lang="en-US" sz="1300" dirty="0"/>
+              <a:t> "title": "South of Heaven",</a:t>
+            </a:r>
+          </a:p>
+          <a:p>
+            <a:pPr marL="0" indent="0">
+              <a:buNone/>
+            </a:pPr>
+            <a:r>
+              <a:rPr lang="en-US" sz="1300" dirty="0"/>
+              <a:t> "year": 2009</a:t>
+            </a:r>
+          </a:p>
+          <a:p>
+            <a:pPr marL="0" indent="0">
+              <a:buNone/>
+            </a:pPr>
+            <a:r>
+              <a:rPr lang="en-US" sz="1300" dirty="0"/>
+              <a:t> }</a:t>
+            </a:r>
+          </a:p>
+          <a:p>
+            <a:pPr marL="0" indent="0">
+              <a:buNone/>
+            </a:pPr>
+            <a:endParaRPr lang="en-US" sz="1300" dirty="0"/>
+          </a:p>
+        </p:txBody>
+      </p:sp>
+      <p:sp>
+        <p:nvSpPr>
+          <p:cNvPr id="4" name="Title 1"/>
           <p:cNvSpPr>
             <a:spLocks noGrp="1"/>
           </p:cNvSpPr>
           <p:nvPr>
-            <p:ph idx="1"/>
-          </p:nvPr>
-        </p:nvSpPr>
-        <p:spPr/>
+            <p:ph type="title"/>
+          </p:nvPr>
+        </p:nvSpPr>
+        <p:spPr>
+          <a:xfrm>
+            <a:off x="1981200" y="228600"/>
+            <a:ext cx="6553200" cy="990600"/>
+          </a:xfrm>
+        </p:spPr>
         <p:txBody>
           <a:bodyPr/>
           <a:lstStyle/>
           <a:p>
-            <a:pPr marL="0" indent="0">
-              <a:buNone/>
-            </a:pPr>
-            <a:r>
-              <a:rPr lang="en-US" sz="1300" dirty="0"/>
-              <a:t>{</a:t>
-            </a:r>
-          </a:p>
-          <a:p>
-            <a:pPr marL="0" indent="0">
-              <a:buNone/>
-            </a:pPr>
-            <a:r>
-              <a:rPr lang="en-US" sz="1300" dirty="0"/>
-              <a:t> "_id": "album4",</a:t>
-            </a:r>
-          </a:p>
-          <a:p>
-            <a:pPr marL="0" indent="0">
-              <a:buNone/>
-            </a:pPr>
-            <a:r>
-              <a:rPr lang="en-US" sz="1300" dirty="0"/>
-              <a:t> "artist": "</a:t>
-            </a:r>
-            <a:r>
-              <a:rPr lang="en-US" sz="1300" dirty="0" err="1"/>
-              <a:t>Pantera</a:t>
-            </a:r>
-            <a:r>
-              <a:rPr lang="en-US" sz="1300" dirty="0"/>
-              <a:t>",</a:t>
-            </a:r>
-          </a:p>
-          <a:p>
-            <a:pPr marL="0" indent="0">
-              <a:buNone/>
-            </a:pPr>
-            <a:r>
-              <a:rPr lang="en-US" sz="1300" dirty="0"/>
-              <a:t> "title": "Reinventing the Steel",</a:t>
-            </a:r>
-          </a:p>
-          <a:p>
-            <a:pPr marL="0" indent="0">
-              <a:buNone/>
-            </a:pPr>
-            <a:r>
-              <a:rPr lang="en-US" sz="1300" dirty="0"/>
-              <a:t> "year": 2009 </a:t>
-            </a:r>
-          </a:p>
-          <a:p>
-            <a:pPr marL="0" indent="0">
-              <a:buNone/>
-            </a:pPr>
-            <a:r>
-              <a:rPr lang="en-US" sz="1300" dirty="0"/>
-              <a:t>} </a:t>
-            </a:r>
-          </a:p>
-          <a:p>
-            <a:pPr marL="0" indent="0">
-              <a:buNone/>
-            </a:pPr>
-            <a:r>
-              <a:rPr lang="en-US" sz="1300" dirty="0"/>
-              <a:t>{</a:t>
-            </a:r>
-          </a:p>
-          <a:p>
-            <a:pPr marL="0" indent="0">
-              <a:buNone/>
-            </a:pPr>
-            <a:r>
-              <a:rPr lang="en-US" sz="1300" dirty="0"/>
-              <a:t> "_id": "album5",</a:t>
-            </a:r>
-          </a:p>
-          <a:p>
-            <a:pPr marL="0" indent="0">
-              <a:buNone/>
-            </a:pPr>
-            <a:r>
-              <a:rPr lang="en-US" sz="1300" dirty="0"/>
-              <a:t> "artist": "Slayer",</a:t>
-            </a:r>
-          </a:p>
-          <a:p>
-            <a:pPr marL="0" indent="0">
-              <a:buNone/>
-            </a:pPr>
-            <a:r>
-              <a:rPr lang="en-US" sz="1300" dirty="0"/>
-              <a:t> "title": "South of Heaven",</a:t>
-            </a:r>
-          </a:p>
-          <a:p>
-            <a:pPr marL="0" indent="0">
-              <a:buNone/>
-            </a:pPr>
-            <a:r>
-              <a:rPr lang="en-US" sz="1300" dirty="0"/>
-              <a:t> "year": 2009</a:t>
-            </a:r>
-          </a:p>
-          <a:p>
-            <a:pPr marL="0" indent="0">
-              <a:buNone/>
-            </a:pPr>
-            <a:r>
-              <a:rPr lang="en-US" sz="1300" dirty="0"/>
-              <a:t> }</a:t>
-            </a:r>
-          </a:p>
-          <a:p>
-            <a:pPr marL="0" indent="0">
-              <a:buNone/>
-            </a:pPr>
-            <a:endParaRPr lang="en-US" sz="1300" dirty="0"/>
+            <a:r>
+              <a:rPr lang="en-US" dirty="0" smtClean="0"/>
+              <a:t>Sample Database</a:t>
+            </a:r>
+            <a:endParaRPr lang="en-US" dirty="0"/>
           </a:p>
         </p:txBody>
       </p:sp>
@@ -8205,6 +8271,13 @@
   <p:clrMapOvr>
     <a:masterClrMapping/>
   </p:clrMapOvr>
+  <p:timing>
+    <p:tnLst>
+      <p:par>
+        <p:cTn id="1" dur="indefinite" restart="never" nodeType="tmRoot"/>
+      </p:par>
+    </p:tnLst>
+  </p:timing>
 </p:sld>
 </file>
 
@@ -8462,6 +8535,13 @@
   <p:clrMapOvr>
     <a:masterClrMapping/>
   </p:clrMapOvr>
+  <p:timing>
+    <p:tnLst>
+      <p:par>
+        <p:cTn id="1" dur="indefinite" restart="never" nodeType="tmRoot"/>
+      </p:par>
+    </p:tnLst>
+  </p:timing>
 </p:sld>
 </file>
 
@@ -8492,7 +8572,12 @@
             <p:ph type="title"/>
           </p:nvPr>
         </p:nvSpPr>
-        <p:spPr/>
+        <p:spPr>
+          <a:xfrm>
+            <a:off x="1967345" y="716868"/>
+            <a:ext cx="6553200" cy="990600"/>
+          </a:xfrm>
+        </p:spPr>
         <p:txBody>
           <a:bodyPr/>
           <a:lstStyle/>
@@ -8528,7 +8613,12 @@
             <p:ph idx="1"/>
           </p:nvPr>
         </p:nvSpPr>
-        <p:spPr/>
+        <p:spPr>
+          <a:xfrm>
+            <a:off x="2286000" y="1707468"/>
+            <a:ext cx="6248400" cy="4464732"/>
+          </a:xfrm>
+        </p:spPr>
         <p:txBody>
           <a:bodyPr/>
           <a:lstStyle/>
@@ -8599,6 +8689,201 @@
               <a:buNone/>
             </a:pPr>
             <a:endParaRPr lang="en-US" dirty="0"/>
+          </a:p>
+        </p:txBody>
+      </p:sp>
+      <p:sp>
+        <p:nvSpPr>
+          <p:cNvPr id="4" name="Title 1"/>
+          <p:cNvSpPr txBox="1">
+            <a:spLocks/>
+          </p:cNvSpPr>
+          <p:nvPr/>
+        </p:nvSpPr>
+        <p:spPr bwMode="auto">
+          <a:xfrm>
+            <a:off x="1981200" y="75991"/>
+            <a:ext cx="6553200" cy="832729"/>
+          </a:xfrm>
+          <a:prstGeom prst="rect">
+            <a:avLst/>
+          </a:prstGeom>
+          <a:noFill/>
+          <a:ln>
+            <a:noFill/>
+          </a:ln>
+          <a:effectLst/>
+          <a:extLst>
+            <a:ext uri="{909E8E84-426E-40DD-AFC4-6F175D3DCCD1}">
+              <a14:hiddenFill xmlns:a14="http://schemas.microsoft.com/office/drawing/2010/main">
+                <a:solidFill>
+                  <a:schemeClr val="accent1"/>
+                </a:solidFill>
+              </a14:hiddenFill>
+            </a:ext>
+            <a:ext uri="{91240B29-F687-4F45-9708-019B960494DF}">
+              <a14:hiddenLine xmlns:a14="http://schemas.microsoft.com/office/drawing/2010/main" w="9525">
+                <a:solidFill>
+                  <a:schemeClr val="tx1"/>
+                </a:solidFill>
+                <a:miter lim="800000"/>
+                <a:headEnd/>
+                <a:tailEnd/>
+              </a14:hiddenLine>
+            </a:ext>
+            <a:ext uri="{AF507438-7753-43E0-B8FC-AC1667EBCBE1}">
+              <a14:hiddenEffects xmlns:a14="http://schemas.microsoft.com/office/drawing/2010/main">
+                <a:effectLst>
+                  <a:outerShdw dist="35921" dir="2700000" algn="ctr" rotWithShape="0">
+                    <a:srgbClr val="808080"/>
+                  </a:outerShdw>
+                </a:effectLst>
+              </a14:hiddenEffects>
+            </a:ext>
+          </a:extLst>
+        </p:spPr>
+        <p:txBody>
+          <a:bodyPr vert="horz" wrap="square" lIns="92075" tIns="46038" rIns="92075" bIns="46038" numCol="1" anchor="b" anchorCtr="0" compatLnSpc="1">
+            <a:prstTxWarp prst="textNoShape">
+              <a:avLst/>
+            </a:prstTxWarp>
+          </a:bodyPr>
+          <a:lstStyle>
+            <a:lvl1pPr algn="l" rtl="0" eaLnBrk="1" fontAlgn="base" hangingPunct="1">
+              <a:spcBef>
+                <a:spcPct val="0"/>
+              </a:spcBef>
+              <a:spcAft>
+                <a:spcPct val="0"/>
+              </a:spcAft>
+              <a:defRPr sz="3200" b="1">
+                <a:solidFill>
+                  <a:schemeClr val="tx2"/>
+                </a:solidFill>
+                <a:latin typeface="+mj-lt"/>
+                <a:ea typeface="+mj-ea"/>
+                <a:cs typeface="+mj-cs"/>
+              </a:defRPr>
+            </a:lvl1pPr>
+            <a:lvl2pPr algn="l" rtl="0" eaLnBrk="1" fontAlgn="base" hangingPunct="1">
+              <a:spcBef>
+                <a:spcPct val="0"/>
+              </a:spcBef>
+              <a:spcAft>
+                <a:spcPct val="0"/>
+              </a:spcAft>
+              <a:defRPr sz="3200" b="1">
+                <a:solidFill>
+                  <a:schemeClr val="tx2"/>
+                </a:solidFill>
+                <a:latin typeface="Verdana" pitchFamily="34" charset="0"/>
+              </a:defRPr>
+            </a:lvl2pPr>
+            <a:lvl3pPr algn="l" rtl="0" eaLnBrk="1" fontAlgn="base" hangingPunct="1">
+              <a:spcBef>
+                <a:spcPct val="0"/>
+              </a:spcBef>
+              <a:spcAft>
+                <a:spcPct val="0"/>
+              </a:spcAft>
+              <a:defRPr sz="3200" b="1">
+                <a:solidFill>
+                  <a:schemeClr val="tx2"/>
+                </a:solidFill>
+                <a:latin typeface="Verdana" pitchFamily="34" charset="0"/>
+              </a:defRPr>
+            </a:lvl3pPr>
+            <a:lvl4pPr algn="l" rtl="0" eaLnBrk="1" fontAlgn="base" hangingPunct="1">
+              <a:spcBef>
+                <a:spcPct val="0"/>
+              </a:spcBef>
+              <a:spcAft>
+                <a:spcPct val="0"/>
+              </a:spcAft>
+              <a:defRPr sz="3200" b="1">
+                <a:solidFill>
+                  <a:schemeClr val="tx2"/>
+                </a:solidFill>
+                <a:latin typeface="Verdana" pitchFamily="34" charset="0"/>
+              </a:defRPr>
+            </a:lvl4pPr>
+            <a:lvl5pPr algn="l" rtl="0" eaLnBrk="1" fontAlgn="base" hangingPunct="1">
+              <a:spcBef>
+                <a:spcPct val="0"/>
+              </a:spcBef>
+              <a:spcAft>
+                <a:spcPct val="0"/>
+              </a:spcAft>
+              <a:defRPr sz="3200" b="1">
+                <a:solidFill>
+                  <a:schemeClr val="tx2"/>
+                </a:solidFill>
+                <a:latin typeface="Verdana" pitchFamily="34" charset="0"/>
+              </a:defRPr>
+            </a:lvl5pPr>
+            <a:lvl6pPr marL="457200" algn="l" rtl="0" eaLnBrk="1" fontAlgn="base" hangingPunct="1">
+              <a:spcBef>
+                <a:spcPct val="0"/>
+              </a:spcBef>
+              <a:spcAft>
+                <a:spcPct val="0"/>
+              </a:spcAft>
+              <a:defRPr sz="3200" b="1">
+                <a:solidFill>
+                  <a:schemeClr val="tx2"/>
+                </a:solidFill>
+                <a:latin typeface="Verdana" pitchFamily="34" charset="0"/>
+              </a:defRPr>
+            </a:lvl6pPr>
+            <a:lvl7pPr marL="914400" algn="l" rtl="0" eaLnBrk="1" fontAlgn="base" hangingPunct="1">
+              <a:spcBef>
+                <a:spcPct val="0"/>
+              </a:spcBef>
+              <a:spcAft>
+                <a:spcPct val="0"/>
+              </a:spcAft>
+              <a:defRPr sz="3200" b="1">
+                <a:solidFill>
+                  <a:schemeClr val="tx2"/>
+                </a:solidFill>
+                <a:latin typeface="Verdana" pitchFamily="34" charset="0"/>
+              </a:defRPr>
+            </a:lvl7pPr>
+            <a:lvl8pPr marL="1371600" algn="l" rtl="0" eaLnBrk="1" fontAlgn="base" hangingPunct="1">
+              <a:spcBef>
+                <a:spcPct val="0"/>
+              </a:spcBef>
+              <a:spcAft>
+                <a:spcPct val="0"/>
+              </a:spcAft>
+              <a:defRPr sz="3200" b="1">
+                <a:solidFill>
+                  <a:schemeClr val="tx2"/>
+                </a:solidFill>
+                <a:latin typeface="Verdana" pitchFamily="34" charset="0"/>
+              </a:defRPr>
+            </a:lvl8pPr>
+            <a:lvl9pPr marL="1828800" algn="l" rtl="0" eaLnBrk="1" fontAlgn="base" hangingPunct="1">
+              <a:spcBef>
+                <a:spcPct val="0"/>
+              </a:spcBef>
+              <a:spcAft>
+                <a:spcPct val="0"/>
+              </a:spcAft>
+              <a:defRPr sz="3200" b="1">
+                <a:solidFill>
+                  <a:schemeClr val="tx2"/>
+                </a:solidFill>
+                <a:latin typeface="Verdana" pitchFamily="34" charset="0"/>
+              </a:defRPr>
+            </a:lvl9pPr>
+          </a:lstStyle>
+          <a:p>
+            <a:r>
+              <a:rPr lang="en-US" kern="0" dirty="0" smtClean="0"/>
+              <a:t>Map and Reduce functions</a:t>
+            </a:r>
+            <a:endParaRPr lang="en-US" kern="0" dirty="0"/>
           </a:p>
         </p:txBody>
       </p:sp>
@@ -8612,6 +8897,13 @@
   <p:clrMapOvr>
     <a:masterClrMapping/>
   </p:clrMapOvr>
+  <p:timing>
+    <p:tnLst>
+      <p:par>
+        <p:cTn id="1" dur="indefinite" restart="never" nodeType="tmRoot"/>
+      </p:par>
+    </p:tnLst>
+  </p:timing>
 </p:sld>
 </file>
 
@@ -8870,6 +9162,13 @@
   <p:clrMapOvr>
     <a:masterClrMapping/>
   </p:clrMapOvr>
+  <p:timing>
+    <p:tnLst>
+      <p:par>
+        <p:cTn id="1" dur="indefinite" restart="never" nodeType="tmRoot"/>
+      </p:par>
+    </p:tnLst>
+  </p:timing>
 </p:sld>
 </file>
 
@@ -9034,6 +9333,13 @@
   <p:clrMapOvr>
     <a:masterClrMapping/>
   </p:clrMapOvr>
+  <p:timing>
+    <p:tnLst>
+      <p:par>
+        <p:cTn id="1" dur="indefinite" restart="never" nodeType="tmRoot"/>
+      </p:par>
+    </p:tnLst>
+  </p:timing>
 </p:sld>
 </file>
 
@@ -9091,7 +9397,7 @@
         <p:spPr>
           <a:xfrm>
             <a:off x="1763688" y="1628800"/>
-            <a:ext cx="5976664" cy="4216539"/>
+            <a:ext cx="5976664" cy="3477875"/>
           </a:xfrm>
           <a:prstGeom prst="rect">
             <a:avLst/>
@@ -9118,7 +9424,19 @@
               <a:rPr lang="en-US" altLang="en-US" sz="2000" dirty="0">
                 <a:latin typeface="+mn-lt"/>
               </a:rPr>
-              <a:t>Temporary views on large datasets are very slow.</a:t>
+              <a:t>Temporary views </a:t>
+            </a:r>
+            <a:r>
+              <a:rPr lang="en-US" altLang="en-US" sz="2000" dirty="0" smtClean="0">
+                <a:latin typeface="+mn-lt"/>
+              </a:rPr>
+              <a:t>–expensive and very </a:t>
+            </a:r>
+            <a:r>
+              <a:rPr lang="en-US" altLang="en-US" sz="2000" dirty="0">
+                <a:latin typeface="+mn-lt"/>
+              </a:rPr>
+              <a:t>slow.</a:t>
             </a:r>
           </a:p>
           <a:p>
@@ -9134,10 +9452,10 @@
               <a:buChar char="•"/>
             </a:pPr>
             <a:r>
-              <a:rPr lang="en-US" altLang="en-US" sz="2000" dirty="0">
+              <a:rPr lang="en-US" altLang="en-US" sz="2000" dirty="0" smtClean="0">
                 <a:latin typeface="+mn-lt"/>
               </a:rPr>
-              <a:t>Replication of large databases may fail</a:t>
+              <a:t>Documents are quite large as the data is represented using “JSON” format</a:t>
             </a:r>
           </a:p>
           <a:p>
@@ -9153,29 +9471,16 @@
               <a:buChar char="•"/>
             </a:pPr>
             <a:r>
+              <a:rPr lang="en-US" altLang="en-US" sz="2000" dirty="0" smtClean="0">
+                <a:latin typeface="+mn-lt"/>
+              </a:rPr>
+              <a:t>"</a:t>
+            </a:r>
+            <a:r>
               <a:rPr lang="en-US" altLang="en-US" sz="2000" dirty="0">
                 <a:latin typeface="+mn-lt"/>
               </a:rPr>
-              <a:t>Documents are quite large as the data is represented using “JSON” format</a:t>
-            </a:r>
-          </a:p>
-          <a:p>
-            <a:pPr marL="342900" indent="-342900">
-              <a:spcBef>
-                <a:spcPct val="100000"/>
-              </a:spcBef>
-              <a:buClr>
-                <a:schemeClr val="tx1"/>
-              </a:buClr>
-              <a:buSzPct val="167000"/>
-              <a:buFont typeface="Arial" panose="020B0604020202020204" pitchFamily="34" charset="0"/>
-              <a:buChar char="•"/>
-            </a:pPr>
-            <a:r>
-              <a:rPr lang="en-US" altLang="en-US" sz="2000" dirty="0">
-                <a:latin typeface="+mn-lt"/>
-              </a:rPr>
-              <a:t>"Only" eventual </a:t>
+              <a:t>Only" eventual </a:t>
             </a:r>
             <a:r>
               <a:rPr lang="en-US" altLang="en-US" sz="2000" dirty="0" smtClean="0">
@@ -9490,6 +9795,13 @@
   <p:clrMapOvr>
     <a:masterClrMapping/>
   </p:clrMapOvr>
+  <p:timing>
+    <p:tnLst>
+      <p:par>
+        <p:cTn id="1" dur="indefinite" restart="never" nodeType="tmRoot"/>
+      </p:par>
+    </p:tnLst>
+  </p:timing>
 </p:sld>
 </file>
 
@@ -9708,6 +10020,13 @@
   <p:clrMapOvr>
     <a:masterClrMapping/>
   </p:clrMapOvr>
+  <p:timing>
+    <p:tnLst>
+      <p:par>
+        <p:cTn id="1" dur="indefinite" restart="never" nodeType="tmRoot"/>
+      </p:par>
+    </p:tnLst>
+  </p:timing>
 </p:sld>
 </file>
 
